--- a/node/Nodejs.pptx
+++ b/node/Nodejs.pptx
@@ -26,6 +26,7 @@
     <p:sldId id="274" r:id="rId20"/>
     <p:sldId id="275" r:id="rId21"/>
     <p:sldId id="276" r:id="rId22"/>
+    <p:sldId id="277" r:id="rId23"/>
   </p:sldIdLst>
   <p:sldSz cx="12192000" cy="6858000"/>
   <p:notesSz cx="6858000" cy="9144000"/>
@@ -309,7 +310,7 @@
           <a:p>
             <a:fld id="{7239F38A-DCDF-6E4C-B9CE-23AD5C77A21C}" type="datetimeFigureOut">
               <a:rPr lang="en-US" smtClean="0"/>
-              <a:t>1/10/25</a:t>
+              <a:t>1/13/25</a:t>
             </a:fld>
             <a:endParaRPr lang="en-US"/>
           </a:p>
@@ -509,7 +510,7 @@
           <a:p>
             <a:fld id="{7239F38A-DCDF-6E4C-B9CE-23AD5C77A21C}" type="datetimeFigureOut">
               <a:rPr lang="en-US" smtClean="0"/>
-              <a:t>1/10/25</a:t>
+              <a:t>1/13/25</a:t>
             </a:fld>
             <a:endParaRPr lang="en-US"/>
           </a:p>
@@ -719,7 +720,7 @@
           <a:p>
             <a:fld id="{7239F38A-DCDF-6E4C-B9CE-23AD5C77A21C}" type="datetimeFigureOut">
               <a:rPr lang="en-US" smtClean="0"/>
-              <a:t>1/10/25</a:t>
+              <a:t>1/13/25</a:t>
             </a:fld>
             <a:endParaRPr lang="en-US"/>
           </a:p>
@@ -919,7 +920,7 @@
           <a:p>
             <a:fld id="{7239F38A-DCDF-6E4C-B9CE-23AD5C77A21C}" type="datetimeFigureOut">
               <a:rPr lang="en-US" smtClean="0"/>
-              <a:t>1/10/25</a:t>
+              <a:t>1/13/25</a:t>
             </a:fld>
             <a:endParaRPr lang="en-US"/>
           </a:p>
@@ -1195,7 +1196,7 @@
           <a:p>
             <a:fld id="{7239F38A-DCDF-6E4C-B9CE-23AD5C77A21C}" type="datetimeFigureOut">
               <a:rPr lang="en-US" smtClean="0"/>
-              <a:t>1/10/25</a:t>
+              <a:t>1/13/25</a:t>
             </a:fld>
             <a:endParaRPr lang="en-US"/>
           </a:p>
@@ -1463,7 +1464,7 @@
           <a:p>
             <a:fld id="{7239F38A-DCDF-6E4C-B9CE-23AD5C77A21C}" type="datetimeFigureOut">
               <a:rPr lang="en-US" smtClean="0"/>
-              <a:t>1/10/25</a:t>
+              <a:t>1/13/25</a:t>
             </a:fld>
             <a:endParaRPr lang="en-US"/>
           </a:p>
@@ -1878,7 +1879,7 @@
           <a:p>
             <a:fld id="{7239F38A-DCDF-6E4C-B9CE-23AD5C77A21C}" type="datetimeFigureOut">
               <a:rPr lang="en-US" smtClean="0"/>
-              <a:t>1/10/25</a:t>
+              <a:t>1/13/25</a:t>
             </a:fld>
             <a:endParaRPr lang="en-US"/>
           </a:p>
@@ -2020,7 +2021,7 @@
           <a:p>
             <a:fld id="{7239F38A-DCDF-6E4C-B9CE-23AD5C77A21C}" type="datetimeFigureOut">
               <a:rPr lang="en-US" smtClean="0"/>
-              <a:t>1/10/25</a:t>
+              <a:t>1/13/25</a:t>
             </a:fld>
             <a:endParaRPr lang="en-US"/>
           </a:p>
@@ -2133,7 +2134,7 @@
           <a:p>
             <a:fld id="{7239F38A-DCDF-6E4C-B9CE-23AD5C77A21C}" type="datetimeFigureOut">
               <a:rPr lang="en-US" smtClean="0"/>
-              <a:t>1/10/25</a:t>
+              <a:t>1/13/25</a:t>
             </a:fld>
             <a:endParaRPr lang="en-US"/>
           </a:p>
@@ -2446,7 +2447,7 @@
           <a:p>
             <a:fld id="{7239F38A-DCDF-6E4C-B9CE-23AD5C77A21C}" type="datetimeFigureOut">
               <a:rPr lang="en-US" smtClean="0"/>
-              <a:t>1/10/25</a:t>
+              <a:t>1/13/25</a:t>
             </a:fld>
             <a:endParaRPr lang="en-US"/>
           </a:p>
@@ -2735,7 +2736,7 @@
           <a:p>
             <a:fld id="{7239F38A-DCDF-6E4C-B9CE-23AD5C77A21C}" type="datetimeFigureOut">
               <a:rPr lang="en-US" smtClean="0"/>
-              <a:t>1/10/25</a:t>
+              <a:t>1/13/25</a:t>
             </a:fld>
             <a:endParaRPr lang="en-US"/>
           </a:p>
@@ -2978,7 +2979,7 @@
           <a:p>
             <a:fld id="{7239F38A-DCDF-6E4C-B9CE-23AD5C77A21C}" type="datetimeFigureOut">
               <a:rPr lang="en-US" smtClean="0"/>
-              <a:t>1/10/25</a:t>
+              <a:t>1/13/25</a:t>
             </a:fld>
             <a:endParaRPr lang="en-US"/>
           </a:p>
@@ -6477,13 +6478,8 @@
             </a:pPr>
             <a:r>
               <a:rPr lang="en-US" dirty="0"/>
-              <a:t>Sending </a:t>
-            </a:r>
-            <a:r>
-              <a:rPr lang="en-US" dirty="0" err="1"/>
-              <a:t>Respones</a:t>
-            </a:r>
-            <a:endParaRPr lang="en-US" dirty="0"/>
+              <a:t>Sending Response</a:t>
+            </a:r>
           </a:p>
           <a:p>
             <a:pPr marL="0" indent="0">
@@ -7037,10 +7033,1065 @@
           </a:p>
         </p:txBody>
       </p:sp>
+      <p:sp>
+        <p:nvSpPr>
+          <p:cNvPr id="3" name="TextBox 2">
+            <a:extLst>
+              <a:ext uri="{FF2B5EF4-FFF2-40B4-BE49-F238E27FC236}">
+                <a16:creationId xmlns:a16="http://schemas.microsoft.com/office/drawing/2014/main" id="{3DDCBABA-B894-8CFE-72C1-81F6EB196986}"/>
+              </a:ext>
+            </a:extLst>
+          </p:cNvPr>
+          <p:cNvSpPr txBox="1"/>
+          <p:nvPr/>
+        </p:nvSpPr>
+        <p:spPr>
+          <a:xfrm>
+            <a:off x="225288" y="4301196"/>
+            <a:ext cx="4413965" cy="369332"/>
+          </a:xfrm>
+          <a:prstGeom prst="rect">
+            <a:avLst/>
+          </a:prstGeom>
+          <a:noFill/>
+        </p:spPr>
+        <p:txBody>
+          <a:bodyPr wrap="none" rtlCol="0">
+            <a:spAutoFit/>
+          </a:bodyPr>
+          <a:lstStyle/>
+          <a:p>
+            <a:r>
+              <a:rPr lang="en-US" dirty="0"/>
+              <a:t>Single Thread, Event Loop &amp; Blocking Code</a:t>
+            </a:r>
+          </a:p>
+        </p:txBody>
+      </p:sp>
+      <p:sp>
+        <p:nvSpPr>
+          <p:cNvPr id="13" name="TextBox 12">
+            <a:extLst>
+              <a:ext uri="{FF2B5EF4-FFF2-40B4-BE49-F238E27FC236}">
+                <a16:creationId xmlns:a16="http://schemas.microsoft.com/office/drawing/2014/main" id="{2C0DAF8F-DDE3-8804-4D54-EA40BCE12840}"/>
+              </a:ext>
+            </a:extLst>
+          </p:cNvPr>
+          <p:cNvSpPr txBox="1"/>
+          <p:nvPr/>
+        </p:nvSpPr>
+        <p:spPr>
+          <a:xfrm>
+            <a:off x="225288" y="5106236"/>
+            <a:ext cx="1690399" cy="369332"/>
+          </a:xfrm>
+          <a:prstGeom prst="rect">
+            <a:avLst/>
+          </a:prstGeom>
+          <a:noFill/>
+        </p:spPr>
+        <p:txBody>
+          <a:bodyPr wrap="none" rtlCol="0">
+            <a:spAutoFit/>
+          </a:bodyPr>
+          <a:lstStyle/>
+          <a:p>
+            <a:r>
+              <a:rPr lang="en-US" dirty="0"/>
+              <a:t>The Event Loop</a:t>
+            </a:r>
+          </a:p>
+        </p:txBody>
+      </p:sp>
+      <p:sp>
+        <p:nvSpPr>
+          <p:cNvPr id="14" name="TextBox 13">
+            <a:extLst>
+              <a:ext uri="{FF2B5EF4-FFF2-40B4-BE49-F238E27FC236}">
+                <a16:creationId xmlns:a16="http://schemas.microsoft.com/office/drawing/2014/main" id="{9BCA8F2D-D8DD-EBDE-B933-5544CB96C028}"/>
+              </a:ext>
+            </a:extLst>
+          </p:cNvPr>
+          <p:cNvSpPr txBox="1"/>
+          <p:nvPr/>
+        </p:nvSpPr>
+        <p:spPr>
+          <a:xfrm>
+            <a:off x="298176" y="5669454"/>
+            <a:ext cx="3508974" cy="369332"/>
+          </a:xfrm>
+          <a:prstGeom prst="rect">
+            <a:avLst/>
+          </a:prstGeom>
+          <a:noFill/>
+        </p:spPr>
+        <p:txBody>
+          <a:bodyPr wrap="none" rtlCol="0">
+            <a:spAutoFit/>
+          </a:bodyPr>
+          <a:lstStyle/>
+          <a:p>
+            <a:r>
+              <a:rPr lang="en-US" dirty="0"/>
+              <a:t>Using the Node Modules Systems</a:t>
+            </a:r>
+          </a:p>
+        </p:txBody>
+      </p:sp>
     </p:spTree>
     <p:extLst>
       <p:ext uri="{BB962C8B-B14F-4D97-AF65-F5344CB8AC3E}">
         <p14:creationId xmlns:p14="http://schemas.microsoft.com/office/powerpoint/2010/main" val="1502694954"/>
+      </p:ext>
+    </p:extLst>
+  </p:cSld>
+  <p:clrMapOvr>
+    <a:masterClrMapping/>
+  </p:clrMapOvr>
+</p:sld>
+</file>
+
+<file path=ppt/slides/slide22.xml><?xml version="1.0" encoding="utf-8"?>
+<p:sld xmlns:a="http://schemas.openxmlformats.org/drawingml/2006/main" xmlns:r="http://schemas.openxmlformats.org/officeDocument/2006/relationships" xmlns:p="http://schemas.openxmlformats.org/presentationml/2006/main">
+  <p:cSld>
+    <p:spTree>
+      <p:nvGrpSpPr>
+        <p:cNvPr id="1" name=""/>
+        <p:cNvGrpSpPr/>
+        <p:nvPr/>
+      </p:nvGrpSpPr>
+      <p:grpSpPr>
+        <a:xfrm>
+          <a:off x="0" y="0"/>
+          <a:ext cx="0" cy="0"/>
+          <a:chOff x="0" y="0"/>
+          <a:chExt cx="0" cy="0"/>
+        </a:xfrm>
+      </p:grpSpPr>
+      <p:sp>
+        <p:nvSpPr>
+          <p:cNvPr id="4" name="TextBox 3">
+            <a:extLst>
+              <a:ext uri="{FF2B5EF4-FFF2-40B4-BE49-F238E27FC236}">
+                <a16:creationId xmlns:a16="http://schemas.microsoft.com/office/drawing/2014/main" id="{0A58DAA2-D0CF-65F8-FD47-AE2E2097DBA9}"/>
+              </a:ext>
+            </a:extLst>
+          </p:cNvPr>
+          <p:cNvSpPr txBox="1"/>
+          <p:nvPr/>
+        </p:nvSpPr>
+        <p:spPr>
+          <a:xfrm>
+            <a:off x="5300870" y="397565"/>
+            <a:ext cx="1940211" cy="369332"/>
+          </a:xfrm>
+          <a:prstGeom prst="rect">
+            <a:avLst/>
+          </a:prstGeom>
+          <a:noFill/>
+        </p:spPr>
+        <p:txBody>
+          <a:bodyPr wrap="none" rtlCol="0">
+            <a:spAutoFit/>
+          </a:bodyPr>
+          <a:lstStyle/>
+          <a:p>
+            <a:r>
+              <a:rPr lang="en-US" dirty="0"/>
+              <a:t>Module Summary</a:t>
+            </a:r>
+          </a:p>
+        </p:txBody>
+      </p:sp>
+      <p:grpSp>
+        <p:nvGrpSpPr>
+          <p:cNvPr id="7" name="Group 6">
+            <a:extLst>
+              <a:ext uri="{FF2B5EF4-FFF2-40B4-BE49-F238E27FC236}">
+                <a16:creationId xmlns:a16="http://schemas.microsoft.com/office/drawing/2014/main" id="{52BFF198-68FE-7798-1278-4274FDD9DD4B}"/>
+              </a:ext>
+            </a:extLst>
+          </p:cNvPr>
+          <p:cNvGrpSpPr/>
+          <p:nvPr/>
+        </p:nvGrpSpPr>
+        <p:grpSpPr>
+          <a:xfrm>
+            <a:off x="318052" y="766897"/>
+            <a:ext cx="5274366" cy="1220929"/>
+            <a:chOff x="318051" y="766897"/>
+            <a:chExt cx="5596999" cy="1181173"/>
+          </a:xfrm>
+        </p:grpSpPr>
+        <p:sp>
+          <p:nvSpPr>
+            <p:cNvPr id="5" name="Rectangle 4">
+              <a:extLst>
+                <a:ext uri="{FF2B5EF4-FFF2-40B4-BE49-F238E27FC236}">
+                  <a16:creationId xmlns:a16="http://schemas.microsoft.com/office/drawing/2014/main" id="{7E570AA1-8AA4-6C8F-0B01-C8D70CA6EF60}"/>
+                </a:ext>
+              </a:extLst>
+            </p:cNvPr>
+            <p:cNvSpPr/>
+            <p:nvPr/>
+          </p:nvSpPr>
+          <p:spPr>
+            <a:xfrm>
+              <a:off x="318051" y="766897"/>
+              <a:ext cx="5596999" cy="1181173"/>
+            </a:xfrm>
+            <a:prstGeom prst="rect">
+              <a:avLst/>
+            </a:prstGeom>
+            <a:solidFill>
+              <a:schemeClr val="accent2">
+                <a:lumMod val="60000"/>
+                <a:lumOff val="40000"/>
+              </a:schemeClr>
+            </a:solidFill>
+          </p:spPr>
+          <p:style>
+            <a:lnRef idx="2">
+              <a:schemeClr val="accent6"/>
+            </a:lnRef>
+            <a:fillRef idx="1">
+              <a:schemeClr val="lt1"/>
+            </a:fillRef>
+            <a:effectRef idx="0">
+              <a:schemeClr val="accent6"/>
+            </a:effectRef>
+            <a:fontRef idx="minor">
+              <a:schemeClr val="dk1"/>
+            </a:fontRef>
+          </p:style>
+          <p:txBody>
+            <a:bodyPr rtlCol="0" anchor="ctr"/>
+            <a:lstStyle/>
+            <a:p>
+              <a:pPr algn="ctr"/>
+              <a:r>
+                <a:rPr lang="en-US" dirty="0"/>
+                <a:t>Client =&gt; Request =&gt; Server =&gt; Response =&gt; Client</a:t>
+              </a:r>
+            </a:p>
+          </p:txBody>
+        </p:sp>
+        <p:sp>
+          <p:nvSpPr>
+            <p:cNvPr id="6" name="Rectangle 5">
+              <a:extLst>
+                <a:ext uri="{FF2B5EF4-FFF2-40B4-BE49-F238E27FC236}">
+                  <a16:creationId xmlns:a16="http://schemas.microsoft.com/office/drawing/2014/main" id="{76D668C8-B06C-DC80-C502-B8F9BEEA651A}"/>
+                </a:ext>
+              </a:extLst>
+            </p:cNvPr>
+            <p:cNvSpPr/>
+            <p:nvPr/>
+          </p:nvSpPr>
+          <p:spPr>
+            <a:xfrm>
+              <a:off x="318052" y="766897"/>
+              <a:ext cx="5596998" cy="399294"/>
+            </a:xfrm>
+            <a:prstGeom prst="rect">
+              <a:avLst/>
+            </a:prstGeom>
+            <a:solidFill>
+              <a:schemeClr val="accent2">
+                <a:lumMod val="50000"/>
+              </a:schemeClr>
+            </a:solidFill>
+          </p:spPr>
+          <p:style>
+            <a:lnRef idx="2">
+              <a:schemeClr val="accent1">
+                <a:shade val="15000"/>
+              </a:schemeClr>
+            </a:lnRef>
+            <a:fillRef idx="1">
+              <a:schemeClr val="accent1"/>
+            </a:fillRef>
+            <a:effectRef idx="0">
+              <a:schemeClr val="accent1"/>
+            </a:effectRef>
+            <a:fontRef idx="minor">
+              <a:schemeClr val="lt1"/>
+            </a:fontRef>
+          </p:style>
+          <p:txBody>
+            <a:bodyPr rtlCol="0" anchor="ctr"/>
+            <a:lstStyle/>
+            <a:p>
+              <a:pPr algn="ctr"/>
+              <a:r>
+                <a:rPr lang="en-US" b="1" dirty="0">
+                  <a:ln w="10160">
+                    <a:solidFill>
+                      <a:schemeClr val="accent5"/>
+                    </a:solidFill>
+                    <a:prstDash val="solid"/>
+                  </a:ln>
+                  <a:solidFill>
+                    <a:srgbClr val="FFFFFF"/>
+                  </a:solidFill>
+                  <a:effectLst>
+                    <a:outerShdw blurRad="38100" dist="22860" dir="5400000" algn="tl" rotWithShape="0">
+                      <a:srgbClr val="000000">
+                        <a:alpha val="30000"/>
+                      </a:srgbClr>
+                    </a:outerShdw>
+                  </a:effectLst>
+                </a:rPr>
+                <a:t>How the Web Works</a:t>
+              </a:r>
+            </a:p>
+          </p:txBody>
+        </p:sp>
+      </p:grpSp>
+      <p:sp>
+        <p:nvSpPr>
+          <p:cNvPr id="9" name="Rectangle 8">
+            <a:extLst>
+              <a:ext uri="{FF2B5EF4-FFF2-40B4-BE49-F238E27FC236}">
+                <a16:creationId xmlns:a16="http://schemas.microsoft.com/office/drawing/2014/main" id="{C1D75673-0C27-F2B1-546D-39974C3BBD74}"/>
+              </a:ext>
+            </a:extLst>
+          </p:cNvPr>
+          <p:cNvSpPr/>
+          <p:nvPr/>
+        </p:nvSpPr>
+        <p:spPr>
+          <a:xfrm>
+            <a:off x="6599584" y="1296983"/>
+            <a:ext cx="5274366" cy="1563757"/>
+          </a:xfrm>
+          <a:prstGeom prst="rect">
+            <a:avLst/>
+          </a:prstGeom>
+          <a:solidFill>
+            <a:schemeClr val="accent2">
+              <a:lumMod val="60000"/>
+              <a:lumOff val="40000"/>
+            </a:schemeClr>
+          </a:solidFill>
+        </p:spPr>
+        <p:style>
+          <a:lnRef idx="2">
+            <a:schemeClr val="accent6"/>
+          </a:lnRef>
+          <a:fillRef idx="1">
+            <a:schemeClr val="lt1"/>
+          </a:fillRef>
+          <a:effectRef idx="0">
+            <a:schemeClr val="accent6"/>
+          </a:effectRef>
+          <a:fontRef idx="minor">
+            <a:schemeClr val="dk1"/>
+          </a:fontRef>
+        </p:style>
+        <p:txBody>
+          <a:bodyPr rtlCol="0" anchor="ctr"/>
+          <a:lstStyle/>
+          <a:p>
+            <a:pPr marL="285750" indent="-285750" algn="ctr">
+              <a:buFont typeface="Arial" panose="020B0604020202020204" pitchFamily="34" charset="0"/>
+              <a:buChar char="•"/>
+            </a:pPr>
+            <a:r>
+              <a:rPr lang="en-US" dirty="0"/>
+              <a:t>Nodejs ships with multiple core modules (http, fs, path, ….)</a:t>
+            </a:r>
+          </a:p>
+          <a:p>
+            <a:pPr marL="285750" indent="-285750" algn="ctr">
+              <a:buFont typeface="Arial" panose="020B0604020202020204" pitchFamily="34" charset="0"/>
+              <a:buChar char="•"/>
+            </a:pPr>
+            <a:r>
+              <a:rPr lang="en-US" dirty="0"/>
+              <a:t>Core modules can be imported into any file to be used there</a:t>
+            </a:r>
+          </a:p>
+          <a:p>
+            <a:pPr marL="285750" indent="-285750" algn="ctr">
+              <a:buFont typeface="Arial" panose="020B0604020202020204" pitchFamily="34" charset="0"/>
+              <a:buChar char="•"/>
+            </a:pPr>
+            <a:r>
+              <a:rPr lang="en-US" dirty="0"/>
+              <a:t>Import via require(‘module’)</a:t>
+            </a:r>
+          </a:p>
+          <a:p>
+            <a:pPr marL="285750" indent="-285750" algn="ctr">
+              <a:buFont typeface="Arial" panose="020B0604020202020204" pitchFamily="34" charset="0"/>
+              <a:buChar char="•"/>
+            </a:pPr>
+            <a:endParaRPr lang="en-US" dirty="0"/>
+          </a:p>
+        </p:txBody>
+      </p:sp>
+      <p:sp>
+        <p:nvSpPr>
+          <p:cNvPr id="10" name="Rectangle 9">
+            <a:extLst>
+              <a:ext uri="{FF2B5EF4-FFF2-40B4-BE49-F238E27FC236}">
+                <a16:creationId xmlns:a16="http://schemas.microsoft.com/office/drawing/2014/main" id="{23E58CE7-DD31-B3D3-EB0B-44DD7FBF6E6C}"/>
+              </a:ext>
+            </a:extLst>
+          </p:cNvPr>
+          <p:cNvSpPr/>
+          <p:nvPr/>
+        </p:nvSpPr>
+        <p:spPr>
+          <a:xfrm>
+            <a:off x="6599585" y="766897"/>
+            <a:ext cx="5274365" cy="530086"/>
+          </a:xfrm>
+          <a:prstGeom prst="rect">
+            <a:avLst/>
+          </a:prstGeom>
+          <a:solidFill>
+            <a:schemeClr val="accent2">
+              <a:lumMod val="50000"/>
+            </a:schemeClr>
+          </a:solidFill>
+        </p:spPr>
+        <p:style>
+          <a:lnRef idx="2">
+            <a:schemeClr val="accent1">
+              <a:shade val="15000"/>
+            </a:schemeClr>
+          </a:lnRef>
+          <a:fillRef idx="1">
+            <a:schemeClr val="accent1"/>
+          </a:fillRef>
+          <a:effectRef idx="0">
+            <a:schemeClr val="accent1"/>
+          </a:effectRef>
+          <a:fontRef idx="minor">
+            <a:schemeClr val="lt1"/>
+          </a:fontRef>
+        </p:style>
+        <p:txBody>
+          <a:bodyPr rtlCol="0" anchor="ctr"/>
+          <a:lstStyle/>
+          <a:p>
+            <a:pPr algn="ctr"/>
+            <a:r>
+              <a:rPr lang="en-US" b="1" dirty="0">
+                <a:ln w="10160">
+                  <a:solidFill>
+                    <a:schemeClr val="accent5"/>
+                  </a:solidFill>
+                  <a:prstDash val="solid"/>
+                </a:ln>
+                <a:solidFill>
+                  <a:srgbClr val="FFFFFF"/>
+                </a:solidFill>
+                <a:effectLst>
+                  <a:outerShdw blurRad="38100" dist="22860" dir="5400000" algn="tl" rotWithShape="0">
+                    <a:srgbClr val="000000">
+                      <a:alpha val="30000"/>
+                    </a:srgbClr>
+                  </a:outerShdw>
+                </a:effectLst>
+              </a:rPr>
+              <a:t>Node.js &amp; Core Modules</a:t>
+            </a:r>
+          </a:p>
+        </p:txBody>
+      </p:sp>
+      <p:sp>
+        <p:nvSpPr>
+          <p:cNvPr id="11" name="Rectangle 10">
+            <a:extLst>
+              <a:ext uri="{FF2B5EF4-FFF2-40B4-BE49-F238E27FC236}">
+                <a16:creationId xmlns:a16="http://schemas.microsoft.com/office/drawing/2014/main" id="{13F854D9-9850-4903-C2C9-03A49FC2ABEC}"/>
+              </a:ext>
+            </a:extLst>
+          </p:cNvPr>
+          <p:cNvSpPr/>
+          <p:nvPr/>
+        </p:nvSpPr>
+        <p:spPr>
+          <a:xfrm>
+            <a:off x="8097077" y="4675093"/>
+            <a:ext cx="3942526" cy="1969144"/>
+          </a:xfrm>
+          <a:prstGeom prst="rect">
+            <a:avLst/>
+          </a:prstGeom>
+          <a:solidFill>
+            <a:schemeClr val="accent2">
+              <a:lumMod val="60000"/>
+              <a:lumOff val="40000"/>
+            </a:schemeClr>
+          </a:solidFill>
+        </p:spPr>
+        <p:style>
+          <a:lnRef idx="2">
+            <a:schemeClr val="accent6"/>
+          </a:lnRef>
+          <a:fillRef idx="1">
+            <a:schemeClr val="lt1"/>
+          </a:fillRef>
+          <a:effectRef idx="0">
+            <a:schemeClr val="accent6"/>
+          </a:effectRef>
+          <a:fontRef idx="minor">
+            <a:schemeClr val="dk1"/>
+          </a:fontRef>
+        </p:style>
+        <p:txBody>
+          <a:bodyPr rtlCol="0" anchor="ctr"/>
+          <a:lstStyle/>
+          <a:p>
+            <a:pPr marL="285750" indent="-285750" algn="ctr">
+              <a:buFont typeface="Arial" panose="020B0604020202020204" pitchFamily="34" charset="0"/>
+              <a:buChar char="•"/>
+            </a:pPr>
+            <a:r>
+              <a:rPr lang="en-US" dirty="0"/>
+              <a:t>Import via require (‘./path-to-file’) for custom files or require(‘module’) for core &amp; third-party modules</a:t>
+            </a:r>
+          </a:p>
+          <a:p>
+            <a:pPr marL="285750" indent="-285750" algn="ctr">
+              <a:buFont typeface="Arial" panose="020B0604020202020204" pitchFamily="34" charset="0"/>
+              <a:buChar char="•"/>
+            </a:pPr>
+            <a:r>
+              <a:rPr lang="en-US" dirty="0"/>
+              <a:t>Export via </a:t>
+            </a:r>
+            <a:r>
+              <a:rPr lang="en-US" dirty="0" err="1"/>
+              <a:t>module.exports</a:t>
+            </a:r>
+            <a:r>
+              <a:rPr lang="en-US" dirty="0"/>
+              <a:t> or just exports (for multiple exports)</a:t>
+            </a:r>
+          </a:p>
+        </p:txBody>
+      </p:sp>
+      <p:sp>
+        <p:nvSpPr>
+          <p:cNvPr id="12" name="Rectangle 11">
+            <a:extLst>
+              <a:ext uri="{FF2B5EF4-FFF2-40B4-BE49-F238E27FC236}">
+                <a16:creationId xmlns:a16="http://schemas.microsoft.com/office/drawing/2014/main" id="{6B94FF79-B17E-29AA-9EE1-9FBEF43E6440}"/>
+              </a:ext>
+            </a:extLst>
+          </p:cNvPr>
+          <p:cNvSpPr/>
+          <p:nvPr/>
+        </p:nvSpPr>
+        <p:spPr>
+          <a:xfrm>
+            <a:off x="8097078" y="4007588"/>
+            <a:ext cx="3942525" cy="667505"/>
+          </a:xfrm>
+          <a:prstGeom prst="rect">
+            <a:avLst/>
+          </a:prstGeom>
+          <a:solidFill>
+            <a:schemeClr val="accent2">
+              <a:lumMod val="50000"/>
+            </a:schemeClr>
+          </a:solidFill>
+        </p:spPr>
+        <p:style>
+          <a:lnRef idx="2">
+            <a:schemeClr val="accent1">
+              <a:shade val="15000"/>
+            </a:schemeClr>
+          </a:lnRef>
+          <a:fillRef idx="1">
+            <a:schemeClr val="accent1"/>
+          </a:fillRef>
+          <a:effectRef idx="0">
+            <a:schemeClr val="accent1"/>
+          </a:effectRef>
+          <a:fontRef idx="minor">
+            <a:schemeClr val="lt1"/>
+          </a:fontRef>
+        </p:style>
+        <p:txBody>
+          <a:bodyPr rtlCol="0" anchor="ctr"/>
+          <a:lstStyle/>
+          <a:p>
+            <a:pPr algn="ctr"/>
+            <a:r>
+              <a:rPr lang="en-US" b="1" dirty="0">
+                <a:ln w="10160">
+                  <a:solidFill>
+                    <a:schemeClr val="accent5"/>
+                  </a:solidFill>
+                  <a:prstDash val="solid"/>
+                </a:ln>
+                <a:solidFill>
+                  <a:srgbClr val="FFFFFF"/>
+                </a:solidFill>
+                <a:effectLst>
+                  <a:outerShdw blurRad="38100" dist="22860" dir="5400000" algn="tl" rotWithShape="0">
+                    <a:srgbClr val="000000">
+                      <a:alpha val="30000"/>
+                    </a:srgbClr>
+                  </a:outerShdw>
+                </a:effectLst>
+              </a:rPr>
+              <a:t>The Node Module System</a:t>
+            </a:r>
+          </a:p>
+        </p:txBody>
+      </p:sp>
+      <p:sp>
+        <p:nvSpPr>
+          <p:cNvPr id="13" name="Rectangle 12">
+            <a:extLst>
+              <a:ext uri="{FF2B5EF4-FFF2-40B4-BE49-F238E27FC236}">
+                <a16:creationId xmlns:a16="http://schemas.microsoft.com/office/drawing/2014/main" id="{702313A2-179B-0E9A-F649-F90BD0707D23}"/>
+              </a:ext>
+            </a:extLst>
+          </p:cNvPr>
+          <p:cNvSpPr/>
+          <p:nvPr/>
+        </p:nvSpPr>
+        <p:spPr>
+          <a:xfrm>
+            <a:off x="318051" y="2734844"/>
+            <a:ext cx="5274365" cy="1969144"/>
+          </a:xfrm>
+          <a:prstGeom prst="rect">
+            <a:avLst/>
+          </a:prstGeom>
+          <a:solidFill>
+            <a:schemeClr val="accent2">
+              <a:lumMod val="60000"/>
+              <a:lumOff val="40000"/>
+            </a:schemeClr>
+          </a:solidFill>
+        </p:spPr>
+        <p:style>
+          <a:lnRef idx="2">
+            <a:schemeClr val="accent6"/>
+          </a:lnRef>
+          <a:fillRef idx="1">
+            <a:schemeClr val="lt1"/>
+          </a:fillRef>
+          <a:effectRef idx="0">
+            <a:schemeClr val="accent6"/>
+          </a:effectRef>
+          <a:fontRef idx="minor">
+            <a:schemeClr val="dk1"/>
+          </a:fontRef>
+        </p:style>
+        <p:txBody>
+          <a:bodyPr rtlCol="0" anchor="ctr"/>
+          <a:lstStyle/>
+          <a:p>
+            <a:pPr marL="285750" indent="-285750" algn="ctr">
+              <a:buFont typeface="Arial" panose="020B0604020202020204" pitchFamily="34" charset="0"/>
+              <a:buChar char="•"/>
+            </a:pPr>
+            <a:r>
+              <a:rPr lang="en-US" dirty="0"/>
+              <a:t>Node.js runs non-blocking JS code and uses an </a:t>
+            </a:r>
+            <a:r>
+              <a:rPr lang="en-US" dirty="0" err="1"/>
+              <a:t>eventdriven</a:t>
+            </a:r>
+            <a:r>
+              <a:rPr lang="en-US" dirty="0"/>
+              <a:t> code (“Event Loop”) for running your logic</a:t>
+            </a:r>
+          </a:p>
+          <a:p>
+            <a:pPr marL="285750" indent="-285750" algn="ctr">
+              <a:buFont typeface="Arial" panose="020B0604020202020204" pitchFamily="34" charset="0"/>
+              <a:buChar char="•"/>
+            </a:pPr>
+            <a:r>
+              <a:rPr lang="en-US" dirty="0"/>
+              <a:t>A node program exits as soon as there is no more work to do</a:t>
+            </a:r>
+          </a:p>
+          <a:p>
+            <a:pPr marL="285750" indent="-285750" algn="ctr">
+              <a:buFont typeface="Arial" panose="020B0604020202020204" pitchFamily="34" charset="0"/>
+              <a:buChar char="•"/>
+            </a:pPr>
+            <a:r>
+              <a:rPr lang="en-US" dirty="0"/>
+              <a:t>Note: The </a:t>
+            </a:r>
+            <a:r>
+              <a:rPr lang="en-US" dirty="0" err="1"/>
+              <a:t>createServer</a:t>
+            </a:r>
+            <a:r>
+              <a:rPr lang="en-US" dirty="0"/>
+              <a:t>() event never finishes by default</a:t>
+            </a:r>
+          </a:p>
+        </p:txBody>
+      </p:sp>
+      <p:sp>
+        <p:nvSpPr>
+          <p:cNvPr id="14" name="Rectangle 13">
+            <a:extLst>
+              <a:ext uri="{FF2B5EF4-FFF2-40B4-BE49-F238E27FC236}">
+                <a16:creationId xmlns:a16="http://schemas.microsoft.com/office/drawing/2014/main" id="{18295308-2B38-B089-14C8-F1B030357DBE}"/>
+              </a:ext>
+            </a:extLst>
+          </p:cNvPr>
+          <p:cNvSpPr/>
+          <p:nvPr/>
+        </p:nvSpPr>
+        <p:spPr>
+          <a:xfrm>
+            <a:off x="318052" y="2204758"/>
+            <a:ext cx="5274365" cy="530086"/>
+          </a:xfrm>
+          <a:prstGeom prst="rect">
+            <a:avLst/>
+          </a:prstGeom>
+          <a:solidFill>
+            <a:schemeClr val="accent2">
+              <a:lumMod val="50000"/>
+            </a:schemeClr>
+          </a:solidFill>
+        </p:spPr>
+        <p:style>
+          <a:lnRef idx="2">
+            <a:schemeClr val="accent1">
+              <a:shade val="15000"/>
+            </a:schemeClr>
+          </a:lnRef>
+          <a:fillRef idx="1">
+            <a:schemeClr val="accent1"/>
+          </a:fillRef>
+          <a:effectRef idx="0">
+            <a:schemeClr val="accent1"/>
+          </a:effectRef>
+          <a:fontRef idx="minor">
+            <a:schemeClr val="lt1"/>
+          </a:fontRef>
+        </p:style>
+        <p:txBody>
+          <a:bodyPr rtlCol="0" anchor="ctr"/>
+          <a:lstStyle/>
+          <a:p>
+            <a:pPr algn="ctr"/>
+            <a:r>
+              <a:rPr lang="en-US" b="1" dirty="0">
+                <a:ln w="10160">
+                  <a:solidFill>
+                    <a:schemeClr val="accent5"/>
+                  </a:solidFill>
+                  <a:prstDash val="solid"/>
+                </a:ln>
+                <a:solidFill>
+                  <a:srgbClr val="FFFFFF"/>
+                </a:solidFill>
+                <a:effectLst>
+                  <a:outerShdw blurRad="38100" dist="22860" dir="5400000" algn="tl" rotWithShape="0">
+                    <a:srgbClr val="000000">
+                      <a:alpha val="30000"/>
+                    </a:srgbClr>
+                  </a:outerShdw>
+                </a:effectLst>
+              </a:rPr>
+              <a:t>Program Lifecycle &amp; Event loop</a:t>
+            </a:r>
+          </a:p>
+        </p:txBody>
+      </p:sp>
+      <p:sp>
+        <p:nvSpPr>
+          <p:cNvPr id="15" name="Rectangle 14">
+            <a:extLst>
+              <a:ext uri="{FF2B5EF4-FFF2-40B4-BE49-F238E27FC236}">
+                <a16:creationId xmlns:a16="http://schemas.microsoft.com/office/drawing/2014/main" id="{0CD33994-B1A8-8477-125E-8AA515F1343A}"/>
+              </a:ext>
+            </a:extLst>
+          </p:cNvPr>
+          <p:cNvSpPr/>
+          <p:nvPr/>
+        </p:nvSpPr>
+        <p:spPr>
+          <a:xfrm>
+            <a:off x="185528" y="5256078"/>
+            <a:ext cx="3909395" cy="1533209"/>
+          </a:xfrm>
+          <a:prstGeom prst="rect">
+            <a:avLst/>
+          </a:prstGeom>
+          <a:solidFill>
+            <a:schemeClr val="accent2">
+              <a:lumMod val="60000"/>
+              <a:lumOff val="40000"/>
+            </a:schemeClr>
+          </a:solidFill>
+        </p:spPr>
+        <p:style>
+          <a:lnRef idx="2">
+            <a:schemeClr val="accent6"/>
+          </a:lnRef>
+          <a:fillRef idx="1">
+            <a:schemeClr val="lt1"/>
+          </a:fillRef>
+          <a:effectRef idx="0">
+            <a:schemeClr val="accent6"/>
+          </a:effectRef>
+          <a:fontRef idx="minor">
+            <a:schemeClr val="dk1"/>
+          </a:fontRef>
+        </p:style>
+        <p:txBody>
+          <a:bodyPr rtlCol="0" anchor="ctr"/>
+          <a:lstStyle/>
+          <a:p>
+            <a:pPr marL="285750" indent="-285750" algn="ctr">
+              <a:buFont typeface="Arial" panose="020B0604020202020204" pitchFamily="34" charset="0"/>
+              <a:buChar char="•"/>
+            </a:pPr>
+            <a:r>
+              <a:rPr lang="en-US" dirty="0" err="1"/>
+              <a:t>Js</a:t>
+            </a:r>
+            <a:r>
+              <a:rPr lang="en-US" dirty="0"/>
+              <a:t> code in non-blocking</a:t>
+            </a:r>
+          </a:p>
+          <a:p>
+            <a:pPr marL="285750" indent="-285750" algn="ctr">
+              <a:buFont typeface="Arial" panose="020B0604020202020204" pitchFamily="34" charset="0"/>
+              <a:buChar char="•"/>
+            </a:pPr>
+            <a:r>
+              <a:rPr lang="en-US" dirty="0"/>
+              <a:t>Use callbacks and events =&gt; Order changes!</a:t>
+            </a:r>
+          </a:p>
+        </p:txBody>
+      </p:sp>
+      <p:sp>
+        <p:nvSpPr>
+          <p:cNvPr id="16" name="Rectangle 15">
+            <a:extLst>
+              <a:ext uri="{FF2B5EF4-FFF2-40B4-BE49-F238E27FC236}">
+                <a16:creationId xmlns:a16="http://schemas.microsoft.com/office/drawing/2014/main" id="{8D2EBC62-71CC-4259-F88F-68B97658595E}"/>
+              </a:ext>
+            </a:extLst>
+          </p:cNvPr>
+          <p:cNvSpPr/>
+          <p:nvPr/>
+        </p:nvSpPr>
+        <p:spPr>
+          <a:xfrm>
+            <a:off x="185527" y="4870175"/>
+            <a:ext cx="3909395" cy="412734"/>
+          </a:xfrm>
+          <a:prstGeom prst="rect">
+            <a:avLst/>
+          </a:prstGeom>
+          <a:solidFill>
+            <a:schemeClr val="accent2">
+              <a:lumMod val="50000"/>
+            </a:schemeClr>
+          </a:solidFill>
+        </p:spPr>
+        <p:style>
+          <a:lnRef idx="2">
+            <a:schemeClr val="accent1">
+              <a:shade val="15000"/>
+            </a:schemeClr>
+          </a:lnRef>
+          <a:fillRef idx="1">
+            <a:schemeClr val="accent1"/>
+          </a:fillRef>
+          <a:effectRef idx="0">
+            <a:schemeClr val="accent1"/>
+          </a:effectRef>
+          <a:fontRef idx="minor">
+            <a:schemeClr val="lt1"/>
+          </a:fontRef>
+        </p:style>
+        <p:txBody>
+          <a:bodyPr rtlCol="0" anchor="ctr"/>
+          <a:lstStyle/>
+          <a:p>
+            <a:pPr algn="ctr"/>
+            <a:r>
+              <a:rPr lang="en-US" b="1" dirty="0">
+                <a:ln w="10160">
+                  <a:solidFill>
+                    <a:schemeClr val="accent5"/>
+                  </a:solidFill>
+                  <a:prstDash val="solid"/>
+                </a:ln>
+                <a:solidFill>
+                  <a:srgbClr val="FFFFFF"/>
+                </a:solidFill>
+                <a:effectLst>
+                  <a:outerShdw blurRad="38100" dist="22860" dir="5400000" algn="tl" rotWithShape="0">
+                    <a:srgbClr val="000000">
+                      <a:alpha val="30000"/>
+                    </a:srgbClr>
+                  </a:outerShdw>
+                </a:effectLst>
+              </a:rPr>
+              <a:t>Asynchronous Code</a:t>
+            </a:r>
+          </a:p>
+        </p:txBody>
+      </p:sp>
+      <p:sp>
+        <p:nvSpPr>
+          <p:cNvPr id="17" name="Rectangle 16">
+            <a:extLst>
+              <a:ext uri="{FF2B5EF4-FFF2-40B4-BE49-F238E27FC236}">
+                <a16:creationId xmlns:a16="http://schemas.microsoft.com/office/drawing/2014/main" id="{37F38A79-ED77-2FBF-DBDB-36D45A9416AE}"/>
+              </a:ext>
+            </a:extLst>
+          </p:cNvPr>
+          <p:cNvSpPr/>
+          <p:nvPr/>
+        </p:nvSpPr>
+        <p:spPr>
+          <a:xfrm>
+            <a:off x="4320209" y="5207243"/>
+            <a:ext cx="3518453" cy="1533209"/>
+          </a:xfrm>
+          <a:prstGeom prst="rect">
+            <a:avLst/>
+          </a:prstGeom>
+          <a:solidFill>
+            <a:schemeClr val="accent2">
+              <a:lumMod val="60000"/>
+              <a:lumOff val="40000"/>
+            </a:schemeClr>
+          </a:solidFill>
+        </p:spPr>
+        <p:style>
+          <a:lnRef idx="2">
+            <a:schemeClr val="accent6"/>
+          </a:lnRef>
+          <a:fillRef idx="1">
+            <a:schemeClr val="lt1"/>
+          </a:fillRef>
+          <a:effectRef idx="0">
+            <a:schemeClr val="accent6"/>
+          </a:effectRef>
+          <a:fontRef idx="minor">
+            <a:schemeClr val="dk1"/>
+          </a:fontRef>
+        </p:style>
+        <p:txBody>
+          <a:bodyPr rtlCol="0" anchor="ctr"/>
+          <a:lstStyle/>
+          <a:p>
+            <a:pPr marL="285750" indent="-285750" algn="ctr">
+              <a:buFont typeface="Arial" panose="020B0604020202020204" pitchFamily="34" charset="0"/>
+              <a:buChar char="•"/>
+            </a:pPr>
+            <a:r>
+              <a:rPr lang="en-US" dirty="0"/>
+              <a:t>Parse request data in chunks (Streams &amp; Buffers)</a:t>
+            </a:r>
+          </a:p>
+          <a:p>
+            <a:pPr marL="285750" indent="-285750" algn="ctr">
+              <a:buFont typeface="Arial" panose="020B0604020202020204" pitchFamily="34" charset="0"/>
+              <a:buChar char="•"/>
+            </a:pPr>
+            <a:r>
+              <a:rPr lang="en-US" dirty="0"/>
+              <a:t>Avoid “double responses”</a:t>
+            </a:r>
+          </a:p>
+        </p:txBody>
+      </p:sp>
+      <p:sp>
+        <p:nvSpPr>
+          <p:cNvPr id="18" name="Rectangle 17">
+            <a:extLst>
+              <a:ext uri="{FF2B5EF4-FFF2-40B4-BE49-F238E27FC236}">
+                <a16:creationId xmlns:a16="http://schemas.microsoft.com/office/drawing/2014/main" id="{62A5D715-31E0-C008-55EC-45F02F6AAFB0}"/>
+              </a:ext>
+            </a:extLst>
+          </p:cNvPr>
+          <p:cNvSpPr/>
+          <p:nvPr/>
+        </p:nvSpPr>
+        <p:spPr>
+          <a:xfrm>
+            <a:off x="4320208" y="4821340"/>
+            <a:ext cx="3518453" cy="412734"/>
+          </a:xfrm>
+          <a:prstGeom prst="rect">
+            <a:avLst/>
+          </a:prstGeom>
+          <a:solidFill>
+            <a:schemeClr val="accent2">
+              <a:lumMod val="50000"/>
+            </a:schemeClr>
+          </a:solidFill>
+        </p:spPr>
+        <p:style>
+          <a:lnRef idx="2">
+            <a:schemeClr val="accent1">
+              <a:shade val="15000"/>
+            </a:schemeClr>
+          </a:lnRef>
+          <a:fillRef idx="1">
+            <a:schemeClr val="accent1"/>
+          </a:fillRef>
+          <a:effectRef idx="0">
+            <a:schemeClr val="accent1"/>
+          </a:effectRef>
+          <a:fontRef idx="minor">
+            <a:schemeClr val="lt1"/>
+          </a:fontRef>
+        </p:style>
+        <p:txBody>
+          <a:bodyPr rtlCol="0" anchor="ctr"/>
+          <a:lstStyle/>
+          <a:p>
+            <a:pPr algn="ctr"/>
+            <a:r>
+              <a:rPr lang="en-US" b="1" dirty="0">
+                <a:ln w="10160">
+                  <a:solidFill>
+                    <a:schemeClr val="accent5"/>
+                  </a:solidFill>
+                  <a:prstDash val="solid"/>
+                </a:ln>
+                <a:solidFill>
+                  <a:srgbClr val="FFFFFF"/>
+                </a:solidFill>
+                <a:effectLst>
+                  <a:outerShdw blurRad="38100" dist="22860" dir="5400000" algn="tl" rotWithShape="0">
+                    <a:srgbClr val="000000">
+                      <a:alpha val="30000"/>
+                    </a:srgbClr>
+                  </a:outerShdw>
+                </a:effectLst>
+              </a:rPr>
+              <a:t>Requests &amp; Responses</a:t>
+            </a:r>
+          </a:p>
+        </p:txBody>
+      </p:sp>
+    </p:spTree>
+    <p:extLst>
+      <p:ext uri="{BB962C8B-B14F-4D97-AF65-F5344CB8AC3E}">
+        <p14:creationId xmlns:p14="http://schemas.microsoft.com/office/powerpoint/2010/main" val="1874304324"/>
       </p:ext>
     </p:extLst>
   </p:cSld>

--- a/node/Nodejs.pptx
+++ b/node/Nodejs.pptx
@@ -27,6 +27,17 @@
     <p:sldId id="275" r:id="rId21"/>
     <p:sldId id="276" r:id="rId22"/>
     <p:sldId id="277" r:id="rId23"/>
+    <p:sldId id="278" r:id="rId24"/>
+    <p:sldId id="279" r:id="rId25"/>
+    <p:sldId id="280" r:id="rId26"/>
+    <p:sldId id="281" r:id="rId27"/>
+    <p:sldId id="282" r:id="rId28"/>
+    <p:sldId id="283" r:id="rId29"/>
+    <p:sldId id="284" r:id="rId30"/>
+    <p:sldId id="285" r:id="rId31"/>
+    <p:sldId id="286" r:id="rId32"/>
+    <p:sldId id="287" r:id="rId33"/>
+    <p:sldId id="288" r:id="rId34"/>
   </p:sldIdLst>
   <p:sldSz cx="12192000" cy="6858000"/>
   <p:notesSz cx="6858000" cy="9144000"/>
@@ -310,7 +321,7 @@
           <a:p>
             <a:fld id="{7239F38A-DCDF-6E4C-B9CE-23AD5C77A21C}" type="datetimeFigureOut">
               <a:rPr lang="en-US" smtClean="0"/>
-              <a:t>1/13/25</a:t>
+              <a:t>1/15/25</a:t>
             </a:fld>
             <a:endParaRPr lang="en-US"/>
           </a:p>
@@ -510,7 +521,7 @@
           <a:p>
             <a:fld id="{7239F38A-DCDF-6E4C-B9CE-23AD5C77A21C}" type="datetimeFigureOut">
               <a:rPr lang="en-US" smtClean="0"/>
-              <a:t>1/13/25</a:t>
+              <a:t>1/15/25</a:t>
             </a:fld>
             <a:endParaRPr lang="en-US"/>
           </a:p>
@@ -720,7 +731,7 @@
           <a:p>
             <a:fld id="{7239F38A-DCDF-6E4C-B9CE-23AD5C77A21C}" type="datetimeFigureOut">
               <a:rPr lang="en-US" smtClean="0"/>
-              <a:t>1/13/25</a:t>
+              <a:t>1/15/25</a:t>
             </a:fld>
             <a:endParaRPr lang="en-US"/>
           </a:p>
@@ -920,7 +931,7 @@
           <a:p>
             <a:fld id="{7239F38A-DCDF-6E4C-B9CE-23AD5C77A21C}" type="datetimeFigureOut">
               <a:rPr lang="en-US" smtClean="0"/>
-              <a:t>1/13/25</a:t>
+              <a:t>1/15/25</a:t>
             </a:fld>
             <a:endParaRPr lang="en-US"/>
           </a:p>
@@ -1196,7 +1207,7 @@
           <a:p>
             <a:fld id="{7239F38A-DCDF-6E4C-B9CE-23AD5C77A21C}" type="datetimeFigureOut">
               <a:rPr lang="en-US" smtClean="0"/>
-              <a:t>1/13/25</a:t>
+              <a:t>1/15/25</a:t>
             </a:fld>
             <a:endParaRPr lang="en-US"/>
           </a:p>
@@ -1464,7 +1475,7 @@
           <a:p>
             <a:fld id="{7239F38A-DCDF-6E4C-B9CE-23AD5C77A21C}" type="datetimeFigureOut">
               <a:rPr lang="en-US" smtClean="0"/>
-              <a:t>1/13/25</a:t>
+              <a:t>1/15/25</a:t>
             </a:fld>
             <a:endParaRPr lang="en-US"/>
           </a:p>
@@ -1879,7 +1890,7 @@
           <a:p>
             <a:fld id="{7239F38A-DCDF-6E4C-B9CE-23AD5C77A21C}" type="datetimeFigureOut">
               <a:rPr lang="en-US" smtClean="0"/>
-              <a:t>1/13/25</a:t>
+              <a:t>1/15/25</a:t>
             </a:fld>
             <a:endParaRPr lang="en-US"/>
           </a:p>
@@ -2021,7 +2032,7 @@
           <a:p>
             <a:fld id="{7239F38A-DCDF-6E4C-B9CE-23AD5C77A21C}" type="datetimeFigureOut">
               <a:rPr lang="en-US" smtClean="0"/>
-              <a:t>1/13/25</a:t>
+              <a:t>1/15/25</a:t>
             </a:fld>
             <a:endParaRPr lang="en-US"/>
           </a:p>
@@ -2134,7 +2145,7 @@
           <a:p>
             <a:fld id="{7239F38A-DCDF-6E4C-B9CE-23AD5C77A21C}" type="datetimeFigureOut">
               <a:rPr lang="en-US" smtClean="0"/>
-              <a:t>1/13/25</a:t>
+              <a:t>1/15/25</a:t>
             </a:fld>
             <a:endParaRPr lang="en-US"/>
           </a:p>
@@ -2447,7 +2458,7 @@
           <a:p>
             <a:fld id="{7239F38A-DCDF-6E4C-B9CE-23AD5C77A21C}" type="datetimeFigureOut">
               <a:rPr lang="en-US" smtClean="0"/>
-              <a:t>1/13/25</a:t>
+              <a:t>1/15/25</a:t>
             </a:fld>
             <a:endParaRPr lang="en-US"/>
           </a:p>
@@ -2736,7 +2747,7 @@
           <a:p>
             <a:fld id="{7239F38A-DCDF-6E4C-B9CE-23AD5C77A21C}" type="datetimeFigureOut">
               <a:rPr lang="en-US" smtClean="0"/>
-              <a:t>1/13/25</a:t>
+              <a:t>1/15/25</a:t>
             </a:fld>
             <a:endParaRPr lang="en-US"/>
           </a:p>
@@ -2979,7 +2990,7 @@
           <a:p>
             <a:fld id="{7239F38A-DCDF-6E4C-B9CE-23AD5C77A21C}" type="datetimeFigureOut">
               <a:rPr lang="en-US" smtClean="0"/>
-              <a:t>1/13/25</a:t>
+              <a:t>1/15/25</a:t>
             </a:fld>
             <a:endParaRPr lang="en-US"/>
           </a:p>
@@ -8101,6 +8112,873 @@
 </p:sld>
 </file>
 
+<file path=ppt/slides/slide23.xml><?xml version="1.0" encoding="utf-8"?>
+<p:sld xmlns:a="http://schemas.openxmlformats.org/drawingml/2006/main" xmlns:r="http://schemas.openxmlformats.org/officeDocument/2006/relationships" xmlns:p="http://schemas.openxmlformats.org/presentationml/2006/main">
+  <p:cSld>
+    <p:spTree>
+      <p:nvGrpSpPr>
+        <p:cNvPr id="1" name=""/>
+        <p:cNvGrpSpPr/>
+        <p:nvPr/>
+      </p:nvGrpSpPr>
+      <p:grpSpPr>
+        <a:xfrm>
+          <a:off x="0" y="0"/>
+          <a:ext cx="0" cy="0"/>
+          <a:chOff x="0" y="0"/>
+          <a:chExt cx="0" cy="0"/>
+        </a:xfrm>
+      </p:grpSpPr>
+      <p:sp>
+        <p:nvSpPr>
+          <p:cNvPr id="2" name="Title 1">
+            <a:extLst>
+              <a:ext uri="{FF2B5EF4-FFF2-40B4-BE49-F238E27FC236}">
+                <a16:creationId xmlns:a16="http://schemas.microsoft.com/office/drawing/2014/main" id="{1E387454-FA08-7361-6057-62D97B31317F}"/>
+              </a:ext>
+            </a:extLst>
+          </p:cNvPr>
+          <p:cNvSpPr>
+            <a:spLocks noGrp="1"/>
+          </p:cNvSpPr>
+          <p:nvPr>
+            <p:ph type="title"/>
+          </p:nvPr>
+        </p:nvSpPr>
+        <p:spPr/>
+        <p:txBody>
+          <a:bodyPr/>
+          <a:lstStyle/>
+          <a:p>
+            <a:r>
+              <a:rPr lang="en-US" dirty="0"/>
+              <a:t>What is Node.js?</a:t>
+            </a:r>
+          </a:p>
+        </p:txBody>
+      </p:sp>
+      <p:sp>
+        <p:nvSpPr>
+          <p:cNvPr id="3" name="Content Placeholder 2">
+            <a:extLst>
+              <a:ext uri="{FF2B5EF4-FFF2-40B4-BE49-F238E27FC236}">
+                <a16:creationId xmlns:a16="http://schemas.microsoft.com/office/drawing/2014/main" id="{8EAE26F3-EA91-C97D-1D60-B4ED8978F943}"/>
+              </a:ext>
+            </a:extLst>
+          </p:cNvPr>
+          <p:cNvSpPr>
+            <a:spLocks noGrp="1"/>
+          </p:cNvSpPr>
+          <p:nvPr>
+            <p:ph idx="1"/>
+          </p:nvPr>
+        </p:nvSpPr>
+        <p:spPr/>
+        <p:txBody>
+          <a:bodyPr/>
+          <a:lstStyle/>
+          <a:p>
+            <a:r>
+              <a:rPr lang="en-US" dirty="0"/>
+              <a:t>Node.js is an open source.</a:t>
+            </a:r>
+          </a:p>
+          <a:p>
+            <a:r>
+              <a:rPr lang="en-US" dirty="0"/>
+              <a:t>Node.js runs on various platforms (</a:t>
+            </a:r>
+            <a:r>
+              <a:rPr lang="en-US" dirty="0" err="1"/>
+              <a:t>Win,Linux,Unix,Mac</a:t>
+            </a:r>
+            <a:r>
+              <a:rPr lang="en-US" dirty="0"/>
+              <a:t> </a:t>
+            </a:r>
+            <a:r>
+              <a:rPr lang="en-US" dirty="0" err="1"/>
+              <a:t>OS,etc</a:t>
+            </a:r>
+            <a:r>
+              <a:rPr lang="en-US" dirty="0"/>
+              <a:t>.)</a:t>
+            </a:r>
+          </a:p>
+          <a:p>
+            <a:r>
+              <a:rPr lang="en-US" dirty="0"/>
+              <a:t>Node.js allows you to run JS on the server.</a:t>
+            </a:r>
+          </a:p>
+          <a:p>
+            <a:r>
+              <a:rPr lang="en-US" dirty="0"/>
+              <a:t>Node.js can create, open, read, write, delete and close files on the server.</a:t>
+            </a:r>
+          </a:p>
+          <a:p>
+            <a:r>
+              <a:rPr lang="en-US" dirty="0"/>
+              <a:t>Easily communicate with database.</a:t>
+            </a:r>
+          </a:p>
+        </p:txBody>
+      </p:sp>
+    </p:spTree>
+    <p:extLst>
+      <p:ext uri="{BB962C8B-B14F-4D97-AF65-F5344CB8AC3E}">
+        <p14:creationId xmlns:p14="http://schemas.microsoft.com/office/powerpoint/2010/main" val="884951329"/>
+      </p:ext>
+    </p:extLst>
+  </p:cSld>
+  <p:clrMapOvr>
+    <a:masterClrMapping/>
+  </p:clrMapOvr>
+</p:sld>
+</file>
+
+<file path=ppt/slides/slide24.xml><?xml version="1.0" encoding="utf-8"?>
+<p:sld xmlns:a="http://schemas.openxmlformats.org/drawingml/2006/main" xmlns:r="http://schemas.openxmlformats.org/officeDocument/2006/relationships" xmlns:p="http://schemas.openxmlformats.org/presentationml/2006/main">
+  <p:cSld>
+    <p:spTree>
+      <p:nvGrpSpPr>
+        <p:cNvPr id="1" name=""/>
+        <p:cNvGrpSpPr/>
+        <p:nvPr/>
+      </p:nvGrpSpPr>
+      <p:grpSpPr>
+        <a:xfrm>
+          <a:off x="0" y="0"/>
+          <a:ext cx="0" cy="0"/>
+          <a:chOff x="0" y="0"/>
+          <a:chExt cx="0" cy="0"/>
+        </a:xfrm>
+      </p:grpSpPr>
+      <p:sp>
+        <p:nvSpPr>
+          <p:cNvPr id="2" name="Title 1">
+            <a:extLst>
+              <a:ext uri="{FF2B5EF4-FFF2-40B4-BE49-F238E27FC236}">
+                <a16:creationId xmlns:a16="http://schemas.microsoft.com/office/drawing/2014/main" id="{D12B97D2-61BE-6F6A-D916-79F534307EB9}"/>
+              </a:ext>
+            </a:extLst>
+          </p:cNvPr>
+          <p:cNvSpPr>
+            <a:spLocks noGrp="1"/>
+          </p:cNvSpPr>
+          <p:nvPr>
+            <p:ph type="title"/>
+          </p:nvPr>
+        </p:nvSpPr>
+        <p:spPr/>
+        <p:txBody>
+          <a:bodyPr/>
+          <a:lstStyle/>
+          <a:p>
+            <a:r>
+              <a:rPr lang="en-US" dirty="0"/>
+              <a:t>Why Node.js?</a:t>
+            </a:r>
+          </a:p>
+        </p:txBody>
+      </p:sp>
+      <p:sp>
+        <p:nvSpPr>
+          <p:cNvPr id="3" name="Content Placeholder 2">
+            <a:extLst>
+              <a:ext uri="{FF2B5EF4-FFF2-40B4-BE49-F238E27FC236}">
+                <a16:creationId xmlns:a16="http://schemas.microsoft.com/office/drawing/2014/main" id="{FD1F3BB8-13BA-FFD3-9428-FD12272947F0}"/>
+              </a:ext>
+            </a:extLst>
+          </p:cNvPr>
+          <p:cNvSpPr>
+            <a:spLocks noGrp="1"/>
+          </p:cNvSpPr>
+          <p:nvPr>
+            <p:ph idx="1"/>
+          </p:nvPr>
+        </p:nvSpPr>
+        <p:spPr/>
+        <p:txBody>
+          <a:bodyPr/>
+          <a:lstStyle/>
+          <a:p>
+            <a:r>
+              <a:rPr lang="en-US" dirty="0" err="1"/>
+              <a:t>node.js</a:t>
+            </a:r>
+            <a:r>
+              <a:rPr lang="en-US" dirty="0"/>
+              <a:t> represents a JS everywhere.</a:t>
+            </a:r>
+          </a:p>
+          <a:p>
+            <a:r>
+              <a:rPr lang="en-US" dirty="0"/>
+              <a:t>Node.js is very fast</a:t>
+            </a:r>
+          </a:p>
+          <a:p>
+            <a:pPr lvl="1"/>
+            <a:r>
+              <a:rPr lang="en-US" dirty="0"/>
+              <a:t>Runs on the V8 JS Engine</a:t>
+            </a:r>
+          </a:p>
+          <a:p>
+            <a:pPr lvl="1"/>
+            <a:r>
+              <a:rPr lang="en-US" dirty="0"/>
+              <a:t>Single –threaded</a:t>
+            </a:r>
+          </a:p>
+          <a:p>
+            <a:pPr lvl="1"/>
+            <a:r>
+              <a:rPr lang="en-US" dirty="0"/>
+              <a:t>Non-blocking</a:t>
+            </a:r>
+          </a:p>
+          <a:p>
+            <a:pPr lvl="1"/>
+            <a:r>
+              <a:rPr lang="en-US" dirty="0"/>
+              <a:t>Asynchronously Programming.</a:t>
+            </a:r>
+          </a:p>
+          <a:p>
+            <a:r>
+              <a:rPr lang="en-US" dirty="0"/>
+              <a:t>Eliminates the waiting and simply continues with the next request.</a:t>
+            </a:r>
+          </a:p>
+        </p:txBody>
+      </p:sp>
+    </p:spTree>
+    <p:extLst>
+      <p:ext uri="{BB962C8B-B14F-4D97-AF65-F5344CB8AC3E}">
+        <p14:creationId xmlns:p14="http://schemas.microsoft.com/office/powerpoint/2010/main" val="1240914448"/>
+      </p:ext>
+    </p:extLst>
+  </p:cSld>
+  <p:clrMapOvr>
+    <a:masterClrMapping/>
+  </p:clrMapOvr>
+</p:sld>
+</file>
+
+<file path=ppt/slides/slide25.xml><?xml version="1.0" encoding="utf-8"?>
+<p:sld xmlns:a="http://schemas.openxmlformats.org/drawingml/2006/main" xmlns:r="http://schemas.openxmlformats.org/officeDocument/2006/relationships" xmlns:p="http://schemas.openxmlformats.org/presentationml/2006/main">
+  <p:cSld>
+    <p:spTree>
+      <p:nvGrpSpPr>
+        <p:cNvPr id="1" name=""/>
+        <p:cNvGrpSpPr/>
+        <p:nvPr/>
+      </p:nvGrpSpPr>
+      <p:grpSpPr>
+        <a:xfrm>
+          <a:off x="0" y="0"/>
+          <a:ext cx="0" cy="0"/>
+          <a:chOff x="0" y="0"/>
+          <a:chExt cx="0" cy="0"/>
+        </a:xfrm>
+      </p:grpSpPr>
+      <p:sp>
+        <p:nvSpPr>
+          <p:cNvPr id="2" name="Title 1">
+            <a:extLst>
+              <a:ext uri="{FF2B5EF4-FFF2-40B4-BE49-F238E27FC236}">
+                <a16:creationId xmlns:a16="http://schemas.microsoft.com/office/drawing/2014/main" id="{082AE032-B992-0061-CCB6-8CBBAF5B753E}"/>
+              </a:ext>
+            </a:extLst>
+          </p:cNvPr>
+          <p:cNvSpPr>
+            <a:spLocks noGrp="1"/>
+          </p:cNvSpPr>
+          <p:nvPr>
+            <p:ph type="title"/>
+          </p:nvPr>
+        </p:nvSpPr>
+        <p:spPr/>
+        <p:txBody>
+          <a:bodyPr/>
+          <a:lstStyle/>
+          <a:p>
+            <a:r>
+              <a:rPr lang="en-US" dirty="0"/>
+              <a:t>When to use Node.js?</a:t>
+            </a:r>
+          </a:p>
+        </p:txBody>
+      </p:sp>
+      <p:sp>
+        <p:nvSpPr>
+          <p:cNvPr id="3" name="Content Placeholder 2">
+            <a:extLst>
+              <a:ext uri="{FF2B5EF4-FFF2-40B4-BE49-F238E27FC236}">
+                <a16:creationId xmlns:a16="http://schemas.microsoft.com/office/drawing/2014/main" id="{EB76DD88-247D-B1F8-385A-8507E488513C}"/>
+              </a:ext>
+            </a:extLst>
+          </p:cNvPr>
+          <p:cNvSpPr>
+            <a:spLocks noGrp="1"/>
+          </p:cNvSpPr>
+          <p:nvPr>
+            <p:ph idx="1"/>
+          </p:nvPr>
+        </p:nvSpPr>
+        <p:spPr/>
+        <p:txBody>
+          <a:bodyPr/>
+          <a:lstStyle/>
+          <a:p>
+            <a:r>
+              <a:rPr lang="en-US" dirty="0"/>
+              <a:t>Node.js is best for usage in </a:t>
+            </a:r>
+            <a:r>
+              <a:rPr lang="en-US" dirty="0" err="1"/>
+              <a:t>straming</a:t>
+            </a:r>
+            <a:r>
+              <a:rPr lang="en-US" dirty="0"/>
+              <a:t> or event-based real-time applications like as</a:t>
+            </a:r>
+          </a:p>
+          <a:p>
+            <a:pPr lvl="1"/>
+            <a:r>
+              <a:rPr lang="en-US" dirty="0"/>
+              <a:t>Chat Applications</a:t>
+            </a:r>
+          </a:p>
+          <a:p>
+            <a:pPr lvl="1"/>
+            <a:r>
+              <a:rPr lang="en-US" dirty="0"/>
+              <a:t>Game servers</a:t>
+            </a:r>
+          </a:p>
+          <a:p>
+            <a:pPr lvl="1"/>
+            <a:r>
+              <a:rPr lang="en-US" dirty="0"/>
+              <a:t>Advertisement servers</a:t>
+            </a:r>
+          </a:p>
+          <a:p>
+            <a:pPr lvl="1"/>
+            <a:r>
+              <a:rPr lang="en-US" dirty="0"/>
+              <a:t>Streaming servers</a:t>
+            </a:r>
+          </a:p>
+          <a:p>
+            <a:pPr lvl="1"/>
+            <a:r>
+              <a:rPr lang="en-US" dirty="0"/>
+              <a:t>Another Web Application</a:t>
+            </a:r>
+          </a:p>
+        </p:txBody>
+      </p:sp>
+    </p:spTree>
+    <p:extLst>
+      <p:ext uri="{BB962C8B-B14F-4D97-AF65-F5344CB8AC3E}">
+        <p14:creationId xmlns:p14="http://schemas.microsoft.com/office/powerpoint/2010/main" val="2948975144"/>
+      </p:ext>
+    </p:extLst>
+  </p:cSld>
+  <p:clrMapOvr>
+    <a:masterClrMapping/>
+  </p:clrMapOvr>
+</p:sld>
+</file>
+
+<file path=ppt/slides/slide26.xml><?xml version="1.0" encoding="utf-8"?>
+<p:sld xmlns:a="http://schemas.openxmlformats.org/drawingml/2006/main" xmlns:r="http://schemas.openxmlformats.org/officeDocument/2006/relationships" xmlns:p="http://schemas.openxmlformats.org/presentationml/2006/main">
+  <p:cSld>
+    <p:spTree>
+      <p:nvGrpSpPr>
+        <p:cNvPr id="1" name=""/>
+        <p:cNvGrpSpPr/>
+        <p:nvPr/>
+      </p:nvGrpSpPr>
+      <p:grpSpPr>
+        <a:xfrm>
+          <a:off x="0" y="0"/>
+          <a:ext cx="0" cy="0"/>
+          <a:chOff x="0" y="0"/>
+          <a:chExt cx="0" cy="0"/>
+        </a:xfrm>
+      </p:grpSpPr>
+      <p:sp>
+        <p:nvSpPr>
+          <p:cNvPr id="2" name="Title 1">
+            <a:extLst>
+              <a:ext uri="{FF2B5EF4-FFF2-40B4-BE49-F238E27FC236}">
+                <a16:creationId xmlns:a16="http://schemas.microsoft.com/office/drawing/2014/main" id="{77E528B3-A85E-B8A7-A2FE-A61CF26B59FA}"/>
+              </a:ext>
+            </a:extLst>
+          </p:cNvPr>
+          <p:cNvSpPr>
+            <a:spLocks noGrp="1"/>
+          </p:cNvSpPr>
+          <p:nvPr>
+            <p:ph type="title"/>
+          </p:nvPr>
+        </p:nvSpPr>
+        <p:spPr/>
+        <p:txBody>
+          <a:bodyPr/>
+          <a:lstStyle/>
+          <a:p>
+            <a:r>
+              <a:rPr lang="en-US" dirty="0"/>
+              <a:t>What is V8 JS Engine?</a:t>
+            </a:r>
+          </a:p>
+        </p:txBody>
+      </p:sp>
+      <p:sp>
+        <p:nvSpPr>
+          <p:cNvPr id="3" name="Content Placeholder 2">
+            <a:extLst>
+              <a:ext uri="{FF2B5EF4-FFF2-40B4-BE49-F238E27FC236}">
+                <a16:creationId xmlns:a16="http://schemas.microsoft.com/office/drawing/2014/main" id="{EB8E4DA5-5D4D-7758-694A-D9C2941529A2}"/>
+              </a:ext>
+            </a:extLst>
+          </p:cNvPr>
+          <p:cNvSpPr>
+            <a:spLocks noGrp="1"/>
+          </p:cNvSpPr>
+          <p:nvPr>
+            <p:ph idx="1"/>
+          </p:nvPr>
+        </p:nvSpPr>
+        <p:spPr/>
+        <p:txBody>
+          <a:bodyPr/>
+          <a:lstStyle/>
+          <a:p>
+            <a:r>
+              <a:rPr lang="en-US" dirty="0"/>
+              <a:t>V8 is the JS execution engine which was initially built for Google Chrome.</a:t>
+            </a:r>
+          </a:p>
+          <a:p>
+            <a:r>
+              <a:rPr lang="en-US" dirty="0"/>
+              <a:t>V8 is Google open source and written in C++</a:t>
+            </a:r>
+          </a:p>
+          <a:p>
+            <a:r>
+              <a:rPr lang="en-US" dirty="0"/>
+              <a:t>V8 compiles JS source code to native machine code.</a:t>
+            </a:r>
+          </a:p>
+          <a:p>
+            <a:r>
+              <a:rPr lang="en-US" dirty="0"/>
+              <a:t>The Node.js written in C++</a:t>
+            </a:r>
+          </a:p>
+        </p:txBody>
+      </p:sp>
+    </p:spTree>
+    <p:extLst>
+      <p:ext uri="{BB962C8B-B14F-4D97-AF65-F5344CB8AC3E}">
+        <p14:creationId xmlns:p14="http://schemas.microsoft.com/office/powerpoint/2010/main" val="725606718"/>
+      </p:ext>
+    </p:extLst>
+  </p:cSld>
+  <p:clrMapOvr>
+    <a:masterClrMapping/>
+  </p:clrMapOvr>
+</p:sld>
+</file>
+
+<file path=ppt/slides/slide27.xml><?xml version="1.0" encoding="utf-8"?>
+<p:sld xmlns:a="http://schemas.openxmlformats.org/drawingml/2006/main" xmlns:r="http://schemas.openxmlformats.org/officeDocument/2006/relationships" xmlns:p="http://schemas.openxmlformats.org/presentationml/2006/main">
+  <p:cSld>
+    <p:spTree>
+      <p:nvGrpSpPr>
+        <p:cNvPr id="1" name=""/>
+        <p:cNvGrpSpPr/>
+        <p:nvPr/>
+      </p:nvGrpSpPr>
+      <p:grpSpPr>
+        <a:xfrm>
+          <a:off x="0" y="0"/>
+          <a:ext cx="0" cy="0"/>
+          <a:chOff x="0" y="0"/>
+          <a:chExt cx="0" cy="0"/>
+        </a:xfrm>
+      </p:grpSpPr>
+      <p:sp>
+        <p:nvSpPr>
+          <p:cNvPr id="2" name="Title 1">
+            <a:extLst>
+              <a:ext uri="{FF2B5EF4-FFF2-40B4-BE49-F238E27FC236}">
+                <a16:creationId xmlns:a16="http://schemas.microsoft.com/office/drawing/2014/main" id="{D6108B53-1BCD-9CC5-5894-2221A7EB8054}"/>
+              </a:ext>
+            </a:extLst>
+          </p:cNvPr>
+          <p:cNvSpPr>
+            <a:spLocks noGrp="1"/>
+          </p:cNvSpPr>
+          <p:nvPr>
+            <p:ph type="title"/>
+          </p:nvPr>
+        </p:nvSpPr>
+        <p:spPr/>
+        <p:txBody>
+          <a:bodyPr/>
+          <a:lstStyle/>
+          <a:p>
+            <a:r>
+              <a:rPr lang="en-US" dirty="0"/>
+              <a:t>What you need to know?</a:t>
+            </a:r>
+          </a:p>
+        </p:txBody>
+      </p:sp>
+      <p:sp>
+        <p:nvSpPr>
+          <p:cNvPr id="3" name="Content Placeholder 2">
+            <a:extLst>
+              <a:ext uri="{FF2B5EF4-FFF2-40B4-BE49-F238E27FC236}">
+                <a16:creationId xmlns:a16="http://schemas.microsoft.com/office/drawing/2014/main" id="{98FE207D-823F-786D-36A6-77F06961D8BA}"/>
+              </a:ext>
+            </a:extLst>
+          </p:cNvPr>
+          <p:cNvSpPr>
+            <a:spLocks noGrp="1"/>
+          </p:cNvSpPr>
+          <p:nvPr>
+            <p:ph idx="1"/>
+          </p:nvPr>
+        </p:nvSpPr>
+        <p:spPr/>
+        <p:txBody>
+          <a:bodyPr/>
+          <a:lstStyle/>
+          <a:p>
+            <a:r>
+              <a:rPr lang="en-US" dirty="0"/>
+              <a:t>JS</a:t>
+            </a:r>
+          </a:p>
+          <a:p>
+            <a:r>
+              <a:rPr lang="en-US" dirty="0"/>
+              <a:t>HTML</a:t>
+            </a:r>
+          </a:p>
+        </p:txBody>
+      </p:sp>
+      <p:sp>
+        <p:nvSpPr>
+          <p:cNvPr id="4" name="Title 1">
+            <a:extLst>
+              <a:ext uri="{FF2B5EF4-FFF2-40B4-BE49-F238E27FC236}">
+                <a16:creationId xmlns:a16="http://schemas.microsoft.com/office/drawing/2014/main" id="{56F10B44-5042-D8DB-E5F5-1201F84B0D32}"/>
+              </a:ext>
+            </a:extLst>
+          </p:cNvPr>
+          <p:cNvSpPr txBox="1">
+            <a:spLocks/>
+          </p:cNvSpPr>
+          <p:nvPr/>
+        </p:nvSpPr>
+        <p:spPr>
+          <a:xfrm>
+            <a:off x="838200" y="2725565"/>
+            <a:ext cx="10515600" cy="3940278"/>
+          </a:xfrm>
+          <a:prstGeom prst="rect">
+            <a:avLst/>
+          </a:prstGeom>
+        </p:spPr>
+        <p:txBody>
+          <a:bodyPr vert="horz" lIns="91440" tIns="45720" rIns="91440" bIns="45720" rtlCol="0" anchor="ctr">
+            <a:normAutofit/>
+          </a:bodyPr>
+          <a:lstStyle>
+            <a:lvl1pPr algn="l" defTabSz="914400" rtl="0" eaLnBrk="1" latinLnBrk="0" hangingPunct="1">
+              <a:lnSpc>
+                <a:spcPct val="90000"/>
+              </a:lnSpc>
+              <a:spcBef>
+                <a:spcPct val="0"/>
+              </a:spcBef>
+              <a:buNone/>
+              <a:defRPr sz="4400" kern="1200">
+                <a:solidFill>
+                  <a:schemeClr val="tx1"/>
+                </a:solidFill>
+                <a:latin typeface="+mj-lt"/>
+                <a:ea typeface="+mj-ea"/>
+                <a:cs typeface="+mj-cs"/>
+              </a:defRPr>
+            </a:lvl1pPr>
+          </a:lstStyle>
+          <a:p>
+            <a:r>
+              <a:rPr lang="en-US" dirty="0"/>
+              <a:t>Create First Application</a:t>
+            </a:r>
+          </a:p>
+          <a:p>
+            <a:r>
+              <a:rPr lang="en-US" dirty="0"/>
+              <a:t>Modules and create your own Modules</a:t>
+            </a:r>
+          </a:p>
+          <a:p>
+            <a:r>
+              <a:rPr lang="en-US" dirty="0"/>
+              <a:t>Events &amp; Event Emitter</a:t>
+            </a:r>
+          </a:p>
+          <a:p>
+            <a:r>
+              <a:rPr lang="en-US" dirty="0"/>
+              <a:t>Buffers and Streams</a:t>
+            </a:r>
+          </a:p>
+        </p:txBody>
+      </p:sp>
+    </p:spTree>
+    <p:extLst>
+      <p:ext uri="{BB962C8B-B14F-4D97-AF65-F5344CB8AC3E}">
+        <p14:creationId xmlns:p14="http://schemas.microsoft.com/office/powerpoint/2010/main" val="2511487078"/>
+      </p:ext>
+    </p:extLst>
+  </p:cSld>
+  <p:clrMapOvr>
+    <a:masterClrMapping/>
+  </p:clrMapOvr>
+</p:sld>
+</file>
+
+<file path=ppt/slides/slide28.xml><?xml version="1.0" encoding="utf-8"?>
+<p:sld xmlns:a="http://schemas.openxmlformats.org/drawingml/2006/main" xmlns:r="http://schemas.openxmlformats.org/officeDocument/2006/relationships" xmlns:p="http://schemas.openxmlformats.org/presentationml/2006/main">
+  <p:cSld>
+    <p:spTree>
+      <p:nvGrpSpPr>
+        <p:cNvPr id="1" name=""/>
+        <p:cNvGrpSpPr/>
+        <p:nvPr/>
+      </p:nvGrpSpPr>
+      <p:grpSpPr>
+        <a:xfrm>
+          <a:off x="0" y="0"/>
+          <a:ext cx="0" cy="0"/>
+          <a:chOff x="0" y="0"/>
+          <a:chExt cx="0" cy="0"/>
+        </a:xfrm>
+      </p:grpSpPr>
+      <p:sp>
+        <p:nvSpPr>
+          <p:cNvPr id="2" name="Title 1">
+            <a:extLst>
+              <a:ext uri="{FF2B5EF4-FFF2-40B4-BE49-F238E27FC236}">
+                <a16:creationId xmlns:a16="http://schemas.microsoft.com/office/drawing/2014/main" id="{D249949D-EB31-2CEA-2B0D-AACD6BAB6A78}"/>
+              </a:ext>
+            </a:extLst>
+          </p:cNvPr>
+          <p:cNvSpPr>
+            <a:spLocks noGrp="1"/>
+          </p:cNvSpPr>
+          <p:nvPr>
+            <p:ph type="title"/>
+          </p:nvPr>
+        </p:nvSpPr>
+        <p:spPr/>
+        <p:txBody>
+          <a:bodyPr/>
+          <a:lstStyle/>
+          <a:p>
+            <a:r>
+              <a:rPr lang="en-US" dirty="0"/>
+              <a:t>Why buffer?</a:t>
+            </a:r>
+          </a:p>
+        </p:txBody>
+      </p:sp>
+      <p:sp>
+        <p:nvSpPr>
+          <p:cNvPr id="3" name="Content Placeholder 2">
+            <a:extLst>
+              <a:ext uri="{FF2B5EF4-FFF2-40B4-BE49-F238E27FC236}">
+                <a16:creationId xmlns:a16="http://schemas.microsoft.com/office/drawing/2014/main" id="{C246E2EB-3685-45BD-08DC-D91673CCC22F}"/>
+              </a:ext>
+            </a:extLst>
+          </p:cNvPr>
+          <p:cNvSpPr>
+            <a:spLocks noGrp="1"/>
+          </p:cNvSpPr>
+          <p:nvPr>
+            <p:ph idx="1"/>
+          </p:nvPr>
+        </p:nvSpPr>
+        <p:spPr/>
+        <p:txBody>
+          <a:bodyPr/>
+          <a:lstStyle/>
+          <a:p>
+            <a:r>
+              <a:rPr lang="en-US" dirty="0"/>
+              <a:t>The JS lang had no mechanism for reading or manipulating streams of binary data.</a:t>
+            </a:r>
+          </a:p>
+          <a:p>
+            <a:r>
+              <a:rPr lang="en-US" dirty="0"/>
+              <a:t>The Buffer class was introduced as part of the Node.js API to make it possible</a:t>
+            </a:r>
+          </a:p>
+          <a:p>
+            <a:r>
+              <a:rPr lang="en-US" dirty="0"/>
+              <a:t>Node.js server have to also deal with TCP streams and reading &amp; writing to the file system with binary streams of data.</a:t>
+            </a:r>
+          </a:p>
+        </p:txBody>
+      </p:sp>
+    </p:spTree>
+    <p:extLst>
+      <p:ext uri="{BB962C8B-B14F-4D97-AF65-F5344CB8AC3E}">
+        <p14:creationId xmlns:p14="http://schemas.microsoft.com/office/powerpoint/2010/main" val="591755086"/>
+      </p:ext>
+    </p:extLst>
+  </p:cSld>
+  <p:clrMapOvr>
+    <a:masterClrMapping/>
+  </p:clrMapOvr>
+</p:sld>
+</file>
+
+<file path=ppt/slides/slide29.xml><?xml version="1.0" encoding="utf-8"?>
+<p:sld xmlns:a="http://schemas.openxmlformats.org/drawingml/2006/main" xmlns:r="http://schemas.openxmlformats.org/officeDocument/2006/relationships" xmlns:p="http://schemas.openxmlformats.org/presentationml/2006/main">
+  <p:cSld>
+    <p:spTree>
+      <p:nvGrpSpPr>
+        <p:cNvPr id="1" name=""/>
+        <p:cNvGrpSpPr/>
+        <p:nvPr/>
+      </p:nvGrpSpPr>
+      <p:grpSpPr>
+        <a:xfrm>
+          <a:off x="0" y="0"/>
+          <a:ext cx="0" cy="0"/>
+          <a:chOff x="0" y="0"/>
+          <a:chExt cx="0" cy="0"/>
+        </a:xfrm>
+      </p:grpSpPr>
+      <p:sp>
+        <p:nvSpPr>
+          <p:cNvPr id="2" name="Title 1">
+            <a:extLst>
+              <a:ext uri="{FF2B5EF4-FFF2-40B4-BE49-F238E27FC236}">
+                <a16:creationId xmlns:a16="http://schemas.microsoft.com/office/drawing/2014/main" id="{71F2ECFA-954E-43F2-FBB8-A5995A5D7C8F}"/>
+              </a:ext>
+            </a:extLst>
+          </p:cNvPr>
+          <p:cNvSpPr>
+            <a:spLocks noGrp="1"/>
+          </p:cNvSpPr>
+          <p:nvPr>
+            <p:ph type="title"/>
+          </p:nvPr>
+        </p:nvSpPr>
+        <p:spPr/>
+        <p:txBody>
+          <a:bodyPr/>
+          <a:lstStyle/>
+          <a:p>
+            <a:r>
+              <a:rPr lang="en-US" dirty="0"/>
+              <a:t>What is buffer?</a:t>
+            </a:r>
+          </a:p>
+        </p:txBody>
+      </p:sp>
+      <p:sp>
+        <p:nvSpPr>
+          <p:cNvPr id="3" name="Content Placeholder 2">
+            <a:extLst>
+              <a:ext uri="{FF2B5EF4-FFF2-40B4-BE49-F238E27FC236}">
+                <a16:creationId xmlns:a16="http://schemas.microsoft.com/office/drawing/2014/main" id="{90C59F8D-D7F6-C98D-2C6F-531EFAEE1BB1}"/>
+              </a:ext>
+            </a:extLst>
+          </p:cNvPr>
+          <p:cNvSpPr>
+            <a:spLocks noGrp="1"/>
+          </p:cNvSpPr>
+          <p:nvPr>
+            <p:ph idx="1"/>
+          </p:nvPr>
+        </p:nvSpPr>
+        <p:spPr/>
+        <p:txBody>
+          <a:bodyPr/>
+          <a:lstStyle/>
+          <a:p>
+            <a:r>
+              <a:rPr lang="en-US" dirty="0"/>
+              <a:t>Buffer is temporary storage, usually in the RAM.</a:t>
+            </a:r>
+          </a:p>
+          <a:p>
+            <a:r>
+              <a:rPr lang="en-US" dirty="0"/>
+              <a:t>It is handle raw binary data.</a:t>
+            </a:r>
+          </a:p>
+          <a:p>
+            <a:r>
+              <a:rPr lang="en-US" dirty="0"/>
+              <a:t>Instances of the buffer class like arrays of integers.</a:t>
+            </a:r>
+          </a:p>
+          <a:p>
+            <a:r>
+              <a:rPr lang="en-US" dirty="0"/>
+              <a:t>The “integers” in a buffer each represent a byte.</a:t>
+            </a:r>
+          </a:p>
+          <a:p>
+            <a:r>
+              <a:rPr lang="en-US" dirty="0"/>
+              <a:t>The size of the Buffer is established when it is created and cannot be resized.</a:t>
+            </a:r>
+          </a:p>
+          <a:p>
+            <a:r>
+              <a:rPr lang="en-US" dirty="0"/>
+              <a:t>When buffer is full then sent out for processing during streaming.</a:t>
+            </a:r>
+          </a:p>
+        </p:txBody>
+      </p:sp>
+    </p:spTree>
+    <p:extLst>
+      <p:ext uri="{BB962C8B-B14F-4D97-AF65-F5344CB8AC3E}">
+        <p14:creationId xmlns:p14="http://schemas.microsoft.com/office/powerpoint/2010/main" val="3612649063"/>
+      </p:ext>
+    </p:extLst>
+  </p:cSld>
+  <p:clrMapOvr>
+    <a:masterClrMapping/>
+  </p:clrMapOvr>
+</p:sld>
+</file>
+
 <file path=ppt/slides/slide3.xml><?xml version="1.0" encoding="utf-8"?>
 <p:sld xmlns:a="http://schemas.openxmlformats.org/drawingml/2006/main" xmlns:r="http://schemas.openxmlformats.org/officeDocument/2006/relationships" xmlns:p="http://schemas.openxmlformats.org/presentationml/2006/main">
   <p:cSld>
@@ -8865,6 +9743,2706 @@
     <p:extLst>
       <p:ext uri="{BB962C8B-B14F-4D97-AF65-F5344CB8AC3E}">
         <p14:creationId xmlns:p14="http://schemas.microsoft.com/office/powerpoint/2010/main" val="1054525297"/>
+      </p:ext>
+    </p:extLst>
+  </p:cSld>
+  <p:clrMapOvr>
+    <a:masterClrMapping/>
+  </p:clrMapOvr>
+</p:sld>
+</file>
+
+<file path=ppt/slides/slide30.xml><?xml version="1.0" encoding="utf-8"?>
+<p:sld xmlns:a="http://schemas.openxmlformats.org/drawingml/2006/main" xmlns:r="http://schemas.openxmlformats.org/officeDocument/2006/relationships" xmlns:p="http://schemas.openxmlformats.org/presentationml/2006/main">
+  <p:cSld>
+    <p:spTree>
+      <p:nvGrpSpPr>
+        <p:cNvPr id="1" name=""/>
+        <p:cNvGrpSpPr/>
+        <p:nvPr/>
+      </p:nvGrpSpPr>
+      <p:grpSpPr>
+        <a:xfrm>
+          <a:off x="0" y="0"/>
+          <a:ext cx="0" cy="0"/>
+          <a:chOff x="0" y="0"/>
+          <a:chExt cx="0" cy="0"/>
+        </a:xfrm>
+      </p:grpSpPr>
+      <p:sp>
+        <p:nvSpPr>
+          <p:cNvPr id="2" name="Title 1">
+            <a:extLst>
+              <a:ext uri="{FF2B5EF4-FFF2-40B4-BE49-F238E27FC236}">
+                <a16:creationId xmlns:a16="http://schemas.microsoft.com/office/drawing/2014/main" id="{CE07596A-511B-0597-7EA6-9201F1303F99}"/>
+              </a:ext>
+            </a:extLst>
+          </p:cNvPr>
+          <p:cNvSpPr>
+            <a:spLocks noGrp="1"/>
+          </p:cNvSpPr>
+          <p:nvPr>
+            <p:ph type="title"/>
+          </p:nvPr>
+        </p:nvSpPr>
+        <p:spPr/>
+        <p:txBody>
+          <a:bodyPr/>
+          <a:lstStyle/>
+          <a:p>
+            <a:r>
+              <a:rPr lang="en-US" dirty="0"/>
+              <a:t>How to work buffer?</a:t>
+            </a:r>
+          </a:p>
+        </p:txBody>
+      </p:sp>
+      <p:sp>
+        <p:nvSpPr>
+          <p:cNvPr id="4" name="Rectangle 3">
+            <a:extLst>
+              <a:ext uri="{FF2B5EF4-FFF2-40B4-BE49-F238E27FC236}">
+                <a16:creationId xmlns:a16="http://schemas.microsoft.com/office/drawing/2014/main" id="{2D28C04A-2722-906C-FB22-8AFF39FF1CE8}"/>
+              </a:ext>
+            </a:extLst>
+          </p:cNvPr>
+          <p:cNvSpPr/>
+          <p:nvPr/>
+        </p:nvSpPr>
+        <p:spPr>
+          <a:xfrm>
+            <a:off x="291548" y="2782957"/>
+            <a:ext cx="1789043" cy="3154017"/>
+          </a:xfrm>
+          <a:prstGeom prst="rect">
+            <a:avLst/>
+          </a:prstGeom>
+        </p:spPr>
+        <p:style>
+          <a:lnRef idx="2">
+            <a:schemeClr val="accent1">
+              <a:shade val="15000"/>
+            </a:schemeClr>
+          </a:lnRef>
+          <a:fillRef idx="1">
+            <a:schemeClr val="accent1"/>
+          </a:fillRef>
+          <a:effectRef idx="0">
+            <a:schemeClr val="accent1"/>
+          </a:effectRef>
+          <a:fontRef idx="minor">
+            <a:schemeClr val="lt1"/>
+          </a:fontRef>
+        </p:style>
+        <p:txBody>
+          <a:bodyPr rtlCol="0" anchor="ctr"/>
+          <a:lstStyle/>
+          <a:p>
+            <a:pPr algn="ctr"/>
+            <a:r>
+              <a:rPr lang="en-US" dirty="0"/>
+              <a:t>Large amount of data</a:t>
+            </a:r>
+          </a:p>
+        </p:txBody>
+      </p:sp>
+      <p:sp>
+        <p:nvSpPr>
+          <p:cNvPr id="5" name="Right Arrow 4">
+            <a:extLst>
+              <a:ext uri="{FF2B5EF4-FFF2-40B4-BE49-F238E27FC236}">
+                <a16:creationId xmlns:a16="http://schemas.microsoft.com/office/drawing/2014/main" id="{60EB0901-659A-B6ED-6286-83B4D11C89D8}"/>
+              </a:ext>
+            </a:extLst>
+          </p:cNvPr>
+          <p:cNvSpPr/>
+          <p:nvPr/>
+        </p:nvSpPr>
+        <p:spPr>
+          <a:xfrm>
+            <a:off x="2193234" y="4002156"/>
+            <a:ext cx="609601" cy="397566"/>
+          </a:xfrm>
+          <a:prstGeom prst="rightArrow">
+            <a:avLst/>
+          </a:prstGeom>
+        </p:spPr>
+        <p:style>
+          <a:lnRef idx="2">
+            <a:schemeClr val="accent1">
+              <a:shade val="15000"/>
+            </a:schemeClr>
+          </a:lnRef>
+          <a:fillRef idx="1">
+            <a:schemeClr val="accent1"/>
+          </a:fillRef>
+          <a:effectRef idx="0">
+            <a:schemeClr val="accent1"/>
+          </a:effectRef>
+          <a:fontRef idx="minor">
+            <a:schemeClr val="lt1"/>
+          </a:fontRef>
+        </p:style>
+        <p:txBody>
+          <a:bodyPr rtlCol="0" anchor="ctr"/>
+          <a:lstStyle/>
+          <a:p>
+            <a:pPr algn="ctr"/>
+            <a:endParaRPr lang="en-US"/>
+          </a:p>
+        </p:txBody>
+      </p:sp>
+      <p:sp>
+        <p:nvSpPr>
+          <p:cNvPr id="6" name="Rectangle 5">
+            <a:extLst>
+              <a:ext uri="{FF2B5EF4-FFF2-40B4-BE49-F238E27FC236}">
+                <a16:creationId xmlns:a16="http://schemas.microsoft.com/office/drawing/2014/main" id="{99849239-EC13-AB86-F60D-8B6A7C3C446A}"/>
+              </a:ext>
+            </a:extLst>
+          </p:cNvPr>
+          <p:cNvSpPr/>
+          <p:nvPr/>
+        </p:nvSpPr>
+        <p:spPr>
+          <a:xfrm>
+            <a:off x="2879039" y="3591339"/>
+            <a:ext cx="122578" cy="1219200"/>
+          </a:xfrm>
+          <a:prstGeom prst="rect">
+            <a:avLst/>
+          </a:prstGeom>
+        </p:spPr>
+        <p:style>
+          <a:lnRef idx="2">
+            <a:schemeClr val="accent1">
+              <a:shade val="15000"/>
+            </a:schemeClr>
+          </a:lnRef>
+          <a:fillRef idx="1">
+            <a:schemeClr val="accent1"/>
+          </a:fillRef>
+          <a:effectRef idx="0">
+            <a:schemeClr val="accent1"/>
+          </a:effectRef>
+          <a:fontRef idx="minor">
+            <a:schemeClr val="lt1"/>
+          </a:fontRef>
+        </p:style>
+        <p:txBody>
+          <a:bodyPr rtlCol="0" anchor="ctr"/>
+          <a:lstStyle/>
+          <a:p>
+            <a:pPr algn="ctr"/>
+            <a:endParaRPr lang="en-US"/>
+          </a:p>
+        </p:txBody>
+      </p:sp>
+      <p:sp>
+        <p:nvSpPr>
+          <p:cNvPr id="7" name="Right Arrow 6">
+            <a:extLst>
+              <a:ext uri="{FF2B5EF4-FFF2-40B4-BE49-F238E27FC236}">
+                <a16:creationId xmlns:a16="http://schemas.microsoft.com/office/drawing/2014/main" id="{0F52185D-F4F7-FDAF-FA9C-8ADD1FCA1F1F}"/>
+              </a:ext>
+            </a:extLst>
+          </p:cNvPr>
+          <p:cNvSpPr/>
+          <p:nvPr/>
+        </p:nvSpPr>
+        <p:spPr>
+          <a:xfrm>
+            <a:off x="3077821" y="4002156"/>
+            <a:ext cx="523462" cy="397566"/>
+          </a:xfrm>
+          <a:prstGeom prst="rightArrow">
+            <a:avLst/>
+          </a:prstGeom>
+        </p:spPr>
+        <p:style>
+          <a:lnRef idx="2">
+            <a:schemeClr val="accent1">
+              <a:shade val="15000"/>
+            </a:schemeClr>
+          </a:lnRef>
+          <a:fillRef idx="1">
+            <a:schemeClr val="accent1"/>
+          </a:fillRef>
+          <a:effectRef idx="0">
+            <a:schemeClr val="accent1"/>
+          </a:effectRef>
+          <a:fontRef idx="minor">
+            <a:schemeClr val="lt1"/>
+          </a:fontRef>
+        </p:style>
+        <p:txBody>
+          <a:bodyPr rtlCol="0" anchor="ctr"/>
+          <a:lstStyle/>
+          <a:p>
+            <a:pPr algn="ctr"/>
+            <a:endParaRPr lang="en-US"/>
+          </a:p>
+        </p:txBody>
+      </p:sp>
+      <p:sp>
+        <p:nvSpPr>
+          <p:cNvPr id="8" name="Rectangle 7">
+            <a:extLst>
+              <a:ext uri="{FF2B5EF4-FFF2-40B4-BE49-F238E27FC236}">
+                <a16:creationId xmlns:a16="http://schemas.microsoft.com/office/drawing/2014/main" id="{42B482D1-C28B-9F1C-2785-97FB3565CC6C}"/>
+              </a:ext>
+            </a:extLst>
+          </p:cNvPr>
+          <p:cNvSpPr/>
+          <p:nvPr/>
+        </p:nvSpPr>
+        <p:spPr>
+          <a:xfrm>
+            <a:off x="3657600" y="3591339"/>
+            <a:ext cx="142466" cy="1219200"/>
+          </a:xfrm>
+          <a:prstGeom prst="rect">
+            <a:avLst/>
+          </a:prstGeom>
+        </p:spPr>
+        <p:style>
+          <a:lnRef idx="2">
+            <a:schemeClr val="accent1">
+              <a:shade val="15000"/>
+            </a:schemeClr>
+          </a:lnRef>
+          <a:fillRef idx="1">
+            <a:schemeClr val="accent1"/>
+          </a:fillRef>
+          <a:effectRef idx="0">
+            <a:schemeClr val="accent1"/>
+          </a:effectRef>
+          <a:fontRef idx="minor">
+            <a:schemeClr val="lt1"/>
+          </a:fontRef>
+        </p:style>
+        <p:txBody>
+          <a:bodyPr rtlCol="0" anchor="ctr"/>
+          <a:lstStyle/>
+          <a:p>
+            <a:pPr algn="ctr"/>
+            <a:endParaRPr lang="en-US"/>
+          </a:p>
+        </p:txBody>
+      </p:sp>
+      <p:sp>
+        <p:nvSpPr>
+          <p:cNvPr id="9" name="Rectangle 8">
+            <a:extLst>
+              <a:ext uri="{FF2B5EF4-FFF2-40B4-BE49-F238E27FC236}">
+                <a16:creationId xmlns:a16="http://schemas.microsoft.com/office/drawing/2014/main" id="{358CEBEE-9581-66EC-AD27-EF620D32C9F5}"/>
+              </a:ext>
+            </a:extLst>
+          </p:cNvPr>
+          <p:cNvSpPr/>
+          <p:nvPr/>
+        </p:nvSpPr>
+        <p:spPr>
+          <a:xfrm>
+            <a:off x="4512367" y="3657600"/>
+            <a:ext cx="2339008" cy="1086678"/>
+          </a:xfrm>
+          <a:prstGeom prst="rect">
+            <a:avLst/>
+          </a:prstGeom>
+        </p:spPr>
+        <p:style>
+          <a:lnRef idx="2">
+            <a:schemeClr val="accent6"/>
+          </a:lnRef>
+          <a:fillRef idx="1">
+            <a:schemeClr val="lt1"/>
+          </a:fillRef>
+          <a:effectRef idx="0">
+            <a:schemeClr val="accent6"/>
+          </a:effectRef>
+          <a:fontRef idx="minor">
+            <a:schemeClr val="dk1"/>
+          </a:fontRef>
+        </p:style>
+        <p:txBody>
+          <a:bodyPr rtlCol="0" anchor="ctr"/>
+          <a:lstStyle/>
+          <a:p>
+            <a:pPr algn="ctr"/>
+            <a:endParaRPr lang="en-US"/>
+          </a:p>
+        </p:txBody>
+      </p:sp>
+      <p:sp>
+        <p:nvSpPr>
+          <p:cNvPr id="10" name="Right Arrow 9">
+            <a:extLst>
+              <a:ext uri="{FF2B5EF4-FFF2-40B4-BE49-F238E27FC236}">
+                <a16:creationId xmlns:a16="http://schemas.microsoft.com/office/drawing/2014/main" id="{A5210E91-57D2-094F-0C86-E169E1AD49F7}"/>
+              </a:ext>
+            </a:extLst>
+          </p:cNvPr>
+          <p:cNvSpPr/>
+          <p:nvPr/>
+        </p:nvSpPr>
+        <p:spPr>
+          <a:xfrm>
+            <a:off x="3856383" y="4002156"/>
+            <a:ext cx="599666" cy="397566"/>
+          </a:xfrm>
+          <a:prstGeom prst="rightArrow">
+            <a:avLst/>
+          </a:prstGeom>
+        </p:spPr>
+        <p:style>
+          <a:lnRef idx="2">
+            <a:schemeClr val="accent1">
+              <a:shade val="15000"/>
+            </a:schemeClr>
+          </a:lnRef>
+          <a:fillRef idx="1">
+            <a:schemeClr val="accent1"/>
+          </a:fillRef>
+          <a:effectRef idx="0">
+            <a:schemeClr val="accent1"/>
+          </a:effectRef>
+          <a:fontRef idx="minor">
+            <a:schemeClr val="lt1"/>
+          </a:fontRef>
+        </p:style>
+        <p:txBody>
+          <a:bodyPr rtlCol="0" anchor="ctr"/>
+          <a:lstStyle/>
+          <a:p>
+            <a:pPr algn="ctr"/>
+            <a:endParaRPr lang="en-US"/>
+          </a:p>
+        </p:txBody>
+      </p:sp>
+      <p:sp>
+        <p:nvSpPr>
+          <p:cNvPr id="11" name="TextBox 10">
+            <a:extLst>
+              <a:ext uri="{FF2B5EF4-FFF2-40B4-BE49-F238E27FC236}">
+                <a16:creationId xmlns:a16="http://schemas.microsoft.com/office/drawing/2014/main" id="{886953C2-1BFF-88A1-72A2-20608B1F8371}"/>
+              </a:ext>
+            </a:extLst>
+          </p:cNvPr>
+          <p:cNvSpPr txBox="1"/>
+          <p:nvPr/>
+        </p:nvSpPr>
+        <p:spPr>
+          <a:xfrm>
+            <a:off x="4890052" y="1895061"/>
+            <a:ext cx="3487365" cy="1200329"/>
+          </a:xfrm>
+          <a:prstGeom prst="rect">
+            <a:avLst/>
+          </a:prstGeom>
+          <a:noFill/>
+        </p:spPr>
+        <p:txBody>
+          <a:bodyPr wrap="none" rtlCol="0">
+            <a:spAutoFit/>
+          </a:bodyPr>
+          <a:lstStyle/>
+          <a:p>
+            <a:r>
+              <a:rPr lang="en-US" dirty="0"/>
+              <a:t>Buffer also known as waiting area</a:t>
+            </a:r>
+          </a:p>
+          <a:p>
+            <a:endParaRPr lang="en-US" dirty="0"/>
+          </a:p>
+          <a:p>
+            <a:r>
+              <a:rPr lang="en-US" dirty="0"/>
+              <a:t>Let </a:t>
+            </a:r>
+            <a:r>
+              <a:rPr lang="en-US" dirty="0" err="1"/>
+              <a:t>buf</a:t>
+            </a:r>
+            <a:r>
+              <a:rPr lang="en-US" dirty="0"/>
+              <a:t> = </a:t>
+            </a:r>
+            <a:r>
+              <a:rPr lang="en-US" dirty="0" err="1"/>
+              <a:t>Buffer.alloc</a:t>
+            </a:r>
+            <a:r>
+              <a:rPr lang="en-US" dirty="0"/>
+              <a:t>(10);</a:t>
+            </a:r>
+          </a:p>
+          <a:p>
+            <a:r>
+              <a:rPr lang="en-US" dirty="0"/>
+              <a:t>Buffer(store 10 bytes)</a:t>
+            </a:r>
+          </a:p>
+        </p:txBody>
+      </p:sp>
+      <p:cxnSp>
+        <p:nvCxnSpPr>
+          <p:cNvPr id="13" name="Straight Arrow Connector 12">
+            <a:extLst>
+              <a:ext uri="{FF2B5EF4-FFF2-40B4-BE49-F238E27FC236}">
+                <a16:creationId xmlns:a16="http://schemas.microsoft.com/office/drawing/2014/main" id="{DDC20132-46DE-9AC0-A320-3FB8D108AF49}"/>
+              </a:ext>
+            </a:extLst>
+          </p:cNvPr>
+          <p:cNvCxnSpPr/>
+          <p:nvPr/>
+        </p:nvCxnSpPr>
+        <p:spPr>
+          <a:xfrm flipV="1">
+            <a:off x="5128591" y="3095390"/>
+            <a:ext cx="331305" cy="495949"/>
+          </a:xfrm>
+          <a:prstGeom prst="straightConnector1">
+            <a:avLst/>
+          </a:prstGeom>
+          <a:ln>
+            <a:tailEnd type="triangle"/>
+          </a:ln>
+        </p:spPr>
+        <p:style>
+          <a:lnRef idx="2">
+            <a:schemeClr val="accent1"/>
+          </a:lnRef>
+          <a:fillRef idx="0">
+            <a:schemeClr val="accent1"/>
+          </a:fillRef>
+          <a:effectRef idx="1">
+            <a:schemeClr val="accent1"/>
+          </a:effectRef>
+          <a:fontRef idx="minor">
+            <a:schemeClr val="tx1"/>
+          </a:fontRef>
+        </p:style>
+      </p:cxnSp>
+      <p:sp>
+        <p:nvSpPr>
+          <p:cNvPr id="14" name="Rectangle 13">
+            <a:extLst>
+              <a:ext uri="{FF2B5EF4-FFF2-40B4-BE49-F238E27FC236}">
+                <a16:creationId xmlns:a16="http://schemas.microsoft.com/office/drawing/2014/main" id="{4AACA75D-8F07-71F1-C756-6A6516E1FCEC}"/>
+              </a:ext>
+            </a:extLst>
+          </p:cNvPr>
+          <p:cNvSpPr/>
+          <p:nvPr/>
+        </p:nvSpPr>
+        <p:spPr>
+          <a:xfrm>
+            <a:off x="4618382" y="3750365"/>
+            <a:ext cx="112644" cy="861392"/>
+          </a:xfrm>
+          <a:prstGeom prst="rect">
+            <a:avLst/>
+          </a:prstGeom>
+        </p:spPr>
+        <p:style>
+          <a:lnRef idx="2">
+            <a:schemeClr val="accent1">
+              <a:shade val="15000"/>
+            </a:schemeClr>
+          </a:lnRef>
+          <a:fillRef idx="1">
+            <a:schemeClr val="accent1"/>
+          </a:fillRef>
+          <a:effectRef idx="0">
+            <a:schemeClr val="accent1"/>
+          </a:effectRef>
+          <a:fontRef idx="minor">
+            <a:schemeClr val="lt1"/>
+          </a:fontRef>
+        </p:style>
+        <p:txBody>
+          <a:bodyPr rtlCol="0" anchor="ctr"/>
+          <a:lstStyle/>
+          <a:p>
+            <a:pPr algn="ctr"/>
+            <a:endParaRPr lang="en-US"/>
+          </a:p>
+        </p:txBody>
+      </p:sp>
+      <p:sp>
+        <p:nvSpPr>
+          <p:cNvPr id="15" name="Rectangle 14">
+            <a:extLst>
+              <a:ext uri="{FF2B5EF4-FFF2-40B4-BE49-F238E27FC236}">
+                <a16:creationId xmlns:a16="http://schemas.microsoft.com/office/drawing/2014/main" id="{0D3B3FBF-D4B9-9373-3AFE-CAC2763CB118}"/>
+              </a:ext>
+            </a:extLst>
+          </p:cNvPr>
+          <p:cNvSpPr/>
+          <p:nvPr/>
+        </p:nvSpPr>
+        <p:spPr>
+          <a:xfrm>
+            <a:off x="4833730" y="3750365"/>
+            <a:ext cx="112644" cy="861392"/>
+          </a:xfrm>
+          <a:prstGeom prst="rect">
+            <a:avLst/>
+          </a:prstGeom>
+        </p:spPr>
+        <p:style>
+          <a:lnRef idx="2">
+            <a:schemeClr val="accent1">
+              <a:shade val="15000"/>
+            </a:schemeClr>
+          </a:lnRef>
+          <a:fillRef idx="1">
+            <a:schemeClr val="accent1"/>
+          </a:fillRef>
+          <a:effectRef idx="0">
+            <a:schemeClr val="accent1"/>
+          </a:effectRef>
+          <a:fontRef idx="minor">
+            <a:schemeClr val="lt1"/>
+          </a:fontRef>
+        </p:style>
+        <p:txBody>
+          <a:bodyPr rtlCol="0" anchor="ctr"/>
+          <a:lstStyle/>
+          <a:p>
+            <a:pPr algn="ctr"/>
+            <a:endParaRPr lang="en-US"/>
+          </a:p>
+        </p:txBody>
+      </p:sp>
+      <p:sp>
+        <p:nvSpPr>
+          <p:cNvPr id="16" name="Rectangle 15">
+            <a:extLst>
+              <a:ext uri="{FF2B5EF4-FFF2-40B4-BE49-F238E27FC236}">
+                <a16:creationId xmlns:a16="http://schemas.microsoft.com/office/drawing/2014/main" id="{55C5D9ED-AC1C-51DA-B9D4-4A957BA82D07}"/>
+              </a:ext>
+            </a:extLst>
+          </p:cNvPr>
+          <p:cNvSpPr/>
+          <p:nvPr/>
+        </p:nvSpPr>
+        <p:spPr>
+          <a:xfrm>
+            <a:off x="5072269" y="3750365"/>
+            <a:ext cx="112644" cy="861392"/>
+          </a:xfrm>
+          <a:prstGeom prst="rect">
+            <a:avLst/>
+          </a:prstGeom>
+        </p:spPr>
+        <p:style>
+          <a:lnRef idx="2">
+            <a:schemeClr val="accent1">
+              <a:shade val="15000"/>
+            </a:schemeClr>
+          </a:lnRef>
+          <a:fillRef idx="1">
+            <a:schemeClr val="accent1"/>
+          </a:fillRef>
+          <a:effectRef idx="0">
+            <a:schemeClr val="accent1"/>
+          </a:effectRef>
+          <a:fontRef idx="minor">
+            <a:schemeClr val="lt1"/>
+          </a:fontRef>
+        </p:style>
+        <p:txBody>
+          <a:bodyPr rtlCol="0" anchor="ctr"/>
+          <a:lstStyle/>
+          <a:p>
+            <a:pPr algn="ctr"/>
+            <a:endParaRPr lang="en-US"/>
+          </a:p>
+        </p:txBody>
+      </p:sp>
+      <p:sp>
+        <p:nvSpPr>
+          <p:cNvPr id="17" name="Rectangle 16">
+            <a:extLst>
+              <a:ext uri="{FF2B5EF4-FFF2-40B4-BE49-F238E27FC236}">
+                <a16:creationId xmlns:a16="http://schemas.microsoft.com/office/drawing/2014/main" id="{0BEADCC5-C795-3AB4-1502-0F79B8B55AA9}"/>
+              </a:ext>
+            </a:extLst>
+          </p:cNvPr>
+          <p:cNvSpPr/>
+          <p:nvPr/>
+        </p:nvSpPr>
+        <p:spPr>
+          <a:xfrm>
+            <a:off x="5287612" y="3750365"/>
+            <a:ext cx="112644" cy="861392"/>
+          </a:xfrm>
+          <a:prstGeom prst="rect">
+            <a:avLst/>
+          </a:prstGeom>
+        </p:spPr>
+        <p:style>
+          <a:lnRef idx="2">
+            <a:schemeClr val="accent1">
+              <a:shade val="15000"/>
+            </a:schemeClr>
+          </a:lnRef>
+          <a:fillRef idx="1">
+            <a:schemeClr val="accent1"/>
+          </a:fillRef>
+          <a:effectRef idx="0">
+            <a:schemeClr val="accent1"/>
+          </a:effectRef>
+          <a:fontRef idx="minor">
+            <a:schemeClr val="lt1"/>
+          </a:fontRef>
+        </p:style>
+        <p:txBody>
+          <a:bodyPr rtlCol="0" anchor="ctr"/>
+          <a:lstStyle/>
+          <a:p>
+            <a:pPr algn="ctr"/>
+            <a:endParaRPr lang="en-US"/>
+          </a:p>
+        </p:txBody>
+      </p:sp>
+      <p:sp>
+        <p:nvSpPr>
+          <p:cNvPr id="18" name="Rectangle 17">
+            <a:extLst>
+              <a:ext uri="{FF2B5EF4-FFF2-40B4-BE49-F238E27FC236}">
+                <a16:creationId xmlns:a16="http://schemas.microsoft.com/office/drawing/2014/main" id="{5027E2A8-9F66-7465-481D-153E464E46F6}"/>
+              </a:ext>
+            </a:extLst>
+          </p:cNvPr>
+          <p:cNvSpPr/>
+          <p:nvPr/>
+        </p:nvSpPr>
+        <p:spPr>
+          <a:xfrm>
+            <a:off x="5502960" y="3750365"/>
+            <a:ext cx="112644" cy="861392"/>
+          </a:xfrm>
+          <a:prstGeom prst="rect">
+            <a:avLst/>
+          </a:prstGeom>
+        </p:spPr>
+        <p:style>
+          <a:lnRef idx="2">
+            <a:schemeClr val="accent1">
+              <a:shade val="15000"/>
+            </a:schemeClr>
+          </a:lnRef>
+          <a:fillRef idx="1">
+            <a:schemeClr val="accent1"/>
+          </a:fillRef>
+          <a:effectRef idx="0">
+            <a:schemeClr val="accent1"/>
+          </a:effectRef>
+          <a:fontRef idx="minor">
+            <a:schemeClr val="lt1"/>
+          </a:fontRef>
+        </p:style>
+        <p:txBody>
+          <a:bodyPr rtlCol="0" anchor="ctr"/>
+          <a:lstStyle/>
+          <a:p>
+            <a:pPr algn="ctr"/>
+            <a:endParaRPr lang="en-US"/>
+          </a:p>
+        </p:txBody>
+      </p:sp>
+      <p:sp>
+        <p:nvSpPr>
+          <p:cNvPr id="19" name="Rectangle 18">
+            <a:extLst>
+              <a:ext uri="{FF2B5EF4-FFF2-40B4-BE49-F238E27FC236}">
+                <a16:creationId xmlns:a16="http://schemas.microsoft.com/office/drawing/2014/main" id="{599F130B-A34F-8F1B-00D1-E39F0317553C}"/>
+              </a:ext>
+            </a:extLst>
+          </p:cNvPr>
+          <p:cNvSpPr/>
+          <p:nvPr/>
+        </p:nvSpPr>
+        <p:spPr>
+          <a:xfrm>
+            <a:off x="5741499" y="3750365"/>
+            <a:ext cx="112644" cy="861392"/>
+          </a:xfrm>
+          <a:prstGeom prst="rect">
+            <a:avLst/>
+          </a:prstGeom>
+        </p:spPr>
+        <p:style>
+          <a:lnRef idx="2">
+            <a:schemeClr val="accent1">
+              <a:shade val="15000"/>
+            </a:schemeClr>
+          </a:lnRef>
+          <a:fillRef idx="1">
+            <a:schemeClr val="accent1"/>
+          </a:fillRef>
+          <a:effectRef idx="0">
+            <a:schemeClr val="accent1"/>
+          </a:effectRef>
+          <a:fontRef idx="minor">
+            <a:schemeClr val="lt1"/>
+          </a:fontRef>
+        </p:style>
+        <p:txBody>
+          <a:bodyPr rtlCol="0" anchor="ctr"/>
+          <a:lstStyle/>
+          <a:p>
+            <a:pPr algn="ctr"/>
+            <a:endParaRPr lang="en-US"/>
+          </a:p>
+        </p:txBody>
+      </p:sp>
+      <p:sp>
+        <p:nvSpPr>
+          <p:cNvPr id="20" name="Rectangle 19">
+            <a:extLst>
+              <a:ext uri="{FF2B5EF4-FFF2-40B4-BE49-F238E27FC236}">
+                <a16:creationId xmlns:a16="http://schemas.microsoft.com/office/drawing/2014/main" id="{3BE0BB56-ADD3-913F-FB5F-0285DAC7468D}"/>
+              </a:ext>
+            </a:extLst>
+          </p:cNvPr>
+          <p:cNvSpPr/>
+          <p:nvPr/>
+        </p:nvSpPr>
+        <p:spPr>
+          <a:xfrm>
+            <a:off x="5953536" y="3750365"/>
+            <a:ext cx="112644" cy="861392"/>
+          </a:xfrm>
+          <a:prstGeom prst="rect">
+            <a:avLst/>
+          </a:prstGeom>
+        </p:spPr>
+        <p:style>
+          <a:lnRef idx="2">
+            <a:schemeClr val="accent1">
+              <a:shade val="15000"/>
+            </a:schemeClr>
+          </a:lnRef>
+          <a:fillRef idx="1">
+            <a:schemeClr val="accent1"/>
+          </a:fillRef>
+          <a:effectRef idx="0">
+            <a:schemeClr val="accent1"/>
+          </a:effectRef>
+          <a:fontRef idx="minor">
+            <a:schemeClr val="lt1"/>
+          </a:fontRef>
+        </p:style>
+        <p:txBody>
+          <a:bodyPr rtlCol="0" anchor="ctr"/>
+          <a:lstStyle/>
+          <a:p>
+            <a:pPr algn="ctr"/>
+            <a:endParaRPr lang="en-US"/>
+          </a:p>
+        </p:txBody>
+      </p:sp>
+      <p:sp>
+        <p:nvSpPr>
+          <p:cNvPr id="21" name="Rectangle 20">
+            <a:extLst>
+              <a:ext uri="{FF2B5EF4-FFF2-40B4-BE49-F238E27FC236}">
+                <a16:creationId xmlns:a16="http://schemas.microsoft.com/office/drawing/2014/main" id="{62105C1D-1ABB-7A8A-B7FC-FD072D5FE89C}"/>
+              </a:ext>
+            </a:extLst>
+          </p:cNvPr>
+          <p:cNvSpPr/>
+          <p:nvPr/>
+        </p:nvSpPr>
+        <p:spPr>
+          <a:xfrm>
+            <a:off x="6168884" y="3750365"/>
+            <a:ext cx="112644" cy="861392"/>
+          </a:xfrm>
+          <a:prstGeom prst="rect">
+            <a:avLst/>
+          </a:prstGeom>
+        </p:spPr>
+        <p:style>
+          <a:lnRef idx="2">
+            <a:schemeClr val="accent1">
+              <a:shade val="15000"/>
+            </a:schemeClr>
+          </a:lnRef>
+          <a:fillRef idx="1">
+            <a:schemeClr val="accent1"/>
+          </a:fillRef>
+          <a:effectRef idx="0">
+            <a:schemeClr val="accent1"/>
+          </a:effectRef>
+          <a:fontRef idx="minor">
+            <a:schemeClr val="lt1"/>
+          </a:fontRef>
+        </p:style>
+        <p:txBody>
+          <a:bodyPr rtlCol="0" anchor="ctr"/>
+          <a:lstStyle/>
+          <a:p>
+            <a:pPr algn="ctr"/>
+            <a:endParaRPr lang="en-US"/>
+          </a:p>
+        </p:txBody>
+      </p:sp>
+      <p:sp>
+        <p:nvSpPr>
+          <p:cNvPr id="22" name="Rectangle 21">
+            <a:extLst>
+              <a:ext uri="{FF2B5EF4-FFF2-40B4-BE49-F238E27FC236}">
+                <a16:creationId xmlns:a16="http://schemas.microsoft.com/office/drawing/2014/main" id="{4A39E060-C69E-E469-15AA-05290139F7A6}"/>
+              </a:ext>
+            </a:extLst>
+          </p:cNvPr>
+          <p:cNvSpPr/>
+          <p:nvPr/>
+        </p:nvSpPr>
+        <p:spPr>
+          <a:xfrm>
+            <a:off x="6407423" y="3750365"/>
+            <a:ext cx="112644" cy="861392"/>
+          </a:xfrm>
+          <a:prstGeom prst="rect">
+            <a:avLst/>
+          </a:prstGeom>
+        </p:spPr>
+        <p:style>
+          <a:lnRef idx="2">
+            <a:schemeClr val="accent1">
+              <a:shade val="15000"/>
+            </a:schemeClr>
+          </a:lnRef>
+          <a:fillRef idx="1">
+            <a:schemeClr val="accent1"/>
+          </a:fillRef>
+          <a:effectRef idx="0">
+            <a:schemeClr val="accent1"/>
+          </a:effectRef>
+          <a:fontRef idx="minor">
+            <a:schemeClr val="lt1"/>
+          </a:fontRef>
+        </p:style>
+        <p:txBody>
+          <a:bodyPr rtlCol="0" anchor="ctr"/>
+          <a:lstStyle/>
+          <a:p>
+            <a:pPr algn="ctr"/>
+            <a:endParaRPr lang="en-US"/>
+          </a:p>
+        </p:txBody>
+      </p:sp>
+      <p:sp>
+        <p:nvSpPr>
+          <p:cNvPr id="23" name="Rectangle 22">
+            <a:extLst>
+              <a:ext uri="{FF2B5EF4-FFF2-40B4-BE49-F238E27FC236}">
+                <a16:creationId xmlns:a16="http://schemas.microsoft.com/office/drawing/2014/main" id="{9D5A0AD1-5903-41D7-C8A1-0A409B9281A2}"/>
+              </a:ext>
+            </a:extLst>
+          </p:cNvPr>
+          <p:cNvSpPr/>
+          <p:nvPr/>
+        </p:nvSpPr>
+        <p:spPr>
+          <a:xfrm>
+            <a:off x="6602882" y="3742731"/>
+            <a:ext cx="112644" cy="861392"/>
+          </a:xfrm>
+          <a:prstGeom prst="rect">
+            <a:avLst/>
+          </a:prstGeom>
+        </p:spPr>
+        <p:style>
+          <a:lnRef idx="2">
+            <a:schemeClr val="accent1">
+              <a:shade val="15000"/>
+            </a:schemeClr>
+          </a:lnRef>
+          <a:fillRef idx="1">
+            <a:schemeClr val="accent1"/>
+          </a:fillRef>
+          <a:effectRef idx="0">
+            <a:schemeClr val="accent1"/>
+          </a:effectRef>
+          <a:fontRef idx="minor">
+            <a:schemeClr val="lt1"/>
+          </a:fontRef>
+        </p:style>
+        <p:txBody>
+          <a:bodyPr rtlCol="0" anchor="ctr"/>
+          <a:lstStyle/>
+          <a:p>
+            <a:pPr algn="ctr"/>
+            <a:endParaRPr lang="en-US"/>
+          </a:p>
+        </p:txBody>
+      </p:sp>
+      <p:sp>
+        <p:nvSpPr>
+          <p:cNvPr id="26" name="TextBox 25">
+            <a:extLst>
+              <a:ext uri="{FF2B5EF4-FFF2-40B4-BE49-F238E27FC236}">
+                <a16:creationId xmlns:a16="http://schemas.microsoft.com/office/drawing/2014/main" id="{C0F678F7-97BE-A8EB-B16D-F65C471C6343}"/>
+              </a:ext>
+            </a:extLst>
+          </p:cNvPr>
+          <p:cNvSpPr txBox="1"/>
+          <p:nvPr/>
+        </p:nvSpPr>
+        <p:spPr>
+          <a:xfrm>
+            <a:off x="4618382" y="5406887"/>
+            <a:ext cx="734304" cy="369332"/>
+          </a:xfrm>
+          <a:prstGeom prst="rect">
+            <a:avLst/>
+          </a:prstGeom>
+          <a:noFill/>
+        </p:spPr>
+        <p:txBody>
+          <a:bodyPr wrap="none" rtlCol="0">
+            <a:spAutoFit/>
+          </a:bodyPr>
+          <a:lstStyle/>
+          <a:p>
+            <a:r>
+              <a:rPr lang="en-US" dirty="0"/>
+              <a:t>Bytes</a:t>
+            </a:r>
+          </a:p>
+        </p:txBody>
+      </p:sp>
+      <p:cxnSp>
+        <p:nvCxnSpPr>
+          <p:cNvPr id="28" name="Straight Arrow Connector 27">
+            <a:extLst>
+              <a:ext uri="{FF2B5EF4-FFF2-40B4-BE49-F238E27FC236}">
+                <a16:creationId xmlns:a16="http://schemas.microsoft.com/office/drawing/2014/main" id="{B7E3397D-4577-D5FE-C9AA-FAC290E5F4DF}"/>
+              </a:ext>
+            </a:extLst>
+          </p:cNvPr>
+          <p:cNvCxnSpPr>
+            <a:endCxn id="26" idx="0"/>
+          </p:cNvCxnSpPr>
+          <p:nvPr/>
+        </p:nvCxnSpPr>
+        <p:spPr>
+          <a:xfrm flipH="1">
+            <a:off x="4985534" y="4810539"/>
+            <a:ext cx="302078" cy="596348"/>
+          </a:xfrm>
+          <a:prstGeom prst="straightConnector1">
+            <a:avLst/>
+          </a:prstGeom>
+          <a:ln>
+            <a:tailEnd type="triangle"/>
+          </a:ln>
+        </p:spPr>
+        <p:style>
+          <a:lnRef idx="2">
+            <a:schemeClr val="accent1"/>
+          </a:lnRef>
+          <a:fillRef idx="0">
+            <a:schemeClr val="accent1"/>
+          </a:fillRef>
+          <a:effectRef idx="1">
+            <a:schemeClr val="accent1"/>
+          </a:effectRef>
+          <a:fontRef idx="minor">
+            <a:schemeClr val="tx1"/>
+          </a:fontRef>
+        </p:style>
+      </p:cxnSp>
+      <p:sp>
+        <p:nvSpPr>
+          <p:cNvPr id="29" name="Right Arrow 28">
+            <a:extLst>
+              <a:ext uri="{FF2B5EF4-FFF2-40B4-BE49-F238E27FC236}">
+                <a16:creationId xmlns:a16="http://schemas.microsoft.com/office/drawing/2014/main" id="{A44E5119-E2F8-A0DE-1CDF-B550E4CC4C76}"/>
+              </a:ext>
+            </a:extLst>
+          </p:cNvPr>
+          <p:cNvSpPr/>
+          <p:nvPr/>
+        </p:nvSpPr>
+        <p:spPr>
+          <a:xfrm>
+            <a:off x="6940815" y="3974644"/>
+            <a:ext cx="599666" cy="397566"/>
+          </a:xfrm>
+          <a:prstGeom prst="rightArrow">
+            <a:avLst/>
+          </a:prstGeom>
+        </p:spPr>
+        <p:style>
+          <a:lnRef idx="2">
+            <a:schemeClr val="accent1">
+              <a:shade val="15000"/>
+            </a:schemeClr>
+          </a:lnRef>
+          <a:fillRef idx="1">
+            <a:schemeClr val="accent1"/>
+          </a:fillRef>
+          <a:effectRef idx="0">
+            <a:schemeClr val="accent1"/>
+          </a:effectRef>
+          <a:fontRef idx="minor">
+            <a:schemeClr val="lt1"/>
+          </a:fontRef>
+        </p:style>
+        <p:txBody>
+          <a:bodyPr rtlCol="0" anchor="ctr"/>
+          <a:lstStyle/>
+          <a:p>
+            <a:pPr algn="ctr"/>
+            <a:endParaRPr lang="en-US"/>
+          </a:p>
+        </p:txBody>
+      </p:sp>
+      <p:sp>
+        <p:nvSpPr>
+          <p:cNvPr id="30" name="Rounded Rectangle 29">
+            <a:extLst>
+              <a:ext uri="{FF2B5EF4-FFF2-40B4-BE49-F238E27FC236}">
+                <a16:creationId xmlns:a16="http://schemas.microsoft.com/office/drawing/2014/main" id="{BAA40EEE-30B4-1C9D-3822-6F9F697BC258}"/>
+              </a:ext>
+            </a:extLst>
+          </p:cNvPr>
+          <p:cNvSpPr/>
+          <p:nvPr/>
+        </p:nvSpPr>
+        <p:spPr>
+          <a:xfrm>
+            <a:off x="7673009" y="3750365"/>
+            <a:ext cx="1484243" cy="649357"/>
+          </a:xfrm>
+          <a:prstGeom prst="roundRect">
+            <a:avLst/>
+          </a:prstGeom>
+        </p:spPr>
+        <p:style>
+          <a:lnRef idx="2">
+            <a:schemeClr val="accent1">
+              <a:shade val="15000"/>
+            </a:schemeClr>
+          </a:lnRef>
+          <a:fillRef idx="1">
+            <a:schemeClr val="accent1"/>
+          </a:fillRef>
+          <a:effectRef idx="0">
+            <a:schemeClr val="accent1"/>
+          </a:effectRef>
+          <a:fontRef idx="minor">
+            <a:schemeClr val="lt1"/>
+          </a:fontRef>
+        </p:style>
+        <p:txBody>
+          <a:bodyPr rtlCol="0" anchor="ctr"/>
+          <a:lstStyle/>
+          <a:p>
+            <a:pPr algn="ctr"/>
+            <a:r>
+              <a:rPr lang="en-US" dirty="0"/>
+              <a:t>Data chunk</a:t>
+            </a:r>
+          </a:p>
+        </p:txBody>
+      </p:sp>
+      <p:sp>
+        <p:nvSpPr>
+          <p:cNvPr id="31" name="Right Arrow 30">
+            <a:extLst>
+              <a:ext uri="{FF2B5EF4-FFF2-40B4-BE49-F238E27FC236}">
+                <a16:creationId xmlns:a16="http://schemas.microsoft.com/office/drawing/2014/main" id="{3694D51C-29F4-4CD2-A854-24C4D3A006DB}"/>
+              </a:ext>
+            </a:extLst>
+          </p:cNvPr>
+          <p:cNvSpPr/>
+          <p:nvPr/>
+        </p:nvSpPr>
+        <p:spPr>
+          <a:xfrm>
+            <a:off x="9304673" y="3949147"/>
+            <a:ext cx="599666" cy="397566"/>
+          </a:xfrm>
+          <a:prstGeom prst="rightArrow">
+            <a:avLst/>
+          </a:prstGeom>
+        </p:spPr>
+        <p:style>
+          <a:lnRef idx="2">
+            <a:schemeClr val="accent1">
+              <a:shade val="15000"/>
+            </a:schemeClr>
+          </a:lnRef>
+          <a:fillRef idx="1">
+            <a:schemeClr val="accent1"/>
+          </a:fillRef>
+          <a:effectRef idx="0">
+            <a:schemeClr val="accent1"/>
+          </a:effectRef>
+          <a:fontRef idx="minor">
+            <a:schemeClr val="lt1"/>
+          </a:fontRef>
+        </p:style>
+        <p:txBody>
+          <a:bodyPr rtlCol="0" anchor="ctr"/>
+          <a:lstStyle/>
+          <a:p>
+            <a:pPr algn="ctr"/>
+            <a:endParaRPr lang="en-US"/>
+          </a:p>
+        </p:txBody>
+      </p:sp>
+    </p:spTree>
+    <p:extLst>
+      <p:ext uri="{BB962C8B-B14F-4D97-AF65-F5344CB8AC3E}">
+        <p14:creationId xmlns:p14="http://schemas.microsoft.com/office/powerpoint/2010/main" val="3563155159"/>
+      </p:ext>
+    </p:extLst>
+  </p:cSld>
+  <p:clrMapOvr>
+    <a:masterClrMapping/>
+  </p:clrMapOvr>
+</p:sld>
+</file>
+
+<file path=ppt/slides/slide31.xml><?xml version="1.0" encoding="utf-8"?>
+<p:sld xmlns:a="http://schemas.openxmlformats.org/drawingml/2006/main" xmlns:r="http://schemas.openxmlformats.org/officeDocument/2006/relationships" xmlns:p="http://schemas.openxmlformats.org/presentationml/2006/main">
+  <p:cSld>
+    <p:spTree>
+      <p:nvGrpSpPr>
+        <p:cNvPr id="1" name=""/>
+        <p:cNvGrpSpPr/>
+        <p:nvPr/>
+      </p:nvGrpSpPr>
+      <p:grpSpPr>
+        <a:xfrm>
+          <a:off x="0" y="0"/>
+          <a:ext cx="0" cy="0"/>
+          <a:chOff x="0" y="0"/>
+          <a:chExt cx="0" cy="0"/>
+        </a:xfrm>
+      </p:grpSpPr>
+      <p:sp>
+        <p:nvSpPr>
+          <p:cNvPr id="2" name="Title 1">
+            <a:extLst>
+              <a:ext uri="{FF2B5EF4-FFF2-40B4-BE49-F238E27FC236}">
+                <a16:creationId xmlns:a16="http://schemas.microsoft.com/office/drawing/2014/main" id="{601C65F9-FF69-6F89-277E-6C9E3E187966}"/>
+              </a:ext>
+            </a:extLst>
+          </p:cNvPr>
+          <p:cNvSpPr>
+            <a:spLocks noGrp="1"/>
+          </p:cNvSpPr>
+          <p:nvPr>
+            <p:ph type="title"/>
+          </p:nvPr>
+        </p:nvSpPr>
+        <p:spPr/>
+        <p:txBody>
+          <a:bodyPr/>
+          <a:lstStyle/>
+          <a:p>
+            <a:r>
+              <a:rPr lang="en-US" dirty="0"/>
+              <a:t>Streams</a:t>
+            </a:r>
+          </a:p>
+        </p:txBody>
+      </p:sp>
+      <p:sp>
+        <p:nvSpPr>
+          <p:cNvPr id="3" name="Content Placeholder 2">
+            <a:extLst>
+              <a:ext uri="{FF2B5EF4-FFF2-40B4-BE49-F238E27FC236}">
+                <a16:creationId xmlns:a16="http://schemas.microsoft.com/office/drawing/2014/main" id="{5671B33D-EBA8-2DFF-19C7-B5666413F7B2}"/>
+              </a:ext>
+            </a:extLst>
+          </p:cNvPr>
+          <p:cNvSpPr>
+            <a:spLocks noGrp="1"/>
+          </p:cNvSpPr>
+          <p:nvPr>
+            <p:ph idx="1"/>
+          </p:nvPr>
+        </p:nvSpPr>
+        <p:spPr>
+          <a:xfrm>
+            <a:off x="838200" y="1825625"/>
+            <a:ext cx="8478078" cy="891071"/>
+          </a:xfrm>
+        </p:spPr>
+        <p:txBody>
+          <a:bodyPr/>
+          <a:lstStyle/>
+          <a:p>
+            <a:pPr marL="0" indent="0">
+              <a:buNone/>
+            </a:pPr>
+            <a:r>
+              <a:rPr lang="en-US" dirty="0"/>
+              <a:t>Streams in Node.js read data from a source or write data to a destination in continuous.</a:t>
+            </a:r>
+          </a:p>
+        </p:txBody>
+      </p:sp>
+      <p:sp>
+        <p:nvSpPr>
+          <p:cNvPr id="4" name="Rectangle 3">
+            <a:extLst>
+              <a:ext uri="{FF2B5EF4-FFF2-40B4-BE49-F238E27FC236}">
+                <a16:creationId xmlns:a16="http://schemas.microsoft.com/office/drawing/2014/main" id="{ADA588B7-B599-07CA-D797-648FB24CBD3E}"/>
+              </a:ext>
+            </a:extLst>
+          </p:cNvPr>
+          <p:cNvSpPr/>
+          <p:nvPr/>
+        </p:nvSpPr>
+        <p:spPr>
+          <a:xfrm>
+            <a:off x="281613" y="3347582"/>
+            <a:ext cx="122578" cy="1219200"/>
+          </a:xfrm>
+          <a:prstGeom prst="rect">
+            <a:avLst/>
+          </a:prstGeom>
+        </p:spPr>
+        <p:style>
+          <a:lnRef idx="2">
+            <a:schemeClr val="accent1">
+              <a:shade val="15000"/>
+            </a:schemeClr>
+          </a:lnRef>
+          <a:fillRef idx="1">
+            <a:schemeClr val="accent1"/>
+          </a:fillRef>
+          <a:effectRef idx="0">
+            <a:schemeClr val="accent1"/>
+          </a:effectRef>
+          <a:fontRef idx="minor">
+            <a:schemeClr val="lt1"/>
+          </a:fontRef>
+        </p:style>
+        <p:txBody>
+          <a:bodyPr rtlCol="0" anchor="ctr"/>
+          <a:lstStyle/>
+          <a:p>
+            <a:pPr algn="ctr"/>
+            <a:endParaRPr lang="en-US"/>
+          </a:p>
+        </p:txBody>
+      </p:sp>
+      <p:sp>
+        <p:nvSpPr>
+          <p:cNvPr id="5" name="Right Arrow 4">
+            <a:extLst>
+              <a:ext uri="{FF2B5EF4-FFF2-40B4-BE49-F238E27FC236}">
+                <a16:creationId xmlns:a16="http://schemas.microsoft.com/office/drawing/2014/main" id="{4B5F442E-B78C-1873-67CB-E423F9349D6C}"/>
+              </a:ext>
+            </a:extLst>
+          </p:cNvPr>
+          <p:cNvSpPr/>
+          <p:nvPr/>
+        </p:nvSpPr>
+        <p:spPr>
+          <a:xfrm>
+            <a:off x="480395" y="3758399"/>
+            <a:ext cx="523462" cy="397566"/>
+          </a:xfrm>
+          <a:prstGeom prst="rightArrow">
+            <a:avLst/>
+          </a:prstGeom>
+        </p:spPr>
+        <p:style>
+          <a:lnRef idx="2">
+            <a:schemeClr val="accent1">
+              <a:shade val="15000"/>
+            </a:schemeClr>
+          </a:lnRef>
+          <a:fillRef idx="1">
+            <a:schemeClr val="accent1"/>
+          </a:fillRef>
+          <a:effectRef idx="0">
+            <a:schemeClr val="accent1"/>
+          </a:effectRef>
+          <a:fontRef idx="minor">
+            <a:schemeClr val="lt1"/>
+          </a:fontRef>
+        </p:style>
+        <p:txBody>
+          <a:bodyPr rtlCol="0" anchor="ctr"/>
+          <a:lstStyle/>
+          <a:p>
+            <a:pPr algn="ctr"/>
+            <a:endParaRPr lang="en-US"/>
+          </a:p>
+        </p:txBody>
+      </p:sp>
+      <p:sp>
+        <p:nvSpPr>
+          <p:cNvPr id="6" name="Rectangle 5">
+            <a:extLst>
+              <a:ext uri="{FF2B5EF4-FFF2-40B4-BE49-F238E27FC236}">
+                <a16:creationId xmlns:a16="http://schemas.microsoft.com/office/drawing/2014/main" id="{16CAB3E0-CA20-DAC2-BACE-23382A03524F}"/>
+              </a:ext>
+            </a:extLst>
+          </p:cNvPr>
+          <p:cNvSpPr/>
+          <p:nvPr/>
+        </p:nvSpPr>
+        <p:spPr>
+          <a:xfrm>
+            <a:off x="1060174" y="3347582"/>
+            <a:ext cx="142466" cy="1219200"/>
+          </a:xfrm>
+          <a:prstGeom prst="rect">
+            <a:avLst/>
+          </a:prstGeom>
+        </p:spPr>
+        <p:style>
+          <a:lnRef idx="2">
+            <a:schemeClr val="accent1">
+              <a:shade val="15000"/>
+            </a:schemeClr>
+          </a:lnRef>
+          <a:fillRef idx="1">
+            <a:schemeClr val="accent1"/>
+          </a:fillRef>
+          <a:effectRef idx="0">
+            <a:schemeClr val="accent1"/>
+          </a:effectRef>
+          <a:fontRef idx="minor">
+            <a:schemeClr val="lt1"/>
+          </a:fontRef>
+        </p:style>
+        <p:txBody>
+          <a:bodyPr rtlCol="0" anchor="ctr"/>
+          <a:lstStyle/>
+          <a:p>
+            <a:pPr algn="ctr"/>
+            <a:endParaRPr lang="en-US"/>
+          </a:p>
+        </p:txBody>
+      </p:sp>
+      <p:sp>
+        <p:nvSpPr>
+          <p:cNvPr id="7" name="Rectangle 6">
+            <a:extLst>
+              <a:ext uri="{FF2B5EF4-FFF2-40B4-BE49-F238E27FC236}">
+                <a16:creationId xmlns:a16="http://schemas.microsoft.com/office/drawing/2014/main" id="{B78CF694-18D8-AFCC-2CBC-E6A83DCF9BDF}"/>
+              </a:ext>
+            </a:extLst>
+          </p:cNvPr>
+          <p:cNvSpPr/>
+          <p:nvPr/>
+        </p:nvSpPr>
+        <p:spPr>
+          <a:xfrm>
+            <a:off x="1914941" y="3413843"/>
+            <a:ext cx="2339008" cy="1086678"/>
+          </a:xfrm>
+          <a:prstGeom prst="rect">
+            <a:avLst/>
+          </a:prstGeom>
+        </p:spPr>
+        <p:style>
+          <a:lnRef idx="2">
+            <a:schemeClr val="accent6"/>
+          </a:lnRef>
+          <a:fillRef idx="1">
+            <a:schemeClr val="lt1"/>
+          </a:fillRef>
+          <a:effectRef idx="0">
+            <a:schemeClr val="accent6"/>
+          </a:effectRef>
+          <a:fontRef idx="minor">
+            <a:schemeClr val="dk1"/>
+          </a:fontRef>
+        </p:style>
+        <p:txBody>
+          <a:bodyPr rtlCol="0" anchor="ctr"/>
+          <a:lstStyle/>
+          <a:p>
+            <a:pPr algn="ctr"/>
+            <a:endParaRPr lang="en-US"/>
+          </a:p>
+        </p:txBody>
+      </p:sp>
+      <p:sp>
+        <p:nvSpPr>
+          <p:cNvPr id="8" name="Right Arrow 7">
+            <a:extLst>
+              <a:ext uri="{FF2B5EF4-FFF2-40B4-BE49-F238E27FC236}">
+                <a16:creationId xmlns:a16="http://schemas.microsoft.com/office/drawing/2014/main" id="{23F7F507-F76B-8876-E054-820A6C801A5C}"/>
+              </a:ext>
+            </a:extLst>
+          </p:cNvPr>
+          <p:cNvSpPr/>
+          <p:nvPr/>
+        </p:nvSpPr>
+        <p:spPr>
+          <a:xfrm>
+            <a:off x="1258957" y="3758399"/>
+            <a:ext cx="599666" cy="397566"/>
+          </a:xfrm>
+          <a:prstGeom prst="rightArrow">
+            <a:avLst/>
+          </a:prstGeom>
+        </p:spPr>
+        <p:style>
+          <a:lnRef idx="2">
+            <a:schemeClr val="accent1">
+              <a:shade val="15000"/>
+            </a:schemeClr>
+          </a:lnRef>
+          <a:fillRef idx="1">
+            <a:schemeClr val="accent1"/>
+          </a:fillRef>
+          <a:effectRef idx="0">
+            <a:schemeClr val="accent1"/>
+          </a:effectRef>
+          <a:fontRef idx="minor">
+            <a:schemeClr val="lt1"/>
+          </a:fontRef>
+        </p:style>
+        <p:txBody>
+          <a:bodyPr rtlCol="0" anchor="ctr"/>
+          <a:lstStyle/>
+          <a:p>
+            <a:pPr algn="ctr"/>
+            <a:endParaRPr lang="en-US"/>
+          </a:p>
+        </p:txBody>
+      </p:sp>
+      <p:sp>
+        <p:nvSpPr>
+          <p:cNvPr id="10" name="Rectangle 9">
+            <a:extLst>
+              <a:ext uri="{FF2B5EF4-FFF2-40B4-BE49-F238E27FC236}">
+                <a16:creationId xmlns:a16="http://schemas.microsoft.com/office/drawing/2014/main" id="{B05CB028-2ACB-C95D-E6CE-1CB2459542EE}"/>
+              </a:ext>
+            </a:extLst>
+          </p:cNvPr>
+          <p:cNvSpPr/>
+          <p:nvPr/>
+        </p:nvSpPr>
+        <p:spPr>
+          <a:xfrm>
+            <a:off x="2020956" y="3506608"/>
+            <a:ext cx="112644" cy="861392"/>
+          </a:xfrm>
+          <a:prstGeom prst="rect">
+            <a:avLst/>
+          </a:prstGeom>
+        </p:spPr>
+        <p:style>
+          <a:lnRef idx="2">
+            <a:schemeClr val="accent1">
+              <a:shade val="15000"/>
+            </a:schemeClr>
+          </a:lnRef>
+          <a:fillRef idx="1">
+            <a:schemeClr val="accent1"/>
+          </a:fillRef>
+          <a:effectRef idx="0">
+            <a:schemeClr val="accent1"/>
+          </a:effectRef>
+          <a:fontRef idx="minor">
+            <a:schemeClr val="lt1"/>
+          </a:fontRef>
+        </p:style>
+        <p:txBody>
+          <a:bodyPr rtlCol="0" anchor="ctr"/>
+          <a:lstStyle/>
+          <a:p>
+            <a:pPr algn="ctr"/>
+            <a:endParaRPr lang="en-US"/>
+          </a:p>
+        </p:txBody>
+      </p:sp>
+      <p:sp>
+        <p:nvSpPr>
+          <p:cNvPr id="11" name="Rectangle 10">
+            <a:extLst>
+              <a:ext uri="{FF2B5EF4-FFF2-40B4-BE49-F238E27FC236}">
+                <a16:creationId xmlns:a16="http://schemas.microsoft.com/office/drawing/2014/main" id="{1DA8181D-4C7B-9632-6EBF-7BBC6D07F37E}"/>
+              </a:ext>
+            </a:extLst>
+          </p:cNvPr>
+          <p:cNvSpPr/>
+          <p:nvPr/>
+        </p:nvSpPr>
+        <p:spPr>
+          <a:xfrm>
+            <a:off x="2236304" y="3506608"/>
+            <a:ext cx="112644" cy="861392"/>
+          </a:xfrm>
+          <a:prstGeom prst="rect">
+            <a:avLst/>
+          </a:prstGeom>
+        </p:spPr>
+        <p:style>
+          <a:lnRef idx="2">
+            <a:schemeClr val="accent1">
+              <a:shade val="15000"/>
+            </a:schemeClr>
+          </a:lnRef>
+          <a:fillRef idx="1">
+            <a:schemeClr val="accent1"/>
+          </a:fillRef>
+          <a:effectRef idx="0">
+            <a:schemeClr val="accent1"/>
+          </a:effectRef>
+          <a:fontRef idx="minor">
+            <a:schemeClr val="lt1"/>
+          </a:fontRef>
+        </p:style>
+        <p:txBody>
+          <a:bodyPr rtlCol="0" anchor="ctr"/>
+          <a:lstStyle/>
+          <a:p>
+            <a:pPr algn="ctr"/>
+            <a:endParaRPr lang="en-US"/>
+          </a:p>
+        </p:txBody>
+      </p:sp>
+      <p:sp>
+        <p:nvSpPr>
+          <p:cNvPr id="12" name="Rectangle 11">
+            <a:extLst>
+              <a:ext uri="{FF2B5EF4-FFF2-40B4-BE49-F238E27FC236}">
+                <a16:creationId xmlns:a16="http://schemas.microsoft.com/office/drawing/2014/main" id="{E6657060-6EEE-172E-B094-4C36B20B3BBF}"/>
+              </a:ext>
+            </a:extLst>
+          </p:cNvPr>
+          <p:cNvSpPr/>
+          <p:nvPr/>
+        </p:nvSpPr>
+        <p:spPr>
+          <a:xfrm>
+            <a:off x="2474843" y="3506608"/>
+            <a:ext cx="112644" cy="861392"/>
+          </a:xfrm>
+          <a:prstGeom prst="rect">
+            <a:avLst/>
+          </a:prstGeom>
+        </p:spPr>
+        <p:style>
+          <a:lnRef idx="2">
+            <a:schemeClr val="accent1">
+              <a:shade val="15000"/>
+            </a:schemeClr>
+          </a:lnRef>
+          <a:fillRef idx="1">
+            <a:schemeClr val="accent1"/>
+          </a:fillRef>
+          <a:effectRef idx="0">
+            <a:schemeClr val="accent1"/>
+          </a:effectRef>
+          <a:fontRef idx="minor">
+            <a:schemeClr val="lt1"/>
+          </a:fontRef>
+        </p:style>
+        <p:txBody>
+          <a:bodyPr rtlCol="0" anchor="ctr"/>
+          <a:lstStyle/>
+          <a:p>
+            <a:pPr algn="ctr"/>
+            <a:endParaRPr lang="en-US"/>
+          </a:p>
+        </p:txBody>
+      </p:sp>
+      <p:sp>
+        <p:nvSpPr>
+          <p:cNvPr id="13" name="Rectangle 12">
+            <a:extLst>
+              <a:ext uri="{FF2B5EF4-FFF2-40B4-BE49-F238E27FC236}">
+                <a16:creationId xmlns:a16="http://schemas.microsoft.com/office/drawing/2014/main" id="{68E4F8E9-EDA4-352A-7422-5D171615003D}"/>
+              </a:ext>
+            </a:extLst>
+          </p:cNvPr>
+          <p:cNvSpPr/>
+          <p:nvPr/>
+        </p:nvSpPr>
+        <p:spPr>
+          <a:xfrm>
+            <a:off x="2690186" y="3506608"/>
+            <a:ext cx="112644" cy="861392"/>
+          </a:xfrm>
+          <a:prstGeom prst="rect">
+            <a:avLst/>
+          </a:prstGeom>
+        </p:spPr>
+        <p:style>
+          <a:lnRef idx="2">
+            <a:schemeClr val="accent1">
+              <a:shade val="15000"/>
+            </a:schemeClr>
+          </a:lnRef>
+          <a:fillRef idx="1">
+            <a:schemeClr val="accent1"/>
+          </a:fillRef>
+          <a:effectRef idx="0">
+            <a:schemeClr val="accent1"/>
+          </a:effectRef>
+          <a:fontRef idx="minor">
+            <a:schemeClr val="lt1"/>
+          </a:fontRef>
+        </p:style>
+        <p:txBody>
+          <a:bodyPr rtlCol="0" anchor="ctr"/>
+          <a:lstStyle/>
+          <a:p>
+            <a:pPr algn="ctr"/>
+            <a:endParaRPr lang="en-US"/>
+          </a:p>
+        </p:txBody>
+      </p:sp>
+      <p:sp>
+        <p:nvSpPr>
+          <p:cNvPr id="14" name="Rectangle 13">
+            <a:extLst>
+              <a:ext uri="{FF2B5EF4-FFF2-40B4-BE49-F238E27FC236}">
+                <a16:creationId xmlns:a16="http://schemas.microsoft.com/office/drawing/2014/main" id="{BE0D83D3-1174-A713-34FD-9AFB5A1F7A8D}"/>
+              </a:ext>
+            </a:extLst>
+          </p:cNvPr>
+          <p:cNvSpPr/>
+          <p:nvPr/>
+        </p:nvSpPr>
+        <p:spPr>
+          <a:xfrm>
+            <a:off x="2905534" y="3506608"/>
+            <a:ext cx="112644" cy="861392"/>
+          </a:xfrm>
+          <a:prstGeom prst="rect">
+            <a:avLst/>
+          </a:prstGeom>
+        </p:spPr>
+        <p:style>
+          <a:lnRef idx="2">
+            <a:schemeClr val="accent1">
+              <a:shade val="15000"/>
+            </a:schemeClr>
+          </a:lnRef>
+          <a:fillRef idx="1">
+            <a:schemeClr val="accent1"/>
+          </a:fillRef>
+          <a:effectRef idx="0">
+            <a:schemeClr val="accent1"/>
+          </a:effectRef>
+          <a:fontRef idx="minor">
+            <a:schemeClr val="lt1"/>
+          </a:fontRef>
+        </p:style>
+        <p:txBody>
+          <a:bodyPr rtlCol="0" anchor="ctr"/>
+          <a:lstStyle/>
+          <a:p>
+            <a:pPr algn="ctr"/>
+            <a:endParaRPr lang="en-US"/>
+          </a:p>
+        </p:txBody>
+      </p:sp>
+      <p:sp>
+        <p:nvSpPr>
+          <p:cNvPr id="15" name="Rectangle 14">
+            <a:extLst>
+              <a:ext uri="{FF2B5EF4-FFF2-40B4-BE49-F238E27FC236}">
+                <a16:creationId xmlns:a16="http://schemas.microsoft.com/office/drawing/2014/main" id="{A09C15C1-46EE-6460-76B3-AB06A7BCDE25}"/>
+              </a:ext>
+            </a:extLst>
+          </p:cNvPr>
+          <p:cNvSpPr/>
+          <p:nvPr/>
+        </p:nvSpPr>
+        <p:spPr>
+          <a:xfrm>
+            <a:off x="3144073" y="3506608"/>
+            <a:ext cx="112644" cy="861392"/>
+          </a:xfrm>
+          <a:prstGeom prst="rect">
+            <a:avLst/>
+          </a:prstGeom>
+        </p:spPr>
+        <p:style>
+          <a:lnRef idx="2">
+            <a:schemeClr val="accent1">
+              <a:shade val="15000"/>
+            </a:schemeClr>
+          </a:lnRef>
+          <a:fillRef idx="1">
+            <a:schemeClr val="accent1"/>
+          </a:fillRef>
+          <a:effectRef idx="0">
+            <a:schemeClr val="accent1"/>
+          </a:effectRef>
+          <a:fontRef idx="minor">
+            <a:schemeClr val="lt1"/>
+          </a:fontRef>
+        </p:style>
+        <p:txBody>
+          <a:bodyPr rtlCol="0" anchor="ctr"/>
+          <a:lstStyle/>
+          <a:p>
+            <a:pPr algn="ctr"/>
+            <a:endParaRPr lang="en-US"/>
+          </a:p>
+        </p:txBody>
+      </p:sp>
+      <p:sp>
+        <p:nvSpPr>
+          <p:cNvPr id="16" name="Rectangle 15">
+            <a:extLst>
+              <a:ext uri="{FF2B5EF4-FFF2-40B4-BE49-F238E27FC236}">
+                <a16:creationId xmlns:a16="http://schemas.microsoft.com/office/drawing/2014/main" id="{908CEAC8-0E15-2422-567C-5C487A90AC42}"/>
+              </a:ext>
+            </a:extLst>
+          </p:cNvPr>
+          <p:cNvSpPr/>
+          <p:nvPr/>
+        </p:nvSpPr>
+        <p:spPr>
+          <a:xfrm>
+            <a:off x="3356110" y="3506608"/>
+            <a:ext cx="112644" cy="861392"/>
+          </a:xfrm>
+          <a:prstGeom prst="rect">
+            <a:avLst/>
+          </a:prstGeom>
+        </p:spPr>
+        <p:style>
+          <a:lnRef idx="2">
+            <a:schemeClr val="accent1">
+              <a:shade val="15000"/>
+            </a:schemeClr>
+          </a:lnRef>
+          <a:fillRef idx="1">
+            <a:schemeClr val="accent1"/>
+          </a:fillRef>
+          <a:effectRef idx="0">
+            <a:schemeClr val="accent1"/>
+          </a:effectRef>
+          <a:fontRef idx="minor">
+            <a:schemeClr val="lt1"/>
+          </a:fontRef>
+        </p:style>
+        <p:txBody>
+          <a:bodyPr rtlCol="0" anchor="ctr"/>
+          <a:lstStyle/>
+          <a:p>
+            <a:pPr algn="ctr"/>
+            <a:endParaRPr lang="en-US"/>
+          </a:p>
+        </p:txBody>
+      </p:sp>
+      <p:sp>
+        <p:nvSpPr>
+          <p:cNvPr id="17" name="Rectangle 16">
+            <a:extLst>
+              <a:ext uri="{FF2B5EF4-FFF2-40B4-BE49-F238E27FC236}">
+                <a16:creationId xmlns:a16="http://schemas.microsoft.com/office/drawing/2014/main" id="{F80AF0A0-03AF-B5A2-694B-E44F1D06BAFE}"/>
+              </a:ext>
+            </a:extLst>
+          </p:cNvPr>
+          <p:cNvSpPr/>
+          <p:nvPr/>
+        </p:nvSpPr>
+        <p:spPr>
+          <a:xfrm>
+            <a:off x="3571458" y="3506608"/>
+            <a:ext cx="112644" cy="861392"/>
+          </a:xfrm>
+          <a:prstGeom prst="rect">
+            <a:avLst/>
+          </a:prstGeom>
+        </p:spPr>
+        <p:style>
+          <a:lnRef idx="2">
+            <a:schemeClr val="accent1">
+              <a:shade val="15000"/>
+            </a:schemeClr>
+          </a:lnRef>
+          <a:fillRef idx="1">
+            <a:schemeClr val="accent1"/>
+          </a:fillRef>
+          <a:effectRef idx="0">
+            <a:schemeClr val="accent1"/>
+          </a:effectRef>
+          <a:fontRef idx="minor">
+            <a:schemeClr val="lt1"/>
+          </a:fontRef>
+        </p:style>
+        <p:txBody>
+          <a:bodyPr rtlCol="0" anchor="ctr"/>
+          <a:lstStyle/>
+          <a:p>
+            <a:pPr algn="ctr"/>
+            <a:endParaRPr lang="en-US"/>
+          </a:p>
+        </p:txBody>
+      </p:sp>
+      <p:sp>
+        <p:nvSpPr>
+          <p:cNvPr id="18" name="Rectangle 17">
+            <a:extLst>
+              <a:ext uri="{FF2B5EF4-FFF2-40B4-BE49-F238E27FC236}">
+                <a16:creationId xmlns:a16="http://schemas.microsoft.com/office/drawing/2014/main" id="{7BD4C81C-056C-9A97-001C-6B3304BF58FB}"/>
+              </a:ext>
+            </a:extLst>
+          </p:cNvPr>
+          <p:cNvSpPr/>
+          <p:nvPr/>
+        </p:nvSpPr>
+        <p:spPr>
+          <a:xfrm>
+            <a:off x="3809997" y="3506608"/>
+            <a:ext cx="112644" cy="861392"/>
+          </a:xfrm>
+          <a:prstGeom prst="rect">
+            <a:avLst/>
+          </a:prstGeom>
+        </p:spPr>
+        <p:style>
+          <a:lnRef idx="2">
+            <a:schemeClr val="accent1">
+              <a:shade val="15000"/>
+            </a:schemeClr>
+          </a:lnRef>
+          <a:fillRef idx="1">
+            <a:schemeClr val="accent1"/>
+          </a:fillRef>
+          <a:effectRef idx="0">
+            <a:schemeClr val="accent1"/>
+          </a:effectRef>
+          <a:fontRef idx="minor">
+            <a:schemeClr val="lt1"/>
+          </a:fontRef>
+        </p:style>
+        <p:txBody>
+          <a:bodyPr rtlCol="0" anchor="ctr"/>
+          <a:lstStyle/>
+          <a:p>
+            <a:pPr algn="ctr"/>
+            <a:endParaRPr lang="en-US"/>
+          </a:p>
+        </p:txBody>
+      </p:sp>
+      <p:sp>
+        <p:nvSpPr>
+          <p:cNvPr id="19" name="Rectangle 18">
+            <a:extLst>
+              <a:ext uri="{FF2B5EF4-FFF2-40B4-BE49-F238E27FC236}">
+                <a16:creationId xmlns:a16="http://schemas.microsoft.com/office/drawing/2014/main" id="{B783AE37-571F-8FCD-0C1C-11D59CA58089}"/>
+              </a:ext>
+            </a:extLst>
+          </p:cNvPr>
+          <p:cNvSpPr/>
+          <p:nvPr/>
+        </p:nvSpPr>
+        <p:spPr>
+          <a:xfrm>
+            <a:off x="4005456" y="3498974"/>
+            <a:ext cx="112644" cy="861392"/>
+          </a:xfrm>
+          <a:prstGeom prst="rect">
+            <a:avLst/>
+          </a:prstGeom>
+        </p:spPr>
+        <p:style>
+          <a:lnRef idx="2">
+            <a:schemeClr val="accent1">
+              <a:shade val="15000"/>
+            </a:schemeClr>
+          </a:lnRef>
+          <a:fillRef idx="1">
+            <a:schemeClr val="accent1"/>
+          </a:fillRef>
+          <a:effectRef idx="0">
+            <a:schemeClr val="accent1"/>
+          </a:effectRef>
+          <a:fontRef idx="minor">
+            <a:schemeClr val="lt1"/>
+          </a:fontRef>
+        </p:style>
+        <p:txBody>
+          <a:bodyPr rtlCol="0" anchor="ctr"/>
+          <a:lstStyle/>
+          <a:p>
+            <a:pPr algn="ctr"/>
+            <a:endParaRPr lang="en-US"/>
+          </a:p>
+        </p:txBody>
+      </p:sp>
+      <p:sp>
+        <p:nvSpPr>
+          <p:cNvPr id="20" name="TextBox 19">
+            <a:extLst>
+              <a:ext uri="{FF2B5EF4-FFF2-40B4-BE49-F238E27FC236}">
+                <a16:creationId xmlns:a16="http://schemas.microsoft.com/office/drawing/2014/main" id="{3CEE703F-6324-4036-1059-5D40EB813DD3}"/>
+              </a:ext>
+            </a:extLst>
+          </p:cNvPr>
+          <p:cNvSpPr txBox="1"/>
+          <p:nvPr/>
+        </p:nvSpPr>
+        <p:spPr>
+          <a:xfrm>
+            <a:off x="2020956" y="5163130"/>
+            <a:ext cx="786049" cy="369332"/>
+          </a:xfrm>
+          <a:prstGeom prst="rect">
+            <a:avLst/>
+          </a:prstGeom>
+          <a:noFill/>
+        </p:spPr>
+        <p:txBody>
+          <a:bodyPr wrap="none" rtlCol="0">
+            <a:spAutoFit/>
+          </a:bodyPr>
+          <a:lstStyle/>
+          <a:p>
+            <a:r>
+              <a:rPr lang="en-US" dirty="0"/>
+              <a:t>Buffer</a:t>
+            </a:r>
+          </a:p>
+        </p:txBody>
+      </p:sp>
+      <p:cxnSp>
+        <p:nvCxnSpPr>
+          <p:cNvPr id="21" name="Straight Arrow Connector 20">
+            <a:extLst>
+              <a:ext uri="{FF2B5EF4-FFF2-40B4-BE49-F238E27FC236}">
+                <a16:creationId xmlns:a16="http://schemas.microsoft.com/office/drawing/2014/main" id="{8B44EA85-0B0A-4E62-CF89-313169F775F7}"/>
+              </a:ext>
+            </a:extLst>
+          </p:cNvPr>
+          <p:cNvCxnSpPr>
+            <a:endCxn id="20" idx="0"/>
+          </p:cNvCxnSpPr>
+          <p:nvPr/>
+        </p:nvCxnSpPr>
+        <p:spPr>
+          <a:xfrm flipH="1">
+            <a:off x="2413981" y="4566782"/>
+            <a:ext cx="276205" cy="596348"/>
+          </a:xfrm>
+          <a:prstGeom prst="straightConnector1">
+            <a:avLst/>
+          </a:prstGeom>
+          <a:ln>
+            <a:tailEnd type="triangle"/>
+          </a:ln>
+        </p:spPr>
+        <p:style>
+          <a:lnRef idx="2">
+            <a:schemeClr val="accent1"/>
+          </a:lnRef>
+          <a:fillRef idx="0">
+            <a:schemeClr val="accent1"/>
+          </a:fillRef>
+          <a:effectRef idx="1">
+            <a:schemeClr val="accent1"/>
+          </a:effectRef>
+          <a:fontRef idx="minor">
+            <a:schemeClr val="tx1"/>
+          </a:fontRef>
+        </p:style>
+      </p:cxnSp>
+      <p:sp>
+        <p:nvSpPr>
+          <p:cNvPr id="22" name="Right Arrow 21">
+            <a:extLst>
+              <a:ext uri="{FF2B5EF4-FFF2-40B4-BE49-F238E27FC236}">
+                <a16:creationId xmlns:a16="http://schemas.microsoft.com/office/drawing/2014/main" id="{2AC28FDC-1874-9139-0CFF-7F7EE5331AF0}"/>
+              </a:ext>
+            </a:extLst>
+          </p:cNvPr>
+          <p:cNvSpPr/>
+          <p:nvPr/>
+        </p:nvSpPr>
+        <p:spPr>
+          <a:xfrm>
+            <a:off x="4343389" y="3730887"/>
+            <a:ext cx="599666" cy="397566"/>
+          </a:xfrm>
+          <a:prstGeom prst="rightArrow">
+            <a:avLst/>
+          </a:prstGeom>
+        </p:spPr>
+        <p:style>
+          <a:lnRef idx="2">
+            <a:schemeClr val="accent1">
+              <a:shade val="15000"/>
+            </a:schemeClr>
+          </a:lnRef>
+          <a:fillRef idx="1">
+            <a:schemeClr val="accent1"/>
+          </a:fillRef>
+          <a:effectRef idx="0">
+            <a:schemeClr val="accent1"/>
+          </a:effectRef>
+          <a:fontRef idx="minor">
+            <a:schemeClr val="lt1"/>
+          </a:fontRef>
+        </p:style>
+        <p:txBody>
+          <a:bodyPr rtlCol="0" anchor="ctr"/>
+          <a:lstStyle/>
+          <a:p>
+            <a:pPr algn="ctr"/>
+            <a:endParaRPr lang="en-US"/>
+          </a:p>
+        </p:txBody>
+      </p:sp>
+      <p:sp>
+        <p:nvSpPr>
+          <p:cNvPr id="23" name="Rounded Rectangle 22">
+            <a:extLst>
+              <a:ext uri="{FF2B5EF4-FFF2-40B4-BE49-F238E27FC236}">
+                <a16:creationId xmlns:a16="http://schemas.microsoft.com/office/drawing/2014/main" id="{54A0F15E-07E0-1D7D-B818-E2ECEEB42628}"/>
+              </a:ext>
+            </a:extLst>
+          </p:cNvPr>
+          <p:cNvSpPr/>
+          <p:nvPr/>
+        </p:nvSpPr>
+        <p:spPr>
+          <a:xfrm>
+            <a:off x="5075583" y="3506608"/>
+            <a:ext cx="1484243" cy="649357"/>
+          </a:xfrm>
+          <a:prstGeom prst="roundRect">
+            <a:avLst/>
+          </a:prstGeom>
+        </p:spPr>
+        <p:style>
+          <a:lnRef idx="2">
+            <a:schemeClr val="accent1">
+              <a:shade val="15000"/>
+            </a:schemeClr>
+          </a:lnRef>
+          <a:fillRef idx="1">
+            <a:schemeClr val="accent1"/>
+          </a:fillRef>
+          <a:effectRef idx="0">
+            <a:schemeClr val="accent1"/>
+          </a:effectRef>
+          <a:fontRef idx="minor">
+            <a:schemeClr val="lt1"/>
+          </a:fontRef>
+        </p:style>
+        <p:txBody>
+          <a:bodyPr rtlCol="0" anchor="ctr"/>
+          <a:lstStyle/>
+          <a:p>
+            <a:pPr algn="ctr"/>
+            <a:r>
+              <a:rPr lang="en-US" dirty="0"/>
+              <a:t>Data chunk</a:t>
+            </a:r>
+          </a:p>
+        </p:txBody>
+      </p:sp>
+      <p:sp>
+        <p:nvSpPr>
+          <p:cNvPr id="24" name="Right Arrow 23">
+            <a:extLst>
+              <a:ext uri="{FF2B5EF4-FFF2-40B4-BE49-F238E27FC236}">
+                <a16:creationId xmlns:a16="http://schemas.microsoft.com/office/drawing/2014/main" id="{290D2EFD-5EF4-B2E2-BCEF-D9D5B69DDA95}"/>
+              </a:ext>
+            </a:extLst>
+          </p:cNvPr>
+          <p:cNvSpPr/>
+          <p:nvPr/>
+        </p:nvSpPr>
+        <p:spPr>
+          <a:xfrm>
+            <a:off x="6707247" y="3705390"/>
+            <a:ext cx="599666" cy="397566"/>
+          </a:xfrm>
+          <a:prstGeom prst="rightArrow">
+            <a:avLst/>
+          </a:prstGeom>
+        </p:spPr>
+        <p:style>
+          <a:lnRef idx="2">
+            <a:schemeClr val="accent1">
+              <a:shade val="15000"/>
+            </a:schemeClr>
+          </a:lnRef>
+          <a:fillRef idx="1">
+            <a:schemeClr val="accent1"/>
+          </a:fillRef>
+          <a:effectRef idx="0">
+            <a:schemeClr val="accent1"/>
+          </a:effectRef>
+          <a:fontRef idx="minor">
+            <a:schemeClr val="lt1"/>
+          </a:fontRef>
+        </p:style>
+        <p:txBody>
+          <a:bodyPr rtlCol="0" anchor="ctr"/>
+          <a:lstStyle/>
+          <a:p>
+            <a:pPr algn="ctr"/>
+            <a:endParaRPr lang="en-US"/>
+          </a:p>
+        </p:txBody>
+      </p:sp>
+      <p:sp>
+        <p:nvSpPr>
+          <p:cNvPr id="25" name="Rounded Rectangle 24">
+            <a:extLst>
+              <a:ext uri="{FF2B5EF4-FFF2-40B4-BE49-F238E27FC236}">
+                <a16:creationId xmlns:a16="http://schemas.microsoft.com/office/drawing/2014/main" id="{1A12659A-398D-FD35-CF3C-C59B397CEF06}"/>
+              </a:ext>
+            </a:extLst>
+          </p:cNvPr>
+          <p:cNvSpPr/>
+          <p:nvPr/>
+        </p:nvSpPr>
+        <p:spPr>
+          <a:xfrm>
+            <a:off x="7480838" y="3513635"/>
+            <a:ext cx="1484243" cy="649357"/>
+          </a:xfrm>
+          <a:prstGeom prst="roundRect">
+            <a:avLst/>
+          </a:prstGeom>
+        </p:spPr>
+        <p:style>
+          <a:lnRef idx="2">
+            <a:schemeClr val="accent1">
+              <a:shade val="15000"/>
+            </a:schemeClr>
+          </a:lnRef>
+          <a:fillRef idx="1">
+            <a:schemeClr val="accent1"/>
+          </a:fillRef>
+          <a:effectRef idx="0">
+            <a:schemeClr val="accent1"/>
+          </a:effectRef>
+          <a:fontRef idx="minor">
+            <a:schemeClr val="lt1"/>
+          </a:fontRef>
+        </p:style>
+        <p:txBody>
+          <a:bodyPr rtlCol="0" anchor="ctr"/>
+          <a:lstStyle/>
+          <a:p>
+            <a:pPr algn="ctr"/>
+            <a:r>
+              <a:rPr lang="en-US" dirty="0"/>
+              <a:t>Data chunk</a:t>
+            </a:r>
+          </a:p>
+        </p:txBody>
+      </p:sp>
+      <p:sp>
+        <p:nvSpPr>
+          <p:cNvPr id="26" name="Right Arrow 25">
+            <a:extLst>
+              <a:ext uri="{FF2B5EF4-FFF2-40B4-BE49-F238E27FC236}">
+                <a16:creationId xmlns:a16="http://schemas.microsoft.com/office/drawing/2014/main" id="{AA455EE4-2ACA-A3C5-A7E7-C2099FA4E415}"/>
+              </a:ext>
+            </a:extLst>
+          </p:cNvPr>
+          <p:cNvSpPr/>
+          <p:nvPr/>
+        </p:nvSpPr>
+        <p:spPr>
+          <a:xfrm>
+            <a:off x="9112502" y="3712417"/>
+            <a:ext cx="599666" cy="397566"/>
+          </a:xfrm>
+          <a:prstGeom prst="rightArrow">
+            <a:avLst/>
+          </a:prstGeom>
+        </p:spPr>
+        <p:style>
+          <a:lnRef idx="2">
+            <a:schemeClr val="accent1">
+              <a:shade val="15000"/>
+            </a:schemeClr>
+          </a:lnRef>
+          <a:fillRef idx="1">
+            <a:schemeClr val="accent1"/>
+          </a:fillRef>
+          <a:effectRef idx="0">
+            <a:schemeClr val="accent1"/>
+          </a:effectRef>
+          <a:fontRef idx="minor">
+            <a:schemeClr val="lt1"/>
+          </a:fontRef>
+        </p:style>
+        <p:txBody>
+          <a:bodyPr rtlCol="0" anchor="ctr"/>
+          <a:lstStyle/>
+          <a:p>
+            <a:pPr algn="ctr"/>
+            <a:endParaRPr lang="en-US"/>
+          </a:p>
+        </p:txBody>
+      </p:sp>
+      <p:sp>
+        <p:nvSpPr>
+          <p:cNvPr id="27" name="Rounded Rectangle 26">
+            <a:extLst>
+              <a:ext uri="{FF2B5EF4-FFF2-40B4-BE49-F238E27FC236}">
+                <a16:creationId xmlns:a16="http://schemas.microsoft.com/office/drawing/2014/main" id="{2042B244-9B81-983F-BDBE-72200827EC58}"/>
+              </a:ext>
+            </a:extLst>
+          </p:cNvPr>
+          <p:cNvSpPr/>
+          <p:nvPr/>
+        </p:nvSpPr>
+        <p:spPr>
+          <a:xfrm>
+            <a:off x="9844662" y="3513635"/>
+            <a:ext cx="1484243" cy="649357"/>
+          </a:xfrm>
+          <a:prstGeom prst="roundRect">
+            <a:avLst/>
+          </a:prstGeom>
+        </p:spPr>
+        <p:style>
+          <a:lnRef idx="2">
+            <a:schemeClr val="accent1">
+              <a:shade val="15000"/>
+            </a:schemeClr>
+          </a:lnRef>
+          <a:fillRef idx="1">
+            <a:schemeClr val="accent1"/>
+          </a:fillRef>
+          <a:effectRef idx="0">
+            <a:schemeClr val="accent1"/>
+          </a:effectRef>
+          <a:fontRef idx="minor">
+            <a:schemeClr val="lt1"/>
+          </a:fontRef>
+        </p:style>
+        <p:txBody>
+          <a:bodyPr rtlCol="0" anchor="ctr"/>
+          <a:lstStyle/>
+          <a:p>
+            <a:pPr algn="ctr"/>
+            <a:r>
+              <a:rPr lang="en-US" dirty="0"/>
+              <a:t>Data chunk</a:t>
+            </a:r>
+          </a:p>
+        </p:txBody>
+      </p:sp>
+      <p:sp>
+        <p:nvSpPr>
+          <p:cNvPr id="28" name="Right Arrow 27">
+            <a:extLst>
+              <a:ext uri="{FF2B5EF4-FFF2-40B4-BE49-F238E27FC236}">
+                <a16:creationId xmlns:a16="http://schemas.microsoft.com/office/drawing/2014/main" id="{E659FB76-E9DB-CF7E-03E3-2E2BBF385EBA}"/>
+              </a:ext>
+            </a:extLst>
+          </p:cNvPr>
+          <p:cNvSpPr/>
+          <p:nvPr/>
+        </p:nvSpPr>
+        <p:spPr>
+          <a:xfrm>
+            <a:off x="11476326" y="3712417"/>
+            <a:ext cx="599666" cy="397566"/>
+          </a:xfrm>
+          <a:prstGeom prst="rightArrow">
+            <a:avLst/>
+          </a:prstGeom>
+        </p:spPr>
+        <p:style>
+          <a:lnRef idx="2">
+            <a:schemeClr val="accent1">
+              <a:shade val="15000"/>
+            </a:schemeClr>
+          </a:lnRef>
+          <a:fillRef idx="1">
+            <a:schemeClr val="accent1"/>
+          </a:fillRef>
+          <a:effectRef idx="0">
+            <a:schemeClr val="accent1"/>
+          </a:effectRef>
+          <a:fontRef idx="minor">
+            <a:schemeClr val="lt1"/>
+          </a:fontRef>
+        </p:style>
+        <p:txBody>
+          <a:bodyPr rtlCol="0" anchor="ctr"/>
+          <a:lstStyle/>
+          <a:p>
+            <a:pPr algn="ctr"/>
+            <a:endParaRPr lang="en-US"/>
+          </a:p>
+        </p:txBody>
+      </p:sp>
+      <p:cxnSp>
+        <p:nvCxnSpPr>
+          <p:cNvPr id="30" name="Straight Connector 29">
+            <a:extLst>
+              <a:ext uri="{FF2B5EF4-FFF2-40B4-BE49-F238E27FC236}">
+                <a16:creationId xmlns:a16="http://schemas.microsoft.com/office/drawing/2014/main" id="{C8F5D7D7-47CE-2FD7-27ED-526107106999}"/>
+              </a:ext>
+            </a:extLst>
+          </p:cNvPr>
+          <p:cNvCxnSpPr/>
+          <p:nvPr/>
+        </p:nvCxnSpPr>
+        <p:spPr>
+          <a:xfrm>
+            <a:off x="0" y="3260034"/>
+            <a:ext cx="12192000" cy="0"/>
+          </a:xfrm>
+          <a:prstGeom prst="line">
+            <a:avLst/>
+          </a:prstGeom>
+        </p:spPr>
+        <p:style>
+          <a:lnRef idx="1">
+            <a:schemeClr val="accent6"/>
+          </a:lnRef>
+          <a:fillRef idx="0">
+            <a:schemeClr val="accent6"/>
+          </a:fillRef>
+          <a:effectRef idx="0">
+            <a:schemeClr val="accent6"/>
+          </a:effectRef>
+          <a:fontRef idx="minor">
+            <a:schemeClr val="tx1"/>
+          </a:fontRef>
+        </p:style>
+      </p:cxnSp>
+      <p:cxnSp>
+        <p:nvCxnSpPr>
+          <p:cNvPr id="31" name="Straight Connector 30">
+            <a:extLst>
+              <a:ext uri="{FF2B5EF4-FFF2-40B4-BE49-F238E27FC236}">
+                <a16:creationId xmlns:a16="http://schemas.microsoft.com/office/drawing/2014/main" id="{79ECB4BC-3C2C-E6AA-DABC-B314A3568982}"/>
+              </a:ext>
+            </a:extLst>
+          </p:cNvPr>
+          <p:cNvCxnSpPr/>
+          <p:nvPr/>
+        </p:nvCxnSpPr>
+        <p:spPr>
+          <a:xfrm>
+            <a:off x="-19876" y="4644887"/>
+            <a:ext cx="12192000" cy="0"/>
+          </a:xfrm>
+          <a:prstGeom prst="line">
+            <a:avLst/>
+          </a:prstGeom>
+        </p:spPr>
+        <p:style>
+          <a:lnRef idx="1">
+            <a:schemeClr val="accent6"/>
+          </a:lnRef>
+          <a:fillRef idx="0">
+            <a:schemeClr val="accent6"/>
+          </a:fillRef>
+          <a:effectRef idx="0">
+            <a:schemeClr val="accent6"/>
+          </a:effectRef>
+          <a:fontRef idx="minor">
+            <a:schemeClr val="tx1"/>
+          </a:fontRef>
+        </p:style>
+      </p:cxnSp>
+      <p:sp>
+        <p:nvSpPr>
+          <p:cNvPr id="32" name="Right Brace 31">
+            <a:extLst>
+              <a:ext uri="{FF2B5EF4-FFF2-40B4-BE49-F238E27FC236}">
+                <a16:creationId xmlns:a16="http://schemas.microsoft.com/office/drawing/2014/main" id="{76A4C2C9-6DC0-6EEA-68F9-FBF9B20E196C}"/>
+              </a:ext>
+            </a:extLst>
+          </p:cNvPr>
+          <p:cNvSpPr/>
+          <p:nvPr/>
+        </p:nvSpPr>
+        <p:spPr>
+          <a:xfrm rot="5400000">
+            <a:off x="5840896" y="-82828"/>
+            <a:ext cx="609602" cy="11483011"/>
+          </a:xfrm>
+          <a:prstGeom prst="rightBrace">
+            <a:avLst/>
+          </a:prstGeom>
+        </p:spPr>
+        <p:style>
+          <a:lnRef idx="2">
+            <a:schemeClr val="accent1"/>
+          </a:lnRef>
+          <a:fillRef idx="0">
+            <a:schemeClr val="accent1"/>
+          </a:fillRef>
+          <a:effectRef idx="1">
+            <a:schemeClr val="accent1"/>
+          </a:effectRef>
+          <a:fontRef idx="minor">
+            <a:schemeClr val="tx1"/>
+          </a:fontRef>
+        </p:style>
+        <p:txBody>
+          <a:bodyPr rtlCol="0" anchor="ctr"/>
+          <a:lstStyle/>
+          <a:p>
+            <a:pPr algn="ctr"/>
+            <a:endParaRPr lang="en-US"/>
+          </a:p>
+        </p:txBody>
+      </p:sp>
+      <p:sp>
+        <p:nvSpPr>
+          <p:cNvPr id="33" name="TextBox 32">
+            <a:extLst>
+              <a:ext uri="{FF2B5EF4-FFF2-40B4-BE49-F238E27FC236}">
+                <a16:creationId xmlns:a16="http://schemas.microsoft.com/office/drawing/2014/main" id="{127CCFDA-8AD3-9829-47DE-2FB18C02E0A3}"/>
+              </a:ext>
+            </a:extLst>
+          </p:cNvPr>
+          <p:cNvSpPr txBox="1"/>
+          <p:nvPr/>
+        </p:nvSpPr>
+        <p:spPr>
+          <a:xfrm>
+            <a:off x="5688955" y="6029740"/>
+            <a:ext cx="1018292" cy="369332"/>
+          </a:xfrm>
+          <a:prstGeom prst="rect">
+            <a:avLst/>
+          </a:prstGeom>
+          <a:noFill/>
+        </p:spPr>
+        <p:txBody>
+          <a:bodyPr wrap="none" rtlCol="0">
+            <a:spAutoFit/>
+          </a:bodyPr>
+          <a:lstStyle/>
+          <a:p>
+            <a:r>
+              <a:rPr lang="en-US" dirty="0"/>
+              <a:t>Streams</a:t>
+            </a:r>
+          </a:p>
+        </p:txBody>
+      </p:sp>
+    </p:spTree>
+    <p:extLst>
+      <p:ext uri="{BB962C8B-B14F-4D97-AF65-F5344CB8AC3E}">
+        <p14:creationId xmlns:p14="http://schemas.microsoft.com/office/powerpoint/2010/main" val="3427414479"/>
+      </p:ext>
+    </p:extLst>
+  </p:cSld>
+  <p:clrMapOvr>
+    <a:masterClrMapping/>
+  </p:clrMapOvr>
+</p:sld>
+</file>
+
+<file path=ppt/slides/slide32.xml><?xml version="1.0" encoding="utf-8"?>
+<p:sld xmlns:a="http://schemas.openxmlformats.org/drawingml/2006/main" xmlns:r="http://schemas.openxmlformats.org/officeDocument/2006/relationships" xmlns:p="http://schemas.openxmlformats.org/presentationml/2006/main">
+  <p:cSld>
+    <p:spTree>
+      <p:nvGrpSpPr>
+        <p:cNvPr id="1" name=""/>
+        <p:cNvGrpSpPr/>
+        <p:nvPr/>
+      </p:nvGrpSpPr>
+      <p:grpSpPr>
+        <a:xfrm>
+          <a:off x="0" y="0"/>
+          <a:ext cx="0" cy="0"/>
+          <a:chOff x="0" y="0"/>
+          <a:chExt cx="0" cy="0"/>
+        </a:xfrm>
+      </p:grpSpPr>
+      <p:sp>
+        <p:nvSpPr>
+          <p:cNvPr id="2" name="Title 1">
+            <a:extLst>
+              <a:ext uri="{FF2B5EF4-FFF2-40B4-BE49-F238E27FC236}">
+                <a16:creationId xmlns:a16="http://schemas.microsoft.com/office/drawing/2014/main" id="{6756F1CB-AAF8-7241-2334-9CBACA93EF98}"/>
+              </a:ext>
+            </a:extLst>
+          </p:cNvPr>
+          <p:cNvSpPr>
+            <a:spLocks noGrp="1"/>
+          </p:cNvSpPr>
+          <p:nvPr>
+            <p:ph type="title"/>
+          </p:nvPr>
+        </p:nvSpPr>
+        <p:spPr/>
+        <p:txBody>
+          <a:bodyPr/>
+          <a:lstStyle/>
+          <a:p>
+            <a:r>
+              <a:rPr lang="en-US" dirty="0"/>
+              <a:t>Streams</a:t>
+            </a:r>
+          </a:p>
+        </p:txBody>
+      </p:sp>
+      <p:sp>
+        <p:nvSpPr>
+          <p:cNvPr id="3" name="Content Placeholder 2">
+            <a:extLst>
+              <a:ext uri="{FF2B5EF4-FFF2-40B4-BE49-F238E27FC236}">
+                <a16:creationId xmlns:a16="http://schemas.microsoft.com/office/drawing/2014/main" id="{A33D9124-9F6B-242E-134C-E37C4011BF3E}"/>
+              </a:ext>
+            </a:extLst>
+          </p:cNvPr>
+          <p:cNvSpPr>
+            <a:spLocks noGrp="1"/>
+          </p:cNvSpPr>
+          <p:nvPr>
+            <p:ph idx="1"/>
+          </p:nvPr>
+        </p:nvSpPr>
+        <p:spPr/>
+        <p:txBody>
+          <a:bodyPr/>
+          <a:lstStyle/>
+          <a:p>
+            <a:pPr marL="0" indent="0">
+              <a:buNone/>
+            </a:pPr>
+            <a:r>
+              <a:rPr lang="en-US" dirty="0"/>
+              <a:t>Reading, Writing &amp; Piping</a:t>
+            </a:r>
+          </a:p>
+        </p:txBody>
+      </p:sp>
+    </p:spTree>
+    <p:extLst>
+      <p:ext uri="{BB962C8B-B14F-4D97-AF65-F5344CB8AC3E}">
+        <p14:creationId xmlns:p14="http://schemas.microsoft.com/office/powerpoint/2010/main" val="4106852023"/>
+      </p:ext>
+    </p:extLst>
+  </p:cSld>
+  <p:clrMapOvr>
+    <a:masterClrMapping/>
+  </p:clrMapOvr>
+</p:sld>
+</file>
+
+<file path=ppt/slides/slide33.xml><?xml version="1.0" encoding="utf-8"?>
+<p:sld xmlns:a="http://schemas.openxmlformats.org/drawingml/2006/main" xmlns:r="http://schemas.openxmlformats.org/officeDocument/2006/relationships" xmlns:p="http://schemas.openxmlformats.org/presentationml/2006/main">
+  <p:cSld>
+    <p:spTree>
+      <p:nvGrpSpPr>
+        <p:cNvPr id="1" name=""/>
+        <p:cNvGrpSpPr/>
+        <p:nvPr/>
+      </p:nvGrpSpPr>
+      <p:grpSpPr>
+        <a:xfrm>
+          <a:off x="0" y="0"/>
+          <a:ext cx="0" cy="0"/>
+          <a:chOff x="0" y="0"/>
+          <a:chExt cx="0" cy="0"/>
+        </a:xfrm>
+      </p:grpSpPr>
+      <p:sp>
+        <p:nvSpPr>
+          <p:cNvPr id="2" name="Title 1">
+            <a:extLst>
+              <a:ext uri="{FF2B5EF4-FFF2-40B4-BE49-F238E27FC236}">
+                <a16:creationId xmlns:a16="http://schemas.microsoft.com/office/drawing/2014/main" id="{733277CD-31D5-031B-126B-69F47770AEC5}"/>
+              </a:ext>
+            </a:extLst>
+          </p:cNvPr>
+          <p:cNvSpPr>
+            <a:spLocks noGrp="1"/>
+          </p:cNvSpPr>
+          <p:nvPr>
+            <p:ph type="title"/>
+          </p:nvPr>
+        </p:nvSpPr>
+        <p:spPr/>
+        <p:txBody>
+          <a:bodyPr/>
+          <a:lstStyle/>
+          <a:p>
+            <a:r>
+              <a:rPr lang="en-US" dirty="0"/>
+              <a:t>Type of Streams</a:t>
+            </a:r>
+          </a:p>
+        </p:txBody>
+      </p:sp>
+      <p:sp>
+        <p:nvSpPr>
+          <p:cNvPr id="3" name="Content Placeholder 2">
+            <a:extLst>
+              <a:ext uri="{FF2B5EF4-FFF2-40B4-BE49-F238E27FC236}">
+                <a16:creationId xmlns:a16="http://schemas.microsoft.com/office/drawing/2014/main" id="{919CA054-FFD5-F2CA-E5DD-BCB2C0E9D89E}"/>
+              </a:ext>
+            </a:extLst>
+          </p:cNvPr>
+          <p:cNvSpPr>
+            <a:spLocks noGrp="1"/>
+          </p:cNvSpPr>
+          <p:nvPr>
+            <p:ph idx="1"/>
+          </p:nvPr>
+        </p:nvSpPr>
+        <p:spPr/>
+        <p:txBody>
+          <a:bodyPr/>
+          <a:lstStyle/>
+          <a:p>
+            <a:r>
+              <a:rPr lang="en-US" dirty="0"/>
+              <a:t>Readable – streams from which data can be read.</a:t>
+            </a:r>
+          </a:p>
+          <a:p>
+            <a:r>
+              <a:rPr lang="en-US" dirty="0"/>
+              <a:t>Writable – streams to which data can be written.</a:t>
+            </a:r>
+          </a:p>
+          <a:p>
+            <a:r>
+              <a:rPr lang="en-US" dirty="0"/>
+              <a:t>Duplex – streams that are both readable and writable</a:t>
+            </a:r>
+          </a:p>
+          <a:p>
+            <a:r>
+              <a:rPr lang="en-US" dirty="0"/>
+              <a:t>Transform – duplex streams that can modify or transform the data as it </a:t>
+            </a:r>
+            <a:r>
+              <a:rPr lang="en-US"/>
+              <a:t>is written and read</a:t>
+            </a:r>
+          </a:p>
+        </p:txBody>
+      </p:sp>
+    </p:spTree>
+    <p:extLst>
+      <p:ext uri="{BB962C8B-B14F-4D97-AF65-F5344CB8AC3E}">
+        <p14:creationId xmlns:p14="http://schemas.microsoft.com/office/powerpoint/2010/main" val="2668892057"/>
       </p:ext>
     </p:extLst>
   </p:cSld>

--- a/node/Nodejs.pptx
+++ b/node/Nodejs.pptx
@@ -38,6 +38,7 @@
     <p:sldId id="286" r:id="rId32"/>
     <p:sldId id="287" r:id="rId33"/>
     <p:sldId id="288" r:id="rId34"/>
+    <p:sldId id="289" r:id="rId35"/>
   </p:sldIdLst>
   <p:sldSz cx="12192000" cy="6858000"/>
   <p:notesSz cx="6858000" cy="9144000"/>
@@ -321,7 +322,7 @@
           <a:p>
             <a:fld id="{7239F38A-DCDF-6E4C-B9CE-23AD5C77A21C}" type="datetimeFigureOut">
               <a:rPr lang="en-US" smtClean="0"/>
-              <a:t>1/15/25</a:t>
+              <a:t>1/16/25</a:t>
             </a:fld>
             <a:endParaRPr lang="en-US"/>
           </a:p>
@@ -521,7 +522,7 @@
           <a:p>
             <a:fld id="{7239F38A-DCDF-6E4C-B9CE-23AD5C77A21C}" type="datetimeFigureOut">
               <a:rPr lang="en-US" smtClean="0"/>
-              <a:t>1/15/25</a:t>
+              <a:t>1/16/25</a:t>
             </a:fld>
             <a:endParaRPr lang="en-US"/>
           </a:p>
@@ -731,7 +732,7 @@
           <a:p>
             <a:fld id="{7239F38A-DCDF-6E4C-B9CE-23AD5C77A21C}" type="datetimeFigureOut">
               <a:rPr lang="en-US" smtClean="0"/>
-              <a:t>1/15/25</a:t>
+              <a:t>1/16/25</a:t>
             </a:fld>
             <a:endParaRPr lang="en-US"/>
           </a:p>
@@ -931,7 +932,7 @@
           <a:p>
             <a:fld id="{7239F38A-DCDF-6E4C-B9CE-23AD5C77A21C}" type="datetimeFigureOut">
               <a:rPr lang="en-US" smtClean="0"/>
-              <a:t>1/15/25</a:t>
+              <a:t>1/16/25</a:t>
             </a:fld>
             <a:endParaRPr lang="en-US"/>
           </a:p>
@@ -1207,7 +1208,7 @@
           <a:p>
             <a:fld id="{7239F38A-DCDF-6E4C-B9CE-23AD5C77A21C}" type="datetimeFigureOut">
               <a:rPr lang="en-US" smtClean="0"/>
-              <a:t>1/15/25</a:t>
+              <a:t>1/16/25</a:t>
             </a:fld>
             <a:endParaRPr lang="en-US"/>
           </a:p>
@@ -1475,7 +1476,7 @@
           <a:p>
             <a:fld id="{7239F38A-DCDF-6E4C-B9CE-23AD5C77A21C}" type="datetimeFigureOut">
               <a:rPr lang="en-US" smtClean="0"/>
-              <a:t>1/15/25</a:t>
+              <a:t>1/16/25</a:t>
             </a:fld>
             <a:endParaRPr lang="en-US"/>
           </a:p>
@@ -1890,7 +1891,7 @@
           <a:p>
             <a:fld id="{7239F38A-DCDF-6E4C-B9CE-23AD5C77A21C}" type="datetimeFigureOut">
               <a:rPr lang="en-US" smtClean="0"/>
-              <a:t>1/15/25</a:t>
+              <a:t>1/16/25</a:t>
             </a:fld>
             <a:endParaRPr lang="en-US"/>
           </a:p>
@@ -2032,7 +2033,7 @@
           <a:p>
             <a:fld id="{7239F38A-DCDF-6E4C-B9CE-23AD5C77A21C}" type="datetimeFigureOut">
               <a:rPr lang="en-US" smtClean="0"/>
-              <a:t>1/15/25</a:t>
+              <a:t>1/16/25</a:t>
             </a:fld>
             <a:endParaRPr lang="en-US"/>
           </a:p>
@@ -2145,7 +2146,7 @@
           <a:p>
             <a:fld id="{7239F38A-DCDF-6E4C-B9CE-23AD5C77A21C}" type="datetimeFigureOut">
               <a:rPr lang="en-US" smtClean="0"/>
-              <a:t>1/15/25</a:t>
+              <a:t>1/16/25</a:t>
             </a:fld>
             <a:endParaRPr lang="en-US"/>
           </a:p>
@@ -2458,7 +2459,7 @@
           <a:p>
             <a:fld id="{7239F38A-DCDF-6E4C-B9CE-23AD5C77A21C}" type="datetimeFigureOut">
               <a:rPr lang="en-US" smtClean="0"/>
-              <a:t>1/15/25</a:t>
+              <a:t>1/16/25</a:t>
             </a:fld>
             <a:endParaRPr lang="en-US"/>
           </a:p>
@@ -2747,7 +2748,7 @@
           <a:p>
             <a:fld id="{7239F38A-DCDF-6E4C-B9CE-23AD5C77A21C}" type="datetimeFigureOut">
               <a:rPr lang="en-US" smtClean="0"/>
-              <a:t>1/15/25</a:t>
+              <a:t>1/16/25</a:t>
             </a:fld>
             <a:endParaRPr lang="en-US"/>
           </a:p>
@@ -2990,7 +2991,7 @@
           <a:p>
             <a:fld id="{7239F38A-DCDF-6E4C-B9CE-23AD5C77A21C}" type="datetimeFigureOut">
               <a:rPr lang="en-US" smtClean="0"/>
-              <a:t>1/15/25</a:t>
+              <a:t>1/16/25</a:t>
             </a:fld>
             <a:endParaRPr lang="en-US"/>
           </a:p>
@@ -12443,6 +12444,226 @@
     <p:extLst>
       <p:ext uri="{BB962C8B-B14F-4D97-AF65-F5344CB8AC3E}">
         <p14:creationId xmlns:p14="http://schemas.microsoft.com/office/powerpoint/2010/main" val="2668892057"/>
+      </p:ext>
+    </p:extLst>
+  </p:cSld>
+  <p:clrMapOvr>
+    <a:masterClrMapping/>
+  </p:clrMapOvr>
+</p:sld>
+</file>
+
+<file path=ppt/slides/slide34.xml><?xml version="1.0" encoding="utf-8"?>
+<p:sld xmlns:a="http://schemas.openxmlformats.org/drawingml/2006/main" xmlns:r="http://schemas.openxmlformats.org/officeDocument/2006/relationships" xmlns:p="http://schemas.openxmlformats.org/presentationml/2006/main">
+  <p:cSld>
+    <p:spTree>
+      <p:nvGrpSpPr>
+        <p:cNvPr id="1" name=""/>
+        <p:cNvGrpSpPr/>
+        <p:nvPr/>
+      </p:nvGrpSpPr>
+      <p:grpSpPr>
+        <a:xfrm>
+          <a:off x="0" y="0"/>
+          <a:ext cx="0" cy="0"/>
+          <a:chOff x="0" y="0"/>
+          <a:chExt cx="0" cy="0"/>
+        </a:xfrm>
+      </p:grpSpPr>
+      <p:sp>
+        <p:nvSpPr>
+          <p:cNvPr id="2" name="Title 1">
+            <a:extLst>
+              <a:ext uri="{FF2B5EF4-FFF2-40B4-BE49-F238E27FC236}">
+                <a16:creationId xmlns:a16="http://schemas.microsoft.com/office/drawing/2014/main" id="{A73EA829-7DB0-BF4F-E449-2732B747F27D}"/>
+              </a:ext>
+            </a:extLst>
+          </p:cNvPr>
+          <p:cNvSpPr>
+            <a:spLocks noGrp="1"/>
+          </p:cNvSpPr>
+          <p:nvPr>
+            <p:ph type="title"/>
+          </p:nvPr>
+        </p:nvSpPr>
+        <p:spPr/>
+        <p:txBody>
+          <a:bodyPr/>
+          <a:lstStyle/>
+          <a:p>
+            <a:r>
+              <a:rPr lang="en-US" dirty="0"/>
+              <a:t>File System</a:t>
+            </a:r>
+          </a:p>
+        </p:txBody>
+      </p:sp>
+      <p:sp>
+        <p:nvSpPr>
+          <p:cNvPr id="4" name="Title 1">
+            <a:extLst>
+              <a:ext uri="{FF2B5EF4-FFF2-40B4-BE49-F238E27FC236}">
+                <a16:creationId xmlns:a16="http://schemas.microsoft.com/office/drawing/2014/main" id="{FFC0D695-2BF0-5BAB-A43A-EB6657CE2F69}"/>
+              </a:ext>
+            </a:extLst>
+          </p:cNvPr>
+          <p:cNvSpPr txBox="1">
+            <a:spLocks/>
+          </p:cNvSpPr>
+          <p:nvPr/>
+        </p:nvSpPr>
+        <p:spPr>
+          <a:xfrm>
+            <a:off x="838200" y="1027906"/>
+            <a:ext cx="10515600" cy="1325563"/>
+          </a:xfrm>
+          <a:prstGeom prst="rect">
+            <a:avLst/>
+          </a:prstGeom>
+        </p:spPr>
+        <p:txBody>
+          <a:bodyPr vert="horz" lIns="91440" tIns="45720" rIns="91440" bIns="45720" rtlCol="0" anchor="ctr">
+            <a:normAutofit/>
+          </a:bodyPr>
+          <a:lstStyle>
+            <a:lvl1pPr algn="l" defTabSz="914400" rtl="0" eaLnBrk="1" latinLnBrk="0" hangingPunct="1">
+              <a:lnSpc>
+                <a:spcPct val="90000"/>
+              </a:lnSpc>
+              <a:spcBef>
+                <a:spcPct val="0"/>
+              </a:spcBef>
+              <a:buNone/>
+              <a:defRPr sz="4400" kern="1200">
+                <a:solidFill>
+                  <a:schemeClr val="tx1"/>
+                </a:solidFill>
+                <a:latin typeface="+mj-lt"/>
+                <a:ea typeface="+mj-ea"/>
+                <a:cs typeface="+mj-cs"/>
+              </a:defRPr>
+            </a:lvl1pPr>
+          </a:lstStyle>
+          <a:p>
+            <a:r>
+              <a:rPr lang="en-US" dirty="0"/>
+              <a:t>Rendering HTML as Response</a:t>
+            </a:r>
+          </a:p>
+        </p:txBody>
+      </p:sp>
+      <p:sp>
+        <p:nvSpPr>
+          <p:cNvPr id="5" name="Title 1">
+            <a:extLst>
+              <a:ext uri="{FF2B5EF4-FFF2-40B4-BE49-F238E27FC236}">
+                <a16:creationId xmlns:a16="http://schemas.microsoft.com/office/drawing/2014/main" id="{B7641514-C3EC-2093-81B4-273595A591AC}"/>
+              </a:ext>
+            </a:extLst>
+          </p:cNvPr>
+          <p:cNvSpPr txBox="1">
+            <a:spLocks/>
+          </p:cNvSpPr>
+          <p:nvPr/>
+        </p:nvSpPr>
+        <p:spPr>
+          <a:xfrm>
+            <a:off x="838200" y="1619009"/>
+            <a:ext cx="10515600" cy="1325563"/>
+          </a:xfrm>
+          <a:prstGeom prst="rect">
+            <a:avLst/>
+          </a:prstGeom>
+        </p:spPr>
+        <p:txBody>
+          <a:bodyPr vert="horz" lIns="91440" tIns="45720" rIns="91440" bIns="45720" rtlCol="0" anchor="ctr">
+            <a:normAutofit/>
+          </a:bodyPr>
+          <a:lstStyle>
+            <a:lvl1pPr algn="l" defTabSz="914400" rtl="0" eaLnBrk="1" latinLnBrk="0" hangingPunct="1">
+              <a:lnSpc>
+                <a:spcPct val="90000"/>
+              </a:lnSpc>
+              <a:spcBef>
+                <a:spcPct val="0"/>
+              </a:spcBef>
+              <a:buNone/>
+              <a:defRPr sz="4400" kern="1200">
+                <a:solidFill>
+                  <a:schemeClr val="tx1"/>
+                </a:solidFill>
+                <a:latin typeface="+mj-lt"/>
+                <a:ea typeface="+mj-ea"/>
+                <a:cs typeface="+mj-cs"/>
+              </a:defRPr>
+            </a:lvl1pPr>
+          </a:lstStyle>
+          <a:p>
+            <a:r>
+              <a:rPr lang="en-US" dirty="0"/>
+              <a:t>JSON as Response</a:t>
+            </a:r>
+          </a:p>
+        </p:txBody>
+      </p:sp>
+      <p:sp>
+        <p:nvSpPr>
+          <p:cNvPr id="6" name="Title 1">
+            <a:extLst>
+              <a:ext uri="{FF2B5EF4-FFF2-40B4-BE49-F238E27FC236}">
+                <a16:creationId xmlns:a16="http://schemas.microsoft.com/office/drawing/2014/main" id="{8C426C7B-45D2-484C-04CB-82148069C4EB}"/>
+              </a:ext>
+            </a:extLst>
+          </p:cNvPr>
+          <p:cNvSpPr txBox="1">
+            <a:spLocks/>
+          </p:cNvSpPr>
+          <p:nvPr/>
+        </p:nvSpPr>
+        <p:spPr>
+          <a:xfrm>
+            <a:off x="838200" y="2281790"/>
+            <a:ext cx="10515600" cy="1325563"/>
+          </a:xfrm>
+          <a:prstGeom prst="rect">
+            <a:avLst/>
+          </a:prstGeom>
+        </p:spPr>
+        <p:txBody>
+          <a:bodyPr vert="horz" lIns="91440" tIns="45720" rIns="91440" bIns="45720" rtlCol="0" anchor="ctr">
+            <a:normAutofit/>
+          </a:bodyPr>
+          <a:lstStyle>
+            <a:lvl1pPr algn="l" defTabSz="914400" rtl="0" eaLnBrk="1" latinLnBrk="0" hangingPunct="1">
+              <a:lnSpc>
+                <a:spcPct val="90000"/>
+              </a:lnSpc>
+              <a:spcBef>
+                <a:spcPct val="0"/>
+              </a:spcBef>
+              <a:buNone/>
+              <a:defRPr sz="4400" kern="1200">
+                <a:solidFill>
+                  <a:schemeClr val="tx1"/>
+                </a:solidFill>
+                <a:latin typeface="+mj-lt"/>
+                <a:ea typeface="+mj-ea"/>
+                <a:cs typeface="+mj-cs"/>
+              </a:defRPr>
+            </a:lvl1pPr>
+          </a:lstStyle>
+          <a:p>
+            <a:r>
+              <a:rPr lang="en-US" dirty="0"/>
+              <a:t>Basic Routing</a:t>
+            </a:r>
+          </a:p>
+        </p:txBody>
+      </p:sp>
+    </p:spTree>
+    <p:extLst>
+      <p:ext uri="{BB962C8B-B14F-4D97-AF65-F5344CB8AC3E}">
+        <p14:creationId xmlns:p14="http://schemas.microsoft.com/office/powerpoint/2010/main" val="92819599"/>
       </p:ext>
     </p:extLst>
   </p:cSld>

--- a/node/Nodejs.pptx
+++ b/node/Nodejs.pptx
@@ -39,6 +39,16 @@
     <p:sldId id="287" r:id="rId33"/>
     <p:sldId id="288" r:id="rId34"/>
     <p:sldId id="289" r:id="rId35"/>
+    <p:sldId id="290" r:id="rId36"/>
+    <p:sldId id="291" r:id="rId37"/>
+    <p:sldId id="293" r:id="rId38"/>
+    <p:sldId id="292" r:id="rId39"/>
+    <p:sldId id="294" r:id="rId40"/>
+    <p:sldId id="295" r:id="rId41"/>
+    <p:sldId id="296" r:id="rId42"/>
+    <p:sldId id="297" r:id="rId43"/>
+    <p:sldId id="298" r:id="rId44"/>
+    <p:sldId id="299" r:id="rId45"/>
   </p:sldIdLst>
   <p:sldSz cx="12192000" cy="6858000"/>
   <p:notesSz cx="6858000" cy="9144000"/>
@@ -322,7 +332,7 @@
           <a:p>
             <a:fld id="{7239F38A-DCDF-6E4C-B9CE-23AD5C77A21C}" type="datetimeFigureOut">
               <a:rPr lang="en-US" smtClean="0"/>
-              <a:t>1/16/25</a:t>
+              <a:t>1/22/25</a:t>
             </a:fld>
             <a:endParaRPr lang="en-US"/>
           </a:p>
@@ -522,7 +532,7 @@
           <a:p>
             <a:fld id="{7239F38A-DCDF-6E4C-B9CE-23AD5C77A21C}" type="datetimeFigureOut">
               <a:rPr lang="en-US" smtClean="0"/>
-              <a:t>1/16/25</a:t>
+              <a:t>1/22/25</a:t>
             </a:fld>
             <a:endParaRPr lang="en-US"/>
           </a:p>
@@ -732,7 +742,7 @@
           <a:p>
             <a:fld id="{7239F38A-DCDF-6E4C-B9CE-23AD5C77A21C}" type="datetimeFigureOut">
               <a:rPr lang="en-US" smtClean="0"/>
-              <a:t>1/16/25</a:t>
+              <a:t>1/22/25</a:t>
             </a:fld>
             <a:endParaRPr lang="en-US"/>
           </a:p>
@@ -932,7 +942,7 @@
           <a:p>
             <a:fld id="{7239F38A-DCDF-6E4C-B9CE-23AD5C77A21C}" type="datetimeFigureOut">
               <a:rPr lang="en-US" smtClean="0"/>
-              <a:t>1/16/25</a:t>
+              <a:t>1/22/25</a:t>
             </a:fld>
             <a:endParaRPr lang="en-US"/>
           </a:p>
@@ -1208,7 +1218,7 @@
           <a:p>
             <a:fld id="{7239F38A-DCDF-6E4C-B9CE-23AD5C77A21C}" type="datetimeFigureOut">
               <a:rPr lang="en-US" smtClean="0"/>
-              <a:t>1/16/25</a:t>
+              <a:t>1/22/25</a:t>
             </a:fld>
             <a:endParaRPr lang="en-US"/>
           </a:p>
@@ -1476,7 +1486,7 @@
           <a:p>
             <a:fld id="{7239F38A-DCDF-6E4C-B9CE-23AD5C77A21C}" type="datetimeFigureOut">
               <a:rPr lang="en-US" smtClean="0"/>
-              <a:t>1/16/25</a:t>
+              <a:t>1/22/25</a:t>
             </a:fld>
             <a:endParaRPr lang="en-US"/>
           </a:p>
@@ -1891,7 +1901,7 @@
           <a:p>
             <a:fld id="{7239F38A-DCDF-6E4C-B9CE-23AD5C77A21C}" type="datetimeFigureOut">
               <a:rPr lang="en-US" smtClean="0"/>
-              <a:t>1/16/25</a:t>
+              <a:t>1/22/25</a:t>
             </a:fld>
             <a:endParaRPr lang="en-US"/>
           </a:p>
@@ -2033,7 +2043,7 @@
           <a:p>
             <a:fld id="{7239F38A-DCDF-6E4C-B9CE-23AD5C77A21C}" type="datetimeFigureOut">
               <a:rPr lang="en-US" smtClean="0"/>
-              <a:t>1/16/25</a:t>
+              <a:t>1/22/25</a:t>
             </a:fld>
             <a:endParaRPr lang="en-US"/>
           </a:p>
@@ -2146,7 +2156,7 @@
           <a:p>
             <a:fld id="{7239F38A-DCDF-6E4C-B9CE-23AD5C77A21C}" type="datetimeFigureOut">
               <a:rPr lang="en-US" smtClean="0"/>
-              <a:t>1/16/25</a:t>
+              <a:t>1/22/25</a:t>
             </a:fld>
             <a:endParaRPr lang="en-US"/>
           </a:p>
@@ -2459,7 +2469,7 @@
           <a:p>
             <a:fld id="{7239F38A-DCDF-6E4C-B9CE-23AD5C77A21C}" type="datetimeFigureOut">
               <a:rPr lang="en-US" smtClean="0"/>
-              <a:t>1/16/25</a:t>
+              <a:t>1/22/25</a:t>
             </a:fld>
             <a:endParaRPr lang="en-US"/>
           </a:p>
@@ -2748,7 +2758,7 @@
           <a:p>
             <a:fld id="{7239F38A-DCDF-6E4C-B9CE-23AD5C77A21C}" type="datetimeFigureOut">
               <a:rPr lang="en-US" smtClean="0"/>
-              <a:t>1/16/25</a:t>
+              <a:t>1/22/25</a:t>
             </a:fld>
             <a:endParaRPr lang="en-US"/>
           </a:p>
@@ -2991,7 +3001,7 @@
           <a:p>
             <a:fld id="{7239F38A-DCDF-6E4C-B9CE-23AD5C77A21C}" type="datetimeFigureOut">
               <a:rPr lang="en-US" smtClean="0"/>
-              <a:t>1/16/25</a:t>
+              <a:t>1/22/25</a:t>
             </a:fld>
             <a:endParaRPr lang="en-US"/>
           </a:p>
@@ -12673,6 +12683,1575 @@
 </p:sld>
 </file>
 
+<file path=ppt/slides/slide35.xml><?xml version="1.0" encoding="utf-8"?>
+<p:sld xmlns:a="http://schemas.openxmlformats.org/drawingml/2006/main" xmlns:r="http://schemas.openxmlformats.org/officeDocument/2006/relationships" xmlns:p="http://schemas.openxmlformats.org/presentationml/2006/main">
+  <p:cSld>
+    <p:spTree>
+      <p:nvGrpSpPr>
+        <p:cNvPr id="1" name=""/>
+        <p:cNvGrpSpPr/>
+        <p:nvPr/>
+      </p:nvGrpSpPr>
+      <p:grpSpPr>
+        <a:xfrm>
+          <a:off x="0" y="0"/>
+          <a:ext cx="0" cy="0"/>
+          <a:chOff x="0" y="0"/>
+          <a:chExt cx="0" cy="0"/>
+        </a:xfrm>
+      </p:grpSpPr>
+      <p:sp>
+        <p:nvSpPr>
+          <p:cNvPr id="3" name="Content Placeholder 2">
+            <a:extLst>
+              <a:ext uri="{FF2B5EF4-FFF2-40B4-BE49-F238E27FC236}">
+                <a16:creationId xmlns:a16="http://schemas.microsoft.com/office/drawing/2014/main" id="{E0E7DDDE-78BA-C0A7-E12F-9FB5A96573E5}"/>
+              </a:ext>
+            </a:extLst>
+          </p:cNvPr>
+          <p:cNvSpPr>
+            <a:spLocks noGrp="1"/>
+          </p:cNvSpPr>
+          <p:nvPr>
+            <p:ph idx="1"/>
+          </p:nvPr>
+        </p:nvSpPr>
+        <p:spPr>
+          <a:xfrm>
+            <a:off x="838200" y="371061"/>
+            <a:ext cx="10515600" cy="5805902"/>
+          </a:xfrm>
+        </p:spPr>
+        <p:txBody>
+          <a:bodyPr/>
+          <a:lstStyle/>
+          <a:p>
+            <a:pPr marL="0" indent="0">
+              <a:buNone/>
+            </a:pPr>
+            <a:r>
+              <a:rPr lang="en-US" dirty="0"/>
+              <a:t>Npm</a:t>
+            </a:r>
+          </a:p>
+          <a:p>
+            <a:pPr marL="0" indent="0">
+              <a:buNone/>
+            </a:pPr>
+            <a:r>
+              <a:rPr lang="en-US" dirty="0"/>
+              <a:t>Npm install</a:t>
+            </a:r>
+          </a:p>
+          <a:p>
+            <a:pPr marL="0" indent="0">
+              <a:buNone/>
+            </a:pPr>
+            <a:r>
+              <a:rPr lang="en-US" dirty="0"/>
+              <a:t>NPM Scripts</a:t>
+            </a:r>
+          </a:p>
+          <a:p>
+            <a:pPr marL="0" indent="0">
+              <a:buNone/>
+            </a:pPr>
+            <a:r>
+              <a:rPr lang="en-US" dirty="0"/>
+              <a:t>Installing 3</a:t>
+            </a:r>
+            <a:r>
+              <a:rPr lang="en-US" baseline="30000" dirty="0"/>
+              <a:t>rd</a:t>
+            </a:r>
+            <a:r>
+              <a:rPr lang="en-US" dirty="0"/>
+              <a:t> Party Package</a:t>
+            </a:r>
+          </a:p>
+          <a:p>
+            <a:pPr marL="0" indent="0">
+              <a:buNone/>
+            </a:pPr>
+            <a:r>
+              <a:rPr lang="en-US" dirty="0"/>
+              <a:t>Using </a:t>
+            </a:r>
+            <a:r>
+              <a:rPr lang="en-US" dirty="0" err="1"/>
+              <a:t>Nodemon</a:t>
+            </a:r>
+            <a:r>
+              <a:rPr lang="en-US" dirty="0"/>
+              <a:t> for </a:t>
+            </a:r>
+            <a:r>
+              <a:rPr lang="en-US" dirty="0" err="1"/>
+              <a:t>Autorestarts</a:t>
+            </a:r>
+            <a:endParaRPr lang="en-US" dirty="0"/>
+          </a:p>
+          <a:p>
+            <a:pPr marL="0" indent="0">
+              <a:buNone/>
+            </a:pPr>
+            <a:endParaRPr lang="en-US" dirty="0"/>
+          </a:p>
+          <a:p>
+            <a:pPr marL="0" indent="0">
+              <a:buNone/>
+            </a:pPr>
+            <a:endParaRPr lang="en-US" dirty="0"/>
+          </a:p>
+          <a:p>
+            <a:pPr marL="0" indent="0">
+              <a:buNone/>
+            </a:pPr>
+            <a:r>
+              <a:rPr lang="en-US" dirty="0"/>
+              <a:t>Types of Errors</a:t>
+            </a:r>
+          </a:p>
+          <a:p>
+            <a:pPr marL="0" indent="0">
+              <a:buNone/>
+            </a:pPr>
+            <a:r>
+              <a:rPr lang="en-US" dirty="0"/>
+              <a:t>-Syntax Errors</a:t>
+            </a:r>
+          </a:p>
+          <a:p>
+            <a:pPr marL="0" indent="0">
+              <a:buNone/>
+            </a:pPr>
+            <a:r>
+              <a:rPr lang="en-US" dirty="0"/>
+              <a:t>-Runtime Errors</a:t>
+            </a:r>
+          </a:p>
+          <a:p>
+            <a:pPr marL="0" indent="0">
+              <a:buNone/>
+            </a:pPr>
+            <a:r>
+              <a:rPr lang="en-US" dirty="0"/>
+              <a:t>-Logical Errors</a:t>
+            </a:r>
+          </a:p>
+        </p:txBody>
+      </p:sp>
+    </p:spTree>
+    <p:extLst>
+      <p:ext uri="{BB962C8B-B14F-4D97-AF65-F5344CB8AC3E}">
+        <p14:creationId xmlns:p14="http://schemas.microsoft.com/office/powerpoint/2010/main" val="1710894274"/>
+      </p:ext>
+    </p:extLst>
+  </p:cSld>
+  <p:clrMapOvr>
+    <a:masterClrMapping/>
+  </p:clrMapOvr>
+</p:sld>
+</file>
+
+<file path=ppt/slides/slide36.xml><?xml version="1.0" encoding="utf-8"?>
+<p:sld xmlns:a="http://schemas.openxmlformats.org/drawingml/2006/main" xmlns:r="http://schemas.openxmlformats.org/officeDocument/2006/relationships" xmlns:p="http://schemas.openxmlformats.org/presentationml/2006/main">
+  <p:cSld>
+    <p:spTree>
+      <p:nvGrpSpPr>
+        <p:cNvPr id="1" name=""/>
+        <p:cNvGrpSpPr/>
+        <p:nvPr/>
+      </p:nvGrpSpPr>
+      <p:grpSpPr>
+        <a:xfrm>
+          <a:off x="0" y="0"/>
+          <a:ext cx="0" cy="0"/>
+          <a:chOff x="0" y="0"/>
+          <a:chExt cx="0" cy="0"/>
+        </a:xfrm>
+      </p:grpSpPr>
+      <p:sp>
+        <p:nvSpPr>
+          <p:cNvPr id="2" name="Title 1">
+            <a:extLst>
+              <a:ext uri="{FF2B5EF4-FFF2-40B4-BE49-F238E27FC236}">
+                <a16:creationId xmlns:a16="http://schemas.microsoft.com/office/drawing/2014/main" id="{0FD6C2B7-814E-687D-3E4B-28D14B6F7049}"/>
+              </a:ext>
+            </a:extLst>
+          </p:cNvPr>
+          <p:cNvSpPr>
+            <a:spLocks noGrp="1"/>
+          </p:cNvSpPr>
+          <p:nvPr>
+            <p:ph type="title"/>
+          </p:nvPr>
+        </p:nvSpPr>
+        <p:spPr/>
+        <p:txBody>
+          <a:bodyPr/>
+          <a:lstStyle/>
+          <a:p>
+            <a:r>
+              <a:rPr lang="en-US" dirty="0"/>
+              <a:t>Npm &amp; Packages</a:t>
+            </a:r>
+          </a:p>
+        </p:txBody>
+      </p:sp>
+      <p:sp>
+        <p:nvSpPr>
+          <p:cNvPr id="4" name="Rectangle 3">
+            <a:extLst>
+              <a:ext uri="{FF2B5EF4-FFF2-40B4-BE49-F238E27FC236}">
+                <a16:creationId xmlns:a16="http://schemas.microsoft.com/office/drawing/2014/main" id="{E019DCCF-ECB7-8536-F552-057B84CA07C0}"/>
+              </a:ext>
+            </a:extLst>
+          </p:cNvPr>
+          <p:cNvSpPr/>
+          <p:nvPr/>
+        </p:nvSpPr>
+        <p:spPr>
+          <a:xfrm>
+            <a:off x="980661" y="1577009"/>
+            <a:ext cx="3525078" cy="768626"/>
+          </a:xfrm>
+          <a:prstGeom prst="rect">
+            <a:avLst/>
+          </a:prstGeom>
+        </p:spPr>
+        <p:style>
+          <a:lnRef idx="2">
+            <a:schemeClr val="accent1">
+              <a:shade val="15000"/>
+            </a:schemeClr>
+          </a:lnRef>
+          <a:fillRef idx="1">
+            <a:schemeClr val="accent1"/>
+          </a:fillRef>
+          <a:effectRef idx="0">
+            <a:schemeClr val="accent1"/>
+          </a:effectRef>
+          <a:fontRef idx="minor">
+            <a:schemeClr val="lt1"/>
+          </a:fontRef>
+        </p:style>
+        <p:txBody>
+          <a:bodyPr rtlCol="0" anchor="ctr"/>
+          <a:lstStyle/>
+          <a:p>
+            <a:pPr algn="ctr"/>
+            <a:r>
+              <a:rPr lang="en-US" dirty="0"/>
+              <a:t>Local Project</a:t>
+            </a:r>
+          </a:p>
+        </p:txBody>
+      </p:sp>
+      <p:sp>
+        <p:nvSpPr>
+          <p:cNvPr id="5" name="Rectangle 4">
+            <a:extLst>
+              <a:ext uri="{FF2B5EF4-FFF2-40B4-BE49-F238E27FC236}">
+                <a16:creationId xmlns:a16="http://schemas.microsoft.com/office/drawing/2014/main" id="{A040A077-AC18-1613-FB65-CAC6ABC4F82B}"/>
+              </a:ext>
+            </a:extLst>
+          </p:cNvPr>
+          <p:cNvSpPr/>
+          <p:nvPr/>
+        </p:nvSpPr>
+        <p:spPr>
+          <a:xfrm>
+            <a:off x="980661" y="2660374"/>
+            <a:ext cx="3525078" cy="768626"/>
+          </a:xfrm>
+          <a:prstGeom prst="rect">
+            <a:avLst/>
+          </a:prstGeom>
+        </p:spPr>
+        <p:style>
+          <a:lnRef idx="2">
+            <a:schemeClr val="accent1">
+              <a:shade val="15000"/>
+            </a:schemeClr>
+          </a:lnRef>
+          <a:fillRef idx="1">
+            <a:schemeClr val="accent1"/>
+          </a:fillRef>
+          <a:effectRef idx="0">
+            <a:schemeClr val="accent1"/>
+          </a:effectRef>
+          <a:fontRef idx="minor">
+            <a:schemeClr val="lt1"/>
+          </a:fontRef>
+        </p:style>
+        <p:txBody>
+          <a:bodyPr rtlCol="0" anchor="ctr"/>
+          <a:lstStyle/>
+          <a:p>
+            <a:pPr algn="ctr"/>
+            <a:r>
+              <a:rPr lang="en-US" dirty="0"/>
+              <a:t>Code</a:t>
+            </a:r>
+          </a:p>
+        </p:txBody>
+      </p:sp>
+      <p:sp>
+        <p:nvSpPr>
+          <p:cNvPr id="6" name="Rectangle 5">
+            <a:extLst>
+              <a:ext uri="{FF2B5EF4-FFF2-40B4-BE49-F238E27FC236}">
+                <a16:creationId xmlns:a16="http://schemas.microsoft.com/office/drawing/2014/main" id="{44F848BC-ED44-1B28-4270-4C43BF71E636}"/>
+              </a:ext>
+            </a:extLst>
+          </p:cNvPr>
+          <p:cNvSpPr/>
+          <p:nvPr/>
+        </p:nvSpPr>
+        <p:spPr>
+          <a:xfrm>
+            <a:off x="1086678" y="3557519"/>
+            <a:ext cx="3525078" cy="768626"/>
+          </a:xfrm>
+          <a:prstGeom prst="rect">
+            <a:avLst/>
+          </a:prstGeom>
+        </p:spPr>
+        <p:style>
+          <a:lnRef idx="2">
+            <a:schemeClr val="accent1">
+              <a:shade val="15000"/>
+            </a:schemeClr>
+          </a:lnRef>
+          <a:fillRef idx="1">
+            <a:schemeClr val="accent1"/>
+          </a:fillRef>
+          <a:effectRef idx="0">
+            <a:schemeClr val="accent1"/>
+          </a:effectRef>
+          <a:fontRef idx="minor">
+            <a:schemeClr val="lt1"/>
+          </a:fontRef>
+        </p:style>
+        <p:txBody>
+          <a:bodyPr rtlCol="0" anchor="ctr"/>
+          <a:lstStyle/>
+          <a:p>
+            <a:pPr algn="ctr"/>
+            <a:r>
+              <a:rPr lang="en-US" dirty="0"/>
+              <a:t>Core Node Packages</a:t>
+            </a:r>
+          </a:p>
+        </p:txBody>
+      </p:sp>
+      <p:sp>
+        <p:nvSpPr>
+          <p:cNvPr id="7" name="Rectangle 6">
+            <a:extLst>
+              <a:ext uri="{FF2B5EF4-FFF2-40B4-BE49-F238E27FC236}">
+                <a16:creationId xmlns:a16="http://schemas.microsoft.com/office/drawing/2014/main" id="{0751F0C5-4632-A45B-FD4C-5FA8BCCAC70D}"/>
+              </a:ext>
+            </a:extLst>
+          </p:cNvPr>
+          <p:cNvSpPr/>
+          <p:nvPr/>
+        </p:nvSpPr>
+        <p:spPr>
+          <a:xfrm>
+            <a:off x="980661" y="4512365"/>
+            <a:ext cx="3525078" cy="768626"/>
+          </a:xfrm>
+          <a:prstGeom prst="rect">
+            <a:avLst/>
+          </a:prstGeom>
+          <a:solidFill>
+            <a:schemeClr val="accent5">
+              <a:lumMod val="75000"/>
+            </a:schemeClr>
+          </a:solidFill>
+        </p:spPr>
+        <p:style>
+          <a:lnRef idx="2">
+            <a:schemeClr val="accent1">
+              <a:shade val="15000"/>
+            </a:schemeClr>
+          </a:lnRef>
+          <a:fillRef idx="1">
+            <a:schemeClr val="accent1"/>
+          </a:fillRef>
+          <a:effectRef idx="0">
+            <a:schemeClr val="accent1"/>
+          </a:effectRef>
+          <a:fontRef idx="minor">
+            <a:schemeClr val="lt1"/>
+          </a:fontRef>
+        </p:style>
+        <p:txBody>
+          <a:bodyPr rtlCol="0" anchor="ctr"/>
+          <a:lstStyle/>
+          <a:p>
+            <a:pPr algn="ctr"/>
+            <a:r>
+              <a:rPr lang="en-US" dirty="0"/>
+              <a:t>Dependencies (3</a:t>
+            </a:r>
+            <a:r>
+              <a:rPr lang="en-US" baseline="30000" dirty="0"/>
+              <a:t>rd</a:t>
+            </a:r>
+            <a:r>
+              <a:rPr lang="en-US" dirty="0"/>
+              <a:t> Party)</a:t>
+            </a:r>
+          </a:p>
+        </p:txBody>
+      </p:sp>
+      <p:sp>
+        <p:nvSpPr>
+          <p:cNvPr id="8" name="Rectangle 7">
+            <a:extLst>
+              <a:ext uri="{FF2B5EF4-FFF2-40B4-BE49-F238E27FC236}">
+                <a16:creationId xmlns:a16="http://schemas.microsoft.com/office/drawing/2014/main" id="{B1CD9A82-C735-8BB2-0EB7-BCBA1C33859D}"/>
+              </a:ext>
+            </a:extLst>
+          </p:cNvPr>
+          <p:cNvSpPr/>
+          <p:nvPr/>
+        </p:nvSpPr>
+        <p:spPr>
+          <a:xfrm>
+            <a:off x="6440557" y="1633849"/>
+            <a:ext cx="3525078" cy="768626"/>
+          </a:xfrm>
+          <a:prstGeom prst="rect">
+            <a:avLst/>
+          </a:prstGeom>
+          <a:solidFill>
+            <a:schemeClr val="accent5">
+              <a:lumMod val="75000"/>
+            </a:schemeClr>
+          </a:solidFill>
+        </p:spPr>
+        <p:style>
+          <a:lnRef idx="2">
+            <a:schemeClr val="accent1">
+              <a:shade val="15000"/>
+            </a:schemeClr>
+          </a:lnRef>
+          <a:fillRef idx="1">
+            <a:schemeClr val="accent1"/>
+          </a:fillRef>
+          <a:effectRef idx="0">
+            <a:schemeClr val="accent1"/>
+          </a:effectRef>
+          <a:fontRef idx="minor">
+            <a:schemeClr val="lt1"/>
+          </a:fontRef>
+        </p:style>
+        <p:txBody>
+          <a:bodyPr rtlCol="0" anchor="ctr"/>
+          <a:lstStyle/>
+          <a:p>
+            <a:pPr algn="ctr"/>
+            <a:r>
+              <a:rPr lang="en-US" dirty="0"/>
+              <a:t>npm Repository</a:t>
+            </a:r>
+          </a:p>
+        </p:txBody>
+      </p:sp>
+      <p:sp>
+        <p:nvSpPr>
+          <p:cNvPr id="9" name="Rectangle 8">
+            <a:extLst>
+              <a:ext uri="{FF2B5EF4-FFF2-40B4-BE49-F238E27FC236}">
+                <a16:creationId xmlns:a16="http://schemas.microsoft.com/office/drawing/2014/main" id="{F2E317B5-F0E1-F7A8-309B-EB2676E16A2F}"/>
+              </a:ext>
+            </a:extLst>
+          </p:cNvPr>
+          <p:cNvSpPr/>
+          <p:nvPr/>
+        </p:nvSpPr>
+        <p:spPr>
+          <a:xfrm>
+            <a:off x="6877878" y="4512365"/>
+            <a:ext cx="3525078" cy="768626"/>
+          </a:xfrm>
+          <a:prstGeom prst="rect">
+            <a:avLst/>
+          </a:prstGeom>
+          <a:solidFill>
+            <a:schemeClr val="accent5">
+              <a:lumMod val="75000"/>
+            </a:schemeClr>
+          </a:solidFill>
+        </p:spPr>
+        <p:style>
+          <a:lnRef idx="2">
+            <a:schemeClr val="accent1">
+              <a:shade val="15000"/>
+            </a:schemeClr>
+          </a:lnRef>
+          <a:fillRef idx="1">
+            <a:schemeClr val="accent1"/>
+          </a:fillRef>
+          <a:effectRef idx="0">
+            <a:schemeClr val="accent1"/>
+          </a:effectRef>
+          <a:fontRef idx="minor">
+            <a:schemeClr val="lt1"/>
+          </a:fontRef>
+        </p:style>
+        <p:txBody>
+          <a:bodyPr rtlCol="0" anchor="ctr"/>
+          <a:lstStyle/>
+          <a:p>
+            <a:pPr algn="ctr"/>
+            <a:r>
+              <a:rPr lang="en-US" dirty="0"/>
+              <a:t>Express.js</a:t>
+            </a:r>
+          </a:p>
+        </p:txBody>
+      </p:sp>
+      <p:sp>
+        <p:nvSpPr>
+          <p:cNvPr id="10" name="Rectangle 9">
+            <a:extLst>
+              <a:ext uri="{FF2B5EF4-FFF2-40B4-BE49-F238E27FC236}">
+                <a16:creationId xmlns:a16="http://schemas.microsoft.com/office/drawing/2014/main" id="{3EAA6CF5-C6B6-3661-D0EF-F7ECE81A5918}"/>
+              </a:ext>
+            </a:extLst>
+          </p:cNvPr>
+          <p:cNvSpPr/>
+          <p:nvPr/>
+        </p:nvSpPr>
+        <p:spPr>
+          <a:xfrm>
+            <a:off x="6917635" y="5559287"/>
+            <a:ext cx="3525078" cy="768626"/>
+          </a:xfrm>
+          <a:prstGeom prst="rect">
+            <a:avLst/>
+          </a:prstGeom>
+          <a:solidFill>
+            <a:schemeClr val="accent5">
+              <a:lumMod val="75000"/>
+            </a:schemeClr>
+          </a:solidFill>
+        </p:spPr>
+        <p:style>
+          <a:lnRef idx="2">
+            <a:schemeClr val="accent1">
+              <a:shade val="15000"/>
+            </a:schemeClr>
+          </a:lnRef>
+          <a:fillRef idx="1">
+            <a:schemeClr val="accent1"/>
+          </a:fillRef>
+          <a:effectRef idx="0">
+            <a:schemeClr val="accent1"/>
+          </a:effectRef>
+          <a:fontRef idx="minor">
+            <a:schemeClr val="lt1"/>
+          </a:fontRef>
+        </p:style>
+        <p:txBody>
+          <a:bodyPr rtlCol="0" anchor="ctr"/>
+          <a:lstStyle/>
+          <a:p>
+            <a:pPr algn="ctr"/>
+            <a:r>
+              <a:rPr lang="en-US" dirty="0"/>
+              <a:t>Body-parser</a:t>
+            </a:r>
+          </a:p>
+        </p:txBody>
+      </p:sp>
+      <p:sp>
+        <p:nvSpPr>
+          <p:cNvPr id="11" name="TextBox 10">
+            <a:extLst>
+              <a:ext uri="{FF2B5EF4-FFF2-40B4-BE49-F238E27FC236}">
+                <a16:creationId xmlns:a16="http://schemas.microsoft.com/office/drawing/2014/main" id="{09CF1038-E0D9-90C7-BB70-2E0A74BDA16D}"/>
+              </a:ext>
+            </a:extLst>
+          </p:cNvPr>
+          <p:cNvSpPr txBox="1"/>
+          <p:nvPr/>
+        </p:nvSpPr>
+        <p:spPr>
+          <a:xfrm>
+            <a:off x="6877878" y="3843130"/>
+            <a:ext cx="1878399" cy="369332"/>
+          </a:xfrm>
+          <a:prstGeom prst="rect">
+            <a:avLst/>
+          </a:prstGeom>
+          <a:noFill/>
+        </p:spPr>
+        <p:txBody>
+          <a:bodyPr wrap="none" rtlCol="0">
+            <a:spAutoFit/>
+          </a:bodyPr>
+          <a:lstStyle/>
+          <a:p>
+            <a:r>
+              <a:rPr lang="en-US" dirty="0"/>
+              <a:t>Installed via npm</a:t>
+            </a:r>
+          </a:p>
+        </p:txBody>
+      </p:sp>
+    </p:spTree>
+    <p:extLst>
+      <p:ext uri="{BB962C8B-B14F-4D97-AF65-F5344CB8AC3E}">
+        <p14:creationId xmlns:p14="http://schemas.microsoft.com/office/powerpoint/2010/main" val="3458541068"/>
+      </p:ext>
+    </p:extLst>
+  </p:cSld>
+  <p:clrMapOvr>
+    <a:masterClrMapping/>
+  </p:clrMapOvr>
+</p:sld>
+</file>
+
+<file path=ppt/slides/slide37.xml><?xml version="1.0" encoding="utf-8"?>
+<p:sld xmlns:a="http://schemas.openxmlformats.org/drawingml/2006/main" xmlns:r="http://schemas.openxmlformats.org/officeDocument/2006/relationships" xmlns:p="http://schemas.openxmlformats.org/presentationml/2006/main">
+  <p:cSld>
+    <p:spTree>
+      <p:nvGrpSpPr>
+        <p:cNvPr id="1" name="">
+          <a:extLst>
+            <a:ext uri="{FF2B5EF4-FFF2-40B4-BE49-F238E27FC236}">
+              <a16:creationId xmlns:a16="http://schemas.microsoft.com/office/drawing/2014/main" id="{3DAE8AAB-F38A-EDDC-D33A-12B14E5B5171}"/>
+            </a:ext>
+          </a:extLst>
+        </p:cNvPr>
+        <p:cNvGrpSpPr/>
+        <p:nvPr/>
+      </p:nvGrpSpPr>
+      <p:grpSpPr>
+        <a:xfrm>
+          <a:off x="0" y="0"/>
+          <a:ext cx="0" cy="0"/>
+          <a:chOff x="0" y="0"/>
+          <a:chExt cx="0" cy="0"/>
+        </a:xfrm>
+      </p:grpSpPr>
+      <p:sp>
+        <p:nvSpPr>
+          <p:cNvPr id="4" name="TextBox 3">
+            <a:extLst>
+              <a:ext uri="{FF2B5EF4-FFF2-40B4-BE49-F238E27FC236}">
+                <a16:creationId xmlns:a16="http://schemas.microsoft.com/office/drawing/2014/main" id="{CE0EBD97-BEE9-BAC5-4223-9F0BE444C194}"/>
+              </a:ext>
+            </a:extLst>
+          </p:cNvPr>
+          <p:cNvSpPr txBox="1"/>
+          <p:nvPr/>
+        </p:nvSpPr>
+        <p:spPr>
+          <a:xfrm>
+            <a:off x="5300870" y="397565"/>
+            <a:ext cx="1940211" cy="369332"/>
+          </a:xfrm>
+          <a:prstGeom prst="rect">
+            <a:avLst/>
+          </a:prstGeom>
+          <a:noFill/>
+        </p:spPr>
+        <p:txBody>
+          <a:bodyPr wrap="none" rtlCol="0">
+            <a:spAutoFit/>
+          </a:bodyPr>
+          <a:lstStyle/>
+          <a:p>
+            <a:r>
+              <a:rPr lang="en-US" dirty="0"/>
+              <a:t>Module Summary</a:t>
+            </a:r>
+          </a:p>
+        </p:txBody>
+      </p:sp>
+      <p:grpSp>
+        <p:nvGrpSpPr>
+          <p:cNvPr id="7" name="Group 6">
+            <a:extLst>
+              <a:ext uri="{FF2B5EF4-FFF2-40B4-BE49-F238E27FC236}">
+                <a16:creationId xmlns:a16="http://schemas.microsoft.com/office/drawing/2014/main" id="{D7B740AA-AE37-01B9-B41F-1DE4A1988BB8}"/>
+              </a:ext>
+            </a:extLst>
+          </p:cNvPr>
+          <p:cNvGrpSpPr/>
+          <p:nvPr/>
+        </p:nvGrpSpPr>
+        <p:grpSpPr>
+          <a:xfrm>
+            <a:off x="318052" y="766897"/>
+            <a:ext cx="5274366" cy="2983468"/>
+            <a:chOff x="318051" y="766897"/>
+            <a:chExt cx="5596999" cy="1181173"/>
+          </a:xfrm>
+        </p:grpSpPr>
+        <p:sp>
+          <p:nvSpPr>
+            <p:cNvPr id="5" name="Rectangle 4">
+              <a:extLst>
+                <a:ext uri="{FF2B5EF4-FFF2-40B4-BE49-F238E27FC236}">
+                  <a16:creationId xmlns:a16="http://schemas.microsoft.com/office/drawing/2014/main" id="{E6D64BFD-A5D0-7207-052F-9168941BBEB5}"/>
+                </a:ext>
+              </a:extLst>
+            </p:cNvPr>
+            <p:cNvSpPr/>
+            <p:nvPr/>
+          </p:nvSpPr>
+          <p:spPr>
+            <a:xfrm>
+              <a:off x="318051" y="766897"/>
+              <a:ext cx="5596999" cy="1181173"/>
+            </a:xfrm>
+            <a:prstGeom prst="rect">
+              <a:avLst/>
+            </a:prstGeom>
+            <a:solidFill>
+              <a:schemeClr val="accent2">
+                <a:lumMod val="60000"/>
+                <a:lumOff val="40000"/>
+              </a:schemeClr>
+            </a:solidFill>
+          </p:spPr>
+          <p:style>
+            <a:lnRef idx="2">
+              <a:schemeClr val="accent6"/>
+            </a:lnRef>
+            <a:fillRef idx="1">
+              <a:schemeClr val="lt1"/>
+            </a:fillRef>
+            <a:effectRef idx="0">
+              <a:schemeClr val="accent6"/>
+            </a:effectRef>
+            <a:fontRef idx="minor">
+              <a:schemeClr val="dk1"/>
+            </a:fontRef>
+          </p:style>
+          <p:txBody>
+            <a:bodyPr rtlCol="0" anchor="ctr"/>
+            <a:lstStyle/>
+            <a:p>
+              <a:pPr marL="285750" indent="-285750" algn="ctr">
+                <a:buFont typeface="Arial" panose="020B0604020202020204" pitchFamily="34" charset="0"/>
+                <a:buChar char="•"/>
+              </a:pPr>
+              <a:r>
+                <a:rPr lang="en-US" dirty="0"/>
+                <a:t>Npm stands for “Node Package Manager” and it allows you to manage your node project and its dependencies</a:t>
+              </a:r>
+            </a:p>
+            <a:p>
+              <a:pPr marL="285750" indent="-285750" algn="ctr">
+                <a:buFont typeface="Arial" panose="020B0604020202020204" pitchFamily="34" charset="0"/>
+                <a:buChar char="•"/>
+              </a:pPr>
+              <a:r>
+                <a:rPr lang="en-US" dirty="0"/>
+                <a:t>You can initialize a project with npm init</a:t>
+              </a:r>
+            </a:p>
+            <a:p>
+              <a:pPr marL="285750" indent="-285750" algn="ctr">
+                <a:buFont typeface="Arial" panose="020B0604020202020204" pitchFamily="34" charset="0"/>
+                <a:buChar char="•"/>
+              </a:pPr>
+              <a:r>
+                <a:rPr lang="en-US" dirty="0"/>
+                <a:t>Npm scripts can be defined in the package.json to give you “shortcuts” to common tasks/ commands.</a:t>
+              </a:r>
+            </a:p>
+          </p:txBody>
+        </p:sp>
+        <p:sp>
+          <p:nvSpPr>
+            <p:cNvPr id="6" name="Rectangle 5">
+              <a:extLst>
+                <a:ext uri="{FF2B5EF4-FFF2-40B4-BE49-F238E27FC236}">
+                  <a16:creationId xmlns:a16="http://schemas.microsoft.com/office/drawing/2014/main" id="{FD993078-7038-ED46-539A-F045BBD9B678}"/>
+                </a:ext>
+              </a:extLst>
+            </p:cNvPr>
+            <p:cNvSpPr/>
+            <p:nvPr/>
+          </p:nvSpPr>
+          <p:spPr>
+            <a:xfrm>
+              <a:off x="318052" y="766897"/>
+              <a:ext cx="5596998" cy="152591"/>
+            </a:xfrm>
+            <a:prstGeom prst="rect">
+              <a:avLst/>
+            </a:prstGeom>
+            <a:solidFill>
+              <a:schemeClr val="accent2">
+                <a:lumMod val="50000"/>
+              </a:schemeClr>
+            </a:solidFill>
+          </p:spPr>
+          <p:style>
+            <a:lnRef idx="2">
+              <a:schemeClr val="accent1">
+                <a:shade val="15000"/>
+              </a:schemeClr>
+            </a:lnRef>
+            <a:fillRef idx="1">
+              <a:schemeClr val="accent1"/>
+            </a:fillRef>
+            <a:effectRef idx="0">
+              <a:schemeClr val="accent1"/>
+            </a:effectRef>
+            <a:fontRef idx="minor">
+              <a:schemeClr val="lt1"/>
+            </a:fontRef>
+          </p:style>
+          <p:txBody>
+            <a:bodyPr rtlCol="0" anchor="ctr"/>
+            <a:lstStyle/>
+            <a:p>
+              <a:pPr algn="ctr"/>
+              <a:r>
+                <a:rPr lang="en-US" b="1" dirty="0">
+                  <a:ln w="10160">
+                    <a:solidFill>
+                      <a:schemeClr val="accent5"/>
+                    </a:solidFill>
+                    <a:prstDash val="solid"/>
+                  </a:ln>
+                  <a:solidFill>
+                    <a:srgbClr val="FFFFFF"/>
+                  </a:solidFill>
+                  <a:effectLst>
+                    <a:outerShdw blurRad="38100" dist="22860" dir="5400000" algn="tl" rotWithShape="0">
+                      <a:srgbClr val="000000">
+                        <a:alpha val="30000"/>
+                      </a:srgbClr>
+                    </a:outerShdw>
+                  </a:effectLst>
+                </a:rPr>
+                <a:t>npm</a:t>
+              </a:r>
+            </a:p>
+          </p:txBody>
+        </p:sp>
+      </p:grpSp>
+      <p:sp>
+        <p:nvSpPr>
+          <p:cNvPr id="9" name="Rectangle 8">
+            <a:extLst>
+              <a:ext uri="{FF2B5EF4-FFF2-40B4-BE49-F238E27FC236}">
+                <a16:creationId xmlns:a16="http://schemas.microsoft.com/office/drawing/2014/main" id="{9A9588AF-3566-1E16-709F-273DDE0E113B}"/>
+              </a:ext>
+            </a:extLst>
+          </p:cNvPr>
+          <p:cNvSpPr/>
+          <p:nvPr/>
+        </p:nvSpPr>
+        <p:spPr>
+          <a:xfrm>
+            <a:off x="6599584" y="1296983"/>
+            <a:ext cx="5274366" cy="2453382"/>
+          </a:xfrm>
+          <a:prstGeom prst="rect">
+            <a:avLst/>
+          </a:prstGeom>
+          <a:solidFill>
+            <a:schemeClr val="accent2">
+              <a:lumMod val="60000"/>
+              <a:lumOff val="40000"/>
+            </a:schemeClr>
+          </a:solidFill>
+        </p:spPr>
+        <p:style>
+          <a:lnRef idx="2">
+            <a:schemeClr val="accent6"/>
+          </a:lnRef>
+          <a:fillRef idx="1">
+            <a:schemeClr val="lt1"/>
+          </a:fillRef>
+          <a:effectRef idx="0">
+            <a:schemeClr val="accent6"/>
+          </a:effectRef>
+          <a:fontRef idx="minor">
+            <a:schemeClr val="dk1"/>
+          </a:fontRef>
+        </p:style>
+        <p:txBody>
+          <a:bodyPr rtlCol="0" anchor="ctr"/>
+          <a:lstStyle/>
+          <a:p>
+            <a:pPr marL="285750" indent="-285750" algn="ctr">
+              <a:buFont typeface="Arial" panose="020B0604020202020204" pitchFamily="34" charset="0"/>
+              <a:buChar char="•"/>
+            </a:pPr>
+            <a:r>
+              <a:rPr lang="en-US" dirty="0"/>
+              <a:t>Node projects typically don’t just use core modules and custom code but also third-party packages</a:t>
+            </a:r>
+          </a:p>
+          <a:p>
+            <a:pPr marL="285750" indent="-285750" algn="ctr">
+              <a:buFont typeface="Arial" panose="020B0604020202020204" pitchFamily="34" charset="0"/>
+              <a:buChar char="•"/>
+            </a:pPr>
+            <a:r>
+              <a:rPr lang="en-US" dirty="0"/>
+              <a:t>You install them via npm</a:t>
+            </a:r>
+          </a:p>
+          <a:p>
+            <a:pPr marL="285750" indent="-285750" algn="ctr">
+              <a:buFont typeface="Arial" panose="020B0604020202020204" pitchFamily="34" charset="0"/>
+              <a:buChar char="•"/>
+            </a:pPr>
+            <a:r>
+              <a:rPr lang="en-US" dirty="0"/>
+              <a:t>You can differentiate between production dependencies (--save), development dependencies(--save-dev) and global dependencies (-g)</a:t>
+            </a:r>
+          </a:p>
+        </p:txBody>
+      </p:sp>
+      <p:sp>
+        <p:nvSpPr>
+          <p:cNvPr id="10" name="Rectangle 9">
+            <a:extLst>
+              <a:ext uri="{FF2B5EF4-FFF2-40B4-BE49-F238E27FC236}">
+                <a16:creationId xmlns:a16="http://schemas.microsoft.com/office/drawing/2014/main" id="{413392BF-AD49-56A4-4837-D769EC819187}"/>
+              </a:ext>
+            </a:extLst>
+          </p:cNvPr>
+          <p:cNvSpPr/>
+          <p:nvPr/>
+        </p:nvSpPr>
+        <p:spPr>
+          <a:xfrm>
+            <a:off x="6599585" y="766897"/>
+            <a:ext cx="5274365" cy="530086"/>
+          </a:xfrm>
+          <a:prstGeom prst="rect">
+            <a:avLst/>
+          </a:prstGeom>
+          <a:solidFill>
+            <a:schemeClr val="accent2">
+              <a:lumMod val="50000"/>
+            </a:schemeClr>
+          </a:solidFill>
+        </p:spPr>
+        <p:style>
+          <a:lnRef idx="2">
+            <a:schemeClr val="accent1">
+              <a:shade val="15000"/>
+            </a:schemeClr>
+          </a:lnRef>
+          <a:fillRef idx="1">
+            <a:schemeClr val="accent1"/>
+          </a:fillRef>
+          <a:effectRef idx="0">
+            <a:schemeClr val="accent1"/>
+          </a:effectRef>
+          <a:fontRef idx="minor">
+            <a:schemeClr val="lt1"/>
+          </a:fontRef>
+        </p:style>
+        <p:txBody>
+          <a:bodyPr rtlCol="0" anchor="ctr"/>
+          <a:lstStyle/>
+          <a:p>
+            <a:pPr algn="ctr"/>
+            <a:r>
+              <a:rPr lang="en-US" b="1" dirty="0">
+                <a:ln w="10160">
+                  <a:solidFill>
+                    <a:schemeClr val="accent5"/>
+                  </a:solidFill>
+                  <a:prstDash val="solid"/>
+                </a:ln>
+                <a:solidFill>
+                  <a:srgbClr val="FFFFFF"/>
+                </a:solidFill>
+                <a:effectLst>
+                  <a:outerShdw blurRad="38100" dist="22860" dir="5400000" algn="tl" rotWithShape="0">
+                    <a:srgbClr val="000000">
+                      <a:alpha val="30000"/>
+                    </a:srgbClr>
+                  </a:outerShdw>
+                </a:effectLst>
+              </a:rPr>
+              <a:t>3</a:t>
+            </a:r>
+            <a:r>
+              <a:rPr lang="en-US" b="1" baseline="30000" dirty="0">
+                <a:ln w="10160">
+                  <a:solidFill>
+                    <a:schemeClr val="accent5"/>
+                  </a:solidFill>
+                  <a:prstDash val="solid"/>
+                </a:ln>
+                <a:solidFill>
+                  <a:srgbClr val="FFFFFF"/>
+                </a:solidFill>
+                <a:effectLst>
+                  <a:outerShdw blurRad="38100" dist="22860" dir="5400000" algn="tl" rotWithShape="0">
+                    <a:srgbClr val="000000">
+                      <a:alpha val="30000"/>
+                    </a:srgbClr>
+                  </a:outerShdw>
+                </a:effectLst>
+              </a:rPr>
+              <a:t>rd</a:t>
+            </a:r>
+            <a:r>
+              <a:rPr lang="en-US" b="1" dirty="0">
+                <a:ln w="10160">
+                  <a:solidFill>
+                    <a:schemeClr val="accent5"/>
+                  </a:solidFill>
+                  <a:prstDash val="solid"/>
+                </a:ln>
+                <a:solidFill>
+                  <a:srgbClr val="FFFFFF"/>
+                </a:solidFill>
+                <a:effectLst>
+                  <a:outerShdw blurRad="38100" dist="22860" dir="5400000" algn="tl" rotWithShape="0">
+                    <a:srgbClr val="000000">
+                      <a:alpha val="30000"/>
+                    </a:srgbClr>
+                  </a:outerShdw>
+                </a:effectLst>
+              </a:rPr>
+              <a:t> Party Packages</a:t>
+            </a:r>
+          </a:p>
+        </p:txBody>
+      </p:sp>
+      <p:sp>
+        <p:nvSpPr>
+          <p:cNvPr id="11" name="Rectangle 10">
+            <a:extLst>
+              <a:ext uri="{FF2B5EF4-FFF2-40B4-BE49-F238E27FC236}">
+                <a16:creationId xmlns:a16="http://schemas.microsoft.com/office/drawing/2014/main" id="{1F524F4A-BCAF-BDDB-C46F-994E1C8D3B9D}"/>
+              </a:ext>
+            </a:extLst>
+          </p:cNvPr>
+          <p:cNvSpPr/>
+          <p:nvPr/>
+        </p:nvSpPr>
+        <p:spPr>
+          <a:xfrm>
+            <a:off x="8097077" y="4675093"/>
+            <a:ext cx="3942526" cy="1969144"/>
+          </a:xfrm>
+          <a:prstGeom prst="rect">
+            <a:avLst/>
+          </a:prstGeom>
+          <a:solidFill>
+            <a:schemeClr val="accent2">
+              <a:lumMod val="60000"/>
+              <a:lumOff val="40000"/>
+            </a:schemeClr>
+          </a:solidFill>
+        </p:spPr>
+        <p:style>
+          <a:lnRef idx="2">
+            <a:schemeClr val="accent6"/>
+          </a:lnRef>
+          <a:fillRef idx="1">
+            <a:schemeClr val="lt1"/>
+          </a:fillRef>
+          <a:effectRef idx="0">
+            <a:schemeClr val="accent6"/>
+          </a:effectRef>
+          <a:fontRef idx="minor">
+            <a:schemeClr val="dk1"/>
+          </a:fontRef>
+        </p:style>
+        <p:txBody>
+          <a:bodyPr rtlCol="0" anchor="ctr"/>
+          <a:lstStyle/>
+          <a:p>
+            <a:pPr marL="285750" indent="-285750" algn="ctr">
+              <a:buFont typeface="Arial" panose="020B0604020202020204" pitchFamily="34" charset="0"/>
+              <a:buChar char="•"/>
+            </a:pPr>
+            <a:r>
+              <a:rPr lang="en-US" dirty="0"/>
+              <a:t>Use the VS Code Node debugger to step into your code.</a:t>
+            </a:r>
+          </a:p>
+          <a:p>
+            <a:pPr marL="285750" indent="-285750" algn="ctr">
+              <a:buFont typeface="Arial" panose="020B0604020202020204" pitchFamily="34" charset="0"/>
+              <a:buChar char="•"/>
+            </a:pPr>
+            <a:r>
+              <a:rPr lang="en-US" dirty="0"/>
+              <a:t>Analyze variable values at runtime</a:t>
+            </a:r>
+          </a:p>
+          <a:p>
+            <a:pPr marL="285750" indent="-285750" algn="ctr">
+              <a:buFont typeface="Arial" panose="020B0604020202020204" pitchFamily="34" charset="0"/>
+              <a:buChar char="•"/>
+            </a:pPr>
+            <a:r>
+              <a:rPr lang="en-US" dirty="0"/>
+              <a:t>Look into variables at runtime</a:t>
+            </a:r>
+          </a:p>
+          <a:p>
+            <a:pPr marL="285750" indent="-285750" algn="ctr">
+              <a:buFont typeface="Arial" panose="020B0604020202020204" pitchFamily="34" charset="0"/>
+              <a:buChar char="•"/>
+            </a:pPr>
+            <a:r>
+              <a:rPr lang="en-US" dirty="0"/>
+              <a:t>Set breakpoints cleverly.</a:t>
+            </a:r>
+          </a:p>
+        </p:txBody>
+      </p:sp>
+      <p:sp>
+        <p:nvSpPr>
+          <p:cNvPr id="12" name="Rectangle 11">
+            <a:extLst>
+              <a:ext uri="{FF2B5EF4-FFF2-40B4-BE49-F238E27FC236}">
+                <a16:creationId xmlns:a16="http://schemas.microsoft.com/office/drawing/2014/main" id="{7B3DBF03-BAB5-A591-4E75-B6CAF240BAB7}"/>
+              </a:ext>
+            </a:extLst>
+          </p:cNvPr>
+          <p:cNvSpPr/>
+          <p:nvPr/>
+        </p:nvSpPr>
+        <p:spPr>
+          <a:xfrm>
+            <a:off x="8097078" y="4007588"/>
+            <a:ext cx="3942525" cy="667505"/>
+          </a:xfrm>
+          <a:prstGeom prst="rect">
+            <a:avLst/>
+          </a:prstGeom>
+          <a:solidFill>
+            <a:schemeClr val="accent2">
+              <a:lumMod val="50000"/>
+            </a:schemeClr>
+          </a:solidFill>
+        </p:spPr>
+        <p:style>
+          <a:lnRef idx="2">
+            <a:schemeClr val="accent1">
+              <a:shade val="15000"/>
+            </a:schemeClr>
+          </a:lnRef>
+          <a:fillRef idx="1">
+            <a:schemeClr val="accent1"/>
+          </a:fillRef>
+          <a:effectRef idx="0">
+            <a:schemeClr val="accent1"/>
+          </a:effectRef>
+          <a:fontRef idx="minor">
+            <a:schemeClr val="lt1"/>
+          </a:fontRef>
+        </p:style>
+        <p:txBody>
+          <a:bodyPr rtlCol="0" anchor="ctr"/>
+          <a:lstStyle/>
+          <a:p>
+            <a:pPr algn="ctr"/>
+            <a:r>
+              <a:rPr lang="en-US" b="1" dirty="0">
+                <a:ln w="10160">
+                  <a:solidFill>
+                    <a:schemeClr val="accent5"/>
+                  </a:solidFill>
+                  <a:prstDash val="solid"/>
+                </a:ln>
+                <a:solidFill>
+                  <a:srgbClr val="FFFFFF"/>
+                </a:solidFill>
+                <a:effectLst>
+                  <a:outerShdw blurRad="38100" dist="22860" dir="5400000" algn="tl" rotWithShape="0">
+                    <a:srgbClr val="000000">
+                      <a:alpha val="30000"/>
+                    </a:srgbClr>
+                  </a:outerShdw>
+                </a:effectLst>
+              </a:rPr>
+              <a:t>Debugging</a:t>
+            </a:r>
+          </a:p>
+        </p:txBody>
+      </p:sp>
+      <p:sp>
+        <p:nvSpPr>
+          <p:cNvPr id="15" name="Rectangle 14">
+            <a:extLst>
+              <a:ext uri="{FF2B5EF4-FFF2-40B4-BE49-F238E27FC236}">
+                <a16:creationId xmlns:a16="http://schemas.microsoft.com/office/drawing/2014/main" id="{0289F606-D839-5E88-7235-3D9582BEF7A9}"/>
+              </a:ext>
+            </a:extLst>
+          </p:cNvPr>
+          <p:cNvSpPr/>
+          <p:nvPr/>
+        </p:nvSpPr>
+        <p:spPr>
+          <a:xfrm>
+            <a:off x="318051" y="4324969"/>
+            <a:ext cx="7103165" cy="1533209"/>
+          </a:xfrm>
+          <a:prstGeom prst="rect">
+            <a:avLst/>
+          </a:prstGeom>
+          <a:solidFill>
+            <a:schemeClr val="accent2">
+              <a:lumMod val="60000"/>
+              <a:lumOff val="40000"/>
+            </a:schemeClr>
+          </a:solidFill>
+        </p:spPr>
+        <p:style>
+          <a:lnRef idx="2">
+            <a:schemeClr val="accent6"/>
+          </a:lnRef>
+          <a:fillRef idx="1">
+            <a:schemeClr val="lt1"/>
+          </a:fillRef>
+          <a:effectRef idx="0">
+            <a:schemeClr val="accent6"/>
+          </a:effectRef>
+          <a:fontRef idx="minor">
+            <a:schemeClr val="dk1"/>
+          </a:fontRef>
+        </p:style>
+        <p:txBody>
+          <a:bodyPr rtlCol="0" anchor="ctr"/>
+          <a:lstStyle/>
+          <a:p>
+            <a:pPr marL="285750" indent="-285750" algn="ctr">
+              <a:buFont typeface="Arial" panose="020B0604020202020204" pitchFamily="34" charset="0"/>
+              <a:buChar char="•"/>
+            </a:pPr>
+            <a:r>
+              <a:rPr lang="en-US" dirty="0"/>
+              <a:t>Syntax, runtime and logical errors can break your app</a:t>
+            </a:r>
+          </a:p>
+          <a:p>
+            <a:pPr marL="285750" indent="-285750" algn="ctr">
+              <a:buFont typeface="Arial" panose="020B0604020202020204" pitchFamily="34" charset="0"/>
+              <a:buChar char="•"/>
+            </a:pPr>
+            <a:r>
+              <a:rPr lang="en-US" dirty="0"/>
+              <a:t>Syntax and runtime errors throw error messages (with line numbers)</a:t>
+            </a:r>
+          </a:p>
+          <a:p>
+            <a:pPr marL="285750" indent="-285750" algn="ctr">
+              <a:buFont typeface="Arial" panose="020B0604020202020204" pitchFamily="34" charset="0"/>
+              <a:buChar char="•"/>
+            </a:pPr>
+            <a:r>
+              <a:rPr lang="en-US" dirty="0"/>
+              <a:t>Logical errors can be fixed with testing and the help of the debugger.</a:t>
+            </a:r>
+          </a:p>
+        </p:txBody>
+      </p:sp>
+      <p:sp>
+        <p:nvSpPr>
+          <p:cNvPr id="16" name="Rectangle 15">
+            <a:extLst>
+              <a:ext uri="{FF2B5EF4-FFF2-40B4-BE49-F238E27FC236}">
+                <a16:creationId xmlns:a16="http://schemas.microsoft.com/office/drawing/2014/main" id="{2414CFEC-7296-8AAC-81DE-F0C788E8510F}"/>
+              </a:ext>
+            </a:extLst>
+          </p:cNvPr>
+          <p:cNvSpPr/>
+          <p:nvPr/>
+        </p:nvSpPr>
+        <p:spPr>
+          <a:xfrm>
+            <a:off x="318052" y="3928606"/>
+            <a:ext cx="7103165" cy="412734"/>
+          </a:xfrm>
+          <a:prstGeom prst="rect">
+            <a:avLst/>
+          </a:prstGeom>
+          <a:solidFill>
+            <a:schemeClr val="accent2">
+              <a:lumMod val="50000"/>
+            </a:schemeClr>
+          </a:solidFill>
+        </p:spPr>
+        <p:style>
+          <a:lnRef idx="2">
+            <a:schemeClr val="accent1">
+              <a:shade val="15000"/>
+            </a:schemeClr>
+          </a:lnRef>
+          <a:fillRef idx="1">
+            <a:schemeClr val="accent1"/>
+          </a:fillRef>
+          <a:effectRef idx="0">
+            <a:schemeClr val="accent1"/>
+          </a:effectRef>
+          <a:fontRef idx="minor">
+            <a:schemeClr val="lt1"/>
+          </a:fontRef>
+        </p:style>
+        <p:txBody>
+          <a:bodyPr rtlCol="0" anchor="ctr"/>
+          <a:lstStyle/>
+          <a:p>
+            <a:pPr algn="ctr"/>
+            <a:r>
+              <a:rPr lang="en-US" b="1" dirty="0">
+                <a:ln w="10160">
+                  <a:solidFill>
+                    <a:schemeClr val="accent5"/>
+                  </a:solidFill>
+                  <a:prstDash val="solid"/>
+                </a:ln>
+                <a:solidFill>
+                  <a:srgbClr val="FFFFFF"/>
+                </a:solidFill>
+                <a:effectLst>
+                  <a:outerShdw blurRad="38100" dist="22860" dir="5400000" algn="tl" rotWithShape="0">
+                    <a:srgbClr val="000000">
+                      <a:alpha val="30000"/>
+                    </a:srgbClr>
+                  </a:outerShdw>
+                </a:effectLst>
+              </a:rPr>
+              <a:t>Types of Errors</a:t>
+            </a:r>
+          </a:p>
+        </p:txBody>
+      </p:sp>
+    </p:spTree>
+    <p:extLst>
+      <p:ext uri="{BB962C8B-B14F-4D97-AF65-F5344CB8AC3E}">
+        <p14:creationId xmlns:p14="http://schemas.microsoft.com/office/powerpoint/2010/main" val="622846888"/>
+      </p:ext>
+    </p:extLst>
+  </p:cSld>
+  <p:clrMapOvr>
+    <a:masterClrMapping/>
+  </p:clrMapOvr>
+</p:sld>
+</file>
+
+<file path=ppt/slides/slide38.xml><?xml version="1.0" encoding="utf-8"?>
+<p:sld xmlns:a="http://schemas.openxmlformats.org/drawingml/2006/main" xmlns:r="http://schemas.openxmlformats.org/officeDocument/2006/relationships" xmlns:p="http://schemas.openxmlformats.org/presentationml/2006/main">
+  <p:cSld>
+    <p:spTree>
+      <p:nvGrpSpPr>
+        <p:cNvPr id="1" name=""/>
+        <p:cNvGrpSpPr/>
+        <p:nvPr/>
+      </p:nvGrpSpPr>
+      <p:grpSpPr>
+        <a:xfrm>
+          <a:off x="0" y="0"/>
+          <a:ext cx="0" cy="0"/>
+          <a:chOff x="0" y="0"/>
+          <a:chExt cx="0" cy="0"/>
+        </a:xfrm>
+      </p:grpSpPr>
+      <p:sp>
+        <p:nvSpPr>
+          <p:cNvPr id="2" name="Title 1">
+            <a:extLst>
+              <a:ext uri="{FF2B5EF4-FFF2-40B4-BE49-F238E27FC236}">
+                <a16:creationId xmlns:a16="http://schemas.microsoft.com/office/drawing/2014/main" id="{5F7C6B57-5AC7-C27B-9A5E-8885997FAE46}"/>
+              </a:ext>
+            </a:extLst>
+          </p:cNvPr>
+          <p:cNvSpPr>
+            <a:spLocks noGrp="1"/>
+          </p:cNvSpPr>
+          <p:nvPr>
+            <p:ph type="title"/>
+          </p:nvPr>
+        </p:nvSpPr>
+        <p:spPr/>
+        <p:txBody>
+          <a:bodyPr/>
+          <a:lstStyle/>
+          <a:p>
+            <a:r>
+              <a:rPr lang="en-US" dirty="0"/>
+              <a:t>Express.js</a:t>
+            </a:r>
+          </a:p>
+        </p:txBody>
+      </p:sp>
+      <p:sp>
+        <p:nvSpPr>
+          <p:cNvPr id="3" name="Content Placeholder 2">
+            <a:extLst>
+              <a:ext uri="{FF2B5EF4-FFF2-40B4-BE49-F238E27FC236}">
+                <a16:creationId xmlns:a16="http://schemas.microsoft.com/office/drawing/2014/main" id="{B2AF0DEA-D807-A433-76CA-519AC0B8C32F}"/>
+              </a:ext>
+            </a:extLst>
+          </p:cNvPr>
+          <p:cNvSpPr>
+            <a:spLocks noGrp="1"/>
+          </p:cNvSpPr>
+          <p:nvPr>
+            <p:ph idx="1"/>
+          </p:nvPr>
+        </p:nvSpPr>
+        <p:spPr/>
+        <p:txBody>
+          <a:bodyPr/>
+          <a:lstStyle/>
+          <a:p>
+            <a:pPr marL="0" indent="0">
+              <a:buNone/>
+            </a:pPr>
+            <a:r>
+              <a:rPr lang="en-US" dirty="0"/>
+              <a:t>Don’t re-invent the Wheel!</a:t>
+            </a:r>
+          </a:p>
+        </p:txBody>
+      </p:sp>
+    </p:spTree>
+    <p:extLst>
+      <p:ext uri="{BB962C8B-B14F-4D97-AF65-F5344CB8AC3E}">
+        <p14:creationId xmlns:p14="http://schemas.microsoft.com/office/powerpoint/2010/main" val="1032891089"/>
+      </p:ext>
+    </p:extLst>
+  </p:cSld>
+  <p:clrMapOvr>
+    <a:masterClrMapping/>
+  </p:clrMapOvr>
+</p:sld>
+</file>
+
+<file path=ppt/slides/slide39.xml><?xml version="1.0" encoding="utf-8"?>
+<p:sld xmlns:a="http://schemas.openxmlformats.org/drawingml/2006/main" xmlns:r="http://schemas.openxmlformats.org/officeDocument/2006/relationships" xmlns:p="http://schemas.openxmlformats.org/presentationml/2006/main">
+  <p:cSld>
+    <p:spTree>
+      <p:nvGrpSpPr>
+        <p:cNvPr id="1" name=""/>
+        <p:cNvGrpSpPr/>
+        <p:nvPr/>
+      </p:nvGrpSpPr>
+      <p:grpSpPr>
+        <a:xfrm>
+          <a:off x="0" y="0"/>
+          <a:ext cx="0" cy="0"/>
+          <a:chOff x="0" y="0"/>
+          <a:chExt cx="0" cy="0"/>
+        </a:xfrm>
+      </p:grpSpPr>
+      <p:sp>
+        <p:nvSpPr>
+          <p:cNvPr id="2" name="Title 1">
+            <a:extLst>
+              <a:ext uri="{FF2B5EF4-FFF2-40B4-BE49-F238E27FC236}">
+                <a16:creationId xmlns:a16="http://schemas.microsoft.com/office/drawing/2014/main" id="{D5E52CE1-8EF5-CB84-2673-76DD495B951C}"/>
+              </a:ext>
+            </a:extLst>
+          </p:cNvPr>
+          <p:cNvSpPr>
+            <a:spLocks noGrp="1"/>
+          </p:cNvSpPr>
+          <p:nvPr>
+            <p:ph type="title"/>
+          </p:nvPr>
+        </p:nvSpPr>
+        <p:spPr/>
+        <p:txBody>
+          <a:bodyPr/>
+          <a:lstStyle/>
+          <a:p>
+            <a:r>
+              <a:rPr lang="en-US" dirty="0"/>
+              <a:t>Module</a:t>
+            </a:r>
+          </a:p>
+        </p:txBody>
+      </p:sp>
+      <p:sp>
+        <p:nvSpPr>
+          <p:cNvPr id="3" name="Content Placeholder 2">
+            <a:extLst>
+              <a:ext uri="{FF2B5EF4-FFF2-40B4-BE49-F238E27FC236}">
+                <a16:creationId xmlns:a16="http://schemas.microsoft.com/office/drawing/2014/main" id="{B75D9446-6552-A043-BC71-B63D62F8E141}"/>
+              </a:ext>
+            </a:extLst>
+          </p:cNvPr>
+          <p:cNvSpPr>
+            <a:spLocks noGrp="1"/>
+          </p:cNvSpPr>
+          <p:nvPr>
+            <p:ph idx="1"/>
+          </p:nvPr>
+        </p:nvSpPr>
+        <p:spPr/>
+        <p:txBody>
+          <a:bodyPr/>
+          <a:lstStyle/>
+          <a:p>
+            <a:r>
+              <a:rPr lang="en-US" dirty="0"/>
+              <a:t>What is Express.js?</a:t>
+            </a:r>
+          </a:p>
+          <a:p>
+            <a:r>
+              <a:rPr lang="en-US" dirty="0"/>
+              <a:t>Using middleware</a:t>
+            </a:r>
+          </a:p>
+          <a:p>
+            <a:r>
+              <a:rPr lang="en-US" dirty="0"/>
+              <a:t>Working with req &amp; Res</a:t>
+            </a:r>
+          </a:p>
+          <a:p>
+            <a:r>
+              <a:rPr lang="en-US" dirty="0"/>
+              <a:t>Routing</a:t>
+            </a:r>
+          </a:p>
+          <a:p>
+            <a:r>
+              <a:rPr lang="en-US" dirty="0"/>
+              <a:t>Returning HTML Pages (files)</a:t>
+            </a:r>
+          </a:p>
+          <a:p>
+            <a:endParaRPr lang="en-US" dirty="0"/>
+          </a:p>
+        </p:txBody>
+      </p:sp>
+    </p:spTree>
+    <p:extLst>
+      <p:ext uri="{BB962C8B-B14F-4D97-AF65-F5344CB8AC3E}">
+        <p14:creationId xmlns:p14="http://schemas.microsoft.com/office/powerpoint/2010/main" val="2398728358"/>
+      </p:ext>
+    </p:extLst>
+  </p:cSld>
+  <p:clrMapOvr>
+    <a:masterClrMapping/>
+  </p:clrMapOvr>
+</p:sld>
+</file>
+
 <file path=ppt/slides/slide4.xml><?xml version="1.0" encoding="utf-8"?>
 <p:sld xmlns:a="http://schemas.openxmlformats.org/drawingml/2006/main" xmlns:r="http://schemas.openxmlformats.org/officeDocument/2006/relationships" xmlns:p="http://schemas.openxmlformats.org/presentationml/2006/main">
   <p:cSld>
@@ -13439,6 +15018,1093 @@
     <p:extLst>
       <p:ext uri="{BB962C8B-B14F-4D97-AF65-F5344CB8AC3E}">
         <p14:creationId xmlns:p14="http://schemas.microsoft.com/office/powerpoint/2010/main" val="3449585024"/>
+      </p:ext>
+    </p:extLst>
+  </p:cSld>
+  <p:clrMapOvr>
+    <a:masterClrMapping/>
+  </p:clrMapOvr>
+</p:sld>
+</file>
+
+<file path=ppt/slides/slide40.xml><?xml version="1.0" encoding="utf-8"?>
+<p:sld xmlns:a="http://schemas.openxmlformats.org/drawingml/2006/main" xmlns:r="http://schemas.openxmlformats.org/officeDocument/2006/relationships" xmlns:p="http://schemas.openxmlformats.org/presentationml/2006/main">
+  <p:cSld>
+    <p:spTree>
+      <p:nvGrpSpPr>
+        <p:cNvPr id="1" name=""/>
+        <p:cNvGrpSpPr/>
+        <p:nvPr/>
+      </p:nvGrpSpPr>
+      <p:grpSpPr>
+        <a:xfrm>
+          <a:off x="0" y="0"/>
+          <a:ext cx="0" cy="0"/>
+          <a:chOff x="0" y="0"/>
+          <a:chExt cx="0" cy="0"/>
+        </a:xfrm>
+      </p:grpSpPr>
+      <p:sp>
+        <p:nvSpPr>
+          <p:cNvPr id="2" name="Title 1">
+            <a:extLst>
+              <a:ext uri="{FF2B5EF4-FFF2-40B4-BE49-F238E27FC236}">
+                <a16:creationId xmlns:a16="http://schemas.microsoft.com/office/drawing/2014/main" id="{4E3DF38D-9307-88DD-13F9-D002B6FB0EC7}"/>
+              </a:ext>
+            </a:extLst>
+          </p:cNvPr>
+          <p:cNvSpPr>
+            <a:spLocks noGrp="1"/>
+          </p:cNvSpPr>
+          <p:nvPr>
+            <p:ph type="title"/>
+          </p:nvPr>
+        </p:nvSpPr>
+        <p:spPr/>
+        <p:txBody>
+          <a:bodyPr/>
+          <a:lstStyle/>
+          <a:p>
+            <a:r>
+              <a:rPr lang="en-US" dirty="0"/>
+              <a:t>What and Why?</a:t>
+            </a:r>
+          </a:p>
+        </p:txBody>
+      </p:sp>
+      <p:sp>
+        <p:nvSpPr>
+          <p:cNvPr id="3" name="Content Placeholder 2">
+            <a:extLst>
+              <a:ext uri="{FF2B5EF4-FFF2-40B4-BE49-F238E27FC236}">
+                <a16:creationId xmlns:a16="http://schemas.microsoft.com/office/drawing/2014/main" id="{83DE229A-C5E2-F979-2E54-7A41E5ADDB7D}"/>
+              </a:ext>
+            </a:extLst>
+          </p:cNvPr>
+          <p:cNvSpPr>
+            <a:spLocks noGrp="1"/>
+          </p:cNvSpPr>
+          <p:nvPr>
+            <p:ph idx="1"/>
+          </p:nvPr>
+        </p:nvSpPr>
+        <p:spPr/>
+        <p:txBody>
+          <a:bodyPr/>
+          <a:lstStyle/>
+          <a:p>
+            <a:r>
+              <a:rPr lang="en-US" dirty="0"/>
+              <a:t>Server logic is complex!</a:t>
+            </a:r>
+          </a:p>
+          <a:p>
+            <a:r>
+              <a:rPr lang="en-US" dirty="0"/>
+              <a:t>You want to focus on your Business Logic, not on the nitty-gritty Details!</a:t>
+            </a:r>
+          </a:p>
+          <a:p>
+            <a:r>
+              <a:rPr lang="en-US" dirty="0"/>
+              <a:t>Use a Framework for the Heavy Lifting!</a:t>
+            </a:r>
+          </a:p>
+          <a:p>
+            <a:endParaRPr lang="en-US" dirty="0"/>
+          </a:p>
+          <a:p>
+            <a:endParaRPr lang="en-US" dirty="0"/>
+          </a:p>
+          <a:p>
+            <a:pPr marL="0" indent="0">
+              <a:buNone/>
+            </a:pPr>
+            <a:r>
+              <a:rPr lang="en-US" dirty="0"/>
+              <a:t>Framework: Helper functions, tools &amp; rules that help you build your application!</a:t>
+            </a:r>
+          </a:p>
+        </p:txBody>
+      </p:sp>
+    </p:spTree>
+    <p:extLst>
+      <p:ext uri="{BB962C8B-B14F-4D97-AF65-F5344CB8AC3E}">
+        <p14:creationId xmlns:p14="http://schemas.microsoft.com/office/powerpoint/2010/main" val="2410907052"/>
+      </p:ext>
+    </p:extLst>
+  </p:cSld>
+  <p:clrMapOvr>
+    <a:masterClrMapping/>
+  </p:clrMapOvr>
+</p:sld>
+</file>
+
+<file path=ppt/slides/slide41.xml><?xml version="1.0" encoding="utf-8"?>
+<p:sld xmlns:a="http://schemas.openxmlformats.org/drawingml/2006/main" xmlns:r="http://schemas.openxmlformats.org/officeDocument/2006/relationships" xmlns:p="http://schemas.openxmlformats.org/presentationml/2006/main">
+  <p:cSld>
+    <p:spTree>
+      <p:nvGrpSpPr>
+        <p:cNvPr id="1" name=""/>
+        <p:cNvGrpSpPr/>
+        <p:nvPr/>
+      </p:nvGrpSpPr>
+      <p:grpSpPr>
+        <a:xfrm>
+          <a:off x="0" y="0"/>
+          <a:ext cx="0" cy="0"/>
+          <a:chOff x="0" y="0"/>
+          <a:chExt cx="0" cy="0"/>
+        </a:xfrm>
+      </p:grpSpPr>
+      <p:sp>
+        <p:nvSpPr>
+          <p:cNvPr id="2" name="Title 1">
+            <a:extLst>
+              <a:ext uri="{FF2B5EF4-FFF2-40B4-BE49-F238E27FC236}">
+                <a16:creationId xmlns:a16="http://schemas.microsoft.com/office/drawing/2014/main" id="{0B7F2901-4C04-6453-EDF8-AB3562D3F4C6}"/>
+              </a:ext>
+            </a:extLst>
+          </p:cNvPr>
+          <p:cNvSpPr>
+            <a:spLocks noGrp="1"/>
+          </p:cNvSpPr>
+          <p:nvPr>
+            <p:ph type="title"/>
+          </p:nvPr>
+        </p:nvSpPr>
+        <p:spPr/>
+        <p:txBody>
+          <a:bodyPr/>
+          <a:lstStyle/>
+          <a:p>
+            <a:r>
+              <a:rPr lang="en-US" dirty="0"/>
+              <a:t>Alternative</a:t>
+            </a:r>
+          </a:p>
+        </p:txBody>
+      </p:sp>
+      <p:sp>
+        <p:nvSpPr>
+          <p:cNvPr id="3" name="Content Placeholder 2">
+            <a:extLst>
+              <a:ext uri="{FF2B5EF4-FFF2-40B4-BE49-F238E27FC236}">
+                <a16:creationId xmlns:a16="http://schemas.microsoft.com/office/drawing/2014/main" id="{9C9002C4-B96F-548C-E506-C6AD78B95F4E}"/>
+              </a:ext>
+            </a:extLst>
+          </p:cNvPr>
+          <p:cNvSpPr>
+            <a:spLocks noGrp="1"/>
+          </p:cNvSpPr>
+          <p:nvPr>
+            <p:ph idx="1"/>
+          </p:nvPr>
+        </p:nvSpPr>
+        <p:spPr/>
+        <p:txBody>
+          <a:bodyPr/>
+          <a:lstStyle/>
+          <a:p>
+            <a:r>
+              <a:rPr lang="en-US" dirty="0"/>
+              <a:t>Vanilla Node.js</a:t>
+            </a:r>
+          </a:p>
+          <a:p>
+            <a:r>
+              <a:rPr lang="en-US" dirty="0" err="1"/>
+              <a:t>Adonis.js</a:t>
+            </a:r>
+            <a:endParaRPr lang="en-US" dirty="0"/>
+          </a:p>
+          <a:p>
+            <a:r>
+              <a:rPr lang="en-US" dirty="0"/>
+              <a:t>Koa</a:t>
+            </a:r>
+          </a:p>
+          <a:p>
+            <a:r>
+              <a:rPr lang="en-US" dirty="0" err="1"/>
+              <a:t>Sails.js</a:t>
+            </a:r>
+            <a:endParaRPr lang="en-US" dirty="0"/>
+          </a:p>
+          <a:p>
+            <a:r>
+              <a:rPr lang="en-US" dirty="0"/>
+              <a:t>…</a:t>
+            </a:r>
+          </a:p>
+        </p:txBody>
+      </p:sp>
+    </p:spTree>
+    <p:extLst>
+      <p:ext uri="{BB962C8B-B14F-4D97-AF65-F5344CB8AC3E}">
+        <p14:creationId xmlns:p14="http://schemas.microsoft.com/office/powerpoint/2010/main" val="25691039"/>
+      </p:ext>
+    </p:extLst>
+  </p:cSld>
+  <p:clrMapOvr>
+    <a:masterClrMapping/>
+  </p:clrMapOvr>
+</p:sld>
+</file>
+
+<file path=ppt/slides/slide42.xml><?xml version="1.0" encoding="utf-8"?>
+<p:sld xmlns:a="http://schemas.openxmlformats.org/drawingml/2006/main" xmlns:r="http://schemas.openxmlformats.org/officeDocument/2006/relationships" xmlns:p="http://schemas.openxmlformats.org/presentationml/2006/main">
+  <p:cSld>
+    <p:spTree>
+      <p:nvGrpSpPr>
+        <p:cNvPr id="1" name=""/>
+        <p:cNvGrpSpPr/>
+        <p:nvPr/>
+      </p:nvGrpSpPr>
+      <p:grpSpPr>
+        <a:xfrm>
+          <a:off x="0" y="0"/>
+          <a:ext cx="0" cy="0"/>
+          <a:chOff x="0" y="0"/>
+          <a:chExt cx="0" cy="0"/>
+        </a:xfrm>
+      </p:grpSpPr>
+      <p:sp>
+        <p:nvSpPr>
+          <p:cNvPr id="2" name="Title 1">
+            <a:extLst>
+              <a:ext uri="{FF2B5EF4-FFF2-40B4-BE49-F238E27FC236}">
+                <a16:creationId xmlns:a16="http://schemas.microsoft.com/office/drawing/2014/main" id="{BC919226-2023-71D1-4C2F-5E182B34592B}"/>
+              </a:ext>
+            </a:extLst>
+          </p:cNvPr>
+          <p:cNvSpPr>
+            <a:spLocks noGrp="1"/>
+          </p:cNvSpPr>
+          <p:nvPr>
+            <p:ph type="title"/>
+          </p:nvPr>
+        </p:nvSpPr>
+        <p:spPr/>
+        <p:txBody>
+          <a:bodyPr/>
+          <a:lstStyle/>
+          <a:p>
+            <a:r>
+              <a:rPr lang="en-US" dirty="0"/>
+              <a:t>It’s all about Middleware</a:t>
+            </a:r>
+          </a:p>
+        </p:txBody>
+      </p:sp>
+      <p:sp>
+        <p:nvSpPr>
+          <p:cNvPr id="4" name="Rectangle 3">
+            <a:extLst>
+              <a:ext uri="{FF2B5EF4-FFF2-40B4-BE49-F238E27FC236}">
+                <a16:creationId xmlns:a16="http://schemas.microsoft.com/office/drawing/2014/main" id="{EA6745A6-5565-9796-7EAA-E187314DCB3C}"/>
+              </a:ext>
+            </a:extLst>
+          </p:cNvPr>
+          <p:cNvSpPr/>
+          <p:nvPr/>
+        </p:nvSpPr>
+        <p:spPr>
+          <a:xfrm>
+            <a:off x="4346712" y="1457739"/>
+            <a:ext cx="2809461" cy="450574"/>
+          </a:xfrm>
+          <a:prstGeom prst="rect">
+            <a:avLst/>
+          </a:prstGeom>
+        </p:spPr>
+        <p:style>
+          <a:lnRef idx="2">
+            <a:schemeClr val="accent1">
+              <a:shade val="15000"/>
+            </a:schemeClr>
+          </a:lnRef>
+          <a:fillRef idx="1">
+            <a:schemeClr val="accent1"/>
+          </a:fillRef>
+          <a:effectRef idx="0">
+            <a:schemeClr val="accent1"/>
+          </a:effectRef>
+          <a:fontRef idx="minor">
+            <a:schemeClr val="lt1"/>
+          </a:fontRef>
+        </p:style>
+        <p:txBody>
+          <a:bodyPr rtlCol="0" anchor="ctr"/>
+          <a:lstStyle/>
+          <a:p>
+            <a:pPr algn="ctr"/>
+            <a:r>
+              <a:rPr lang="en-US" dirty="0"/>
+              <a:t>Request</a:t>
+            </a:r>
+          </a:p>
+        </p:txBody>
+      </p:sp>
+      <p:sp>
+        <p:nvSpPr>
+          <p:cNvPr id="5" name="Rectangle 4">
+            <a:extLst>
+              <a:ext uri="{FF2B5EF4-FFF2-40B4-BE49-F238E27FC236}">
+                <a16:creationId xmlns:a16="http://schemas.microsoft.com/office/drawing/2014/main" id="{24CF3AE4-73DF-A02D-0D59-AD5CA533194D}"/>
+              </a:ext>
+            </a:extLst>
+          </p:cNvPr>
+          <p:cNvSpPr/>
+          <p:nvPr/>
+        </p:nvSpPr>
+        <p:spPr>
+          <a:xfrm>
+            <a:off x="4346710" y="2558015"/>
+            <a:ext cx="2809461" cy="450574"/>
+          </a:xfrm>
+          <a:prstGeom prst="rect">
+            <a:avLst/>
+          </a:prstGeom>
+        </p:spPr>
+        <p:style>
+          <a:lnRef idx="2">
+            <a:schemeClr val="accent1">
+              <a:shade val="15000"/>
+            </a:schemeClr>
+          </a:lnRef>
+          <a:fillRef idx="1">
+            <a:schemeClr val="accent1"/>
+          </a:fillRef>
+          <a:effectRef idx="0">
+            <a:schemeClr val="accent1"/>
+          </a:effectRef>
+          <a:fontRef idx="minor">
+            <a:schemeClr val="lt1"/>
+          </a:fontRef>
+        </p:style>
+        <p:txBody>
+          <a:bodyPr rtlCol="0" anchor="ctr"/>
+          <a:lstStyle/>
+          <a:p>
+            <a:pPr algn="ctr"/>
+            <a:r>
+              <a:rPr lang="en-US" dirty="0"/>
+              <a:t>Middleware</a:t>
+            </a:r>
+          </a:p>
+        </p:txBody>
+      </p:sp>
+      <p:sp>
+        <p:nvSpPr>
+          <p:cNvPr id="6" name="Rectangle 5">
+            <a:extLst>
+              <a:ext uri="{FF2B5EF4-FFF2-40B4-BE49-F238E27FC236}">
+                <a16:creationId xmlns:a16="http://schemas.microsoft.com/office/drawing/2014/main" id="{380F6BFA-DF7E-4728-0DC3-0ACF7B49751F}"/>
+              </a:ext>
+            </a:extLst>
+          </p:cNvPr>
+          <p:cNvSpPr/>
+          <p:nvPr/>
+        </p:nvSpPr>
+        <p:spPr>
+          <a:xfrm>
+            <a:off x="4346710" y="3618189"/>
+            <a:ext cx="2809461" cy="450574"/>
+          </a:xfrm>
+          <a:prstGeom prst="rect">
+            <a:avLst/>
+          </a:prstGeom>
+        </p:spPr>
+        <p:style>
+          <a:lnRef idx="2">
+            <a:schemeClr val="accent1">
+              <a:shade val="15000"/>
+            </a:schemeClr>
+          </a:lnRef>
+          <a:fillRef idx="1">
+            <a:schemeClr val="accent1"/>
+          </a:fillRef>
+          <a:effectRef idx="0">
+            <a:schemeClr val="accent1"/>
+          </a:effectRef>
+          <a:fontRef idx="minor">
+            <a:schemeClr val="lt1"/>
+          </a:fontRef>
+        </p:style>
+        <p:txBody>
+          <a:bodyPr rtlCol="0" anchor="ctr"/>
+          <a:lstStyle/>
+          <a:p>
+            <a:pPr algn="ctr"/>
+            <a:r>
+              <a:rPr lang="en-US" dirty="0"/>
+              <a:t>Middleware</a:t>
+            </a:r>
+          </a:p>
+        </p:txBody>
+      </p:sp>
+      <p:sp>
+        <p:nvSpPr>
+          <p:cNvPr id="7" name="Rectangle 6">
+            <a:extLst>
+              <a:ext uri="{FF2B5EF4-FFF2-40B4-BE49-F238E27FC236}">
+                <a16:creationId xmlns:a16="http://schemas.microsoft.com/office/drawing/2014/main" id="{22C3487B-EE59-8BA3-CF3D-71ECDE6068AD}"/>
+              </a:ext>
+            </a:extLst>
+          </p:cNvPr>
+          <p:cNvSpPr/>
+          <p:nvPr/>
+        </p:nvSpPr>
+        <p:spPr>
+          <a:xfrm>
+            <a:off x="4346711" y="4810885"/>
+            <a:ext cx="2809461" cy="450574"/>
+          </a:xfrm>
+          <a:prstGeom prst="rect">
+            <a:avLst/>
+          </a:prstGeom>
+        </p:spPr>
+        <p:style>
+          <a:lnRef idx="2">
+            <a:schemeClr val="accent1">
+              <a:shade val="15000"/>
+            </a:schemeClr>
+          </a:lnRef>
+          <a:fillRef idx="1">
+            <a:schemeClr val="accent1"/>
+          </a:fillRef>
+          <a:effectRef idx="0">
+            <a:schemeClr val="accent1"/>
+          </a:effectRef>
+          <a:fontRef idx="minor">
+            <a:schemeClr val="lt1"/>
+          </a:fontRef>
+        </p:style>
+        <p:txBody>
+          <a:bodyPr rtlCol="0" anchor="ctr"/>
+          <a:lstStyle/>
+          <a:p>
+            <a:pPr algn="ctr"/>
+            <a:r>
+              <a:rPr lang="en-US" dirty="0"/>
+              <a:t>Response</a:t>
+            </a:r>
+          </a:p>
+        </p:txBody>
+      </p:sp>
+      <p:sp>
+        <p:nvSpPr>
+          <p:cNvPr id="8" name="Down Arrow 7">
+            <a:extLst>
+              <a:ext uri="{FF2B5EF4-FFF2-40B4-BE49-F238E27FC236}">
+                <a16:creationId xmlns:a16="http://schemas.microsoft.com/office/drawing/2014/main" id="{19B105AF-864F-496A-C790-EF1F0AB43C1E}"/>
+              </a:ext>
+            </a:extLst>
+          </p:cNvPr>
+          <p:cNvSpPr/>
+          <p:nvPr/>
+        </p:nvSpPr>
+        <p:spPr>
+          <a:xfrm>
+            <a:off x="5499652" y="2054087"/>
+            <a:ext cx="251788" cy="375064"/>
+          </a:xfrm>
+          <a:prstGeom prst="downArrow">
+            <a:avLst/>
+          </a:prstGeom>
+        </p:spPr>
+        <p:style>
+          <a:lnRef idx="2">
+            <a:schemeClr val="accent1">
+              <a:shade val="15000"/>
+            </a:schemeClr>
+          </a:lnRef>
+          <a:fillRef idx="1">
+            <a:schemeClr val="accent1"/>
+          </a:fillRef>
+          <a:effectRef idx="0">
+            <a:schemeClr val="accent1"/>
+          </a:effectRef>
+          <a:fontRef idx="minor">
+            <a:schemeClr val="lt1"/>
+          </a:fontRef>
+        </p:style>
+        <p:txBody>
+          <a:bodyPr rtlCol="0" anchor="ctr"/>
+          <a:lstStyle/>
+          <a:p>
+            <a:pPr algn="ctr"/>
+            <a:endParaRPr lang="en-US"/>
+          </a:p>
+        </p:txBody>
+      </p:sp>
+      <p:sp>
+        <p:nvSpPr>
+          <p:cNvPr id="9" name="Down Arrow 8">
+            <a:extLst>
+              <a:ext uri="{FF2B5EF4-FFF2-40B4-BE49-F238E27FC236}">
+                <a16:creationId xmlns:a16="http://schemas.microsoft.com/office/drawing/2014/main" id="{4C0B6FAB-64F8-D7A7-71E8-598CCAEFD8C6}"/>
+              </a:ext>
+            </a:extLst>
+          </p:cNvPr>
+          <p:cNvSpPr/>
+          <p:nvPr/>
+        </p:nvSpPr>
+        <p:spPr>
+          <a:xfrm>
+            <a:off x="5499652" y="3067258"/>
+            <a:ext cx="251788" cy="375064"/>
+          </a:xfrm>
+          <a:prstGeom prst="downArrow">
+            <a:avLst/>
+          </a:prstGeom>
+        </p:spPr>
+        <p:style>
+          <a:lnRef idx="2">
+            <a:schemeClr val="accent1">
+              <a:shade val="15000"/>
+            </a:schemeClr>
+          </a:lnRef>
+          <a:fillRef idx="1">
+            <a:schemeClr val="accent1"/>
+          </a:fillRef>
+          <a:effectRef idx="0">
+            <a:schemeClr val="accent1"/>
+          </a:effectRef>
+          <a:fontRef idx="minor">
+            <a:schemeClr val="lt1"/>
+          </a:fontRef>
+        </p:style>
+        <p:txBody>
+          <a:bodyPr rtlCol="0" anchor="ctr"/>
+          <a:lstStyle/>
+          <a:p>
+            <a:pPr algn="ctr"/>
+            <a:endParaRPr lang="en-US"/>
+          </a:p>
+        </p:txBody>
+      </p:sp>
+      <p:sp>
+        <p:nvSpPr>
+          <p:cNvPr id="10" name="Down Arrow 9">
+            <a:extLst>
+              <a:ext uri="{FF2B5EF4-FFF2-40B4-BE49-F238E27FC236}">
+                <a16:creationId xmlns:a16="http://schemas.microsoft.com/office/drawing/2014/main" id="{34692787-2B1F-87B9-2EF3-DFA33935C80A}"/>
+              </a:ext>
+            </a:extLst>
+          </p:cNvPr>
+          <p:cNvSpPr/>
+          <p:nvPr/>
+        </p:nvSpPr>
+        <p:spPr>
+          <a:xfrm>
+            <a:off x="5499652" y="4211224"/>
+            <a:ext cx="251788" cy="375064"/>
+          </a:xfrm>
+          <a:prstGeom prst="downArrow">
+            <a:avLst/>
+          </a:prstGeom>
+        </p:spPr>
+        <p:style>
+          <a:lnRef idx="2">
+            <a:schemeClr val="accent1">
+              <a:shade val="15000"/>
+            </a:schemeClr>
+          </a:lnRef>
+          <a:fillRef idx="1">
+            <a:schemeClr val="accent1"/>
+          </a:fillRef>
+          <a:effectRef idx="0">
+            <a:schemeClr val="accent1"/>
+          </a:effectRef>
+          <a:fontRef idx="minor">
+            <a:schemeClr val="lt1"/>
+          </a:fontRef>
+        </p:style>
+        <p:txBody>
+          <a:bodyPr rtlCol="0" anchor="ctr"/>
+          <a:lstStyle/>
+          <a:p>
+            <a:pPr algn="ctr"/>
+            <a:endParaRPr lang="en-US"/>
+          </a:p>
+        </p:txBody>
+      </p:sp>
+      <p:sp>
+        <p:nvSpPr>
+          <p:cNvPr id="11" name="Down Arrow 10">
+            <a:extLst>
+              <a:ext uri="{FF2B5EF4-FFF2-40B4-BE49-F238E27FC236}">
+                <a16:creationId xmlns:a16="http://schemas.microsoft.com/office/drawing/2014/main" id="{FD8B86B6-2DA9-BE7B-6176-347AADDA17B7}"/>
+              </a:ext>
+            </a:extLst>
+          </p:cNvPr>
+          <p:cNvSpPr/>
+          <p:nvPr/>
+        </p:nvSpPr>
+        <p:spPr>
+          <a:xfrm>
+            <a:off x="5506276" y="5428078"/>
+            <a:ext cx="251788" cy="375064"/>
+          </a:xfrm>
+          <a:prstGeom prst="downArrow">
+            <a:avLst/>
+          </a:prstGeom>
+        </p:spPr>
+        <p:style>
+          <a:lnRef idx="2">
+            <a:schemeClr val="accent1">
+              <a:shade val="15000"/>
+            </a:schemeClr>
+          </a:lnRef>
+          <a:fillRef idx="1">
+            <a:schemeClr val="accent1"/>
+          </a:fillRef>
+          <a:effectRef idx="0">
+            <a:schemeClr val="accent1"/>
+          </a:effectRef>
+          <a:fontRef idx="minor">
+            <a:schemeClr val="lt1"/>
+          </a:fontRef>
+        </p:style>
+        <p:txBody>
+          <a:bodyPr rtlCol="0" anchor="ctr"/>
+          <a:lstStyle/>
+          <a:p>
+            <a:pPr algn="ctr"/>
+            <a:endParaRPr lang="en-US"/>
+          </a:p>
+        </p:txBody>
+      </p:sp>
+      <p:sp>
+        <p:nvSpPr>
+          <p:cNvPr id="12" name="Rectangle 11">
+            <a:extLst>
+              <a:ext uri="{FF2B5EF4-FFF2-40B4-BE49-F238E27FC236}">
+                <a16:creationId xmlns:a16="http://schemas.microsoft.com/office/drawing/2014/main" id="{F885D948-AE04-A9C1-44EF-182F3B426447}"/>
+              </a:ext>
+            </a:extLst>
+          </p:cNvPr>
+          <p:cNvSpPr/>
+          <p:nvPr/>
+        </p:nvSpPr>
+        <p:spPr>
+          <a:xfrm>
+            <a:off x="7818783" y="2558015"/>
+            <a:ext cx="3339547" cy="450574"/>
+          </a:xfrm>
+          <a:prstGeom prst="rect">
+            <a:avLst/>
+          </a:prstGeom>
+        </p:spPr>
+        <p:style>
+          <a:lnRef idx="2">
+            <a:schemeClr val="accent1">
+              <a:shade val="15000"/>
+            </a:schemeClr>
+          </a:lnRef>
+          <a:fillRef idx="1">
+            <a:schemeClr val="accent1"/>
+          </a:fillRef>
+          <a:effectRef idx="0">
+            <a:schemeClr val="accent1"/>
+          </a:effectRef>
+          <a:fontRef idx="minor">
+            <a:schemeClr val="lt1"/>
+          </a:fontRef>
+        </p:style>
+        <p:txBody>
+          <a:bodyPr rtlCol="0" anchor="ctr"/>
+          <a:lstStyle/>
+          <a:p>
+            <a:pPr algn="ctr"/>
+            <a:r>
+              <a:rPr lang="en-US" dirty="0"/>
+              <a:t>(req, res, next) =&gt; { … }</a:t>
+            </a:r>
+          </a:p>
+        </p:txBody>
+      </p:sp>
+      <p:sp>
+        <p:nvSpPr>
+          <p:cNvPr id="13" name="Rectangle 12">
+            <a:extLst>
+              <a:ext uri="{FF2B5EF4-FFF2-40B4-BE49-F238E27FC236}">
+                <a16:creationId xmlns:a16="http://schemas.microsoft.com/office/drawing/2014/main" id="{922ED00E-6810-7CF5-178F-7401575DB49B}"/>
+              </a:ext>
+            </a:extLst>
+          </p:cNvPr>
+          <p:cNvSpPr/>
+          <p:nvPr/>
+        </p:nvSpPr>
+        <p:spPr>
+          <a:xfrm>
+            <a:off x="7818783" y="3618189"/>
+            <a:ext cx="3339547" cy="450574"/>
+          </a:xfrm>
+          <a:prstGeom prst="rect">
+            <a:avLst/>
+          </a:prstGeom>
+        </p:spPr>
+        <p:style>
+          <a:lnRef idx="2">
+            <a:schemeClr val="accent1">
+              <a:shade val="15000"/>
+            </a:schemeClr>
+          </a:lnRef>
+          <a:fillRef idx="1">
+            <a:schemeClr val="accent1"/>
+          </a:fillRef>
+          <a:effectRef idx="0">
+            <a:schemeClr val="accent1"/>
+          </a:effectRef>
+          <a:fontRef idx="minor">
+            <a:schemeClr val="lt1"/>
+          </a:fontRef>
+        </p:style>
+        <p:txBody>
+          <a:bodyPr rtlCol="0" anchor="ctr"/>
+          <a:lstStyle/>
+          <a:p>
+            <a:pPr algn="ctr"/>
+            <a:r>
+              <a:rPr lang="en-US" dirty="0"/>
+              <a:t>(req, res, next) =&gt; { … }</a:t>
+            </a:r>
+          </a:p>
+        </p:txBody>
+      </p:sp>
+      <p:sp>
+        <p:nvSpPr>
+          <p:cNvPr id="14" name="TextBox 13">
+            <a:extLst>
+              <a:ext uri="{FF2B5EF4-FFF2-40B4-BE49-F238E27FC236}">
+                <a16:creationId xmlns:a16="http://schemas.microsoft.com/office/drawing/2014/main" id="{9541986F-0069-4931-8F14-61B414CB6E51}"/>
+              </a:ext>
+            </a:extLst>
+          </p:cNvPr>
+          <p:cNvSpPr txBox="1"/>
+          <p:nvPr/>
+        </p:nvSpPr>
+        <p:spPr>
+          <a:xfrm>
+            <a:off x="6069435" y="3123652"/>
+            <a:ext cx="742254" cy="369332"/>
+          </a:xfrm>
+          <a:prstGeom prst="rect">
+            <a:avLst/>
+          </a:prstGeom>
+          <a:noFill/>
+        </p:spPr>
+        <p:txBody>
+          <a:bodyPr wrap="none" rtlCol="0">
+            <a:spAutoFit/>
+          </a:bodyPr>
+          <a:lstStyle/>
+          <a:p>
+            <a:r>
+              <a:rPr lang="en-US" dirty="0"/>
+              <a:t>next()</a:t>
+            </a:r>
+          </a:p>
+        </p:txBody>
+      </p:sp>
+      <p:sp>
+        <p:nvSpPr>
+          <p:cNvPr id="15" name="TextBox 14">
+            <a:extLst>
+              <a:ext uri="{FF2B5EF4-FFF2-40B4-BE49-F238E27FC236}">
+                <a16:creationId xmlns:a16="http://schemas.microsoft.com/office/drawing/2014/main" id="{A4340AEE-5131-9228-0FCA-9216BA455DB8}"/>
+              </a:ext>
+            </a:extLst>
+          </p:cNvPr>
+          <p:cNvSpPr txBox="1"/>
+          <p:nvPr/>
+        </p:nvSpPr>
+        <p:spPr>
+          <a:xfrm>
+            <a:off x="6096000" y="4211224"/>
+            <a:ext cx="1177117" cy="369332"/>
+          </a:xfrm>
+          <a:prstGeom prst="rect">
+            <a:avLst/>
+          </a:prstGeom>
+          <a:noFill/>
+        </p:spPr>
+        <p:txBody>
+          <a:bodyPr wrap="none" rtlCol="0">
+            <a:spAutoFit/>
+          </a:bodyPr>
+          <a:lstStyle/>
+          <a:p>
+            <a:r>
+              <a:rPr lang="en-US" dirty="0" err="1"/>
+              <a:t>res.send</a:t>
+            </a:r>
+            <a:r>
+              <a:rPr lang="en-US" dirty="0"/>
+              <a:t>()</a:t>
+            </a:r>
+          </a:p>
+        </p:txBody>
+      </p:sp>
+    </p:spTree>
+    <p:extLst>
+      <p:ext uri="{BB962C8B-B14F-4D97-AF65-F5344CB8AC3E}">
+        <p14:creationId xmlns:p14="http://schemas.microsoft.com/office/powerpoint/2010/main" val="630631127"/>
+      </p:ext>
+    </p:extLst>
+  </p:cSld>
+  <p:clrMapOvr>
+    <a:masterClrMapping/>
+  </p:clrMapOvr>
+</p:sld>
+</file>
+
+<file path=ppt/slides/slide43.xml><?xml version="1.0" encoding="utf-8"?>
+<p:sld xmlns:a="http://schemas.openxmlformats.org/drawingml/2006/main" xmlns:r="http://schemas.openxmlformats.org/officeDocument/2006/relationships" xmlns:p="http://schemas.openxmlformats.org/presentationml/2006/main">
+  <p:cSld>
+    <p:spTree>
+      <p:nvGrpSpPr>
+        <p:cNvPr id="1" name=""/>
+        <p:cNvGrpSpPr/>
+        <p:nvPr/>
+      </p:nvGrpSpPr>
+      <p:grpSpPr>
+        <a:xfrm>
+          <a:off x="0" y="0"/>
+          <a:ext cx="0" cy="0"/>
+          <a:chOff x="0" y="0"/>
+          <a:chExt cx="0" cy="0"/>
+        </a:xfrm>
+      </p:grpSpPr>
+      <p:sp>
+        <p:nvSpPr>
+          <p:cNvPr id="2" name="Title 1">
+            <a:extLst>
+              <a:ext uri="{FF2B5EF4-FFF2-40B4-BE49-F238E27FC236}">
+                <a16:creationId xmlns:a16="http://schemas.microsoft.com/office/drawing/2014/main" id="{DC0A7E51-170A-5997-9FAC-4F9A90C24E0C}"/>
+              </a:ext>
+            </a:extLst>
+          </p:cNvPr>
+          <p:cNvSpPr>
+            <a:spLocks noGrp="1"/>
+          </p:cNvSpPr>
+          <p:nvPr>
+            <p:ph type="title"/>
+          </p:nvPr>
+        </p:nvSpPr>
+        <p:spPr/>
+        <p:txBody>
+          <a:bodyPr/>
+          <a:lstStyle/>
+          <a:p>
+            <a:r>
+              <a:rPr lang="en-US" dirty="0"/>
+              <a:t>Express</a:t>
+            </a:r>
+          </a:p>
+        </p:txBody>
+      </p:sp>
+      <p:sp>
+        <p:nvSpPr>
+          <p:cNvPr id="3" name="Content Placeholder 2">
+            <a:extLst>
+              <a:ext uri="{FF2B5EF4-FFF2-40B4-BE49-F238E27FC236}">
+                <a16:creationId xmlns:a16="http://schemas.microsoft.com/office/drawing/2014/main" id="{4D2F520A-C33D-C03F-F921-29C97BA28A2A}"/>
+              </a:ext>
+            </a:extLst>
+          </p:cNvPr>
+          <p:cNvSpPr>
+            <a:spLocks noGrp="1"/>
+          </p:cNvSpPr>
+          <p:nvPr>
+            <p:ph idx="1"/>
+          </p:nvPr>
+        </p:nvSpPr>
+        <p:spPr/>
+        <p:txBody>
+          <a:bodyPr>
+            <a:normAutofit lnSpcReduction="10000"/>
+          </a:bodyPr>
+          <a:lstStyle/>
+          <a:p>
+            <a:r>
+              <a:rPr lang="en-US" dirty="0"/>
+              <a:t>Installing express</a:t>
+            </a:r>
+          </a:p>
+          <a:p>
+            <a:r>
+              <a:rPr lang="en-US" dirty="0"/>
+              <a:t>Adding middleware</a:t>
+            </a:r>
+          </a:p>
+          <a:p>
+            <a:r>
+              <a:rPr lang="en-US" dirty="0"/>
+              <a:t>How middleware works</a:t>
+            </a:r>
+          </a:p>
+          <a:p>
+            <a:r>
+              <a:rPr lang="en-US" dirty="0"/>
+              <a:t>Looking behind the scenes</a:t>
+            </a:r>
+          </a:p>
+          <a:p>
+            <a:r>
+              <a:rPr lang="en-US" dirty="0"/>
+              <a:t>Handling different routes</a:t>
+            </a:r>
+          </a:p>
+          <a:p>
+            <a:r>
+              <a:rPr lang="en-US" dirty="0"/>
+              <a:t>Parsing incoming requests</a:t>
+            </a:r>
+          </a:p>
+          <a:p>
+            <a:r>
+              <a:rPr lang="en-US" dirty="0"/>
+              <a:t>Limiting Middleware Execution to POST Requests</a:t>
+            </a:r>
+          </a:p>
+          <a:p>
+            <a:r>
+              <a:rPr lang="en-US" dirty="0"/>
+              <a:t>Using Express Router</a:t>
+            </a:r>
+          </a:p>
+          <a:p>
+            <a:r>
+              <a:rPr lang="en-US"/>
+              <a:t>Adding a 404 error page</a:t>
+            </a:r>
+            <a:endParaRPr lang="en-US" dirty="0"/>
+          </a:p>
+        </p:txBody>
+      </p:sp>
+    </p:spTree>
+    <p:extLst>
+      <p:ext uri="{BB962C8B-B14F-4D97-AF65-F5344CB8AC3E}">
+        <p14:creationId xmlns:p14="http://schemas.microsoft.com/office/powerpoint/2010/main" val="3011735334"/>
+      </p:ext>
+    </p:extLst>
+  </p:cSld>
+  <p:clrMapOvr>
+    <a:masterClrMapping/>
+  </p:clrMapOvr>
+</p:sld>
+</file>
+
+<file path=ppt/slides/slide44.xml><?xml version="1.0" encoding="utf-8"?>
+<p:sld xmlns:a="http://schemas.openxmlformats.org/drawingml/2006/main" xmlns:r="http://schemas.openxmlformats.org/officeDocument/2006/relationships" xmlns:p="http://schemas.openxmlformats.org/presentationml/2006/main">
+  <p:cSld>
+    <p:spTree>
+      <p:nvGrpSpPr>
+        <p:cNvPr id="1" name=""/>
+        <p:cNvGrpSpPr/>
+        <p:nvPr/>
+      </p:nvGrpSpPr>
+      <p:grpSpPr>
+        <a:xfrm>
+          <a:off x="0" y="0"/>
+          <a:ext cx="0" cy="0"/>
+          <a:chOff x="0" y="0"/>
+          <a:chExt cx="0" cy="0"/>
+        </a:xfrm>
+      </p:grpSpPr>
+      <p:sp>
+        <p:nvSpPr>
+          <p:cNvPr id="2" name="Title 1">
+            <a:extLst>
+              <a:ext uri="{FF2B5EF4-FFF2-40B4-BE49-F238E27FC236}">
+                <a16:creationId xmlns:a16="http://schemas.microsoft.com/office/drawing/2014/main" id="{E26BF3D4-DF2B-F134-5B6A-6BEB9B0CBBC0}"/>
+              </a:ext>
+            </a:extLst>
+          </p:cNvPr>
+          <p:cNvSpPr>
+            <a:spLocks noGrp="1"/>
+          </p:cNvSpPr>
+          <p:nvPr>
+            <p:ph type="title"/>
+          </p:nvPr>
+        </p:nvSpPr>
+        <p:spPr/>
+        <p:txBody>
+          <a:bodyPr/>
+          <a:lstStyle/>
+          <a:p>
+            <a:r>
+              <a:rPr lang="en-US" dirty="0"/>
+              <a:t>Express</a:t>
+            </a:r>
+          </a:p>
+        </p:txBody>
+      </p:sp>
+      <p:sp>
+        <p:nvSpPr>
+          <p:cNvPr id="3" name="Content Placeholder 2">
+            <a:extLst>
+              <a:ext uri="{FF2B5EF4-FFF2-40B4-BE49-F238E27FC236}">
+                <a16:creationId xmlns:a16="http://schemas.microsoft.com/office/drawing/2014/main" id="{95B871F9-6B49-C49D-B0F2-5C6BC0542ADB}"/>
+              </a:ext>
+            </a:extLst>
+          </p:cNvPr>
+          <p:cNvSpPr>
+            <a:spLocks noGrp="1"/>
+          </p:cNvSpPr>
+          <p:nvPr>
+            <p:ph idx="1"/>
+          </p:nvPr>
+        </p:nvSpPr>
+        <p:spPr/>
+        <p:txBody>
+          <a:bodyPr/>
+          <a:lstStyle/>
+          <a:p>
+            <a:pPr marL="0" indent="0">
+              <a:buNone/>
+            </a:pPr>
+            <a:r>
+              <a:rPr lang="en-US" dirty="0"/>
+              <a:t>First Project Using Express.js</a:t>
+            </a:r>
+          </a:p>
+          <a:p>
+            <a:pPr marL="0" indent="0">
+              <a:buNone/>
+            </a:pPr>
+            <a:r>
+              <a:rPr lang="en-US" dirty="0"/>
+              <a:t>‘npm install express-generator –g’</a:t>
+            </a:r>
+          </a:p>
+          <a:p>
+            <a:pPr marL="0" indent="0">
+              <a:buNone/>
+            </a:pPr>
+            <a:r>
+              <a:rPr lang="en-US" dirty="0"/>
+              <a:t>‘express –-view=</a:t>
+            </a:r>
+            <a:r>
+              <a:rPr lang="en-US" dirty="0" err="1"/>
+              <a:t>hbs</a:t>
+            </a:r>
+            <a:r>
+              <a:rPr lang="en-US" dirty="0"/>
+              <a:t> nodeexp1’</a:t>
+            </a:r>
+          </a:p>
+        </p:txBody>
+      </p:sp>
+    </p:spTree>
+    <p:extLst>
+      <p:ext uri="{BB962C8B-B14F-4D97-AF65-F5344CB8AC3E}">
+        <p14:creationId xmlns:p14="http://schemas.microsoft.com/office/powerpoint/2010/main" val="4237926004"/>
       </p:ext>
     </p:extLst>
   </p:cSld>

--- a/node/Nodejs.pptx
+++ b/node/Nodejs.pptx
@@ -16097,6 +16097,23 @@
             <a:r>
               <a:rPr lang="en-US" dirty="0"/>
               <a:t> nodeexp1’</a:t>
+            </a:r>
+          </a:p>
+          <a:p>
+            <a:pPr marL="0" indent="0">
+              <a:buNone/>
+            </a:pPr>
+            <a:r>
+              <a:rPr lang="en-US" dirty="0"/>
+              <a:t>‘npm </a:t>
+            </a:r>
+            <a:r>
+              <a:rPr lang="en-US" dirty="0" err="1"/>
+              <a:t>i</a:t>
+            </a:r>
+            <a:r>
+              <a:rPr lang="en-US" dirty="0"/>
+              <a:t> '</a:t>
             </a:r>
           </a:p>
         </p:txBody>

--- a/node/Nodejs.pptx
+++ b/node/Nodejs.pptx
@@ -49,6 +49,7 @@
     <p:sldId id="297" r:id="rId43"/>
     <p:sldId id="298" r:id="rId44"/>
     <p:sldId id="299" r:id="rId45"/>
+    <p:sldId id="300" r:id="rId46"/>
   </p:sldIdLst>
   <p:sldSz cx="12192000" cy="6858000"/>
   <p:notesSz cx="6858000" cy="9144000"/>
@@ -332,7 +333,7 @@
           <a:p>
             <a:fld id="{7239F38A-DCDF-6E4C-B9CE-23AD5C77A21C}" type="datetimeFigureOut">
               <a:rPr lang="en-US" smtClean="0"/>
-              <a:t>1/22/25</a:t>
+              <a:t>1/23/25</a:t>
             </a:fld>
             <a:endParaRPr lang="en-US"/>
           </a:p>
@@ -532,7 +533,7 @@
           <a:p>
             <a:fld id="{7239F38A-DCDF-6E4C-B9CE-23AD5C77A21C}" type="datetimeFigureOut">
               <a:rPr lang="en-US" smtClean="0"/>
-              <a:t>1/22/25</a:t>
+              <a:t>1/23/25</a:t>
             </a:fld>
             <a:endParaRPr lang="en-US"/>
           </a:p>
@@ -742,7 +743,7 @@
           <a:p>
             <a:fld id="{7239F38A-DCDF-6E4C-B9CE-23AD5C77A21C}" type="datetimeFigureOut">
               <a:rPr lang="en-US" smtClean="0"/>
-              <a:t>1/22/25</a:t>
+              <a:t>1/23/25</a:t>
             </a:fld>
             <a:endParaRPr lang="en-US"/>
           </a:p>
@@ -942,7 +943,7 @@
           <a:p>
             <a:fld id="{7239F38A-DCDF-6E4C-B9CE-23AD5C77A21C}" type="datetimeFigureOut">
               <a:rPr lang="en-US" smtClean="0"/>
-              <a:t>1/22/25</a:t>
+              <a:t>1/23/25</a:t>
             </a:fld>
             <a:endParaRPr lang="en-US"/>
           </a:p>
@@ -1218,7 +1219,7 @@
           <a:p>
             <a:fld id="{7239F38A-DCDF-6E4C-B9CE-23AD5C77A21C}" type="datetimeFigureOut">
               <a:rPr lang="en-US" smtClean="0"/>
-              <a:t>1/22/25</a:t>
+              <a:t>1/23/25</a:t>
             </a:fld>
             <a:endParaRPr lang="en-US"/>
           </a:p>
@@ -1486,7 +1487,7 @@
           <a:p>
             <a:fld id="{7239F38A-DCDF-6E4C-B9CE-23AD5C77A21C}" type="datetimeFigureOut">
               <a:rPr lang="en-US" smtClean="0"/>
-              <a:t>1/22/25</a:t>
+              <a:t>1/23/25</a:t>
             </a:fld>
             <a:endParaRPr lang="en-US"/>
           </a:p>
@@ -1901,7 +1902,7 @@
           <a:p>
             <a:fld id="{7239F38A-DCDF-6E4C-B9CE-23AD5C77A21C}" type="datetimeFigureOut">
               <a:rPr lang="en-US" smtClean="0"/>
-              <a:t>1/22/25</a:t>
+              <a:t>1/23/25</a:t>
             </a:fld>
             <a:endParaRPr lang="en-US"/>
           </a:p>
@@ -2043,7 +2044,7 @@
           <a:p>
             <a:fld id="{7239F38A-DCDF-6E4C-B9CE-23AD5C77A21C}" type="datetimeFigureOut">
               <a:rPr lang="en-US" smtClean="0"/>
-              <a:t>1/22/25</a:t>
+              <a:t>1/23/25</a:t>
             </a:fld>
             <a:endParaRPr lang="en-US"/>
           </a:p>
@@ -2156,7 +2157,7 @@
           <a:p>
             <a:fld id="{7239F38A-DCDF-6E4C-B9CE-23AD5C77A21C}" type="datetimeFigureOut">
               <a:rPr lang="en-US" smtClean="0"/>
-              <a:t>1/22/25</a:t>
+              <a:t>1/23/25</a:t>
             </a:fld>
             <a:endParaRPr lang="en-US"/>
           </a:p>
@@ -2469,7 +2470,7 @@
           <a:p>
             <a:fld id="{7239F38A-DCDF-6E4C-B9CE-23AD5C77A21C}" type="datetimeFigureOut">
               <a:rPr lang="en-US" smtClean="0"/>
-              <a:t>1/22/25</a:t>
+              <a:t>1/23/25</a:t>
             </a:fld>
             <a:endParaRPr lang="en-US"/>
           </a:p>
@@ -2758,7 +2759,7 @@
           <a:p>
             <a:fld id="{7239F38A-DCDF-6E4C-B9CE-23AD5C77A21C}" type="datetimeFigureOut">
               <a:rPr lang="en-US" smtClean="0"/>
-              <a:t>1/22/25</a:t>
+              <a:t>1/23/25</a:t>
             </a:fld>
             <a:endParaRPr lang="en-US"/>
           </a:p>
@@ -3001,7 +3002,7 @@
           <a:p>
             <a:fld id="{7239F38A-DCDF-6E4C-B9CE-23AD5C77A21C}" type="datetimeFigureOut">
               <a:rPr lang="en-US" smtClean="0"/>
-              <a:t>1/22/25</a:t>
+              <a:t>1/23/25</a:t>
             </a:fld>
             <a:endParaRPr lang="en-US"/>
           </a:p>
@@ -16122,6 +16123,85 @@
     <p:extLst>
       <p:ext uri="{BB962C8B-B14F-4D97-AF65-F5344CB8AC3E}">
         <p14:creationId xmlns:p14="http://schemas.microsoft.com/office/powerpoint/2010/main" val="4237926004"/>
+      </p:ext>
+    </p:extLst>
+  </p:cSld>
+  <p:clrMapOvr>
+    <a:masterClrMapping/>
+  </p:clrMapOvr>
+</p:sld>
+</file>
+
+<file path=ppt/slides/slide45.xml><?xml version="1.0" encoding="utf-8"?>
+<p:sld xmlns:a="http://schemas.openxmlformats.org/drawingml/2006/main" xmlns:r="http://schemas.openxmlformats.org/officeDocument/2006/relationships" xmlns:p="http://schemas.openxmlformats.org/presentationml/2006/main">
+  <p:cSld>
+    <p:spTree>
+      <p:nvGrpSpPr>
+        <p:cNvPr id="1" name=""/>
+        <p:cNvGrpSpPr/>
+        <p:nvPr/>
+      </p:nvGrpSpPr>
+      <p:grpSpPr>
+        <a:xfrm>
+          <a:off x="0" y="0"/>
+          <a:ext cx="0" cy="0"/>
+          <a:chOff x="0" y="0"/>
+          <a:chExt cx="0" cy="0"/>
+        </a:xfrm>
+      </p:grpSpPr>
+      <p:sp>
+        <p:nvSpPr>
+          <p:cNvPr id="3" name="Content Placeholder 2">
+            <a:extLst>
+              <a:ext uri="{FF2B5EF4-FFF2-40B4-BE49-F238E27FC236}">
+                <a16:creationId xmlns:a16="http://schemas.microsoft.com/office/drawing/2014/main" id="{DB51381A-0A74-7A9C-E212-D66D07761CE0}"/>
+              </a:ext>
+            </a:extLst>
+          </p:cNvPr>
+          <p:cNvSpPr>
+            <a:spLocks noGrp="1"/>
+          </p:cNvSpPr>
+          <p:nvPr>
+            <p:ph idx="1"/>
+          </p:nvPr>
+        </p:nvSpPr>
+        <p:spPr>
+          <a:xfrm>
+            <a:off x="838200" y="427702"/>
+            <a:ext cx="10515600" cy="6194323"/>
+          </a:xfrm>
+        </p:spPr>
+        <p:txBody>
+          <a:bodyPr/>
+          <a:lstStyle/>
+          <a:p>
+            <a:r>
+              <a:rPr lang="en-US" dirty="0"/>
+              <a:t>Change template engine in Node </a:t>
+            </a:r>
+            <a:r>
+              <a:rPr lang="en-US" dirty="0" err="1"/>
+              <a:t>js</a:t>
+            </a:r>
+            <a:endParaRPr lang="en-US" dirty="0"/>
+          </a:p>
+          <a:p>
+            <a:r>
+              <a:rPr lang="en-US" dirty="0"/>
+              <a:t>GET &amp; </a:t>
+            </a:r>
+            <a:r>
+              <a:rPr lang="en-US"/>
+              <a:t>POST Requests</a:t>
+            </a:r>
+            <a:endParaRPr lang="en-US" dirty="0"/>
+          </a:p>
+        </p:txBody>
+      </p:sp>
+    </p:spTree>
+    <p:extLst>
+      <p:ext uri="{BB962C8B-B14F-4D97-AF65-F5344CB8AC3E}">
+        <p14:creationId xmlns:p14="http://schemas.microsoft.com/office/powerpoint/2010/main" val="72291716"/>
       </p:ext>
     </p:extLst>
   </p:cSld>

--- a/node/Nodejs.pptx
+++ b/node/Nodejs.pptx
@@ -50,6 +50,8 @@
     <p:sldId id="298" r:id="rId44"/>
     <p:sldId id="299" r:id="rId45"/>
     <p:sldId id="300" r:id="rId46"/>
+    <p:sldId id="301" r:id="rId47"/>
+    <p:sldId id="303" r:id="rId48"/>
   </p:sldIdLst>
   <p:sldSz cx="12192000" cy="6858000"/>
   <p:notesSz cx="6858000" cy="9144000"/>
@@ -333,7 +335,7 @@
           <a:p>
             <a:fld id="{7239F38A-DCDF-6E4C-B9CE-23AD5C77A21C}" type="datetimeFigureOut">
               <a:rPr lang="en-US" smtClean="0"/>
-              <a:t>1/23/25</a:t>
+              <a:t>1/24/25</a:t>
             </a:fld>
             <a:endParaRPr lang="en-US"/>
           </a:p>
@@ -533,7 +535,7 @@
           <a:p>
             <a:fld id="{7239F38A-DCDF-6E4C-B9CE-23AD5C77A21C}" type="datetimeFigureOut">
               <a:rPr lang="en-US" smtClean="0"/>
-              <a:t>1/23/25</a:t>
+              <a:t>1/24/25</a:t>
             </a:fld>
             <a:endParaRPr lang="en-US"/>
           </a:p>
@@ -743,7 +745,7 @@
           <a:p>
             <a:fld id="{7239F38A-DCDF-6E4C-B9CE-23AD5C77A21C}" type="datetimeFigureOut">
               <a:rPr lang="en-US" smtClean="0"/>
-              <a:t>1/23/25</a:t>
+              <a:t>1/24/25</a:t>
             </a:fld>
             <a:endParaRPr lang="en-US"/>
           </a:p>
@@ -943,7 +945,7 @@
           <a:p>
             <a:fld id="{7239F38A-DCDF-6E4C-B9CE-23AD5C77A21C}" type="datetimeFigureOut">
               <a:rPr lang="en-US" smtClean="0"/>
-              <a:t>1/23/25</a:t>
+              <a:t>1/24/25</a:t>
             </a:fld>
             <a:endParaRPr lang="en-US"/>
           </a:p>
@@ -1219,7 +1221,7 @@
           <a:p>
             <a:fld id="{7239F38A-DCDF-6E4C-B9CE-23AD5C77A21C}" type="datetimeFigureOut">
               <a:rPr lang="en-US" smtClean="0"/>
-              <a:t>1/23/25</a:t>
+              <a:t>1/24/25</a:t>
             </a:fld>
             <a:endParaRPr lang="en-US"/>
           </a:p>
@@ -1487,7 +1489,7 @@
           <a:p>
             <a:fld id="{7239F38A-DCDF-6E4C-B9CE-23AD5C77A21C}" type="datetimeFigureOut">
               <a:rPr lang="en-US" smtClean="0"/>
-              <a:t>1/23/25</a:t>
+              <a:t>1/24/25</a:t>
             </a:fld>
             <a:endParaRPr lang="en-US"/>
           </a:p>
@@ -1902,7 +1904,7 @@
           <a:p>
             <a:fld id="{7239F38A-DCDF-6E4C-B9CE-23AD5C77A21C}" type="datetimeFigureOut">
               <a:rPr lang="en-US" smtClean="0"/>
-              <a:t>1/23/25</a:t>
+              <a:t>1/24/25</a:t>
             </a:fld>
             <a:endParaRPr lang="en-US"/>
           </a:p>
@@ -2044,7 +2046,7 @@
           <a:p>
             <a:fld id="{7239F38A-DCDF-6E4C-B9CE-23AD5C77A21C}" type="datetimeFigureOut">
               <a:rPr lang="en-US" smtClean="0"/>
-              <a:t>1/23/25</a:t>
+              <a:t>1/24/25</a:t>
             </a:fld>
             <a:endParaRPr lang="en-US"/>
           </a:p>
@@ -2157,7 +2159,7 @@
           <a:p>
             <a:fld id="{7239F38A-DCDF-6E4C-B9CE-23AD5C77A21C}" type="datetimeFigureOut">
               <a:rPr lang="en-US" smtClean="0"/>
-              <a:t>1/23/25</a:t>
+              <a:t>1/24/25</a:t>
             </a:fld>
             <a:endParaRPr lang="en-US"/>
           </a:p>
@@ -2470,7 +2472,7 @@
           <a:p>
             <a:fld id="{7239F38A-DCDF-6E4C-B9CE-23AD5C77A21C}" type="datetimeFigureOut">
               <a:rPr lang="en-US" smtClean="0"/>
-              <a:t>1/23/25</a:t>
+              <a:t>1/24/25</a:t>
             </a:fld>
             <a:endParaRPr lang="en-US"/>
           </a:p>
@@ -2759,7 +2761,7 @@
           <a:p>
             <a:fld id="{7239F38A-DCDF-6E4C-B9CE-23AD5C77A21C}" type="datetimeFigureOut">
               <a:rPr lang="en-US" smtClean="0"/>
-              <a:t>1/23/25</a:t>
+              <a:t>1/24/25</a:t>
             </a:fld>
             <a:endParaRPr lang="en-US"/>
           </a:p>
@@ -3002,7 +3004,7 @@
           <a:p>
             <a:fld id="{7239F38A-DCDF-6E4C-B9CE-23AD5C77A21C}" type="datetimeFigureOut">
               <a:rPr lang="en-US" smtClean="0"/>
-              <a:t>1/23/25</a:t>
+              <a:t>1/24/25</a:t>
             </a:fld>
             <a:endParaRPr lang="en-US"/>
           </a:p>
@@ -16202,6 +16204,814 @@
     <p:extLst>
       <p:ext uri="{BB962C8B-B14F-4D97-AF65-F5344CB8AC3E}">
         <p14:creationId xmlns:p14="http://schemas.microsoft.com/office/powerpoint/2010/main" val="72291716"/>
+      </p:ext>
+    </p:extLst>
+  </p:cSld>
+  <p:clrMapOvr>
+    <a:masterClrMapping/>
+  </p:clrMapOvr>
+</p:sld>
+</file>
+
+<file path=ppt/slides/slide46.xml><?xml version="1.0" encoding="utf-8"?>
+<p:sld xmlns:a="http://schemas.openxmlformats.org/drawingml/2006/main" xmlns:r="http://schemas.openxmlformats.org/officeDocument/2006/relationships" xmlns:p="http://schemas.openxmlformats.org/presentationml/2006/main">
+  <p:cSld>
+    <p:spTree>
+      <p:nvGrpSpPr>
+        <p:cNvPr id="1" name=""/>
+        <p:cNvGrpSpPr/>
+        <p:nvPr/>
+      </p:nvGrpSpPr>
+      <p:grpSpPr>
+        <a:xfrm>
+          <a:off x="0" y="0"/>
+          <a:ext cx="0" cy="0"/>
+          <a:chOff x="0" y="0"/>
+          <a:chExt cx="0" cy="0"/>
+        </a:xfrm>
+      </p:grpSpPr>
+      <p:sp>
+        <p:nvSpPr>
+          <p:cNvPr id="3" name="Content Placeholder 2">
+            <a:extLst>
+              <a:ext uri="{FF2B5EF4-FFF2-40B4-BE49-F238E27FC236}">
+                <a16:creationId xmlns:a16="http://schemas.microsoft.com/office/drawing/2014/main" id="{2D792896-B1F3-F12F-F3F5-B962679243BC}"/>
+              </a:ext>
+            </a:extLst>
+          </p:cNvPr>
+          <p:cNvSpPr>
+            <a:spLocks noGrp="1"/>
+          </p:cNvSpPr>
+          <p:nvPr>
+            <p:ph idx="1"/>
+          </p:nvPr>
+        </p:nvSpPr>
+        <p:spPr>
+          <a:xfrm>
+            <a:off x="838200" y="280219"/>
+            <a:ext cx="10515600" cy="5896744"/>
+          </a:xfrm>
+        </p:spPr>
+        <p:txBody>
+          <a:bodyPr/>
+          <a:lstStyle/>
+          <a:p>
+            <a:r>
+              <a:rPr lang="en-US" dirty="0"/>
+              <a:t>Using express router</a:t>
+            </a:r>
+          </a:p>
+          <a:p>
+            <a:r>
+              <a:rPr lang="en-US" dirty="0"/>
+              <a:t>Adding a 404 error page</a:t>
+            </a:r>
+          </a:p>
+          <a:p>
+            <a:r>
+              <a:rPr lang="en-US" dirty="0"/>
+              <a:t>Filtering paths</a:t>
+            </a:r>
+          </a:p>
+          <a:p>
+            <a:r>
+              <a:rPr lang="en-US" dirty="0"/>
+              <a:t>Creating HTML Pages</a:t>
+            </a:r>
+          </a:p>
+          <a:p>
+            <a:r>
+              <a:rPr lang="en-US" dirty="0"/>
+              <a:t>Serving HTML Pages</a:t>
+            </a:r>
+          </a:p>
+          <a:p>
+            <a:r>
+              <a:rPr lang="en-US" dirty="0"/>
+              <a:t>Returning 404 page</a:t>
+            </a:r>
+          </a:p>
+          <a:p>
+            <a:r>
+              <a:rPr lang="en-US" dirty="0"/>
+              <a:t>using helper function for navigation</a:t>
+            </a:r>
+          </a:p>
+          <a:p>
+            <a:r>
+              <a:rPr lang="en-US" dirty="0"/>
+              <a:t>Styling our Pages</a:t>
+            </a:r>
+          </a:p>
+          <a:p>
+            <a:r>
+              <a:rPr lang="en-US" dirty="0"/>
+              <a:t>Serving files statically</a:t>
+            </a:r>
+          </a:p>
+        </p:txBody>
+      </p:sp>
+    </p:spTree>
+    <p:extLst>
+      <p:ext uri="{BB962C8B-B14F-4D97-AF65-F5344CB8AC3E}">
+        <p14:creationId xmlns:p14="http://schemas.microsoft.com/office/powerpoint/2010/main" val="177935092"/>
+      </p:ext>
+    </p:extLst>
+  </p:cSld>
+  <p:clrMapOvr>
+    <a:masterClrMapping/>
+  </p:clrMapOvr>
+</p:sld>
+</file>
+
+<file path=ppt/slides/slide47.xml><?xml version="1.0" encoding="utf-8"?>
+<p:sld xmlns:a="http://schemas.openxmlformats.org/drawingml/2006/main" xmlns:r="http://schemas.openxmlformats.org/officeDocument/2006/relationships" xmlns:p="http://schemas.openxmlformats.org/presentationml/2006/main">
+  <p:cSld>
+    <p:spTree>
+      <p:nvGrpSpPr>
+        <p:cNvPr id="1" name="">
+          <a:extLst>
+            <a:ext uri="{FF2B5EF4-FFF2-40B4-BE49-F238E27FC236}">
+              <a16:creationId xmlns:a16="http://schemas.microsoft.com/office/drawing/2014/main" id="{465BF159-E2B3-BBDB-915B-5175E6E46675}"/>
+            </a:ext>
+          </a:extLst>
+        </p:cNvPr>
+        <p:cNvGrpSpPr/>
+        <p:nvPr/>
+      </p:nvGrpSpPr>
+      <p:grpSpPr>
+        <a:xfrm>
+          <a:off x="0" y="0"/>
+          <a:ext cx="0" cy="0"/>
+          <a:chOff x="0" y="0"/>
+          <a:chExt cx="0" cy="0"/>
+        </a:xfrm>
+      </p:grpSpPr>
+      <p:sp>
+        <p:nvSpPr>
+          <p:cNvPr id="4" name="TextBox 3">
+            <a:extLst>
+              <a:ext uri="{FF2B5EF4-FFF2-40B4-BE49-F238E27FC236}">
+                <a16:creationId xmlns:a16="http://schemas.microsoft.com/office/drawing/2014/main" id="{9E333E14-4FC9-53FF-0C46-0F805DFE1775}"/>
+              </a:ext>
+            </a:extLst>
+          </p:cNvPr>
+          <p:cNvSpPr txBox="1"/>
+          <p:nvPr/>
+        </p:nvSpPr>
+        <p:spPr>
+          <a:xfrm>
+            <a:off x="5300870" y="397565"/>
+            <a:ext cx="1940211" cy="369332"/>
+          </a:xfrm>
+          <a:prstGeom prst="rect">
+            <a:avLst/>
+          </a:prstGeom>
+          <a:noFill/>
+        </p:spPr>
+        <p:txBody>
+          <a:bodyPr wrap="none" rtlCol="0">
+            <a:spAutoFit/>
+          </a:bodyPr>
+          <a:lstStyle/>
+          <a:p>
+            <a:r>
+              <a:rPr lang="en-US" dirty="0"/>
+              <a:t>Module Summary</a:t>
+            </a:r>
+          </a:p>
+        </p:txBody>
+      </p:sp>
+      <p:grpSp>
+        <p:nvGrpSpPr>
+          <p:cNvPr id="7" name="Group 6">
+            <a:extLst>
+              <a:ext uri="{FF2B5EF4-FFF2-40B4-BE49-F238E27FC236}">
+                <a16:creationId xmlns:a16="http://schemas.microsoft.com/office/drawing/2014/main" id="{6023AE32-B2B9-50EC-7F0D-B47C86B39FDA}"/>
+              </a:ext>
+            </a:extLst>
+          </p:cNvPr>
+          <p:cNvGrpSpPr/>
+          <p:nvPr/>
+        </p:nvGrpSpPr>
+        <p:grpSpPr>
+          <a:xfrm>
+            <a:off x="318052" y="766897"/>
+            <a:ext cx="5274366" cy="2983468"/>
+            <a:chOff x="318051" y="766897"/>
+            <a:chExt cx="5596999" cy="1181173"/>
+          </a:xfrm>
+        </p:grpSpPr>
+        <p:sp>
+          <p:nvSpPr>
+            <p:cNvPr id="5" name="Rectangle 4">
+              <a:extLst>
+                <a:ext uri="{FF2B5EF4-FFF2-40B4-BE49-F238E27FC236}">
+                  <a16:creationId xmlns:a16="http://schemas.microsoft.com/office/drawing/2014/main" id="{6C6EBE83-A496-4F7D-BED2-DE77A95FB141}"/>
+                </a:ext>
+              </a:extLst>
+            </p:cNvPr>
+            <p:cNvSpPr/>
+            <p:nvPr/>
+          </p:nvSpPr>
+          <p:spPr>
+            <a:xfrm>
+              <a:off x="318051" y="766897"/>
+              <a:ext cx="5596999" cy="1181173"/>
+            </a:xfrm>
+            <a:prstGeom prst="rect">
+              <a:avLst/>
+            </a:prstGeom>
+            <a:solidFill>
+              <a:schemeClr val="accent2">
+                <a:lumMod val="60000"/>
+                <a:lumOff val="40000"/>
+              </a:schemeClr>
+            </a:solidFill>
+          </p:spPr>
+          <p:style>
+            <a:lnRef idx="2">
+              <a:schemeClr val="accent6"/>
+            </a:lnRef>
+            <a:fillRef idx="1">
+              <a:schemeClr val="lt1"/>
+            </a:fillRef>
+            <a:effectRef idx="0">
+              <a:schemeClr val="accent6"/>
+            </a:effectRef>
+            <a:fontRef idx="minor">
+              <a:schemeClr val="dk1"/>
+            </a:fontRef>
+          </p:style>
+          <p:txBody>
+            <a:bodyPr rtlCol="0" anchor="ctr"/>
+            <a:lstStyle/>
+            <a:p>
+              <a:pPr marL="285750" indent="-285750" algn="ctr">
+                <a:buFont typeface="Arial" panose="020B0604020202020204" pitchFamily="34" charset="0"/>
+                <a:buChar char="•"/>
+              </a:pPr>
+              <a:r>
+                <a:rPr lang="en-US" dirty="0"/>
+                <a:t>Express.js is Node.js framework – a package that adds a bunch of utility functions and tools and a clear set of rules on how the app should be built (middleware!)</a:t>
+              </a:r>
+            </a:p>
+            <a:p>
+              <a:pPr marL="285750" indent="-285750" algn="ctr">
+                <a:buFont typeface="Arial" panose="020B0604020202020204" pitchFamily="34" charset="0"/>
+                <a:buChar char="•"/>
+              </a:pPr>
+              <a:r>
+                <a:rPr lang="en-US" dirty="0"/>
+                <a:t>It’s highly extensible and other packages can be plugged into it (middleware!)</a:t>
+              </a:r>
+            </a:p>
+          </p:txBody>
+        </p:sp>
+        <p:sp>
+          <p:nvSpPr>
+            <p:cNvPr id="6" name="Rectangle 5">
+              <a:extLst>
+                <a:ext uri="{FF2B5EF4-FFF2-40B4-BE49-F238E27FC236}">
+                  <a16:creationId xmlns:a16="http://schemas.microsoft.com/office/drawing/2014/main" id="{61A0616A-F6EA-4089-6749-A416D659FBFC}"/>
+                </a:ext>
+              </a:extLst>
+            </p:cNvPr>
+            <p:cNvSpPr/>
+            <p:nvPr/>
+          </p:nvSpPr>
+          <p:spPr>
+            <a:xfrm>
+              <a:off x="318052" y="766897"/>
+              <a:ext cx="5596998" cy="152591"/>
+            </a:xfrm>
+            <a:prstGeom prst="rect">
+              <a:avLst/>
+            </a:prstGeom>
+            <a:solidFill>
+              <a:schemeClr val="accent2">
+                <a:lumMod val="50000"/>
+              </a:schemeClr>
+            </a:solidFill>
+          </p:spPr>
+          <p:style>
+            <a:lnRef idx="2">
+              <a:schemeClr val="accent1">
+                <a:shade val="15000"/>
+              </a:schemeClr>
+            </a:lnRef>
+            <a:fillRef idx="1">
+              <a:schemeClr val="accent1"/>
+            </a:fillRef>
+            <a:effectRef idx="0">
+              <a:schemeClr val="accent1"/>
+            </a:effectRef>
+            <a:fontRef idx="minor">
+              <a:schemeClr val="lt1"/>
+            </a:fontRef>
+          </p:style>
+          <p:txBody>
+            <a:bodyPr rtlCol="0" anchor="ctr"/>
+            <a:lstStyle/>
+            <a:p>
+              <a:pPr algn="ctr"/>
+              <a:r>
+                <a:rPr lang="en-US" b="1" dirty="0">
+                  <a:ln w="10160">
+                    <a:solidFill>
+                      <a:schemeClr val="accent5"/>
+                    </a:solidFill>
+                    <a:prstDash val="solid"/>
+                  </a:ln>
+                  <a:solidFill>
+                    <a:srgbClr val="FFFFFF"/>
+                  </a:solidFill>
+                  <a:effectLst>
+                    <a:outerShdw blurRad="38100" dist="22860" dir="5400000" algn="tl" rotWithShape="0">
+                      <a:srgbClr val="000000">
+                        <a:alpha val="30000"/>
+                      </a:srgbClr>
+                    </a:outerShdw>
+                  </a:effectLst>
+                </a:rPr>
+                <a:t>What is Express.js?</a:t>
+              </a:r>
+            </a:p>
+          </p:txBody>
+        </p:sp>
+      </p:grpSp>
+      <p:sp>
+        <p:nvSpPr>
+          <p:cNvPr id="9" name="Rectangle 8">
+            <a:extLst>
+              <a:ext uri="{FF2B5EF4-FFF2-40B4-BE49-F238E27FC236}">
+                <a16:creationId xmlns:a16="http://schemas.microsoft.com/office/drawing/2014/main" id="{49540D23-7FE9-E506-BEAB-E066CADB44A9}"/>
+              </a:ext>
+            </a:extLst>
+          </p:cNvPr>
+          <p:cNvSpPr/>
+          <p:nvPr/>
+        </p:nvSpPr>
+        <p:spPr>
+          <a:xfrm>
+            <a:off x="6599584" y="1296983"/>
+            <a:ext cx="5274366" cy="2453382"/>
+          </a:xfrm>
+          <a:prstGeom prst="rect">
+            <a:avLst/>
+          </a:prstGeom>
+          <a:solidFill>
+            <a:schemeClr val="accent2">
+              <a:lumMod val="60000"/>
+              <a:lumOff val="40000"/>
+            </a:schemeClr>
+          </a:solidFill>
+        </p:spPr>
+        <p:style>
+          <a:lnRef idx="2">
+            <a:schemeClr val="accent6"/>
+          </a:lnRef>
+          <a:fillRef idx="1">
+            <a:schemeClr val="lt1"/>
+          </a:fillRef>
+          <a:effectRef idx="0">
+            <a:schemeClr val="accent6"/>
+          </a:effectRef>
+          <a:fontRef idx="minor">
+            <a:schemeClr val="dk1"/>
+          </a:fontRef>
+        </p:style>
+        <p:txBody>
+          <a:bodyPr rtlCol="0" anchor="ctr"/>
+          <a:lstStyle/>
+          <a:p>
+            <a:pPr marL="285750" indent="-285750" algn="ctr">
+              <a:buFont typeface="Arial" panose="020B0604020202020204" pitchFamily="34" charset="0"/>
+              <a:buChar char="•"/>
+            </a:pPr>
+            <a:r>
+              <a:rPr lang="en-US" dirty="0"/>
+              <a:t>You can filter requests by path and method</a:t>
+            </a:r>
+          </a:p>
+          <a:p>
+            <a:pPr marL="285750" indent="-285750" algn="ctr">
+              <a:buFont typeface="Arial" panose="020B0604020202020204" pitchFamily="34" charset="0"/>
+              <a:buChar char="•"/>
+            </a:pPr>
+            <a:r>
+              <a:rPr lang="en-US" dirty="0"/>
+              <a:t>If you filter by method, paths are matched exactly, otherwise, the first segment of a URL is matched</a:t>
+            </a:r>
+          </a:p>
+          <a:p>
+            <a:pPr marL="285750" indent="-285750" algn="ctr">
+              <a:buFont typeface="Arial" panose="020B0604020202020204" pitchFamily="34" charset="0"/>
+              <a:buChar char="•"/>
+            </a:pPr>
+            <a:r>
+              <a:rPr lang="en-US" dirty="0"/>
+              <a:t>You can use the </a:t>
+            </a:r>
+            <a:r>
+              <a:rPr lang="en-US" dirty="0" err="1"/>
+              <a:t>express.Router</a:t>
+            </a:r>
+            <a:r>
+              <a:rPr lang="en-US" dirty="0"/>
+              <a:t>() to split your routes across files </a:t>
+            </a:r>
+            <a:r>
+              <a:rPr lang="en-US" dirty="0" err="1"/>
+              <a:t>elegately</a:t>
+            </a:r>
+            <a:endParaRPr lang="en-US" dirty="0"/>
+          </a:p>
+        </p:txBody>
+      </p:sp>
+      <p:sp>
+        <p:nvSpPr>
+          <p:cNvPr id="10" name="Rectangle 9">
+            <a:extLst>
+              <a:ext uri="{FF2B5EF4-FFF2-40B4-BE49-F238E27FC236}">
+                <a16:creationId xmlns:a16="http://schemas.microsoft.com/office/drawing/2014/main" id="{798EED2D-8FAF-A012-81EA-47F131BF8DBD}"/>
+              </a:ext>
+            </a:extLst>
+          </p:cNvPr>
+          <p:cNvSpPr/>
+          <p:nvPr/>
+        </p:nvSpPr>
+        <p:spPr>
+          <a:xfrm>
+            <a:off x="6599585" y="766897"/>
+            <a:ext cx="5274365" cy="530086"/>
+          </a:xfrm>
+          <a:prstGeom prst="rect">
+            <a:avLst/>
+          </a:prstGeom>
+          <a:solidFill>
+            <a:schemeClr val="accent2">
+              <a:lumMod val="50000"/>
+            </a:schemeClr>
+          </a:solidFill>
+        </p:spPr>
+        <p:style>
+          <a:lnRef idx="2">
+            <a:schemeClr val="accent1">
+              <a:shade val="15000"/>
+            </a:schemeClr>
+          </a:lnRef>
+          <a:fillRef idx="1">
+            <a:schemeClr val="accent1"/>
+          </a:fillRef>
+          <a:effectRef idx="0">
+            <a:schemeClr val="accent1"/>
+          </a:effectRef>
+          <a:fontRef idx="minor">
+            <a:schemeClr val="lt1"/>
+          </a:fontRef>
+        </p:style>
+        <p:txBody>
+          <a:bodyPr rtlCol="0" anchor="ctr"/>
+          <a:lstStyle/>
+          <a:p>
+            <a:pPr algn="ctr"/>
+            <a:r>
+              <a:rPr lang="en-US" b="1" dirty="0">
+                <a:ln w="10160">
+                  <a:solidFill>
+                    <a:schemeClr val="accent5"/>
+                  </a:solidFill>
+                  <a:prstDash val="solid"/>
+                </a:ln>
+                <a:solidFill>
+                  <a:srgbClr val="FFFFFF"/>
+                </a:solidFill>
+                <a:effectLst>
+                  <a:outerShdw blurRad="38100" dist="22860" dir="5400000" algn="tl" rotWithShape="0">
+                    <a:srgbClr val="000000">
+                      <a:alpha val="30000"/>
+                    </a:srgbClr>
+                  </a:outerShdw>
+                </a:effectLst>
+              </a:rPr>
+              <a:t>Routing</a:t>
+            </a:r>
+          </a:p>
+        </p:txBody>
+      </p:sp>
+      <p:sp>
+        <p:nvSpPr>
+          <p:cNvPr id="11" name="Rectangle 10">
+            <a:extLst>
+              <a:ext uri="{FF2B5EF4-FFF2-40B4-BE49-F238E27FC236}">
+                <a16:creationId xmlns:a16="http://schemas.microsoft.com/office/drawing/2014/main" id="{51CC5EFD-6434-5727-A713-6876F3AC7F13}"/>
+              </a:ext>
+            </a:extLst>
+          </p:cNvPr>
+          <p:cNvSpPr/>
+          <p:nvPr/>
+        </p:nvSpPr>
+        <p:spPr>
+          <a:xfrm>
+            <a:off x="5973097" y="4675093"/>
+            <a:ext cx="6066506" cy="1969144"/>
+          </a:xfrm>
+          <a:prstGeom prst="rect">
+            <a:avLst/>
+          </a:prstGeom>
+          <a:solidFill>
+            <a:schemeClr val="accent2">
+              <a:lumMod val="60000"/>
+              <a:lumOff val="40000"/>
+            </a:schemeClr>
+          </a:solidFill>
+        </p:spPr>
+        <p:style>
+          <a:lnRef idx="2">
+            <a:schemeClr val="accent6"/>
+          </a:lnRef>
+          <a:fillRef idx="1">
+            <a:schemeClr val="lt1"/>
+          </a:fillRef>
+          <a:effectRef idx="0">
+            <a:schemeClr val="accent6"/>
+          </a:effectRef>
+          <a:fontRef idx="minor">
+            <a:schemeClr val="dk1"/>
+          </a:fontRef>
+        </p:style>
+        <p:txBody>
+          <a:bodyPr rtlCol="0" anchor="ctr"/>
+          <a:lstStyle/>
+          <a:p>
+            <a:pPr marL="285750" indent="-285750" algn="ctr">
+              <a:buFont typeface="Arial" panose="020B0604020202020204" pitchFamily="34" charset="0"/>
+              <a:buChar char="•"/>
+            </a:pPr>
+            <a:r>
+              <a:rPr lang="en-US" dirty="0"/>
+              <a:t>You’re not limited to serving dummy text as a response</a:t>
+            </a:r>
+          </a:p>
+          <a:p>
+            <a:pPr marL="285750" indent="-285750" algn="ctr">
+              <a:buFont typeface="Arial" panose="020B0604020202020204" pitchFamily="34" charset="0"/>
+              <a:buChar char="•"/>
+            </a:pPr>
+            <a:r>
+              <a:rPr lang="en-US" dirty="0"/>
+              <a:t>You can </a:t>
+            </a:r>
+            <a:r>
+              <a:rPr lang="en-US" dirty="0" err="1"/>
+              <a:t>sendFile</a:t>
+            </a:r>
+            <a:r>
+              <a:rPr lang="en-US" dirty="0"/>
+              <a:t>() to your users – e.g. HTML files</a:t>
+            </a:r>
+          </a:p>
+          <a:p>
+            <a:pPr marL="285750" indent="-285750" algn="ctr">
+              <a:buFont typeface="Arial" panose="020B0604020202020204" pitchFamily="34" charset="0"/>
+              <a:buChar char="•"/>
+            </a:pPr>
+            <a:r>
+              <a:rPr lang="en-US" dirty="0"/>
+              <a:t>If a request is directly made for a file(e.g. a .</a:t>
+            </a:r>
+            <a:r>
+              <a:rPr lang="en-US" dirty="0" err="1"/>
+              <a:t>css</a:t>
+            </a:r>
+            <a:r>
+              <a:rPr lang="en-US" dirty="0"/>
+              <a:t> file is requested), you can enable static  serving for such files via </a:t>
+            </a:r>
+            <a:r>
+              <a:rPr lang="en-US" dirty="0" err="1"/>
+              <a:t>express.static</a:t>
+            </a:r>
+            <a:r>
+              <a:rPr lang="en-US" dirty="0"/>
+              <a:t>()</a:t>
+            </a:r>
+          </a:p>
+        </p:txBody>
+      </p:sp>
+      <p:sp>
+        <p:nvSpPr>
+          <p:cNvPr id="12" name="Rectangle 11">
+            <a:extLst>
+              <a:ext uri="{FF2B5EF4-FFF2-40B4-BE49-F238E27FC236}">
+                <a16:creationId xmlns:a16="http://schemas.microsoft.com/office/drawing/2014/main" id="{9C8F11DD-B5AA-A527-D51B-FA7F555CE02A}"/>
+              </a:ext>
+            </a:extLst>
+          </p:cNvPr>
+          <p:cNvSpPr/>
+          <p:nvPr/>
+        </p:nvSpPr>
+        <p:spPr>
+          <a:xfrm>
+            <a:off x="5973100" y="4007588"/>
+            <a:ext cx="6066504" cy="667505"/>
+          </a:xfrm>
+          <a:prstGeom prst="rect">
+            <a:avLst/>
+          </a:prstGeom>
+          <a:solidFill>
+            <a:schemeClr val="accent2">
+              <a:lumMod val="50000"/>
+            </a:schemeClr>
+          </a:solidFill>
+        </p:spPr>
+        <p:style>
+          <a:lnRef idx="2">
+            <a:schemeClr val="accent1">
+              <a:shade val="15000"/>
+            </a:schemeClr>
+          </a:lnRef>
+          <a:fillRef idx="1">
+            <a:schemeClr val="accent1"/>
+          </a:fillRef>
+          <a:effectRef idx="0">
+            <a:schemeClr val="accent1"/>
+          </a:effectRef>
+          <a:fontRef idx="minor">
+            <a:schemeClr val="lt1"/>
+          </a:fontRef>
+        </p:style>
+        <p:txBody>
+          <a:bodyPr rtlCol="0" anchor="ctr"/>
+          <a:lstStyle/>
+          <a:p>
+            <a:pPr algn="ctr"/>
+            <a:r>
+              <a:rPr lang="en-US" b="1" dirty="0">
+                <a:ln w="10160">
+                  <a:solidFill>
+                    <a:schemeClr val="accent5"/>
+                  </a:solidFill>
+                  <a:prstDash val="solid"/>
+                </a:ln>
+                <a:solidFill>
+                  <a:srgbClr val="FFFFFF"/>
+                </a:solidFill>
+                <a:effectLst>
+                  <a:outerShdw blurRad="38100" dist="22860" dir="5400000" algn="tl" rotWithShape="0">
+                    <a:srgbClr val="000000">
+                      <a:alpha val="30000"/>
+                    </a:srgbClr>
+                  </a:outerShdw>
+                </a:effectLst>
+              </a:rPr>
+              <a:t>Serve Files</a:t>
+            </a:r>
+          </a:p>
+        </p:txBody>
+      </p:sp>
+      <p:sp>
+        <p:nvSpPr>
+          <p:cNvPr id="15" name="Rectangle 14">
+            <a:extLst>
+              <a:ext uri="{FF2B5EF4-FFF2-40B4-BE49-F238E27FC236}">
+                <a16:creationId xmlns:a16="http://schemas.microsoft.com/office/drawing/2014/main" id="{AFCC430D-BC77-A6D0-1D8E-9004B76E1474}"/>
+              </a:ext>
+            </a:extLst>
+          </p:cNvPr>
+          <p:cNvSpPr/>
+          <p:nvPr/>
+        </p:nvSpPr>
+        <p:spPr>
+          <a:xfrm>
+            <a:off x="318051" y="4324969"/>
+            <a:ext cx="5274365" cy="1533209"/>
+          </a:xfrm>
+          <a:prstGeom prst="rect">
+            <a:avLst/>
+          </a:prstGeom>
+          <a:solidFill>
+            <a:schemeClr val="accent2">
+              <a:lumMod val="60000"/>
+              <a:lumOff val="40000"/>
+            </a:schemeClr>
+          </a:solidFill>
+        </p:spPr>
+        <p:style>
+          <a:lnRef idx="2">
+            <a:schemeClr val="accent6"/>
+          </a:lnRef>
+          <a:fillRef idx="1">
+            <a:schemeClr val="lt1"/>
+          </a:fillRef>
+          <a:effectRef idx="0">
+            <a:schemeClr val="accent6"/>
+          </a:effectRef>
+          <a:fontRef idx="minor">
+            <a:schemeClr val="dk1"/>
+          </a:fontRef>
+        </p:style>
+        <p:txBody>
+          <a:bodyPr rtlCol="0" anchor="ctr"/>
+          <a:lstStyle/>
+          <a:p>
+            <a:pPr marL="285750" indent="-285750" algn="ctr">
+              <a:buFont typeface="Arial" panose="020B0604020202020204" pitchFamily="34" charset="0"/>
+              <a:buChar char="•"/>
+            </a:pPr>
+            <a:r>
+              <a:rPr lang="en-US" dirty="0"/>
+              <a:t>Express.js relies heavily on middleware functions – you can easily add them by calling use().</a:t>
+            </a:r>
+          </a:p>
+          <a:p>
+            <a:pPr marL="285750" indent="-285750" algn="ctr">
+              <a:buFont typeface="Arial" panose="020B0604020202020204" pitchFamily="34" charset="0"/>
+              <a:buChar char="•"/>
+            </a:pPr>
+            <a:r>
+              <a:rPr lang="en-US" dirty="0"/>
+              <a:t>Middleware functions handle a request and should call next() to forward the request to the next function in line or send a response.</a:t>
+            </a:r>
+          </a:p>
+        </p:txBody>
+      </p:sp>
+      <p:sp>
+        <p:nvSpPr>
+          <p:cNvPr id="16" name="Rectangle 15">
+            <a:extLst>
+              <a:ext uri="{FF2B5EF4-FFF2-40B4-BE49-F238E27FC236}">
+                <a16:creationId xmlns:a16="http://schemas.microsoft.com/office/drawing/2014/main" id="{3CD12647-8B66-2947-2115-435187C2EAFC}"/>
+              </a:ext>
+            </a:extLst>
+          </p:cNvPr>
+          <p:cNvSpPr/>
+          <p:nvPr/>
+        </p:nvSpPr>
+        <p:spPr>
+          <a:xfrm>
+            <a:off x="318052" y="3928606"/>
+            <a:ext cx="5274365" cy="412734"/>
+          </a:xfrm>
+          <a:prstGeom prst="rect">
+            <a:avLst/>
+          </a:prstGeom>
+          <a:solidFill>
+            <a:schemeClr val="accent2">
+              <a:lumMod val="50000"/>
+            </a:schemeClr>
+          </a:solidFill>
+        </p:spPr>
+        <p:style>
+          <a:lnRef idx="2">
+            <a:schemeClr val="accent1">
+              <a:shade val="15000"/>
+            </a:schemeClr>
+          </a:lnRef>
+          <a:fillRef idx="1">
+            <a:schemeClr val="accent1"/>
+          </a:fillRef>
+          <a:effectRef idx="0">
+            <a:schemeClr val="accent1"/>
+          </a:effectRef>
+          <a:fontRef idx="minor">
+            <a:schemeClr val="lt1"/>
+          </a:fontRef>
+        </p:style>
+        <p:txBody>
+          <a:bodyPr rtlCol="0" anchor="ctr"/>
+          <a:lstStyle/>
+          <a:p>
+            <a:pPr algn="ctr"/>
+            <a:r>
+              <a:rPr lang="en-US" b="1" dirty="0">
+                <a:ln w="10160">
+                  <a:solidFill>
+                    <a:schemeClr val="accent5"/>
+                  </a:solidFill>
+                  <a:prstDash val="solid"/>
+                </a:ln>
+                <a:solidFill>
+                  <a:srgbClr val="FFFFFF"/>
+                </a:solidFill>
+                <a:effectLst>
+                  <a:outerShdw blurRad="38100" dist="22860" dir="5400000" algn="tl" rotWithShape="0">
+                    <a:srgbClr val="000000">
+                      <a:alpha val="30000"/>
+                    </a:srgbClr>
+                  </a:outerShdw>
+                </a:effectLst>
+              </a:rPr>
+              <a:t>Middleware, next() and res()</a:t>
+            </a:r>
+          </a:p>
+        </p:txBody>
+      </p:sp>
+    </p:spTree>
+    <p:extLst>
+      <p:ext uri="{BB962C8B-B14F-4D97-AF65-F5344CB8AC3E}">
+        <p14:creationId xmlns:p14="http://schemas.microsoft.com/office/powerpoint/2010/main" val="4086697880"/>
       </p:ext>
     </p:extLst>
   </p:cSld>

--- a/node/Nodejs.pptx
+++ b/node/Nodejs.pptx
@@ -339,7 +339,7 @@
           <a:p>
             <a:fld id="{7239F38A-DCDF-6E4C-B9CE-23AD5C77A21C}" type="datetimeFigureOut">
               <a:rPr lang="en-US" smtClean="0"/>
-              <a:t>1/28/25</a:t>
+              <a:t>1/31/25</a:t>
             </a:fld>
             <a:endParaRPr lang="en-US"/>
           </a:p>
@@ -539,7 +539,7 @@
           <a:p>
             <a:fld id="{7239F38A-DCDF-6E4C-B9CE-23AD5C77A21C}" type="datetimeFigureOut">
               <a:rPr lang="en-US" smtClean="0"/>
-              <a:t>1/28/25</a:t>
+              <a:t>1/31/25</a:t>
             </a:fld>
             <a:endParaRPr lang="en-US"/>
           </a:p>
@@ -749,7 +749,7 @@
           <a:p>
             <a:fld id="{7239F38A-DCDF-6E4C-B9CE-23AD5C77A21C}" type="datetimeFigureOut">
               <a:rPr lang="en-US" smtClean="0"/>
-              <a:t>1/28/25</a:t>
+              <a:t>1/31/25</a:t>
             </a:fld>
             <a:endParaRPr lang="en-US"/>
           </a:p>
@@ -949,7 +949,7 @@
           <a:p>
             <a:fld id="{7239F38A-DCDF-6E4C-B9CE-23AD5C77A21C}" type="datetimeFigureOut">
               <a:rPr lang="en-US" smtClean="0"/>
-              <a:t>1/28/25</a:t>
+              <a:t>1/31/25</a:t>
             </a:fld>
             <a:endParaRPr lang="en-US"/>
           </a:p>
@@ -1225,7 +1225,7 @@
           <a:p>
             <a:fld id="{7239F38A-DCDF-6E4C-B9CE-23AD5C77A21C}" type="datetimeFigureOut">
               <a:rPr lang="en-US" smtClean="0"/>
-              <a:t>1/28/25</a:t>
+              <a:t>1/31/25</a:t>
             </a:fld>
             <a:endParaRPr lang="en-US"/>
           </a:p>
@@ -1493,7 +1493,7 @@
           <a:p>
             <a:fld id="{7239F38A-DCDF-6E4C-B9CE-23AD5C77A21C}" type="datetimeFigureOut">
               <a:rPr lang="en-US" smtClean="0"/>
-              <a:t>1/28/25</a:t>
+              <a:t>1/31/25</a:t>
             </a:fld>
             <a:endParaRPr lang="en-US"/>
           </a:p>
@@ -1908,7 +1908,7 @@
           <a:p>
             <a:fld id="{7239F38A-DCDF-6E4C-B9CE-23AD5C77A21C}" type="datetimeFigureOut">
               <a:rPr lang="en-US" smtClean="0"/>
-              <a:t>1/28/25</a:t>
+              <a:t>1/31/25</a:t>
             </a:fld>
             <a:endParaRPr lang="en-US"/>
           </a:p>
@@ -2050,7 +2050,7 @@
           <a:p>
             <a:fld id="{7239F38A-DCDF-6E4C-B9CE-23AD5C77A21C}" type="datetimeFigureOut">
               <a:rPr lang="en-US" smtClean="0"/>
-              <a:t>1/28/25</a:t>
+              <a:t>1/31/25</a:t>
             </a:fld>
             <a:endParaRPr lang="en-US"/>
           </a:p>
@@ -2163,7 +2163,7 @@
           <a:p>
             <a:fld id="{7239F38A-DCDF-6E4C-B9CE-23AD5C77A21C}" type="datetimeFigureOut">
               <a:rPr lang="en-US" smtClean="0"/>
-              <a:t>1/28/25</a:t>
+              <a:t>1/31/25</a:t>
             </a:fld>
             <a:endParaRPr lang="en-US"/>
           </a:p>
@@ -2476,7 +2476,7 @@
           <a:p>
             <a:fld id="{7239F38A-DCDF-6E4C-B9CE-23AD5C77A21C}" type="datetimeFigureOut">
               <a:rPr lang="en-US" smtClean="0"/>
-              <a:t>1/28/25</a:t>
+              <a:t>1/31/25</a:t>
             </a:fld>
             <a:endParaRPr lang="en-US"/>
           </a:p>
@@ -2765,7 +2765,7 @@
           <a:p>
             <a:fld id="{7239F38A-DCDF-6E4C-B9CE-23AD5C77A21C}" type="datetimeFigureOut">
               <a:rPr lang="en-US" smtClean="0"/>
-              <a:t>1/28/25</a:t>
+              <a:t>1/31/25</a:t>
             </a:fld>
             <a:endParaRPr lang="en-US"/>
           </a:p>
@@ -3008,7 +3008,7 @@
           <a:p>
             <a:fld id="{7239F38A-DCDF-6E4C-B9CE-23AD5C77A21C}" type="datetimeFigureOut">
               <a:rPr lang="en-US" smtClean="0"/>
-              <a:t>1/28/25</a:t>
+              <a:t>1/31/25</a:t>
             </a:fld>
             <a:endParaRPr lang="en-US"/>
           </a:p>
@@ -17675,11 +17675,29 @@
           <a:p>
             <a:r>
               <a:rPr lang="en-US" dirty="0"/>
-              <a:t>Adding </a:t>
+              <a:t>Adding a Layout</a:t>
+            </a:r>
+          </a:p>
+          <a:p>
+            <a:r>
+              <a:rPr lang="en-US" dirty="0"/>
+              <a:t>Working with Handlebars</a:t>
+            </a:r>
+          </a:p>
+          <a:p>
+            <a:r>
+              <a:rPr lang="en-US" dirty="0"/>
+              <a:t>Converting our project to handlebars</a:t>
+            </a:r>
+          </a:p>
+          <a:p>
+            <a:r>
+              <a:rPr lang="en-US" dirty="0"/>
+              <a:t>Adding the layout </a:t>
             </a:r>
             <a:r>
               <a:rPr lang="en-US"/>
-              <a:t>a Layout</a:t>
+              <a:t>to Handlebars</a:t>
             </a:r>
             <a:endParaRPr lang="en-US" dirty="0"/>
           </a:p>

--- a/node/Nodejs.pptx
+++ b/node/Nodejs.pptx
@@ -56,6 +56,9 @@
     <p:sldId id="305" r:id="rId50"/>
     <p:sldId id="306" r:id="rId51"/>
     <p:sldId id="307" r:id="rId52"/>
+    <p:sldId id="308" r:id="rId53"/>
+    <p:sldId id="309" r:id="rId54"/>
+    <p:sldId id="310" r:id="rId55"/>
   </p:sldIdLst>
   <p:sldSz cx="12192000" cy="6858000"/>
   <p:notesSz cx="6858000" cy="9144000"/>
@@ -339,7 +342,7 @@
           <a:p>
             <a:fld id="{7239F38A-DCDF-6E4C-B9CE-23AD5C77A21C}" type="datetimeFigureOut">
               <a:rPr lang="en-US" smtClean="0"/>
-              <a:t>1/31/25</a:t>
+              <a:t>2/3/25</a:t>
             </a:fld>
             <a:endParaRPr lang="en-US"/>
           </a:p>
@@ -539,7 +542,7 @@
           <a:p>
             <a:fld id="{7239F38A-DCDF-6E4C-B9CE-23AD5C77A21C}" type="datetimeFigureOut">
               <a:rPr lang="en-US" smtClean="0"/>
-              <a:t>1/31/25</a:t>
+              <a:t>2/3/25</a:t>
             </a:fld>
             <a:endParaRPr lang="en-US"/>
           </a:p>
@@ -749,7 +752,7 @@
           <a:p>
             <a:fld id="{7239F38A-DCDF-6E4C-B9CE-23AD5C77A21C}" type="datetimeFigureOut">
               <a:rPr lang="en-US" smtClean="0"/>
-              <a:t>1/31/25</a:t>
+              <a:t>2/3/25</a:t>
             </a:fld>
             <a:endParaRPr lang="en-US"/>
           </a:p>
@@ -949,7 +952,7 @@
           <a:p>
             <a:fld id="{7239F38A-DCDF-6E4C-B9CE-23AD5C77A21C}" type="datetimeFigureOut">
               <a:rPr lang="en-US" smtClean="0"/>
-              <a:t>1/31/25</a:t>
+              <a:t>2/3/25</a:t>
             </a:fld>
             <a:endParaRPr lang="en-US"/>
           </a:p>
@@ -1225,7 +1228,7 @@
           <a:p>
             <a:fld id="{7239F38A-DCDF-6E4C-B9CE-23AD5C77A21C}" type="datetimeFigureOut">
               <a:rPr lang="en-US" smtClean="0"/>
-              <a:t>1/31/25</a:t>
+              <a:t>2/3/25</a:t>
             </a:fld>
             <a:endParaRPr lang="en-US"/>
           </a:p>
@@ -1493,7 +1496,7 @@
           <a:p>
             <a:fld id="{7239F38A-DCDF-6E4C-B9CE-23AD5C77A21C}" type="datetimeFigureOut">
               <a:rPr lang="en-US" smtClean="0"/>
-              <a:t>1/31/25</a:t>
+              <a:t>2/3/25</a:t>
             </a:fld>
             <a:endParaRPr lang="en-US"/>
           </a:p>
@@ -1908,7 +1911,7 @@
           <a:p>
             <a:fld id="{7239F38A-DCDF-6E4C-B9CE-23AD5C77A21C}" type="datetimeFigureOut">
               <a:rPr lang="en-US" smtClean="0"/>
-              <a:t>1/31/25</a:t>
+              <a:t>2/3/25</a:t>
             </a:fld>
             <a:endParaRPr lang="en-US"/>
           </a:p>
@@ -2050,7 +2053,7 @@
           <a:p>
             <a:fld id="{7239F38A-DCDF-6E4C-B9CE-23AD5C77A21C}" type="datetimeFigureOut">
               <a:rPr lang="en-US" smtClean="0"/>
-              <a:t>1/31/25</a:t>
+              <a:t>2/3/25</a:t>
             </a:fld>
             <a:endParaRPr lang="en-US"/>
           </a:p>
@@ -2163,7 +2166,7 @@
           <a:p>
             <a:fld id="{7239F38A-DCDF-6E4C-B9CE-23AD5C77A21C}" type="datetimeFigureOut">
               <a:rPr lang="en-US" smtClean="0"/>
-              <a:t>1/31/25</a:t>
+              <a:t>2/3/25</a:t>
             </a:fld>
             <a:endParaRPr lang="en-US"/>
           </a:p>
@@ -2476,7 +2479,7 @@
           <a:p>
             <a:fld id="{7239F38A-DCDF-6E4C-B9CE-23AD5C77A21C}" type="datetimeFigureOut">
               <a:rPr lang="en-US" smtClean="0"/>
-              <a:t>1/31/25</a:t>
+              <a:t>2/3/25</a:t>
             </a:fld>
             <a:endParaRPr lang="en-US"/>
           </a:p>
@@ -2765,7 +2768,7 @@
           <a:p>
             <a:fld id="{7239F38A-DCDF-6E4C-B9CE-23AD5C77A21C}" type="datetimeFigureOut">
               <a:rPr lang="en-US" smtClean="0"/>
-              <a:t>1/31/25</a:t>
+              <a:t>2/3/25</a:t>
             </a:fld>
             <a:endParaRPr lang="en-US"/>
           </a:p>
@@ -3008,7 +3011,7 @@
           <a:p>
             <a:fld id="{7239F38A-DCDF-6E4C-B9CE-23AD5C77A21C}" type="datetimeFigureOut">
               <a:rPr lang="en-US" smtClean="0"/>
-              <a:t>1/31/25</a:t>
+              <a:t>2/3/25</a:t>
             </a:fld>
             <a:endParaRPr lang="en-US"/>
           </a:p>
@@ -17652,7 +17655,9 @@
         </p:nvSpPr>
         <p:spPr/>
         <p:txBody>
-          <a:bodyPr/>
+          <a:bodyPr>
+            <a:normAutofit lnSpcReduction="10000"/>
+          </a:bodyPr>
           <a:lstStyle/>
           <a:p>
             <a:r>
@@ -17693,13 +17698,20 @@
           <a:p>
             <a:r>
               <a:rPr lang="en-US" dirty="0"/>
-              <a:t>Adding the layout </a:t>
-            </a:r>
-            <a:r>
-              <a:rPr lang="en-US"/>
-              <a:t>to Handlebars</a:t>
-            </a:r>
-            <a:endParaRPr lang="en-US" dirty="0"/>
+              <a:t>Adding the layout to Handlebars</a:t>
+            </a:r>
+          </a:p>
+          <a:p>
+            <a:r>
+              <a:rPr lang="en-US" dirty="0"/>
+              <a:t>Working with EJS</a:t>
+            </a:r>
+          </a:p>
+          <a:p>
+            <a:r>
+              <a:rPr lang="en-US" dirty="0"/>
+              <a:t>Working on the layout with Partials</a:t>
+            </a:r>
           </a:p>
         </p:txBody>
       </p:sp>
@@ -18783,6 +18795,787 @@
     <p:extLst>
       <p:ext uri="{BB962C8B-B14F-4D97-AF65-F5344CB8AC3E}">
         <p14:creationId xmlns:p14="http://schemas.microsoft.com/office/powerpoint/2010/main" val="3364437018"/>
+      </p:ext>
+    </p:extLst>
+  </p:cSld>
+  <p:clrMapOvr>
+    <a:masterClrMapping/>
+  </p:clrMapOvr>
+</p:sld>
+</file>
+
+<file path=ppt/slides/slide52.xml><?xml version="1.0" encoding="utf-8"?>
+<p:sld xmlns:a="http://schemas.openxmlformats.org/drawingml/2006/main" xmlns:r="http://schemas.openxmlformats.org/officeDocument/2006/relationships" xmlns:p="http://schemas.openxmlformats.org/presentationml/2006/main">
+  <p:cSld>
+    <p:spTree>
+      <p:nvGrpSpPr>
+        <p:cNvPr id="1" name=""/>
+        <p:cNvGrpSpPr/>
+        <p:nvPr/>
+      </p:nvGrpSpPr>
+      <p:grpSpPr>
+        <a:xfrm>
+          <a:off x="0" y="0"/>
+          <a:ext cx="0" cy="0"/>
+          <a:chOff x="0" y="0"/>
+          <a:chExt cx="0" cy="0"/>
+        </a:xfrm>
+      </p:grpSpPr>
+      <p:sp>
+        <p:nvSpPr>
+          <p:cNvPr id="2" name="Title 1">
+            <a:extLst>
+              <a:ext uri="{FF2B5EF4-FFF2-40B4-BE49-F238E27FC236}">
+                <a16:creationId xmlns:a16="http://schemas.microsoft.com/office/drawing/2014/main" id="{73807F24-0E9F-1471-5218-E9248540129F}"/>
+              </a:ext>
+            </a:extLst>
+          </p:cNvPr>
+          <p:cNvSpPr>
+            <a:spLocks noGrp="1"/>
+          </p:cNvSpPr>
+          <p:nvPr>
+            <p:ph type="title"/>
+          </p:nvPr>
+        </p:nvSpPr>
+        <p:spPr/>
+        <p:txBody>
+          <a:bodyPr/>
+          <a:lstStyle/>
+          <a:p>
+            <a:r>
+              <a:rPr lang="en-US" dirty="0"/>
+              <a:t>Model View Controller (MVC) </a:t>
+            </a:r>
+          </a:p>
+        </p:txBody>
+      </p:sp>
+      <p:cxnSp>
+        <p:nvCxnSpPr>
+          <p:cNvPr id="5" name="Straight Connector 4">
+            <a:extLst>
+              <a:ext uri="{FF2B5EF4-FFF2-40B4-BE49-F238E27FC236}">
+                <a16:creationId xmlns:a16="http://schemas.microsoft.com/office/drawing/2014/main" id="{64F4475A-0DA8-6E6E-4509-40063F4FF444}"/>
+              </a:ext>
+            </a:extLst>
+          </p:cNvPr>
+          <p:cNvCxnSpPr/>
+          <p:nvPr/>
+        </p:nvCxnSpPr>
+        <p:spPr>
+          <a:xfrm>
+            <a:off x="838200" y="2394065"/>
+            <a:ext cx="8372302" cy="0"/>
+          </a:xfrm>
+          <a:prstGeom prst="line">
+            <a:avLst/>
+          </a:prstGeom>
+        </p:spPr>
+        <p:style>
+          <a:lnRef idx="2">
+            <a:schemeClr val="dk1"/>
+          </a:lnRef>
+          <a:fillRef idx="0">
+            <a:schemeClr val="dk1"/>
+          </a:fillRef>
+          <a:effectRef idx="1">
+            <a:schemeClr val="dk1"/>
+          </a:effectRef>
+          <a:fontRef idx="minor">
+            <a:schemeClr val="tx1"/>
+          </a:fontRef>
+        </p:style>
+      </p:cxnSp>
+      <p:sp>
+        <p:nvSpPr>
+          <p:cNvPr id="6" name="TextBox 5">
+            <a:extLst>
+              <a:ext uri="{FF2B5EF4-FFF2-40B4-BE49-F238E27FC236}">
+                <a16:creationId xmlns:a16="http://schemas.microsoft.com/office/drawing/2014/main" id="{AF90140C-649F-7C86-7592-502F5840BCFA}"/>
+              </a:ext>
+            </a:extLst>
+          </p:cNvPr>
+          <p:cNvSpPr txBox="1"/>
+          <p:nvPr/>
+        </p:nvSpPr>
+        <p:spPr>
+          <a:xfrm>
+            <a:off x="2660072" y="2805055"/>
+            <a:ext cx="3686394" cy="584775"/>
+          </a:xfrm>
+          <a:prstGeom prst="rect">
+            <a:avLst/>
+          </a:prstGeom>
+          <a:noFill/>
+        </p:spPr>
+        <p:txBody>
+          <a:bodyPr wrap="none" rtlCol="0">
+            <a:spAutoFit/>
+          </a:bodyPr>
+          <a:lstStyle/>
+          <a:p>
+            <a:r>
+              <a:rPr lang="en-US" sz="3200" dirty="0"/>
+              <a:t>Structing your Code</a:t>
+            </a:r>
+          </a:p>
+        </p:txBody>
+      </p:sp>
+    </p:spTree>
+    <p:extLst>
+      <p:ext uri="{BB962C8B-B14F-4D97-AF65-F5344CB8AC3E}">
+        <p14:creationId xmlns:p14="http://schemas.microsoft.com/office/powerpoint/2010/main" val="1534946074"/>
+      </p:ext>
+    </p:extLst>
+  </p:cSld>
+  <p:clrMapOvr>
+    <a:masterClrMapping/>
+  </p:clrMapOvr>
+</p:sld>
+</file>
+
+<file path=ppt/slides/slide53.xml><?xml version="1.0" encoding="utf-8"?>
+<p:sld xmlns:a="http://schemas.openxmlformats.org/drawingml/2006/main" xmlns:r="http://schemas.openxmlformats.org/officeDocument/2006/relationships" xmlns:p="http://schemas.openxmlformats.org/presentationml/2006/main">
+  <p:cSld>
+    <p:spTree>
+      <p:nvGrpSpPr>
+        <p:cNvPr id="1" name=""/>
+        <p:cNvGrpSpPr/>
+        <p:nvPr/>
+      </p:nvGrpSpPr>
+      <p:grpSpPr>
+        <a:xfrm>
+          <a:off x="0" y="0"/>
+          <a:ext cx="0" cy="0"/>
+          <a:chOff x="0" y="0"/>
+          <a:chExt cx="0" cy="0"/>
+        </a:xfrm>
+      </p:grpSpPr>
+      <p:sp>
+        <p:nvSpPr>
+          <p:cNvPr id="2" name="Title 1">
+            <a:extLst>
+              <a:ext uri="{FF2B5EF4-FFF2-40B4-BE49-F238E27FC236}">
+                <a16:creationId xmlns:a16="http://schemas.microsoft.com/office/drawing/2014/main" id="{6829AC6A-E2CE-F718-5AF2-76AD030FB704}"/>
+              </a:ext>
+            </a:extLst>
+          </p:cNvPr>
+          <p:cNvSpPr>
+            <a:spLocks noGrp="1"/>
+          </p:cNvSpPr>
+          <p:nvPr>
+            <p:ph type="title"/>
+          </p:nvPr>
+        </p:nvSpPr>
+        <p:spPr/>
+        <p:txBody>
+          <a:bodyPr/>
+          <a:lstStyle/>
+          <a:p>
+            <a:r>
+              <a:rPr lang="en-US" dirty="0"/>
+              <a:t>What’s </a:t>
+            </a:r>
+            <a:r>
+              <a:rPr lang="en-US" dirty="0" err="1"/>
+              <a:t>MVc</a:t>
+            </a:r>
+            <a:r>
+              <a:rPr lang="en-US" dirty="0"/>
+              <a:t>?</a:t>
+            </a:r>
+          </a:p>
+        </p:txBody>
+      </p:sp>
+      <p:sp>
+        <p:nvSpPr>
+          <p:cNvPr id="4" name="Rectangle 3">
+            <a:extLst>
+              <a:ext uri="{FF2B5EF4-FFF2-40B4-BE49-F238E27FC236}">
+                <a16:creationId xmlns:a16="http://schemas.microsoft.com/office/drawing/2014/main" id="{492F0D6C-76FF-452B-54EF-328E73425007}"/>
+              </a:ext>
+            </a:extLst>
+          </p:cNvPr>
+          <p:cNvSpPr/>
+          <p:nvPr/>
+        </p:nvSpPr>
+        <p:spPr>
+          <a:xfrm>
+            <a:off x="681644" y="2111433"/>
+            <a:ext cx="2294313" cy="565265"/>
+          </a:xfrm>
+          <a:prstGeom prst="rect">
+            <a:avLst/>
+          </a:prstGeom>
+        </p:spPr>
+        <p:style>
+          <a:lnRef idx="2">
+            <a:schemeClr val="accent1">
+              <a:shade val="15000"/>
+            </a:schemeClr>
+          </a:lnRef>
+          <a:fillRef idx="1">
+            <a:schemeClr val="accent1"/>
+          </a:fillRef>
+          <a:effectRef idx="0">
+            <a:schemeClr val="accent1"/>
+          </a:effectRef>
+          <a:fontRef idx="minor">
+            <a:schemeClr val="lt1"/>
+          </a:fontRef>
+        </p:style>
+        <p:txBody>
+          <a:bodyPr rtlCol="0" anchor="ctr"/>
+          <a:lstStyle/>
+          <a:p>
+            <a:pPr algn="ctr"/>
+            <a:r>
+              <a:rPr lang="en-US" dirty="0"/>
+              <a:t>Routes</a:t>
+            </a:r>
+          </a:p>
+        </p:txBody>
+      </p:sp>
+      <p:sp>
+        <p:nvSpPr>
+          <p:cNvPr id="5" name="Rectangle 4">
+            <a:extLst>
+              <a:ext uri="{FF2B5EF4-FFF2-40B4-BE49-F238E27FC236}">
+                <a16:creationId xmlns:a16="http://schemas.microsoft.com/office/drawing/2014/main" id="{6DF244F8-8BA0-6F6D-35B6-C303ED60A85D}"/>
+              </a:ext>
+            </a:extLst>
+          </p:cNvPr>
+          <p:cNvSpPr/>
+          <p:nvPr/>
+        </p:nvSpPr>
+        <p:spPr>
+          <a:xfrm>
+            <a:off x="665019" y="2863735"/>
+            <a:ext cx="2294313" cy="565265"/>
+          </a:xfrm>
+          <a:prstGeom prst="rect">
+            <a:avLst/>
+          </a:prstGeom>
+        </p:spPr>
+        <p:style>
+          <a:lnRef idx="2">
+            <a:schemeClr val="accent1">
+              <a:shade val="15000"/>
+            </a:schemeClr>
+          </a:lnRef>
+          <a:fillRef idx="1">
+            <a:schemeClr val="accent1"/>
+          </a:fillRef>
+          <a:effectRef idx="0">
+            <a:schemeClr val="accent1"/>
+          </a:effectRef>
+          <a:fontRef idx="minor">
+            <a:schemeClr val="lt1"/>
+          </a:fontRef>
+        </p:style>
+        <p:txBody>
+          <a:bodyPr rtlCol="0" anchor="ctr"/>
+          <a:lstStyle/>
+          <a:p>
+            <a:pPr algn="ctr"/>
+            <a:r>
+              <a:rPr lang="en-US" dirty="0"/>
+              <a:t>Controllers</a:t>
+            </a:r>
+          </a:p>
+        </p:txBody>
+      </p:sp>
+      <p:sp>
+        <p:nvSpPr>
+          <p:cNvPr id="6" name="Rectangle 5">
+            <a:extLst>
+              <a:ext uri="{FF2B5EF4-FFF2-40B4-BE49-F238E27FC236}">
+                <a16:creationId xmlns:a16="http://schemas.microsoft.com/office/drawing/2014/main" id="{E84FA3D8-8C2F-C8B4-2668-7E3419881C3C}"/>
+              </a:ext>
+            </a:extLst>
+          </p:cNvPr>
+          <p:cNvSpPr/>
+          <p:nvPr/>
+        </p:nvSpPr>
+        <p:spPr>
+          <a:xfrm>
+            <a:off x="681644" y="3761509"/>
+            <a:ext cx="2294313" cy="1026622"/>
+          </a:xfrm>
+          <a:prstGeom prst="rect">
+            <a:avLst/>
+          </a:prstGeom>
+        </p:spPr>
+        <p:style>
+          <a:lnRef idx="2">
+            <a:schemeClr val="accent1">
+              <a:shade val="15000"/>
+            </a:schemeClr>
+          </a:lnRef>
+          <a:fillRef idx="1">
+            <a:schemeClr val="accent1"/>
+          </a:fillRef>
+          <a:effectRef idx="0">
+            <a:schemeClr val="accent1"/>
+          </a:effectRef>
+          <a:fontRef idx="minor">
+            <a:schemeClr val="lt1"/>
+          </a:fontRef>
+        </p:style>
+        <p:txBody>
+          <a:bodyPr rtlCol="0" anchor="ctr"/>
+          <a:lstStyle/>
+          <a:p>
+            <a:pPr algn="ctr"/>
+            <a:r>
+              <a:rPr lang="en-US" dirty="0"/>
+              <a:t>Connecting your Models and your Views</a:t>
+            </a:r>
+          </a:p>
+        </p:txBody>
+      </p:sp>
+      <p:sp>
+        <p:nvSpPr>
+          <p:cNvPr id="7" name="Rectangle 6">
+            <a:extLst>
+              <a:ext uri="{FF2B5EF4-FFF2-40B4-BE49-F238E27FC236}">
+                <a16:creationId xmlns:a16="http://schemas.microsoft.com/office/drawing/2014/main" id="{DA6A6987-E57A-7C25-9697-A4D412CDFCFE}"/>
+              </a:ext>
+            </a:extLst>
+          </p:cNvPr>
+          <p:cNvSpPr/>
+          <p:nvPr/>
+        </p:nvSpPr>
+        <p:spPr>
+          <a:xfrm>
+            <a:off x="681644" y="5120640"/>
+            <a:ext cx="2294313" cy="1026622"/>
+          </a:xfrm>
+          <a:prstGeom prst="rect">
+            <a:avLst/>
+          </a:prstGeom>
+        </p:spPr>
+        <p:style>
+          <a:lnRef idx="2">
+            <a:schemeClr val="accent1">
+              <a:shade val="15000"/>
+            </a:schemeClr>
+          </a:lnRef>
+          <a:fillRef idx="1">
+            <a:schemeClr val="accent1"/>
+          </a:fillRef>
+          <a:effectRef idx="0">
+            <a:schemeClr val="accent1"/>
+          </a:effectRef>
+          <a:fontRef idx="minor">
+            <a:schemeClr val="lt1"/>
+          </a:fontRef>
+        </p:style>
+        <p:txBody>
+          <a:bodyPr rtlCol="0" anchor="ctr"/>
+          <a:lstStyle/>
+          <a:p>
+            <a:pPr algn="ctr"/>
+            <a:r>
+              <a:rPr lang="en-US" dirty="0"/>
+              <a:t>Contains the “in-between logic”</a:t>
+            </a:r>
+          </a:p>
+        </p:txBody>
+      </p:sp>
+      <p:sp>
+        <p:nvSpPr>
+          <p:cNvPr id="8" name="Rectangle 7">
+            <a:extLst>
+              <a:ext uri="{FF2B5EF4-FFF2-40B4-BE49-F238E27FC236}">
+                <a16:creationId xmlns:a16="http://schemas.microsoft.com/office/drawing/2014/main" id="{51FBA7BD-D953-0116-15DE-6F3FFE633B33}"/>
+              </a:ext>
+            </a:extLst>
+          </p:cNvPr>
+          <p:cNvSpPr/>
+          <p:nvPr/>
+        </p:nvSpPr>
+        <p:spPr>
+          <a:xfrm>
+            <a:off x="4572001" y="2818015"/>
+            <a:ext cx="2294313" cy="565265"/>
+          </a:xfrm>
+          <a:prstGeom prst="rect">
+            <a:avLst/>
+          </a:prstGeom>
+        </p:spPr>
+        <p:style>
+          <a:lnRef idx="2">
+            <a:schemeClr val="accent1">
+              <a:shade val="15000"/>
+            </a:schemeClr>
+          </a:lnRef>
+          <a:fillRef idx="1">
+            <a:schemeClr val="accent1"/>
+          </a:fillRef>
+          <a:effectRef idx="0">
+            <a:schemeClr val="accent1"/>
+          </a:effectRef>
+          <a:fontRef idx="minor">
+            <a:schemeClr val="lt1"/>
+          </a:fontRef>
+        </p:style>
+        <p:txBody>
+          <a:bodyPr rtlCol="0" anchor="ctr"/>
+          <a:lstStyle/>
+          <a:p>
+            <a:pPr algn="ctr"/>
+            <a:r>
+              <a:rPr lang="en-US" dirty="0"/>
+              <a:t>Views</a:t>
+            </a:r>
+          </a:p>
+        </p:txBody>
+      </p:sp>
+      <p:sp>
+        <p:nvSpPr>
+          <p:cNvPr id="10" name="Rectangle 9">
+            <a:extLst>
+              <a:ext uri="{FF2B5EF4-FFF2-40B4-BE49-F238E27FC236}">
+                <a16:creationId xmlns:a16="http://schemas.microsoft.com/office/drawing/2014/main" id="{C6108F63-79DF-0BCF-B72E-A7C15AF909B5}"/>
+              </a:ext>
+            </a:extLst>
+          </p:cNvPr>
+          <p:cNvSpPr/>
+          <p:nvPr/>
+        </p:nvSpPr>
+        <p:spPr>
+          <a:xfrm>
+            <a:off x="4572000" y="3761509"/>
+            <a:ext cx="2294313" cy="1026622"/>
+          </a:xfrm>
+          <a:prstGeom prst="rect">
+            <a:avLst/>
+          </a:prstGeom>
+        </p:spPr>
+        <p:style>
+          <a:lnRef idx="2">
+            <a:schemeClr val="accent1">
+              <a:shade val="15000"/>
+            </a:schemeClr>
+          </a:lnRef>
+          <a:fillRef idx="1">
+            <a:schemeClr val="accent1"/>
+          </a:fillRef>
+          <a:effectRef idx="0">
+            <a:schemeClr val="accent1"/>
+          </a:effectRef>
+          <a:fontRef idx="minor">
+            <a:schemeClr val="lt1"/>
+          </a:fontRef>
+        </p:style>
+        <p:txBody>
+          <a:bodyPr rtlCol="0" anchor="ctr"/>
+          <a:lstStyle/>
+          <a:p>
+            <a:pPr algn="ctr"/>
+            <a:r>
+              <a:rPr lang="en-US" dirty="0"/>
+              <a:t>What the users sees</a:t>
+            </a:r>
+          </a:p>
+        </p:txBody>
+      </p:sp>
+      <p:sp>
+        <p:nvSpPr>
+          <p:cNvPr id="11" name="Rectangle 10">
+            <a:extLst>
+              <a:ext uri="{FF2B5EF4-FFF2-40B4-BE49-F238E27FC236}">
+                <a16:creationId xmlns:a16="http://schemas.microsoft.com/office/drawing/2014/main" id="{61F426D1-9F65-DD70-F04D-B7D4D2DF8459}"/>
+              </a:ext>
+            </a:extLst>
+          </p:cNvPr>
+          <p:cNvSpPr/>
+          <p:nvPr/>
+        </p:nvSpPr>
+        <p:spPr>
+          <a:xfrm>
+            <a:off x="4572000" y="5120640"/>
+            <a:ext cx="2294313" cy="1026622"/>
+          </a:xfrm>
+          <a:prstGeom prst="rect">
+            <a:avLst/>
+          </a:prstGeom>
+        </p:spPr>
+        <p:style>
+          <a:lnRef idx="2">
+            <a:schemeClr val="accent1">
+              <a:shade val="15000"/>
+            </a:schemeClr>
+          </a:lnRef>
+          <a:fillRef idx="1">
+            <a:schemeClr val="accent1"/>
+          </a:fillRef>
+          <a:effectRef idx="0">
+            <a:schemeClr val="accent1"/>
+          </a:effectRef>
+          <a:fontRef idx="minor">
+            <a:schemeClr val="lt1"/>
+          </a:fontRef>
+        </p:style>
+        <p:txBody>
+          <a:bodyPr rtlCol="0" anchor="ctr"/>
+          <a:lstStyle/>
+          <a:p>
+            <a:pPr algn="ctr"/>
+            <a:r>
+              <a:rPr lang="en-US" dirty="0"/>
+              <a:t>Decoupled from your application code</a:t>
+            </a:r>
+          </a:p>
+        </p:txBody>
+      </p:sp>
+      <p:sp>
+        <p:nvSpPr>
+          <p:cNvPr id="12" name="Rectangle 11">
+            <a:extLst>
+              <a:ext uri="{FF2B5EF4-FFF2-40B4-BE49-F238E27FC236}">
+                <a16:creationId xmlns:a16="http://schemas.microsoft.com/office/drawing/2014/main" id="{DA6E2D93-74FB-91EB-BFED-03BC96CC67F7}"/>
+              </a:ext>
+            </a:extLst>
+          </p:cNvPr>
+          <p:cNvSpPr/>
+          <p:nvPr/>
+        </p:nvSpPr>
+        <p:spPr>
+          <a:xfrm>
+            <a:off x="8096597" y="2840398"/>
+            <a:ext cx="2294313" cy="565265"/>
+          </a:xfrm>
+          <a:prstGeom prst="rect">
+            <a:avLst/>
+          </a:prstGeom>
+        </p:spPr>
+        <p:style>
+          <a:lnRef idx="2">
+            <a:schemeClr val="accent1">
+              <a:shade val="15000"/>
+            </a:schemeClr>
+          </a:lnRef>
+          <a:fillRef idx="1">
+            <a:schemeClr val="accent1"/>
+          </a:fillRef>
+          <a:effectRef idx="0">
+            <a:schemeClr val="accent1"/>
+          </a:effectRef>
+          <a:fontRef idx="minor">
+            <a:schemeClr val="lt1"/>
+          </a:fontRef>
+        </p:style>
+        <p:txBody>
+          <a:bodyPr rtlCol="0" anchor="ctr"/>
+          <a:lstStyle/>
+          <a:p>
+            <a:pPr algn="ctr"/>
+            <a:r>
+              <a:rPr lang="en-US" dirty="0"/>
+              <a:t>Models</a:t>
+            </a:r>
+          </a:p>
+        </p:txBody>
+      </p:sp>
+      <p:sp>
+        <p:nvSpPr>
+          <p:cNvPr id="13" name="Rectangle 12">
+            <a:extLst>
+              <a:ext uri="{FF2B5EF4-FFF2-40B4-BE49-F238E27FC236}">
+                <a16:creationId xmlns:a16="http://schemas.microsoft.com/office/drawing/2014/main" id="{B55E48E9-0514-2666-1F95-43E721B5414D}"/>
+              </a:ext>
+            </a:extLst>
+          </p:cNvPr>
+          <p:cNvSpPr/>
+          <p:nvPr/>
+        </p:nvSpPr>
+        <p:spPr>
+          <a:xfrm>
+            <a:off x="8179724" y="3761509"/>
+            <a:ext cx="2294313" cy="1026622"/>
+          </a:xfrm>
+          <a:prstGeom prst="rect">
+            <a:avLst/>
+          </a:prstGeom>
+        </p:spPr>
+        <p:style>
+          <a:lnRef idx="2">
+            <a:schemeClr val="accent1">
+              <a:shade val="15000"/>
+            </a:schemeClr>
+          </a:lnRef>
+          <a:fillRef idx="1">
+            <a:schemeClr val="accent1"/>
+          </a:fillRef>
+          <a:effectRef idx="0">
+            <a:schemeClr val="accent1"/>
+          </a:effectRef>
+          <a:fontRef idx="minor">
+            <a:schemeClr val="lt1"/>
+          </a:fontRef>
+        </p:style>
+        <p:txBody>
+          <a:bodyPr rtlCol="0" anchor="ctr"/>
+          <a:lstStyle/>
+          <a:p>
+            <a:pPr algn="ctr"/>
+            <a:r>
+              <a:rPr lang="en-US" dirty="0"/>
+              <a:t>Represent your data in your code</a:t>
+            </a:r>
+          </a:p>
+        </p:txBody>
+      </p:sp>
+      <p:sp>
+        <p:nvSpPr>
+          <p:cNvPr id="14" name="Rectangle 13">
+            <a:extLst>
+              <a:ext uri="{FF2B5EF4-FFF2-40B4-BE49-F238E27FC236}">
+                <a16:creationId xmlns:a16="http://schemas.microsoft.com/office/drawing/2014/main" id="{9E559547-0BF4-4647-A930-6FAA21A0076F}"/>
+              </a:ext>
+            </a:extLst>
+          </p:cNvPr>
+          <p:cNvSpPr/>
+          <p:nvPr/>
+        </p:nvSpPr>
+        <p:spPr>
+          <a:xfrm>
+            <a:off x="8179724" y="5120640"/>
+            <a:ext cx="2294313" cy="1026622"/>
+          </a:xfrm>
+          <a:prstGeom prst="rect">
+            <a:avLst/>
+          </a:prstGeom>
+        </p:spPr>
+        <p:style>
+          <a:lnRef idx="2">
+            <a:schemeClr val="accent1">
+              <a:shade val="15000"/>
+            </a:schemeClr>
+          </a:lnRef>
+          <a:fillRef idx="1">
+            <a:schemeClr val="accent1"/>
+          </a:fillRef>
+          <a:effectRef idx="0">
+            <a:schemeClr val="accent1"/>
+          </a:effectRef>
+          <a:fontRef idx="minor">
+            <a:schemeClr val="lt1"/>
+          </a:fontRef>
+        </p:style>
+        <p:txBody>
+          <a:bodyPr rtlCol="0" anchor="ctr"/>
+          <a:lstStyle/>
+          <a:p>
+            <a:pPr algn="ctr"/>
+            <a:r>
+              <a:rPr lang="en-US" dirty="0"/>
+              <a:t>Work with your data (e.g. save, fetch)</a:t>
+            </a:r>
+          </a:p>
+        </p:txBody>
+      </p:sp>
+    </p:spTree>
+    <p:extLst>
+      <p:ext uri="{BB962C8B-B14F-4D97-AF65-F5344CB8AC3E}">
+        <p14:creationId xmlns:p14="http://schemas.microsoft.com/office/powerpoint/2010/main" val="1672645595"/>
+      </p:ext>
+    </p:extLst>
+  </p:cSld>
+  <p:clrMapOvr>
+    <a:masterClrMapping/>
+  </p:clrMapOvr>
+</p:sld>
+</file>
+
+<file path=ppt/slides/slide54.xml><?xml version="1.0" encoding="utf-8"?>
+<p:sld xmlns:a="http://schemas.openxmlformats.org/drawingml/2006/main" xmlns:r="http://schemas.openxmlformats.org/officeDocument/2006/relationships" xmlns:p="http://schemas.openxmlformats.org/presentationml/2006/main">
+  <p:cSld>
+    <p:spTree>
+      <p:nvGrpSpPr>
+        <p:cNvPr id="1" name=""/>
+        <p:cNvGrpSpPr/>
+        <p:nvPr/>
+      </p:nvGrpSpPr>
+      <p:grpSpPr>
+        <a:xfrm>
+          <a:off x="0" y="0"/>
+          <a:ext cx="0" cy="0"/>
+          <a:chOff x="0" y="0"/>
+          <a:chExt cx="0" cy="0"/>
+        </a:xfrm>
+      </p:grpSpPr>
+      <p:sp>
+        <p:nvSpPr>
+          <p:cNvPr id="2" name="Title 1">
+            <a:extLst>
+              <a:ext uri="{FF2B5EF4-FFF2-40B4-BE49-F238E27FC236}">
+                <a16:creationId xmlns:a16="http://schemas.microsoft.com/office/drawing/2014/main" id="{C622F22F-DCB4-F60E-1E4F-740F269425D1}"/>
+              </a:ext>
+            </a:extLst>
+          </p:cNvPr>
+          <p:cNvSpPr>
+            <a:spLocks noGrp="1"/>
+          </p:cNvSpPr>
+          <p:nvPr>
+            <p:ph type="title"/>
+          </p:nvPr>
+        </p:nvSpPr>
+        <p:spPr/>
+        <p:txBody>
+          <a:bodyPr/>
+          <a:lstStyle/>
+          <a:p>
+            <a:endParaRPr lang="en-US"/>
+          </a:p>
+        </p:txBody>
+      </p:sp>
+      <p:sp>
+        <p:nvSpPr>
+          <p:cNvPr id="3" name="Content Placeholder 2">
+            <a:extLst>
+              <a:ext uri="{FF2B5EF4-FFF2-40B4-BE49-F238E27FC236}">
+                <a16:creationId xmlns:a16="http://schemas.microsoft.com/office/drawing/2014/main" id="{CB6491E3-6588-A63E-260E-5E12FC40AB79}"/>
+              </a:ext>
+            </a:extLst>
+          </p:cNvPr>
+          <p:cNvSpPr>
+            <a:spLocks noGrp="1"/>
+          </p:cNvSpPr>
+          <p:nvPr>
+            <p:ph idx="1"/>
+          </p:nvPr>
+        </p:nvSpPr>
+        <p:spPr/>
+        <p:txBody>
+          <a:bodyPr/>
+          <a:lstStyle/>
+          <a:p>
+            <a:r>
+              <a:rPr lang="en-US" dirty="0"/>
+              <a:t>Adding controllers</a:t>
+            </a:r>
+          </a:p>
+          <a:p>
+            <a:r>
+              <a:rPr lang="en-US" dirty="0"/>
+              <a:t>Finishing </a:t>
+            </a:r>
+            <a:r>
+              <a:rPr lang="en-US"/>
+              <a:t>the controllers</a:t>
+            </a:r>
+          </a:p>
+          <a:p>
+            <a:endParaRPr lang="en-US"/>
+          </a:p>
+        </p:txBody>
+      </p:sp>
+    </p:spTree>
+    <p:extLst>
+      <p:ext uri="{BB962C8B-B14F-4D97-AF65-F5344CB8AC3E}">
+        <p14:creationId xmlns:p14="http://schemas.microsoft.com/office/powerpoint/2010/main" val="1206494665"/>
       </p:ext>
     </p:extLst>
   </p:cSld>

--- a/node/Nodejs.pptx
+++ b/node/Nodejs.pptx
@@ -59,6 +59,9 @@
     <p:sldId id="308" r:id="rId53"/>
     <p:sldId id="309" r:id="rId54"/>
     <p:sldId id="310" r:id="rId55"/>
+    <p:sldId id="313" r:id="rId56"/>
+    <p:sldId id="311" r:id="rId57"/>
+    <p:sldId id="312" r:id="rId58"/>
   </p:sldIdLst>
   <p:sldSz cx="12192000" cy="6858000"/>
   <p:notesSz cx="6858000" cy="9144000"/>
@@ -342,7 +345,7 @@
           <a:p>
             <a:fld id="{7239F38A-DCDF-6E4C-B9CE-23AD5C77A21C}" type="datetimeFigureOut">
               <a:rPr lang="en-US" smtClean="0"/>
-              <a:t>2/3/25</a:t>
+              <a:t>2/4/25</a:t>
             </a:fld>
             <a:endParaRPr lang="en-US"/>
           </a:p>
@@ -542,7 +545,7 @@
           <a:p>
             <a:fld id="{7239F38A-DCDF-6E4C-B9CE-23AD5C77A21C}" type="datetimeFigureOut">
               <a:rPr lang="en-US" smtClean="0"/>
-              <a:t>2/3/25</a:t>
+              <a:t>2/4/25</a:t>
             </a:fld>
             <a:endParaRPr lang="en-US"/>
           </a:p>
@@ -752,7 +755,7 @@
           <a:p>
             <a:fld id="{7239F38A-DCDF-6E4C-B9CE-23AD5C77A21C}" type="datetimeFigureOut">
               <a:rPr lang="en-US" smtClean="0"/>
-              <a:t>2/3/25</a:t>
+              <a:t>2/4/25</a:t>
             </a:fld>
             <a:endParaRPr lang="en-US"/>
           </a:p>
@@ -952,7 +955,7 @@
           <a:p>
             <a:fld id="{7239F38A-DCDF-6E4C-B9CE-23AD5C77A21C}" type="datetimeFigureOut">
               <a:rPr lang="en-US" smtClean="0"/>
-              <a:t>2/3/25</a:t>
+              <a:t>2/4/25</a:t>
             </a:fld>
             <a:endParaRPr lang="en-US"/>
           </a:p>
@@ -1228,7 +1231,7 @@
           <a:p>
             <a:fld id="{7239F38A-DCDF-6E4C-B9CE-23AD5C77A21C}" type="datetimeFigureOut">
               <a:rPr lang="en-US" smtClean="0"/>
-              <a:t>2/3/25</a:t>
+              <a:t>2/4/25</a:t>
             </a:fld>
             <a:endParaRPr lang="en-US"/>
           </a:p>
@@ -1496,7 +1499,7 @@
           <a:p>
             <a:fld id="{7239F38A-DCDF-6E4C-B9CE-23AD5C77A21C}" type="datetimeFigureOut">
               <a:rPr lang="en-US" smtClean="0"/>
-              <a:t>2/3/25</a:t>
+              <a:t>2/4/25</a:t>
             </a:fld>
             <a:endParaRPr lang="en-US"/>
           </a:p>
@@ -1911,7 +1914,7 @@
           <a:p>
             <a:fld id="{7239F38A-DCDF-6E4C-B9CE-23AD5C77A21C}" type="datetimeFigureOut">
               <a:rPr lang="en-US" smtClean="0"/>
-              <a:t>2/3/25</a:t>
+              <a:t>2/4/25</a:t>
             </a:fld>
             <a:endParaRPr lang="en-US"/>
           </a:p>
@@ -2053,7 +2056,7 @@
           <a:p>
             <a:fld id="{7239F38A-DCDF-6E4C-B9CE-23AD5C77A21C}" type="datetimeFigureOut">
               <a:rPr lang="en-US" smtClean="0"/>
-              <a:t>2/3/25</a:t>
+              <a:t>2/4/25</a:t>
             </a:fld>
             <a:endParaRPr lang="en-US"/>
           </a:p>
@@ -2166,7 +2169,7 @@
           <a:p>
             <a:fld id="{7239F38A-DCDF-6E4C-B9CE-23AD5C77A21C}" type="datetimeFigureOut">
               <a:rPr lang="en-US" smtClean="0"/>
-              <a:t>2/3/25</a:t>
+              <a:t>2/4/25</a:t>
             </a:fld>
             <a:endParaRPr lang="en-US"/>
           </a:p>
@@ -2479,7 +2482,7 @@
           <a:p>
             <a:fld id="{7239F38A-DCDF-6E4C-B9CE-23AD5C77A21C}" type="datetimeFigureOut">
               <a:rPr lang="en-US" smtClean="0"/>
-              <a:t>2/3/25</a:t>
+              <a:t>2/4/25</a:t>
             </a:fld>
             <a:endParaRPr lang="en-US"/>
           </a:p>
@@ -2768,7 +2771,7 @@
           <a:p>
             <a:fld id="{7239F38A-DCDF-6E4C-B9CE-23AD5C77A21C}" type="datetimeFigureOut">
               <a:rPr lang="en-US" smtClean="0"/>
-              <a:t>2/3/25</a:t>
+              <a:t>2/4/25</a:t>
             </a:fld>
             <a:endParaRPr lang="en-US"/>
           </a:p>
@@ -3011,7 +3014,7 @@
           <a:p>
             <a:fld id="{7239F38A-DCDF-6E4C-B9CE-23AD5C77A21C}" type="datetimeFigureOut">
               <a:rPr lang="en-US" smtClean="0"/>
-              <a:t>2/3/25</a:t>
+              <a:t>2/4/25</a:t>
             </a:fld>
             <a:endParaRPr lang="en-US"/>
           </a:p>
@@ -19560,15 +19563,23 @@
           <a:p>
             <a:r>
               <a:rPr lang="en-US" dirty="0"/>
-              <a:t>Finishing </a:t>
-            </a:r>
-            <a:r>
-              <a:rPr lang="en-US"/>
-              <a:t>the controllers</a:t>
-            </a:r>
-          </a:p>
-          <a:p>
-            <a:endParaRPr lang="en-US"/>
+              <a:t>Finishing the controllers</a:t>
+            </a:r>
+          </a:p>
+          <a:p>
+            <a:r>
+              <a:rPr lang="en-US" dirty="0"/>
+              <a:t>Adding a product model</a:t>
+            </a:r>
+          </a:p>
+          <a:p>
+            <a:r>
+              <a:rPr lang="en-US" dirty="0"/>
+              <a:t>Storing data in files via the Modal</a:t>
+            </a:r>
+          </a:p>
+          <a:p>
+            <a:endParaRPr lang="en-US" dirty="0"/>
           </a:p>
         </p:txBody>
       </p:sp>
@@ -19576,6 +19587,639 @@
     <p:extLst>
       <p:ext uri="{BB962C8B-B14F-4D97-AF65-F5344CB8AC3E}">
         <p14:creationId xmlns:p14="http://schemas.microsoft.com/office/powerpoint/2010/main" val="1206494665"/>
+      </p:ext>
+    </p:extLst>
+  </p:cSld>
+  <p:clrMapOvr>
+    <a:masterClrMapping/>
+  </p:clrMapOvr>
+</p:sld>
+</file>
+
+<file path=ppt/slides/slide55.xml><?xml version="1.0" encoding="utf-8"?>
+<p:sld xmlns:a="http://schemas.openxmlformats.org/drawingml/2006/main" xmlns:r="http://schemas.openxmlformats.org/officeDocument/2006/relationships" xmlns:p="http://schemas.openxmlformats.org/presentationml/2006/main">
+  <p:cSld>
+    <p:spTree>
+      <p:nvGrpSpPr>
+        <p:cNvPr id="1" name="">
+          <a:extLst>
+            <a:ext uri="{FF2B5EF4-FFF2-40B4-BE49-F238E27FC236}">
+              <a16:creationId xmlns:a16="http://schemas.microsoft.com/office/drawing/2014/main" id="{3F2E80FC-E76D-39F3-226A-EE065185D175}"/>
+            </a:ext>
+          </a:extLst>
+        </p:cNvPr>
+        <p:cNvGrpSpPr/>
+        <p:nvPr/>
+      </p:nvGrpSpPr>
+      <p:grpSpPr>
+        <a:xfrm>
+          <a:off x="0" y="0"/>
+          <a:ext cx="0" cy="0"/>
+          <a:chOff x="0" y="0"/>
+          <a:chExt cx="0" cy="0"/>
+        </a:xfrm>
+      </p:grpSpPr>
+      <p:sp>
+        <p:nvSpPr>
+          <p:cNvPr id="4" name="TextBox 3">
+            <a:extLst>
+              <a:ext uri="{FF2B5EF4-FFF2-40B4-BE49-F238E27FC236}">
+                <a16:creationId xmlns:a16="http://schemas.microsoft.com/office/drawing/2014/main" id="{67EC4226-A5C3-DC96-F9C5-1CA16C5FA604}"/>
+              </a:ext>
+            </a:extLst>
+          </p:cNvPr>
+          <p:cNvSpPr txBox="1"/>
+          <p:nvPr/>
+        </p:nvSpPr>
+        <p:spPr>
+          <a:xfrm>
+            <a:off x="5300870" y="397565"/>
+            <a:ext cx="1940211" cy="369332"/>
+          </a:xfrm>
+          <a:prstGeom prst="rect">
+            <a:avLst/>
+          </a:prstGeom>
+          <a:noFill/>
+        </p:spPr>
+        <p:txBody>
+          <a:bodyPr wrap="none" rtlCol="0">
+            <a:spAutoFit/>
+          </a:bodyPr>
+          <a:lstStyle/>
+          <a:p>
+            <a:r>
+              <a:rPr lang="en-US" dirty="0"/>
+              <a:t>Module Summary</a:t>
+            </a:r>
+          </a:p>
+        </p:txBody>
+      </p:sp>
+      <p:grpSp>
+        <p:nvGrpSpPr>
+          <p:cNvPr id="7" name="Group 6">
+            <a:extLst>
+              <a:ext uri="{FF2B5EF4-FFF2-40B4-BE49-F238E27FC236}">
+                <a16:creationId xmlns:a16="http://schemas.microsoft.com/office/drawing/2014/main" id="{F4C8F506-AD23-EDE9-7C93-01B5D2FD64F6}"/>
+              </a:ext>
+            </a:extLst>
+          </p:cNvPr>
+          <p:cNvGrpSpPr/>
+          <p:nvPr/>
+        </p:nvGrpSpPr>
+        <p:grpSpPr>
+          <a:xfrm>
+            <a:off x="318052" y="766897"/>
+            <a:ext cx="5274366" cy="2983468"/>
+            <a:chOff x="318051" y="766897"/>
+            <a:chExt cx="5596999" cy="1181173"/>
+          </a:xfrm>
+        </p:grpSpPr>
+        <p:sp>
+          <p:nvSpPr>
+            <p:cNvPr id="5" name="Rectangle 4">
+              <a:extLst>
+                <a:ext uri="{FF2B5EF4-FFF2-40B4-BE49-F238E27FC236}">
+                  <a16:creationId xmlns:a16="http://schemas.microsoft.com/office/drawing/2014/main" id="{AE7900AF-F5CA-4DF9-D050-EBA7FFCBAC7D}"/>
+                </a:ext>
+              </a:extLst>
+            </p:cNvPr>
+            <p:cNvSpPr/>
+            <p:nvPr/>
+          </p:nvSpPr>
+          <p:spPr>
+            <a:xfrm>
+              <a:off x="318051" y="766897"/>
+              <a:ext cx="5596999" cy="1181173"/>
+            </a:xfrm>
+            <a:prstGeom prst="rect">
+              <a:avLst/>
+            </a:prstGeom>
+            <a:solidFill>
+              <a:schemeClr val="accent2">
+                <a:lumMod val="60000"/>
+                <a:lumOff val="40000"/>
+              </a:schemeClr>
+            </a:solidFill>
+          </p:spPr>
+          <p:style>
+            <a:lnRef idx="2">
+              <a:schemeClr val="accent6"/>
+            </a:lnRef>
+            <a:fillRef idx="1">
+              <a:schemeClr val="lt1"/>
+            </a:fillRef>
+            <a:effectRef idx="0">
+              <a:schemeClr val="accent6"/>
+            </a:effectRef>
+            <a:fontRef idx="minor">
+              <a:schemeClr val="dk1"/>
+            </a:fontRef>
+          </p:style>
+          <p:txBody>
+            <a:bodyPr rtlCol="0" anchor="ctr"/>
+            <a:lstStyle/>
+            <a:p>
+              <a:pPr marL="285750" indent="-285750">
+                <a:buFont typeface="Arial" panose="020B0604020202020204" pitchFamily="34" charset="0"/>
+                <a:buChar char="•"/>
+              </a:pPr>
+              <a:r>
+                <a:rPr lang="en-US" sz="2000" dirty="0"/>
+                <a:t>Responsible for representing your data</a:t>
+              </a:r>
+            </a:p>
+            <a:p>
+              <a:pPr marL="285750" indent="-285750">
+                <a:buFont typeface="Arial" panose="020B0604020202020204" pitchFamily="34" charset="0"/>
+                <a:buChar char="•"/>
+              </a:pPr>
+              <a:r>
+                <a:rPr lang="en-US" sz="2000" dirty="0"/>
+                <a:t>Responsible for managing your data (saving, fetching,…)</a:t>
+              </a:r>
+            </a:p>
+            <a:p>
+              <a:pPr marL="285750" indent="-285750">
+                <a:buFont typeface="Arial" panose="020B0604020202020204" pitchFamily="34" charset="0"/>
+                <a:buChar char="•"/>
+              </a:pPr>
+              <a:r>
+                <a:rPr lang="en-US" sz="2000" dirty="0"/>
+                <a:t>Doesn’t matter if you manage data in memory, fields, databases</a:t>
+              </a:r>
+            </a:p>
+            <a:p>
+              <a:pPr marL="285750" indent="-285750">
+                <a:buFont typeface="Arial" panose="020B0604020202020204" pitchFamily="34" charset="0"/>
+                <a:buChar char="•"/>
+              </a:pPr>
+              <a:r>
+                <a:rPr lang="en-US" sz="2000" dirty="0"/>
+                <a:t>Contains data-related logic</a:t>
+              </a:r>
+            </a:p>
+          </p:txBody>
+        </p:sp>
+        <p:sp>
+          <p:nvSpPr>
+            <p:cNvPr id="6" name="Rectangle 5">
+              <a:extLst>
+                <a:ext uri="{FF2B5EF4-FFF2-40B4-BE49-F238E27FC236}">
+                  <a16:creationId xmlns:a16="http://schemas.microsoft.com/office/drawing/2014/main" id="{4899C237-6150-6104-4430-D742A93FB490}"/>
+                </a:ext>
+              </a:extLst>
+            </p:cNvPr>
+            <p:cNvSpPr/>
+            <p:nvPr/>
+          </p:nvSpPr>
+          <p:spPr>
+            <a:xfrm>
+              <a:off x="318052" y="766897"/>
+              <a:ext cx="5596998" cy="152591"/>
+            </a:xfrm>
+            <a:prstGeom prst="rect">
+              <a:avLst/>
+            </a:prstGeom>
+            <a:solidFill>
+              <a:schemeClr val="accent2">
+                <a:lumMod val="50000"/>
+              </a:schemeClr>
+            </a:solidFill>
+          </p:spPr>
+          <p:style>
+            <a:lnRef idx="2">
+              <a:schemeClr val="accent1">
+                <a:shade val="15000"/>
+              </a:schemeClr>
+            </a:lnRef>
+            <a:fillRef idx="1">
+              <a:schemeClr val="accent1"/>
+            </a:fillRef>
+            <a:effectRef idx="0">
+              <a:schemeClr val="accent1"/>
+            </a:effectRef>
+            <a:fontRef idx="minor">
+              <a:schemeClr val="lt1"/>
+            </a:fontRef>
+          </p:style>
+          <p:txBody>
+            <a:bodyPr rtlCol="0" anchor="ctr"/>
+            <a:lstStyle/>
+            <a:p>
+              <a:pPr algn="ctr"/>
+              <a:r>
+                <a:rPr lang="en-US" b="1" dirty="0">
+                  <a:ln w="10160">
+                    <a:solidFill>
+                      <a:schemeClr val="accent5"/>
+                    </a:solidFill>
+                    <a:prstDash val="solid"/>
+                  </a:ln>
+                  <a:solidFill>
+                    <a:srgbClr val="FFFFFF"/>
+                  </a:solidFill>
+                  <a:effectLst>
+                    <a:outerShdw blurRad="38100" dist="22860" dir="5400000" algn="tl" rotWithShape="0">
+                      <a:srgbClr val="000000">
+                        <a:alpha val="30000"/>
+                      </a:srgbClr>
+                    </a:outerShdw>
+                  </a:effectLst>
+                </a:rPr>
+                <a:t>Model</a:t>
+              </a:r>
+            </a:p>
+          </p:txBody>
+        </p:sp>
+      </p:grpSp>
+      <p:sp>
+        <p:nvSpPr>
+          <p:cNvPr id="9" name="Rectangle 8">
+            <a:extLst>
+              <a:ext uri="{FF2B5EF4-FFF2-40B4-BE49-F238E27FC236}">
+                <a16:creationId xmlns:a16="http://schemas.microsoft.com/office/drawing/2014/main" id="{BD195CB7-1A1C-AA40-ADC9-ACE1DF547C29}"/>
+              </a:ext>
+            </a:extLst>
+          </p:cNvPr>
+          <p:cNvSpPr/>
+          <p:nvPr/>
+        </p:nvSpPr>
+        <p:spPr>
+          <a:xfrm>
+            <a:off x="6599584" y="1296983"/>
+            <a:ext cx="5274366" cy="2453382"/>
+          </a:xfrm>
+          <a:prstGeom prst="rect">
+            <a:avLst/>
+          </a:prstGeom>
+          <a:solidFill>
+            <a:schemeClr val="accent2">
+              <a:lumMod val="60000"/>
+              <a:lumOff val="40000"/>
+            </a:schemeClr>
+          </a:solidFill>
+        </p:spPr>
+        <p:style>
+          <a:lnRef idx="2">
+            <a:schemeClr val="accent6"/>
+          </a:lnRef>
+          <a:fillRef idx="1">
+            <a:schemeClr val="lt1"/>
+          </a:fillRef>
+          <a:effectRef idx="0">
+            <a:schemeClr val="accent6"/>
+          </a:effectRef>
+          <a:fontRef idx="minor">
+            <a:schemeClr val="dk1"/>
+          </a:fontRef>
+        </p:style>
+        <p:txBody>
+          <a:bodyPr rtlCol="0" anchor="ctr"/>
+          <a:lstStyle/>
+          <a:p>
+            <a:pPr marL="285750" indent="-285750" algn="ctr">
+              <a:buFont typeface="Arial" panose="020B0604020202020204" pitchFamily="34" charset="0"/>
+              <a:buChar char="•"/>
+            </a:pPr>
+            <a:r>
+              <a:rPr lang="en-US" dirty="0"/>
+              <a:t>Connects Model and View</a:t>
+            </a:r>
+          </a:p>
+          <a:p>
+            <a:pPr marL="285750" indent="-285750" algn="ctr">
+              <a:buFont typeface="Arial" panose="020B0604020202020204" pitchFamily="34" charset="0"/>
+              <a:buChar char="•"/>
+            </a:pPr>
+            <a:r>
+              <a:rPr lang="en-US" dirty="0"/>
+              <a:t>Should only make sure that the two can communicate(in both directions)</a:t>
+            </a:r>
+          </a:p>
+        </p:txBody>
+      </p:sp>
+      <p:sp>
+        <p:nvSpPr>
+          <p:cNvPr id="10" name="Rectangle 9">
+            <a:extLst>
+              <a:ext uri="{FF2B5EF4-FFF2-40B4-BE49-F238E27FC236}">
+                <a16:creationId xmlns:a16="http://schemas.microsoft.com/office/drawing/2014/main" id="{77762386-71A3-A265-BAF6-1362DFBDFEF9}"/>
+              </a:ext>
+            </a:extLst>
+          </p:cNvPr>
+          <p:cNvSpPr/>
+          <p:nvPr/>
+        </p:nvSpPr>
+        <p:spPr>
+          <a:xfrm>
+            <a:off x="6599585" y="766897"/>
+            <a:ext cx="5274365" cy="530086"/>
+          </a:xfrm>
+          <a:prstGeom prst="rect">
+            <a:avLst/>
+          </a:prstGeom>
+          <a:solidFill>
+            <a:schemeClr val="accent2">
+              <a:lumMod val="50000"/>
+            </a:schemeClr>
+          </a:solidFill>
+        </p:spPr>
+        <p:style>
+          <a:lnRef idx="2">
+            <a:schemeClr val="accent1">
+              <a:shade val="15000"/>
+            </a:schemeClr>
+          </a:lnRef>
+          <a:fillRef idx="1">
+            <a:schemeClr val="accent1"/>
+          </a:fillRef>
+          <a:effectRef idx="0">
+            <a:schemeClr val="accent1"/>
+          </a:effectRef>
+          <a:fontRef idx="minor">
+            <a:schemeClr val="lt1"/>
+          </a:fontRef>
+        </p:style>
+        <p:txBody>
+          <a:bodyPr rtlCol="0" anchor="ctr"/>
+          <a:lstStyle/>
+          <a:p>
+            <a:pPr algn="ctr"/>
+            <a:r>
+              <a:rPr lang="en-US" b="1" dirty="0">
+                <a:ln w="10160">
+                  <a:solidFill>
+                    <a:schemeClr val="accent5"/>
+                  </a:solidFill>
+                  <a:prstDash val="solid"/>
+                </a:ln>
+                <a:solidFill>
+                  <a:srgbClr val="FFFFFF"/>
+                </a:solidFill>
+                <a:effectLst>
+                  <a:outerShdw blurRad="38100" dist="22860" dir="5400000" algn="tl" rotWithShape="0">
+                    <a:srgbClr val="000000">
+                      <a:alpha val="30000"/>
+                    </a:srgbClr>
+                  </a:outerShdw>
+                </a:effectLst>
+              </a:rPr>
+              <a:t>Controller</a:t>
+            </a:r>
+          </a:p>
+        </p:txBody>
+      </p:sp>
+      <p:sp>
+        <p:nvSpPr>
+          <p:cNvPr id="15" name="Rectangle 14">
+            <a:extLst>
+              <a:ext uri="{FF2B5EF4-FFF2-40B4-BE49-F238E27FC236}">
+                <a16:creationId xmlns:a16="http://schemas.microsoft.com/office/drawing/2014/main" id="{2063E747-497C-2ADE-E9BE-A0DE3E67D8CC}"/>
+              </a:ext>
+            </a:extLst>
+          </p:cNvPr>
+          <p:cNvSpPr/>
+          <p:nvPr/>
+        </p:nvSpPr>
+        <p:spPr>
+          <a:xfrm>
+            <a:off x="318051" y="4324969"/>
+            <a:ext cx="5274365" cy="1533209"/>
+          </a:xfrm>
+          <a:prstGeom prst="rect">
+            <a:avLst/>
+          </a:prstGeom>
+          <a:solidFill>
+            <a:schemeClr val="accent2">
+              <a:lumMod val="60000"/>
+              <a:lumOff val="40000"/>
+            </a:schemeClr>
+          </a:solidFill>
+        </p:spPr>
+        <p:style>
+          <a:lnRef idx="2">
+            <a:schemeClr val="accent6"/>
+          </a:lnRef>
+          <a:fillRef idx="1">
+            <a:schemeClr val="lt1"/>
+          </a:fillRef>
+          <a:effectRef idx="0">
+            <a:schemeClr val="accent6"/>
+          </a:effectRef>
+          <a:fontRef idx="minor">
+            <a:schemeClr val="dk1"/>
+          </a:fontRef>
+        </p:style>
+        <p:txBody>
+          <a:bodyPr rtlCol="0" anchor="ctr"/>
+          <a:lstStyle/>
+          <a:p>
+            <a:pPr marL="285750" indent="-285750" algn="ctr">
+              <a:buFont typeface="Arial" panose="020B0604020202020204" pitchFamily="34" charset="0"/>
+              <a:buChar char="•"/>
+            </a:pPr>
+            <a:r>
+              <a:rPr lang="en-US" dirty="0"/>
+              <a:t>What the user sees</a:t>
+            </a:r>
+          </a:p>
+          <a:p>
+            <a:pPr marL="285750" indent="-285750" algn="ctr">
+              <a:buFont typeface="Arial" panose="020B0604020202020204" pitchFamily="34" charset="0"/>
+              <a:buChar char="•"/>
+            </a:pPr>
+            <a:r>
+              <a:rPr lang="en-US" dirty="0"/>
+              <a:t>Shouldn’t contain too much logic(Handlebars!)</a:t>
+            </a:r>
+          </a:p>
+        </p:txBody>
+      </p:sp>
+      <p:sp>
+        <p:nvSpPr>
+          <p:cNvPr id="16" name="Rectangle 15">
+            <a:extLst>
+              <a:ext uri="{FF2B5EF4-FFF2-40B4-BE49-F238E27FC236}">
+                <a16:creationId xmlns:a16="http://schemas.microsoft.com/office/drawing/2014/main" id="{3E726433-93EA-1B19-1160-C651C52380F2}"/>
+              </a:ext>
+            </a:extLst>
+          </p:cNvPr>
+          <p:cNvSpPr/>
+          <p:nvPr/>
+        </p:nvSpPr>
+        <p:spPr>
+          <a:xfrm>
+            <a:off x="318052" y="3928606"/>
+            <a:ext cx="5274365" cy="412734"/>
+          </a:xfrm>
+          <a:prstGeom prst="rect">
+            <a:avLst/>
+          </a:prstGeom>
+          <a:solidFill>
+            <a:schemeClr val="accent2">
+              <a:lumMod val="50000"/>
+            </a:schemeClr>
+          </a:solidFill>
+        </p:spPr>
+        <p:style>
+          <a:lnRef idx="2">
+            <a:schemeClr val="accent1">
+              <a:shade val="15000"/>
+            </a:schemeClr>
+          </a:lnRef>
+          <a:fillRef idx="1">
+            <a:schemeClr val="accent1"/>
+          </a:fillRef>
+          <a:effectRef idx="0">
+            <a:schemeClr val="accent1"/>
+          </a:effectRef>
+          <a:fontRef idx="minor">
+            <a:schemeClr val="lt1"/>
+          </a:fontRef>
+        </p:style>
+        <p:txBody>
+          <a:bodyPr rtlCol="0" anchor="ctr"/>
+          <a:lstStyle/>
+          <a:p>
+            <a:pPr algn="ctr"/>
+            <a:r>
+              <a:rPr lang="en-US" b="1" dirty="0">
+                <a:ln w="10160">
+                  <a:solidFill>
+                    <a:schemeClr val="accent5"/>
+                  </a:solidFill>
+                  <a:prstDash val="solid"/>
+                </a:ln>
+                <a:solidFill>
+                  <a:srgbClr val="FFFFFF"/>
+                </a:solidFill>
+                <a:effectLst>
+                  <a:outerShdw blurRad="38100" dist="22860" dir="5400000" algn="tl" rotWithShape="0">
+                    <a:srgbClr val="000000">
+                      <a:alpha val="30000"/>
+                    </a:srgbClr>
+                  </a:outerShdw>
+                </a:effectLst>
+              </a:rPr>
+              <a:t>View</a:t>
+            </a:r>
+          </a:p>
+        </p:txBody>
+      </p:sp>
+    </p:spTree>
+    <p:extLst>
+      <p:ext uri="{BB962C8B-B14F-4D97-AF65-F5344CB8AC3E}">
+        <p14:creationId xmlns:p14="http://schemas.microsoft.com/office/powerpoint/2010/main" val="2860412393"/>
+      </p:ext>
+    </p:extLst>
+  </p:cSld>
+  <p:clrMapOvr>
+    <a:masterClrMapping/>
+  </p:clrMapOvr>
+</p:sld>
+</file>
+
+<file path=ppt/slides/slide56.xml><?xml version="1.0" encoding="utf-8"?>
+<p:sld xmlns:a="http://schemas.openxmlformats.org/drawingml/2006/main" xmlns:r="http://schemas.openxmlformats.org/officeDocument/2006/relationships" xmlns:p="http://schemas.openxmlformats.org/presentationml/2006/main">
+  <p:cSld>
+    <p:spTree>
+      <p:nvGrpSpPr>
+        <p:cNvPr id="1" name=""/>
+        <p:cNvGrpSpPr/>
+        <p:nvPr/>
+      </p:nvGrpSpPr>
+      <p:grpSpPr>
+        <a:xfrm>
+          <a:off x="0" y="0"/>
+          <a:ext cx="0" cy="0"/>
+          <a:chOff x="0" y="0"/>
+          <a:chExt cx="0" cy="0"/>
+        </a:xfrm>
+      </p:grpSpPr>
+    </p:spTree>
+    <p:extLst>
+      <p:ext uri="{BB962C8B-B14F-4D97-AF65-F5344CB8AC3E}">
+        <p14:creationId xmlns:p14="http://schemas.microsoft.com/office/powerpoint/2010/main" val="377444046"/>
+      </p:ext>
+    </p:extLst>
+  </p:cSld>
+  <p:clrMapOvr>
+    <a:masterClrMapping/>
+  </p:clrMapOvr>
+</p:sld>
+</file>
+
+<file path=ppt/slides/slide57.xml><?xml version="1.0" encoding="utf-8"?>
+<p:sld xmlns:a="http://schemas.openxmlformats.org/drawingml/2006/main" xmlns:r="http://schemas.openxmlformats.org/officeDocument/2006/relationships" xmlns:p="http://schemas.openxmlformats.org/presentationml/2006/main">
+  <p:cSld>
+    <p:spTree>
+      <p:nvGrpSpPr>
+        <p:cNvPr id="1" name=""/>
+        <p:cNvGrpSpPr/>
+        <p:nvPr/>
+      </p:nvGrpSpPr>
+      <p:grpSpPr>
+        <a:xfrm>
+          <a:off x="0" y="0"/>
+          <a:ext cx="0" cy="0"/>
+          <a:chOff x="0" y="0"/>
+          <a:chExt cx="0" cy="0"/>
+        </a:xfrm>
+      </p:grpSpPr>
+      <p:sp>
+        <p:nvSpPr>
+          <p:cNvPr id="2" name="Title 1">
+            <a:extLst>
+              <a:ext uri="{FF2B5EF4-FFF2-40B4-BE49-F238E27FC236}">
+                <a16:creationId xmlns:a16="http://schemas.microsoft.com/office/drawing/2014/main" id="{99FB2E7D-F11C-F65D-F324-285F171391BA}"/>
+              </a:ext>
+            </a:extLst>
+          </p:cNvPr>
+          <p:cNvSpPr>
+            <a:spLocks noGrp="1"/>
+          </p:cNvSpPr>
+          <p:nvPr>
+            <p:ph type="title"/>
+          </p:nvPr>
+        </p:nvSpPr>
+        <p:spPr/>
+        <p:txBody>
+          <a:bodyPr/>
+          <a:lstStyle/>
+          <a:p>
+            <a:endParaRPr lang="en-US"/>
+          </a:p>
+        </p:txBody>
+      </p:sp>
+      <p:sp>
+        <p:nvSpPr>
+          <p:cNvPr id="3" name="Content Placeholder 2">
+            <a:extLst>
+              <a:ext uri="{FF2B5EF4-FFF2-40B4-BE49-F238E27FC236}">
+                <a16:creationId xmlns:a16="http://schemas.microsoft.com/office/drawing/2014/main" id="{BB3AF525-CCF1-6B0F-ED68-2123F35CCF6B}"/>
+              </a:ext>
+            </a:extLst>
+          </p:cNvPr>
+          <p:cNvSpPr>
+            <a:spLocks noGrp="1"/>
+          </p:cNvSpPr>
+          <p:nvPr>
+            <p:ph idx="1"/>
+          </p:nvPr>
+        </p:nvSpPr>
+        <p:spPr/>
+        <p:txBody>
+          <a:bodyPr/>
+          <a:lstStyle/>
+          <a:p>
+            <a:endParaRPr lang="en-US"/>
+          </a:p>
+        </p:txBody>
+      </p:sp>
+    </p:spTree>
+    <p:extLst>
+      <p:ext uri="{BB962C8B-B14F-4D97-AF65-F5344CB8AC3E}">
+        <p14:creationId xmlns:p14="http://schemas.microsoft.com/office/powerpoint/2010/main" val="495398318"/>
       </p:ext>
     </p:extLst>
   </p:cSld>

--- a/node/Nodejs.pptx
+++ b/node/Nodejs.pptx
@@ -345,7 +345,7 @@
           <a:p>
             <a:fld id="{7239F38A-DCDF-6E4C-B9CE-23AD5C77A21C}" type="datetimeFigureOut">
               <a:rPr lang="en-US" smtClean="0"/>
-              <a:t>2/4/25</a:t>
+              <a:t>2/17/25</a:t>
             </a:fld>
             <a:endParaRPr lang="en-US"/>
           </a:p>
@@ -545,7 +545,7 @@
           <a:p>
             <a:fld id="{7239F38A-DCDF-6E4C-B9CE-23AD5C77A21C}" type="datetimeFigureOut">
               <a:rPr lang="en-US" smtClean="0"/>
-              <a:t>2/4/25</a:t>
+              <a:t>2/17/25</a:t>
             </a:fld>
             <a:endParaRPr lang="en-US"/>
           </a:p>
@@ -755,7 +755,7 @@
           <a:p>
             <a:fld id="{7239F38A-DCDF-6E4C-B9CE-23AD5C77A21C}" type="datetimeFigureOut">
               <a:rPr lang="en-US" smtClean="0"/>
-              <a:t>2/4/25</a:t>
+              <a:t>2/17/25</a:t>
             </a:fld>
             <a:endParaRPr lang="en-US"/>
           </a:p>
@@ -955,7 +955,7 @@
           <a:p>
             <a:fld id="{7239F38A-DCDF-6E4C-B9CE-23AD5C77A21C}" type="datetimeFigureOut">
               <a:rPr lang="en-US" smtClean="0"/>
-              <a:t>2/4/25</a:t>
+              <a:t>2/17/25</a:t>
             </a:fld>
             <a:endParaRPr lang="en-US"/>
           </a:p>
@@ -1231,7 +1231,7 @@
           <a:p>
             <a:fld id="{7239F38A-DCDF-6E4C-B9CE-23AD5C77A21C}" type="datetimeFigureOut">
               <a:rPr lang="en-US" smtClean="0"/>
-              <a:t>2/4/25</a:t>
+              <a:t>2/17/25</a:t>
             </a:fld>
             <a:endParaRPr lang="en-US"/>
           </a:p>
@@ -1499,7 +1499,7 @@
           <a:p>
             <a:fld id="{7239F38A-DCDF-6E4C-B9CE-23AD5C77A21C}" type="datetimeFigureOut">
               <a:rPr lang="en-US" smtClean="0"/>
-              <a:t>2/4/25</a:t>
+              <a:t>2/17/25</a:t>
             </a:fld>
             <a:endParaRPr lang="en-US"/>
           </a:p>
@@ -1914,7 +1914,7 @@
           <a:p>
             <a:fld id="{7239F38A-DCDF-6E4C-B9CE-23AD5C77A21C}" type="datetimeFigureOut">
               <a:rPr lang="en-US" smtClean="0"/>
-              <a:t>2/4/25</a:t>
+              <a:t>2/17/25</a:t>
             </a:fld>
             <a:endParaRPr lang="en-US"/>
           </a:p>
@@ -2056,7 +2056,7 @@
           <a:p>
             <a:fld id="{7239F38A-DCDF-6E4C-B9CE-23AD5C77A21C}" type="datetimeFigureOut">
               <a:rPr lang="en-US" smtClean="0"/>
-              <a:t>2/4/25</a:t>
+              <a:t>2/17/25</a:t>
             </a:fld>
             <a:endParaRPr lang="en-US"/>
           </a:p>
@@ -2169,7 +2169,7 @@
           <a:p>
             <a:fld id="{7239F38A-DCDF-6E4C-B9CE-23AD5C77A21C}" type="datetimeFigureOut">
               <a:rPr lang="en-US" smtClean="0"/>
-              <a:t>2/4/25</a:t>
+              <a:t>2/17/25</a:t>
             </a:fld>
             <a:endParaRPr lang="en-US"/>
           </a:p>
@@ -2482,7 +2482,7 @@
           <a:p>
             <a:fld id="{7239F38A-DCDF-6E4C-B9CE-23AD5C77A21C}" type="datetimeFigureOut">
               <a:rPr lang="en-US" smtClean="0"/>
-              <a:t>2/4/25</a:t>
+              <a:t>2/17/25</a:t>
             </a:fld>
             <a:endParaRPr lang="en-US"/>
           </a:p>
@@ -2771,7 +2771,7 @@
           <a:p>
             <a:fld id="{7239F38A-DCDF-6E4C-B9CE-23AD5C77A21C}" type="datetimeFigureOut">
               <a:rPr lang="en-US" smtClean="0"/>
-              <a:t>2/4/25</a:t>
+              <a:t>2/17/25</a:t>
             </a:fld>
             <a:endParaRPr lang="en-US"/>
           </a:p>
@@ -3014,7 +3014,7 @@
           <a:p>
             <a:fld id="{7239F38A-DCDF-6E4C-B9CE-23AD5C77A21C}" type="datetimeFigureOut">
               <a:rPr lang="en-US" smtClean="0"/>
-              <a:t>2/4/25</a:t>
+              <a:t>2/17/25</a:t>
             </a:fld>
             <a:endParaRPr lang="en-US"/>
           </a:p>
@@ -20136,6 +20136,42 @@
           <a:chExt cx="0" cy="0"/>
         </a:xfrm>
       </p:grpSpPr>
+      <p:sp>
+        <p:nvSpPr>
+          <p:cNvPr id="2" name="TextBox 1">
+            <a:extLst>
+              <a:ext uri="{FF2B5EF4-FFF2-40B4-BE49-F238E27FC236}">
+                <a16:creationId xmlns:a16="http://schemas.microsoft.com/office/drawing/2014/main" id="{A7CFB20D-4F55-0E4D-B199-ED983D9AECA9}"/>
+              </a:ext>
+            </a:extLst>
+          </p:cNvPr>
+          <p:cNvSpPr txBox="1"/>
+          <p:nvPr/>
+        </p:nvSpPr>
+        <p:spPr>
+          <a:xfrm>
+            <a:off x="143691" y="2246810"/>
+            <a:ext cx="11769635" cy="830997"/>
+          </a:xfrm>
+          <a:prstGeom prst="rect">
+            <a:avLst/>
+          </a:prstGeom>
+          <a:noFill/>
+        </p:spPr>
+        <p:txBody>
+          <a:bodyPr wrap="square" rtlCol="0">
+            <a:spAutoFit/>
+          </a:bodyPr>
+          <a:lstStyle/>
+          <a:p>
+            <a:pPr algn="ctr"/>
+            <a:r>
+              <a:rPr lang="en-US" sz="4800" dirty="0"/>
+              <a:t>Dynamic Routes &amp; Advanced Models</a:t>
+            </a:r>
+          </a:p>
+        </p:txBody>
+      </p:sp>
     </p:spTree>
     <p:extLst>
       <p:ext uri="{BB962C8B-B14F-4D97-AF65-F5344CB8AC3E}">
@@ -20212,7 +20248,32 @@
           <a:bodyPr/>
           <a:lstStyle/>
           <a:p>
-            <a:endParaRPr lang="en-US"/>
+            <a:r>
+              <a:rPr lang="en-US" dirty="0"/>
+              <a:t>Adding the Product ID to the Path</a:t>
+            </a:r>
+          </a:p>
+          <a:p>
+            <a:r>
+              <a:rPr lang="en-US" dirty="0"/>
+              <a:t>Extracting Dynamic Params</a:t>
+            </a:r>
+          </a:p>
+          <a:p>
+            <a:r>
+              <a:rPr lang="en-US" dirty="0"/>
+              <a:t>Loading Product Detail Data</a:t>
+            </a:r>
+          </a:p>
+          <a:p>
+            <a:r>
+              <a:rPr lang="en-US" dirty="0"/>
+              <a:t>Rendering </a:t>
+            </a:r>
+            <a:r>
+              <a:rPr lang="en-US"/>
+              <a:t>the Product Detail View</a:t>
+            </a:r>
           </a:p>
         </p:txBody>
       </p:sp>

--- a/node/Nodejs.pptx
+++ b/node/Nodejs.pptx
@@ -62,6 +62,14 @@
     <p:sldId id="313" r:id="rId56"/>
     <p:sldId id="311" r:id="rId57"/>
     <p:sldId id="312" r:id="rId58"/>
+    <p:sldId id="314" r:id="rId59"/>
+    <p:sldId id="315" r:id="rId60"/>
+    <p:sldId id="316" r:id="rId61"/>
+    <p:sldId id="317" r:id="rId62"/>
+    <p:sldId id="318" r:id="rId63"/>
+    <p:sldId id="319" r:id="rId64"/>
+    <p:sldId id="320" r:id="rId65"/>
+    <p:sldId id="321" r:id="rId66"/>
   </p:sldIdLst>
   <p:sldSz cx="12192000" cy="6858000"/>
   <p:notesSz cx="6858000" cy="9144000"/>
@@ -345,7 +353,7 @@
           <a:p>
             <a:fld id="{7239F38A-DCDF-6E4C-B9CE-23AD5C77A21C}" type="datetimeFigureOut">
               <a:rPr lang="en-US" smtClean="0"/>
-              <a:t>2/17/25</a:t>
+              <a:t>2/27/25</a:t>
             </a:fld>
             <a:endParaRPr lang="en-US"/>
           </a:p>
@@ -545,7 +553,7 @@
           <a:p>
             <a:fld id="{7239F38A-DCDF-6E4C-B9CE-23AD5C77A21C}" type="datetimeFigureOut">
               <a:rPr lang="en-US" smtClean="0"/>
-              <a:t>2/17/25</a:t>
+              <a:t>2/27/25</a:t>
             </a:fld>
             <a:endParaRPr lang="en-US"/>
           </a:p>
@@ -755,7 +763,7 @@
           <a:p>
             <a:fld id="{7239F38A-DCDF-6E4C-B9CE-23AD5C77A21C}" type="datetimeFigureOut">
               <a:rPr lang="en-US" smtClean="0"/>
-              <a:t>2/17/25</a:t>
+              <a:t>2/27/25</a:t>
             </a:fld>
             <a:endParaRPr lang="en-US"/>
           </a:p>
@@ -955,7 +963,7 @@
           <a:p>
             <a:fld id="{7239F38A-DCDF-6E4C-B9CE-23AD5C77A21C}" type="datetimeFigureOut">
               <a:rPr lang="en-US" smtClean="0"/>
-              <a:t>2/17/25</a:t>
+              <a:t>2/27/25</a:t>
             </a:fld>
             <a:endParaRPr lang="en-US"/>
           </a:p>
@@ -1231,7 +1239,7 @@
           <a:p>
             <a:fld id="{7239F38A-DCDF-6E4C-B9CE-23AD5C77A21C}" type="datetimeFigureOut">
               <a:rPr lang="en-US" smtClean="0"/>
-              <a:t>2/17/25</a:t>
+              <a:t>2/27/25</a:t>
             </a:fld>
             <a:endParaRPr lang="en-US"/>
           </a:p>
@@ -1499,7 +1507,7 @@
           <a:p>
             <a:fld id="{7239F38A-DCDF-6E4C-B9CE-23AD5C77A21C}" type="datetimeFigureOut">
               <a:rPr lang="en-US" smtClean="0"/>
-              <a:t>2/17/25</a:t>
+              <a:t>2/27/25</a:t>
             </a:fld>
             <a:endParaRPr lang="en-US"/>
           </a:p>
@@ -1914,7 +1922,7 @@
           <a:p>
             <a:fld id="{7239F38A-DCDF-6E4C-B9CE-23AD5C77A21C}" type="datetimeFigureOut">
               <a:rPr lang="en-US" smtClean="0"/>
-              <a:t>2/17/25</a:t>
+              <a:t>2/27/25</a:t>
             </a:fld>
             <a:endParaRPr lang="en-US"/>
           </a:p>
@@ -2056,7 +2064,7 @@
           <a:p>
             <a:fld id="{7239F38A-DCDF-6E4C-B9CE-23AD5C77A21C}" type="datetimeFigureOut">
               <a:rPr lang="en-US" smtClean="0"/>
-              <a:t>2/17/25</a:t>
+              <a:t>2/27/25</a:t>
             </a:fld>
             <a:endParaRPr lang="en-US"/>
           </a:p>
@@ -2169,7 +2177,7 @@
           <a:p>
             <a:fld id="{7239F38A-DCDF-6E4C-B9CE-23AD5C77A21C}" type="datetimeFigureOut">
               <a:rPr lang="en-US" smtClean="0"/>
-              <a:t>2/17/25</a:t>
+              <a:t>2/27/25</a:t>
             </a:fld>
             <a:endParaRPr lang="en-US"/>
           </a:p>
@@ -2482,7 +2490,7 @@
           <a:p>
             <a:fld id="{7239F38A-DCDF-6E4C-B9CE-23AD5C77A21C}" type="datetimeFigureOut">
               <a:rPr lang="en-US" smtClean="0"/>
-              <a:t>2/17/25</a:t>
+              <a:t>2/27/25</a:t>
             </a:fld>
             <a:endParaRPr lang="en-US"/>
           </a:p>
@@ -2771,7 +2779,7 @@
           <a:p>
             <a:fld id="{7239F38A-DCDF-6E4C-B9CE-23AD5C77A21C}" type="datetimeFigureOut">
               <a:rPr lang="en-US" smtClean="0"/>
-              <a:t>2/17/25</a:t>
+              <a:t>2/27/25</a:t>
             </a:fld>
             <a:endParaRPr lang="en-US"/>
           </a:p>
@@ -3014,7 +3022,7 @@
           <a:p>
             <a:fld id="{7239F38A-DCDF-6E4C-B9CE-23AD5C77A21C}" type="datetimeFigureOut">
               <a:rPr lang="en-US" smtClean="0"/>
-              <a:t>2/17/25</a:t>
+              <a:t>2/27/25</a:t>
             </a:fld>
             <a:endParaRPr lang="en-US"/>
           </a:p>
@@ -20245,7 +20253,9 @@
         </p:nvSpPr>
         <p:spPr/>
         <p:txBody>
-          <a:bodyPr/>
+          <a:bodyPr numCol="2">
+            <a:normAutofit lnSpcReduction="10000"/>
+          </a:bodyPr>
           <a:lstStyle/>
           <a:p>
             <a:r>
@@ -20268,11 +20278,61 @@
           <a:p>
             <a:r>
               <a:rPr lang="en-US" dirty="0"/>
-              <a:t>Rendering </a:t>
-            </a:r>
-            <a:r>
-              <a:rPr lang="en-US"/>
-              <a:t>the Product Detail View</a:t>
+              <a:t>Rendering the Product Detail View</a:t>
+            </a:r>
+          </a:p>
+          <a:p>
+            <a:r>
+              <a:rPr lang="en-US" dirty="0"/>
+              <a:t>Passing Data with POST Requests</a:t>
+            </a:r>
+          </a:p>
+          <a:p>
+            <a:r>
+              <a:rPr lang="en-US" dirty="0"/>
+              <a:t>Adding Cart Model</a:t>
+            </a:r>
+          </a:p>
+          <a:p>
+            <a:r>
+              <a:rPr lang="en-US" dirty="0"/>
+              <a:t>Using Query Params</a:t>
+            </a:r>
+          </a:p>
+          <a:p>
+            <a:r>
+              <a:rPr lang="en-US" dirty="0"/>
+              <a:t>Pre-Populating the Edit Product Page with Data</a:t>
+            </a:r>
+          </a:p>
+          <a:p>
+            <a:r>
+              <a:rPr lang="en-US" dirty="0"/>
+              <a:t>Linking to the Edit Page</a:t>
+            </a:r>
+          </a:p>
+          <a:p>
+            <a:r>
+              <a:rPr lang="en-US" dirty="0"/>
+              <a:t>Editing the Product Data</a:t>
+            </a:r>
+          </a:p>
+          <a:p>
+            <a:r>
+              <a:rPr lang="en-US" dirty="0"/>
+              <a:t>Adding the Product-delete Functionality</a:t>
+            </a:r>
+          </a:p>
+          <a:p>
+            <a:r>
+              <a:rPr lang="en-US" dirty="0"/>
+              <a:t>Deleting Cart Items</a:t>
+            </a:r>
+          </a:p>
+          <a:p>
+            <a:r>
+              <a:rPr lang="en-US" dirty="0"/>
+              <a:t>Displaying Cart Items on the Cart Page</a:t>
             </a:r>
           </a:p>
         </p:txBody>
@@ -20281,6 +20341,793 @@
     <p:extLst>
       <p:ext uri="{BB962C8B-B14F-4D97-AF65-F5344CB8AC3E}">
         <p14:creationId xmlns:p14="http://schemas.microsoft.com/office/powerpoint/2010/main" val="495398318"/>
+      </p:ext>
+    </p:extLst>
+  </p:cSld>
+  <p:clrMapOvr>
+    <a:masterClrMapping/>
+  </p:clrMapOvr>
+</p:sld>
+</file>
+
+<file path=ppt/slides/slide58.xml><?xml version="1.0" encoding="utf-8"?>
+<p:sld xmlns:a="http://schemas.openxmlformats.org/drawingml/2006/main" xmlns:r="http://schemas.openxmlformats.org/officeDocument/2006/relationships" xmlns:p="http://schemas.openxmlformats.org/presentationml/2006/main">
+  <p:cSld>
+    <p:spTree>
+      <p:nvGrpSpPr>
+        <p:cNvPr id="1" name="">
+          <a:extLst>
+            <a:ext uri="{FF2B5EF4-FFF2-40B4-BE49-F238E27FC236}">
+              <a16:creationId xmlns:a16="http://schemas.microsoft.com/office/drawing/2014/main" id="{4C0C042B-9973-539E-D080-EC2D59462AA0}"/>
+            </a:ext>
+          </a:extLst>
+        </p:cNvPr>
+        <p:cNvGrpSpPr/>
+        <p:nvPr/>
+      </p:nvGrpSpPr>
+      <p:grpSpPr>
+        <a:xfrm>
+          <a:off x="0" y="0"/>
+          <a:ext cx="0" cy="0"/>
+          <a:chOff x="0" y="0"/>
+          <a:chExt cx="0" cy="0"/>
+        </a:xfrm>
+      </p:grpSpPr>
+      <p:sp>
+        <p:nvSpPr>
+          <p:cNvPr id="4" name="TextBox 3">
+            <a:extLst>
+              <a:ext uri="{FF2B5EF4-FFF2-40B4-BE49-F238E27FC236}">
+                <a16:creationId xmlns:a16="http://schemas.microsoft.com/office/drawing/2014/main" id="{C8FE0AFF-F238-2EBC-A280-ED84BACB478F}"/>
+              </a:ext>
+            </a:extLst>
+          </p:cNvPr>
+          <p:cNvSpPr txBox="1"/>
+          <p:nvPr/>
+        </p:nvSpPr>
+        <p:spPr>
+          <a:xfrm>
+            <a:off x="5300870" y="397565"/>
+            <a:ext cx="1940211" cy="369332"/>
+          </a:xfrm>
+          <a:prstGeom prst="rect">
+            <a:avLst/>
+          </a:prstGeom>
+          <a:noFill/>
+        </p:spPr>
+        <p:txBody>
+          <a:bodyPr wrap="none" rtlCol="0">
+            <a:spAutoFit/>
+          </a:bodyPr>
+          <a:lstStyle/>
+          <a:p>
+            <a:r>
+              <a:rPr lang="en-US" dirty="0"/>
+              <a:t>Module Summary</a:t>
+            </a:r>
+          </a:p>
+        </p:txBody>
+      </p:sp>
+      <p:grpSp>
+        <p:nvGrpSpPr>
+          <p:cNvPr id="7" name="Group 6">
+            <a:extLst>
+              <a:ext uri="{FF2B5EF4-FFF2-40B4-BE49-F238E27FC236}">
+                <a16:creationId xmlns:a16="http://schemas.microsoft.com/office/drawing/2014/main" id="{CDB02129-CB01-450E-EA86-A60041C4705F}"/>
+              </a:ext>
+            </a:extLst>
+          </p:cNvPr>
+          <p:cNvGrpSpPr/>
+          <p:nvPr/>
+        </p:nvGrpSpPr>
+        <p:grpSpPr>
+          <a:xfrm>
+            <a:off x="318052" y="766897"/>
+            <a:ext cx="5274366" cy="5137514"/>
+            <a:chOff x="318051" y="766897"/>
+            <a:chExt cx="5596999" cy="1181173"/>
+          </a:xfrm>
+        </p:grpSpPr>
+        <p:sp>
+          <p:nvSpPr>
+            <p:cNvPr id="5" name="Rectangle 4">
+              <a:extLst>
+                <a:ext uri="{FF2B5EF4-FFF2-40B4-BE49-F238E27FC236}">
+                  <a16:creationId xmlns:a16="http://schemas.microsoft.com/office/drawing/2014/main" id="{09B0EA84-1FD9-3D46-B428-AF754A7DE93A}"/>
+                </a:ext>
+              </a:extLst>
+            </p:cNvPr>
+            <p:cNvSpPr/>
+            <p:nvPr/>
+          </p:nvSpPr>
+          <p:spPr>
+            <a:xfrm>
+              <a:off x="318051" y="766897"/>
+              <a:ext cx="5596999" cy="1181173"/>
+            </a:xfrm>
+            <a:prstGeom prst="rect">
+              <a:avLst/>
+            </a:prstGeom>
+            <a:solidFill>
+              <a:schemeClr val="accent2">
+                <a:lumMod val="60000"/>
+                <a:lumOff val="40000"/>
+              </a:schemeClr>
+            </a:solidFill>
+          </p:spPr>
+          <p:style>
+            <a:lnRef idx="2">
+              <a:schemeClr val="accent6"/>
+            </a:lnRef>
+            <a:fillRef idx="1">
+              <a:schemeClr val="lt1"/>
+            </a:fillRef>
+            <a:effectRef idx="0">
+              <a:schemeClr val="accent6"/>
+            </a:effectRef>
+            <a:fontRef idx="minor">
+              <a:schemeClr val="dk1"/>
+            </a:fontRef>
+          </p:style>
+          <p:txBody>
+            <a:bodyPr rtlCol="0" anchor="ctr"/>
+            <a:lstStyle/>
+            <a:p>
+              <a:pPr marL="285750" indent="-285750">
+                <a:buFont typeface="Arial" panose="020B0604020202020204" pitchFamily="34" charset="0"/>
+                <a:buChar char="•"/>
+              </a:pPr>
+              <a:r>
+                <a:rPr lang="en-US" sz="2000" dirty="0"/>
+                <a:t>You can pass dynamic path segments by adding a “:” to the Express router path</a:t>
+              </a:r>
+            </a:p>
+            <a:p>
+              <a:pPr marL="285750" indent="-285750">
+                <a:buFont typeface="Arial" panose="020B0604020202020204" pitchFamily="34" charset="0"/>
+                <a:buChar char="•"/>
+              </a:pPr>
+              <a:r>
+                <a:rPr lang="en-US" sz="2000" dirty="0"/>
+                <a:t>The name you add after ”:” is the name by which you can extract the data on </a:t>
+              </a:r>
+              <a:r>
+                <a:rPr lang="en-US" sz="2000" dirty="0" err="1"/>
+                <a:t>req.params</a:t>
+              </a:r>
+              <a:r>
+                <a:rPr lang="en-US" sz="2000" dirty="0"/>
+                <a:t>.&lt;name&gt;</a:t>
+              </a:r>
+            </a:p>
+            <a:p>
+              <a:pPr marL="285750" indent="-285750">
+                <a:buFont typeface="Arial" panose="020B0604020202020204" pitchFamily="34" charset="0"/>
+                <a:buChar char="•"/>
+              </a:pPr>
+              <a:r>
+                <a:rPr lang="en-US" sz="2000" dirty="0"/>
+                <a:t>Optional (query) parameters can also be passed(?param=</a:t>
+              </a:r>
+              <a:r>
+                <a:rPr lang="en-US" sz="2000" dirty="0" err="1"/>
+                <a:t>value&amp;b</a:t>
+              </a:r>
+              <a:r>
+                <a:rPr lang="en-US" sz="2000" dirty="0"/>
+                <a:t>=2)and extracted(</a:t>
+              </a:r>
+              <a:r>
+                <a:rPr lang="en-US" sz="2000" dirty="0" err="1"/>
+                <a:t>req.query.myParam</a:t>
+              </a:r>
+              <a:r>
+                <a:rPr lang="en-US" sz="2000" dirty="0"/>
+                <a:t>)</a:t>
+              </a:r>
+            </a:p>
+          </p:txBody>
+        </p:sp>
+        <p:sp>
+          <p:nvSpPr>
+            <p:cNvPr id="6" name="Rectangle 5">
+              <a:extLst>
+                <a:ext uri="{FF2B5EF4-FFF2-40B4-BE49-F238E27FC236}">
+                  <a16:creationId xmlns:a16="http://schemas.microsoft.com/office/drawing/2014/main" id="{55540BA2-1739-53E9-F842-3E58A607D288}"/>
+                </a:ext>
+              </a:extLst>
+            </p:cNvPr>
+            <p:cNvSpPr/>
+            <p:nvPr/>
+          </p:nvSpPr>
+          <p:spPr>
+            <a:xfrm>
+              <a:off x="318052" y="766897"/>
+              <a:ext cx="5596998" cy="152591"/>
+            </a:xfrm>
+            <a:prstGeom prst="rect">
+              <a:avLst/>
+            </a:prstGeom>
+            <a:solidFill>
+              <a:schemeClr val="accent2">
+                <a:lumMod val="50000"/>
+              </a:schemeClr>
+            </a:solidFill>
+          </p:spPr>
+          <p:style>
+            <a:lnRef idx="2">
+              <a:schemeClr val="accent1">
+                <a:shade val="15000"/>
+              </a:schemeClr>
+            </a:lnRef>
+            <a:fillRef idx="1">
+              <a:schemeClr val="accent1"/>
+            </a:fillRef>
+            <a:effectRef idx="0">
+              <a:schemeClr val="accent1"/>
+            </a:effectRef>
+            <a:fontRef idx="minor">
+              <a:schemeClr val="lt1"/>
+            </a:fontRef>
+          </p:style>
+          <p:txBody>
+            <a:bodyPr rtlCol="0" anchor="ctr"/>
+            <a:lstStyle/>
+            <a:p>
+              <a:pPr algn="ctr"/>
+              <a:r>
+                <a:rPr lang="en-US" b="1" dirty="0">
+                  <a:ln w="10160">
+                    <a:solidFill>
+                      <a:schemeClr val="accent5"/>
+                    </a:solidFill>
+                    <a:prstDash val="solid"/>
+                  </a:ln>
+                  <a:solidFill>
+                    <a:srgbClr val="FFFFFF"/>
+                  </a:solidFill>
+                  <a:effectLst>
+                    <a:outerShdw blurRad="38100" dist="22860" dir="5400000" algn="tl" rotWithShape="0">
+                      <a:srgbClr val="000000">
+                        <a:alpha val="30000"/>
+                      </a:srgbClr>
+                    </a:outerShdw>
+                  </a:effectLst>
+                </a:rPr>
+                <a:t>Dynamic Routing</a:t>
+              </a:r>
+            </a:p>
+          </p:txBody>
+        </p:sp>
+      </p:grpSp>
+      <p:sp>
+        <p:nvSpPr>
+          <p:cNvPr id="9" name="Rectangle 8">
+            <a:extLst>
+              <a:ext uri="{FF2B5EF4-FFF2-40B4-BE49-F238E27FC236}">
+                <a16:creationId xmlns:a16="http://schemas.microsoft.com/office/drawing/2014/main" id="{B1154DC9-28E6-4B0F-C337-622CBBC19D16}"/>
+              </a:ext>
+            </a:extLst>
+          </p:cNvPr>
+          <p:cNvSpPr/>
+          <p:nvPr/>
+        </p:nvSpPr>
+        <p:spPr>
+          <a:xfrm>
+            <a:off x="6599584" y="1296983"/>
+            <a:ext cx="5274366" cy="4607428"/>
+          </a:xfrm>
+          <a:prstGeom prst="rect">
+            <a:avLst/>
+          </a:prstGeom>
+          <a:solidFill>
+            <a:schemeClr val="accent2">
+              <a:lumMod val="60000"/>
+              <a:lumOff val="40000"/>
+            </a:schemeClr>
+          </a:solidFill>
+        </p:spPr>
+        <p:style>
+          <a:lnRef idx="2">
+            <a:schemeClr val="accent6"/>
+          </a:lnRef>
+          <a:fillRef idx="1">
+            <a:schemeClr val="lt1"/>
+          </a:fillRef>
+          <a:effectRef idx="0">
+            <a:schemeClr val="accent6"/>
+          </a:effectRef>
+          <a:fontRef idx="minor">
+            <a:schemeClr val="dk1"/>
+          </a:fontRef>
+        </p:style>
+        <p:txBody>
+          <a:bodyPr rtlCol="0" anchor="ctr"/>
+          <a:lstStyle/>
+          <a:p>
+            <a:pPr marL="285750" indent="-285750" algn="ctr">
+              <a:buFont typeface="Arial" panose="020B0604020202020204" pitchFamily="34" charset="0"/>
+              <a:buChar char="•"/>
+            </a:pPr>
+            <a:r>
+              <a:rPr lang="en-US" dirty="0"/>
+              <a:t>A cart model was added – it holds static methods only</a:t>
+            </a:r>
+          </a:p>
+          <a:p>
+            <a:pPr marL="285750" indent="-285750" algn="ctr">
+              <a:buFont typeface="Arial" panose="020B0604020202020204" pitchFamily="34" charset="0"/>
+              <a:buChar char="•"/>
+            </a:pPr>
+            <a:r>
+              <a:rPr lang="en-US" dirty="0"/>
+              <a:t>you can interact between models (e.g. delete cart item if a product is deleted)</a:t>
+            </a:r>
+          </a:p>
+          <a:p>
+            <a:pPr marL="285750" indent="-285750" algn="ctr">
+              <a:buFont typeface="Arial" panose="020B0604020202020204" pitchFamily="34" charset="0"/>
+              <a:buChar char="•"/>
+            </a:pPr>
+            <a:r>
+              <a:rPr lang="en-US" dirty="0"/>
+              <a:t>Working with files for data storage is suboptimal for bigger amounts of data</a:t>
+            </a:r>
+          </a:p>
+        </p:txBody>
+      </p:sp>
+      <p:sp>
+        <p:nvSpPr>
+          <p:cNvPr id="10" name="Rectangle 9">
+            <a:extLst>
+              <a:ext uri="{FF2B5EF4-FFF2-40B4-BE49-F238E27FC236}">
+                <a16:creationId xmlns:a16="http://schemas.microsoft.com/office/drawing/2014/main" id="{94E563D2-D181-ECED-C7BE-C89BC94E6F1F}"/>
+              </a:ext>
+            </a:extLst>
+          </p:cNvPr>
+          <p:cNvSpPr/>
+          <p:nvPr/>
+        </p:nvSpPr>
+        <p:spPr>
+          <a:xfrm>
+            <a:off x="6599585" y="766897"/>
+            <a:ext cx="5274365" cy="530086"/>
+          </a:xfrm>
+          <a:prstGeom prst="rect">
+            <a:avLst/>
+          </a:prstGeom>
+          <a:solidFill>
+            <a:schemeClr val="accent2">
+              <a:lumMod val="50000"/>
+            </a:schemeClr>
+          </a:solidFill>
+        </p:spPr>
+        <p:style>
+          <a:lnRef idx="2">
+            <a:schemeClr val="accent1">
+              <a:shade val="15000"/>
+            </a:schemeClr>
+          </a:lnRef>
+          <a:fillRef idx="1">
+            <a:schemeClr val="accent1"/>
+          </a:fillRef>
+          <a:effectRef idx="0">
+            <a:schemeClr val="accent1"/>
+          </a:effectRef>
+          <a:fontRef idx="minor">
+            <a:schemeClr val="lt1"/>
+          </a:fontRef>
+        </p:style>
+        <p:txBody>
+          <a:bodyPr rtlCol="0" anchor="ctr"/>
+          <a:lstStyle/>
+          <a:p>
+            <a:pPr algn="ctr"/>
+            <a:r>
+              <a:rPr lang="en-US" b="1" dirty="0">
+                <a:ln w="10160">
+                  <a:solidFill>
+                    <a:schemeClr val="accent5"/>
+                  </a:solidFill>
+                  <a:prstDash val="solid"/>
+                </a:ln>
+                <a:solidFill>
+                  <a:srgbClr val="FFFFFF"/>
+                </a:solidFill>
+                <a:effectLst>
+                  <a:outerShdw blurRad="38100" dist="22860" dir="5400000" algn="tl" rotWithShape="0">
+                    <a:srgbClr val="000000">
+                      <a:alpha val="30000"/>
+                    </a:srgbClr>
+                  </a:outerShdw>
+                </a:effectLst>
+              </a:rPr>
+              <a:t>More on Models</a:t>
+            </a:r>
+          </a:p>
+        </p:txBody>
+      </p:sp>
+    </p:spTree>
+    <p:extLst>
+      <p:ext uri="{BB962C8B-B14F-4D97-AF65-F5344CB8AC3E}">
+        <p14:creationId xmlns:p14="http://schemas.microsoft.com/office/powerpoint/2010/main" val="3823743287"/>
+      </p:ext>
+    </p:extLst>
+  </p:cSld>
+  <p:clrMapOvr>
+    <a:masterClrMapping/>
+  </p:clrMapOvr>
+</p:sld>
+</file>
+
+<file path=ppt/slides/slide59.xml><?xml version="1.0" encoding="utf-8"?>
+<p:sld xmlns:a="http://schemas.openxmlformats.org/drawingml/2006/main" xmlns:r="http://schemas.openxmlformats.org/officeDocument/2006/relationships" xmlns:p="http://schemas.openxmlformats.org/presentationml/2006/main">
+  <p:cSld>
+    <p:spTree>
+      <p:nvGrpSpPr>
+        <p:cNvPr id="1" name=""/>
+        <p:cNvGrpSpPr/>
+        <p:nvPr/>
+      </p:nvGrpSpPr>
+      <p:grpSpPr>
+        <a:xfrm>
+          <a:off x="0" y="0"/>
+          <a:ext cx="0" cy="0"/>
+          <a:chOff x="0" y="0"/>
+          <a:chExt cx="0" cy="0"/>
+        </a:xfrm>
+      </p:grpSpPr>
+      <p:sp>
+        <p:nvSpPr>
+          <p:cNvPr id="4" name="TextBox 3">
+            <a:extLst>
+              <a:ext uri="{FF2B5EF4-FFF2-40B4-BE49-F238E27FC236}">
+                <a16:creationId xmlns:a16="http://schemas.microsoft.com/office/drawing/2014/main" id="{671226EF-AF74-14AF-D997-25264F04C215}"/>
+              </a:ext>
+            </a:extLst>
+          </p:cNvPr>
+          <p:cNvSpPr txBox="1"/>
+          <p:nvPr/>
+        </p:nvSpPr>
+        <p:spPr>
+          <a:xfrm>
+            <a:off x="5081451" y="1175657"/>
+            <a:ext cx="1609993" cy="369332"/>
+          </a:xfrm>
+          <a:prstGeom prst="rect">
+            <a:avLst/>
+          </a:prstGeom>
+          <a:noFill/>
+        </p:spPr>
+        <p:txBody>
+          <a:bodyPr wrap="none" rtlCol="0">
+            <a:spAutoFit/>
+          </a:bodyPr>
+          <a:lstStyle/>
+          <a:p>
+            <a:r>
+              <a:rPr lang="en-US" dirty="0"/>
+              <a:t>SQL vs NoSQL</a:t>
+            </a:r>
+          </a:p>
+        </p:txBody>
+      </p:sp>
+      <p:sp>
+        <p:nvSpPr>
+          <p:cNvPr id="5" name="Rectangle 4">
+            <a:extLst>
+              <a:ext uri="{FF2B5EF4-FFF2-40B4-BE49-F238E27FC236}">
+                <a16:creationId xmlns:a16="http://schemas.microsoft.com/office/drawing/2014/main" id="{CB3F60F9-A6BD-B1D5-C5FB-D433F5DA50F4}"/>
+              </a:ext>
+            </a:extLst>
+          </p:cNvPr>
+          <p:cNvSpPr/>
+          <p:nvPr/>
+        </p:nvSpPr>
+        <p:spPr>
+          <a:xfrm>
+            <a:off x="509451" y="1867989"/>
+            <a:ext cx="11351623" cy="574765"/>
+          </a:xfrm>
+          <a:prstGeom prst="rect">
+            <a:avLst/>
+          </a:prstGeom>
+        </p:spPr>
+        <p:style>
+          <a:lnRef idx="2">
+            <a:schemeClr val="accent1">
+              <a:shade val="15000"/>
+            </a:schemeClr>
+          </a:lnRef>
+          <a:fillRef idx="1">
+            <a:schemeClr val="accent1"/>
+          </a:fillRef>
+          <a:effectRef idx="0">
+            <a:schemeClr val="accent1"/>
+          </a:effectRef>
+          <a:fontRef idx="minor">
+            <a:schemeClr val="lt1"/>
+          </a:fontRef>
+        </p:style>
+        <p:txBody>
+          <a:bodyPr rtlCol="0" anchor="ctr"/>
+          <a:lstStyle/>
+          <a:p>
+            <a:pPr algn="ctr"/>
+            <a:r>
+              <a:rPr lang="en-US" dirty="0"/>
+              <a:t>Goal: Store Data and Make it Easily Accessible</a:t>
+            </a:r>
+          </a:p>
+        </p:txBody>
+      </p:sp>
+      <p:sp>
+        <p:nvSpPr>
+          <p:cNvPr id="6" name="Down Arrow 5">
+            <a:extLst>
+              <a:ext uri="{FF2B5EF4-FFF2-40B4-BE49-F238E27FC236}">
+                <a16:creationId xmlns:a16="http://schemas.microsoft.com/office/drawing/2014/main" id="{60005C0E-BF2D-D726-DD5A-9B255058B332}"/>
+              </a:ext>
+            </a:extLst>
+          </p:cNvPr>
+          <p:cNvSpPr/>
+          <p:nvPr/>
+        </p:nvSpPr>
+        <p:spPr>
+          <a:xfrm>
+            <a:off x="5473337" y="2704011"/>
+            <a:ext cx="1110343" cy="1175658"/>
+          </a:xfrm>
+          <a:prstGeom prst="downArrow">
+            <a:avLst/>
+          </a:prstGeom>
+        </p:spPr>
+        <p:style>
+          <a:lnRef idx="2">
+            <a:schemeClr val="accent1">
+              <a:shade val="15000"/>
+            </a:schemeClr>
+          </a:lnRef>
+          <a:fillRef idx="1">
+            <a:schemeClr val="accent1"/>
+          </a:fillRef>
+          <a:effectRef idx="0">
+            <a:schemeClr val="accent1"/>
+          </a:effectRef>
+          <a:fontRef idx="minor">
+            <a:schemeClr val="lt1"/>
+          </a:fontRef>
+        </p:style>
+        <p:txBody>
+          <a:bodyPr rtlCol="0" anchor="ctr"/>
+          <a:lstStyle/>
+          <a:p>
+            <a:pPr algn="ctr"/>
+            <a:endParaRPr lang="en-US"/>
+          </a:p>
+        </p:txBody>
+      </p:sp>
+      <p:sp>
+        <p:nvSpPr>
+          <p:cNvPr id="7" name="Rectangle 6">
+            <a:extLst>
+              <a:ext uri="{FF2B5EF4-FFF2-40B4-BE49-F238E27FC236}">
+                <a16:creationId xmlns:a16="http://schemas.microsoft.com/office/drawing/2014/main" id="{58A2A7A5-4A86-3AF1-E93B-18D0A808EE5A}"/>
+              </a:ext>
+            </a:extLst>
+          </p:cNvPr>
+          <p:cNvSpPr/>
+          <p:nvPr/>
+        </p:nvSpPr>
+        <p:spPr>
+          <a:xfrm>
+            <a:off x="509451" y="4140926"/>
+            <a:ext cx="11351623" cy="574765"/>
+          </a:xfrm>
+          <a:prstGeom prst="rect">
+            <a:avLst/>
+          </a:prstGeom>
+        </p:spPr>
+        <p:style>
+          <a:lnRef idx="2">
+            <a:schemeClr val="accent1">
+              <a:shade val="15000"/>
+            </a:schemeClr>
+          </a:lnRef>
+          <a:fillRef idx="1">
+            <a:schemeClr val="accent1"/>
+          </a:fillRef>
+          <a:effectRef idx="0">
+            <a:schemeClr val="accent1"/>
+          </a:effectRef>
+          <a:fontRef idx="minor">
+            <a:schemeClr val="lt1"/>
+          </a:fontRef>
+        </p:style>
+        <p:txBody>
+          <a:bodyPr rtlCol="0" anchor="ctr"/>
+          <a:lstStyle/>
+          <a:p>
+            <a:pPr algn="ctr"/>
+            <a:r>
+              <a:rPr lang="en-US" dirty="0"/>
+              <a:t>Use a Database! (Quicker Access than with a File)</a:t>
+            </a:r>
+          </a:p>
+        </p:txBody>
+      </p:sp>
+      <p:sp>
+        <p:nvSpPr>
+          <p:cNvPr id="8" name="Rectangle 7">
+            <a:extLst>
+              <a:ext uri="{FF2B5EF4-FFF2-40B4-BE49-F238E27FC236}">
+                <a16:creationId xmlns:a16="http://schemas.microsoft.com/office/drawing/2014/main" id="{FAD0D82C-BA76-0B1A-A388-AC1C109A7153}"/>
+              </a:ext>
+            </a:extLst>
+          </p:cNvPr>
+          <p:cNvSpPr/>
+          <p:nvPr/>
+        </p:nvSpPr>
+        <p:spPr>
+          <a:xfrm>
+            <a:off x="1489166" y="5473338"/>
+            <a:ext cx="3122023" cy="600891"/>
+          </a:xfrm>
+          <a:prstGeom prst="rect">
+            <a:avLst/>
+          </a:prstGeom>
+        </p:spPr>
+        <p:style>
+          <a:lnRef idx="2">
+            <a:schemeClr val="accent1">
+              <a:shade val="15000"/>
+            </a:schemeClr>
+          </a:lnRef>
+          <a:fillRef idx="1">
+            <a:schemeClr val="accent1"/>
+          </a:fillRef>
+          <a:effectRef idx="0">
+            <a:schemeClr val="accent1"/>
+          </a:effectRef>
+          <a:fontRef idx="minor">
+            <a:schemeClr val="lt1"/>
+          </a:fontRef>
+        </p:style>
+        <p:txBody>
+          <a:bodyPr rtlCol="0" anchor="ctr"/>
+          <a:lstStyle/>
+          <a:p>
+            <a:pPr algn="ctr"/>
+            <a:r>
+              <a:rPr lang="en-US" dirty="0"/>
+              <a:t>SQL Databases</a:t>
+            </a:r>
+          </a:p>
+        </p:txBody>
+      </p:sp>
+      <p:sp>
+        <p:nvSpPr>
+          <p:cNvPr id="9" name="Rectangle 8">
+            <a:extLst>
+              <a:ext uri="{FF2B5EF4-FFF2-40B4-BE49-F238E27FC236}">
+                <a16:creationId xmlns:a16="http://schemas.microsoft.com/office/drawing/2014/main" id="{EBC58F98-6954-3B26-CEA1-9A62720FB92E}"/>
+              </a:ext>
+            </a:extLst>
+          </p:cNvPr>
+          <p:cNvSpPr/>
+          <p:nvPr/>
+        </p:nvSpPr>
+        <p:spPr>
+          <a:xfrm>
+            <a:off x="6932023" y="5473337"/>
+            <a:ext cx="3122023" cy="600891"/>
+          </a:xfrm>
+          <a:prstGeom prst="rect">
+            <a:avLst/>
+          </a:prstGeom>
+        </p:spPr>
+        <p:style>
+          <a:lnRef idx="2">
+            <a:schemeClr val="accent1">
+              <a:shade val="15000"/>
+            </a:schemeClr>
+          </a:lnRef>
+          <a:fillRef idx="1">
+            <a:schemeClr val="accent1"/>
+          </a:fillRef>
+          <a:effectRef idx="0">
+            <a:schemeClr val="accent1"/>
+          </a:effectRef>
+          <a:fontRef idx="minor">
+            <a:schemeClr val="lt1"/>
+          </a:fontRef>
+        </p:style>
+        <p:txBody>
+          <a:bodyPr rtlCol="0" anchor="ctr"/>
+          <a:lstStyle/>
+          <a:p>
+            <a:pPr algn="ctr"/>
+            <a:r>
+              <a:rPr lang="en-US" dirty="0"/>
+              <a:t>NoSQL Databases</a:t>
+            </a:r>
+          </a:p>
+        </p:txBody>
+      </p:sp>
+      <p:sp>
+        <p:nvSpPr>
+          <p:cNvPr id="10" name="TextBox 9">
+            <a:extLst>
+              <a:ext uri="{FF2B5EF4-FFF2-40B4-BE49-F238E27FC236}">
+                <a16:creationId xmlns:a16="http://schemas.microsoft.com/office/drawing/2014/main" id="{036A8663-6053-803E-8A2A-83001FE7673B}"/>
+              </a:ext>
+            </a:extLst>
+          </p:cNvPr>
+          <p:cNvSpPr txBox="1"/>
+          <p:nvPr/>
+        </p:nvSpPr>
+        <p:spPr>
+          <a:xfrm>
+            <a:off x="2404808" y="6229197"/>
+            <a:ext cx="1290738" cy="369332"/>
+          </a:xfrm>
+          <a:prstGeom prst="rect">
+            <a:avLst/>
+          </a:prstGeom>
+          <a:noFill/>
+        </p:spPr>
+        <p:txBody>
+          <a:bodyPr wrap="none" rtlCol="0">
+            <a:spAutoFit/>
+          </a:bodyPr>
+          <a:lstStyle/>
+          <a:p>
+            <a:r>
+              <a:rPr lang="en-US" dirty="0"/>
+              <a:t>e.g. MySQL</a:t>
+            </a:r>
+          </a:p>
+        </p:txBody>
+      </p:sp>
+      <p:sp>
+        <p:nvSpPr>
+          <p:cNvPr id="11" name="TextBox 10">
+            <a:extLst>
+              <a:ext uri="{FF2B5EF4-FFF2-40B4-BE49-F238E27FC236}">
+                <a16:creationId xmlns:a16="http://schemas.microsoft.com/office/drawing/2014/main" id="{ADCBD746-D4FC-7A50-9526-80013F7E6530}"/>
+              </a:ext>
+            </a:extLst>
+          </p:cNvPr>
+          <p:cNvSpPr txBox="1"/>
+          <p:nvPr/>
+        </p:nvSpPr>
+        <p:spPr>
+          <a:xfrm>
+            <a:off x="7952168" y="6229197"/>
+            <a:ext cx="1561005" cy="369332"/>
+          </a:xfrm>
+          <a:prstGeom prst="rect">
+            <a:avLst/>
+          </a:prstGeom>
+          <a:noFill/>
+        </p:spPr>
+        <p:txBody>
+          <a:bodyPr wrap="none" rtlCol="0">
+            <a:spAutoFit/>
+          </a:bodyPr>
+          <a:lstStyle/>
+          <a:p>
+            <a:r>
+              <a:rPr lang="en-US" dirty="0"/>
+              <a:t>e.g. MongoDB</a:t>
+            </a:r>
+          </a:p>
+        </p:txBody>
+      </p:sp>
+    </p:spTree>
+    <p:extLst>
+      <p:ext uri="{BB962C8B-B14F-4D97-AF65-F5344CB8AC3E}">
+        <p14:creationId xmlns:p14="http://schemas.microsoft.com/office/powerpoint/2010/main" val="147392406"/>
       </p:ext>
     </p:extLst>
   </p:cSld>
@@ -20641,6 +21488,3017 @@
     <p:extLst>
       <p:ext uri="{BB962C8B-B14F-4D97-AF65-F5344CB8AC3E}">
         <p14:creationId xmlns:p14="http://schemas.microsoft.com/office/powerpoint/2010/main" val="3059411876"/>
+      </p:ext>
+    </p:extLst>
+  </p:cSld>
+  <p:clrMapOvr>
+    <a:masterClrMapping/>
+  </p:clrMapOvr>
+</p:sld>
+</file>
+
+<file path=ppt/slides/slide60.xml><?xml version="1.0" encoding="utf-8"?>
+<p:sld xmlns:a="http://schemas.openxmlformats.org/drawingml/2006/main" xmlns:r="http://schemas.openxmlformats.org/officeDocument/2006/relationships" xmlns:p="http://schemas.openxmlformats.org/presentationml/2006/main">
+  <p:cSld>
+    <p:spTree>
+      <p:nvGrpSpPr>
+        <p:cNvPr id="1" name=""/>
+        <p:cNvGrpSpPr/>
+        <p:nvPr/>
+      </p:nvGrpSpPr>
+      <p:grpSpPr>
+        <a:xfrm>
+          <a:off x="0" y="0"/>
+          <a:ext cx="0" cy="0"/>
+          <a:chOff x="0" y="0"/>
+          <a:chExt cx="0" cy="0"/>
+        </a:xfrm>
+      </p:grpSpPr>
+      <p:sp>
+        <p:nvSpPr>
+          <p:cNvPr id="2" name="Title 1">
+            <a:extLst>
+              <a:ext uri="{FF2B5EF4-FFF2-40B4-BE49-F238E27FC236}">
+                <a16:creationId xmlns:a16="http://schemas.microsoft.com/office/drawing/2014/main" id="{056A02E0-9214-C0A9-9B03-485D7C8F2480}"/>
+              </a:ext>
+            </a:extLst>
+          </p:cNvPr>
+          <p:cNvSpPr>
+            <a:spLocks noGrp="1"/>
+          </p:cNvSpPr>
+          <p:nvPr>
+            <p:ph type="title"/>
+          </p:nvPr>
+        </p:nvSpPr>
+        <p:spPr>
+          <a:xfrm>
+            <a:off x="838200" y="365126"/>
+            <a:ext cx="8567057" cy="719092"/>
+          </a:xfrm>
+        </p:spPr>
+        <p:txBody>
+          <a:bodyPr/>
+          <a:lstStyle/>
+          <a:p>
+            <a:r>
+              <a:rPr lang="en-US" dirty="0"/>
+              <a:t>What’s SQL?</a:t>
+            </a:r>
+          </a:p>
+        </p:txBody>
+      </p:sp>
+      <p:graphicFrame>
+        <p:nvGraphicFramePr>
+          <p:cNvPr id="4" name="Content Placeholder 3">
+            <a:extLst>
+              <a:ext uri="{FF2B5EF4-FFF2-40B4-BE49-F238E27FC236}">
+                <a16:creationId xmlns:a16="http://schemas.microsoft.com/office/drawing/2014/main" id="{AC97FC29-C4B6-B8A7-153F-2115ED2CDA9F}"/>
+              </a:ext>
+            </a:extLst>
+          </p:cNvPr>
+          <p:cNvGraphicFramePr>
+            <a:graphicFrameLocks noGrp="1"/>
+          </p:cNvGraphicFramePr>
+          <p:nvPr>
+            <p:ph idx="1"/>
+            <p:extLst>
+              <p:ext uri="{D42A27DB-BD31-4B8C-83A1-F6EECF244321}">
+                <p14:modId xmlns:p14="http://schemas.microsoft.com/office/powerpoint/2010/main" val="4212778814"/>
+              </p:ext>
+            </p:extLst>
+          </p:nvPr>
+        </p:nvGraphicFramePr>
+        <p:xfrm>
+          <a:off x="838200" y="1185545"/>
+          <a:ext cx="6450874" cy="1915084"/>
+        </p:xfrm>
+        <a:graphic>
+          <a:graphicData uri="http://schemas.openxmlformats.org/drawingml/2006/table">
+            <a:tbl>
+              <a:tblPr firstRow="1" bandRow="1">
+                <a:tableStyleId>{5C22544A-7EE6-4342-B048-85BDC9FD1C3A}</a:tableStyleId>
+              </a:tblPr>
+              <a:tblGrid>
+                <a:gridCol w="625814">
+                  <a:extLst>
+                    <a:ext uri="{9D8B030D-6E8A-4147-A177-3AD203B41FA5}">
+                      <a16:colId xmlns:a16="http://schemas.microsoft.com/office/drawing/2014/main" val="153569580"/>
+                    </a:ext>
+                  </a:extLst>
+                </a:gridCol>
+                <a:gridCol w="2415655">
+                  <a:extLst>
+                    <a:ext uri="{9D8B030D-6E8A-4147-A177-3AD203B41FA5}">
+                      <a16:colId xmlns:a16="http://schemas.microsoft.com/office/drawing/2014/main" val="3195665159"/>
+                    </a:ext>
+                  </a:extLst>
+                </a:gridCol>
+                <a:gridCol w="2041345">
+                  <a:extLst>
+                    <a:ext uri="{9D8B030D-6E8A-4147-A177-3AD203B41FA5}">
+                      <a16:colId xmlns:a16="http://schemas.microsoft.com/office/drawing/2014/main" val="2431613028"/>
+                    </a:ext>
+                  </a:extLst>
+                </a:gridCol>
+                <a:gridCol w="1368060">
+                  <a:extLst>
+                    <a:ext uri="{9D8B030D-6E8A-4147-A177-3AD203B41FA5}">
+                      <a16:colId xmlns:a16="http://schemas.microsoft.com/office/drawing/2014/main" val="3566650025"/>
+                    </a:ext>
+                  </a:extLst>
+                </a:gridCol>
+              </a:tblGrid>
+              <a:tr h="278486">
+                <a:tc>
+                  <a:txBody>
+                    <a:bodyPr/>
+                    <a:lstStyle/>
+                    <a:p>
+                      <a:r>
+                        <a:rPr lang="en-US" dirty="0"/>
+                        <a:t>Id</a:t>
+                      </a:r>
+                    </a:p>
+                  </a:txBody>
+                  <a:tcPr/>
+                </a:tc>
+                <a:tc>
+                  <a:txBody>
+                    <a:bodyPr/>
+                    <a:lstStyle/>
+                    <a:p>
+                      <a:r>
+                        <a:rPr lang="en-US" dirty="0"/>
+                        <a:t>Email</a:t>
+                      </a:r>
+                    </a:p>
+                  </a:txBody>
+                  <a:tcPr/>
+                </a:tc>
+                <a:tc>
+                  <a:txBody>
+                    <a:bodyPr/>
+                    <a:lstStyle/>
+                    <a:p>
+                      <a:r>
+                        <a:rPr lang="en-US" dirty="0"/>
+                        <a:t>Name</a:t>
+                      </a:r>
+                    </a:p>
+                  </a:txBody>
+                  <a:tcPr/>
+                </a:tc>
+                <a:tc rowSpan="3">
+                  <a:txBody>
+                    <a:bodyPr/>
+                    <a:lstStyle/>
+                    <a:p>
+                      <a:r>
+                        <a:rPr lang="en-US" dirty="0"/>
+                        <a:t>Users</a:t>
+                      </a:r>
+                    </a:p>
+                  </a:txBody>
+                  <a:tcPr>
+                    <a:lnT w="12700" cmpd="sng">
+                      <a:noFill/>
+                    </a:lnT>
+                    <a:lnB w="38100" cmpd="sng">
+                      <a:noFill/>
+                    </a:lnB>
+                  </a:tcPr>
+                </a:tc>
+                <a:extLst>
+                  <a:ext uri="{0D108BD9-81ED-4DB2-BD59-A6C34878D82A}">
+                    <a16:rowId xmlns:a16="http://schemas.microsoft.com/office/drawing/2014/main" val="2053184475"/>
+                  </a:ext>
+                </a:extLst>
+              </a:tr>
+              <a:tr h="487350">
+                <a:tc>
+                  <a:txBody>
+                    <a:bodyPr/>
+                    <a:lstStyle/>
+                    <a:p>
+                      <a:r>
+                        <a:rPr lang="en-US" dirty="0"/>
+                        <a:t>1</a:t>
+                      </a:r>
+                    </a:p>
+                  </a:txBody>
+                  <a:tcPr/>
+                </a:tc>
+                <a:tc>
+                  <a:txBody>
+                    <a:bodyPr/>
+                    <a:lstStyle/>
+                    <a:p>
+                      <a:r>
+                        <a:rPr lang="en-US" dirty="0">
+                          <a:hlinkClick r:id="rId2"/>
+                        </a:rPr>
+                        <a:t>ram@test.com</a:t>
+                      </a:r>
+                      <a:endParaRPr lang="en-US" dirty="0"/>
+                    </a:p>
+                  </a:txBody>
+                  <a:tcPr/>
+                </a:tc>
+                <a:tc>
+                  <a:txBody>
+                    <a:bodyPr/>
+                    <a:lstStyle/>
+                    <a:p>
+                      <a:r>
+                        <a:rPr lang="en-US" dirty="0"/>
+                        <a:t>Ram Sharma</a:t>
+                      </a:r>
+                    </a:p>
+                  </a:txBody>
+                  <a:tcPr/>
+                </a:tc>
+                <a:tc vMerge="1">
+                  <a:txBody>
+                    <a:bodyPr/>
+                    <a:lstStyle/>
+                    <a:p>
+                      <a:endParaRPr lang="en-US" dirty="0"/>
+                    </a:p>
+                  </a:txBody>
+                  <a:tcPr>
+                    <a:lnB w="12700" cmpd="sng">
+                      <a:noFill/>
+                    </a:lnB>
+                  </a:tcPr>
+                </a:tc>
+                <a:extLst>
+                  <a:ext uri="{0D108BD9-81ED-4DB2-BD59-A6C34878D82A}">
+                    <a16:rowId xmlns:a16="http://schemas.microsoft.com/office/drawing/2014/main" val="2172164337"/>
+                  </a:ext>
+                </a:extLst>
+              </a:tr>
+              <a:tr h="696214">
+                <a:tc>
+                  <a:txBody>
+                    <a:bodyPr/>
+                    <a:lstStyle/>
+                    <a:p>
+                      <a:r>
+                        <a:rPr lang="en-US" dirty="0"/>
+                        <a:t>2</a:t>
+                      </a:r>
+                    </a:p>
+                  </a:txBody>
+                  <a:tcPr/>
+                </a:tc>
+                <a:tc>
+                  <a:txBody>
+                    <a:bodyPr/>
+                    <a:lstStyle/>
+                    <a:p>
+                      <a:r>
+                        <a:rPr lang="en-US" dirty="0">
+                          <a:hlinkClick r:id="rId3"/>
+                        </a:rPr>
+                        <a:t>mohan@test.com</a:t>
+                      </a:r>
+                      <a:endParaRPr lang="en-US" dirty="0"/>
+                    </a:p>
+                  </a:txBody>
+                  <a:tcPr/>
+                </a:tc>
+                <a:tc>
+                  <a:txBody>
+                    <a:bodyPr/>
+                    <a:lstStyle/>
+                    <a:p>
+                      <a:r>
+                        <a:rPr lang="en-US" dirty="0"/>
+                        <a:t>Mohan Verma</a:t>
+                      </a:r>
+                    </a:p>
+                    <a:p>
+                      <a:endParaRPr lang="en-US" dirty="0"/>
+                    </a:p>
+                  </a:txBody>
+                  <a:tcPr/>
+                </a:tc>
+                <a:tc vMerge="1">
+                  <a:txBody>
+                    <a:bodyPr/>
+                    <a:lstStyle/>
+                    <a:p>
+                      <a:endParaRPr lang="en-US" dirty="0"/>
+                    </a:p>
+                  </a:txBody>
+                  <a:tcPr>
+                    <a:lnB w="12700" cmpd="sng">
+                      <a:noFill/>
+                    </a:lnB>
+                  </a:tcPr>
+                </a:tc>
+                <a:extLst>
+                  <a:ext uri="{0D108BD9-81ED-4DB2-BD59-A6C34878D82A}">
+                    <a16:rowId xmlns:a16="http://schemas.microsoft.com/office/drawing/2014/main" val="1106521803"/>
+                  </a:ext>
+                </a:extLst>
+              </a:tr>
+              <a:tr h="278486">
+                <a:tc>
+                  <a:txBody>
+                    <a:bodyPr/>
+                    <a:lstStyle/>
+                    <a:p>
+                      <a:r>
+                        <a:rPr lang="en-US" dirty="0"/>
+                        <a:t>3.</a:t>
+                      </a:r>
+                    </a:p>
+                  </a:txBody>
+                  <a:tcPr/>
+                </a:tc>
+                <a:tc>
+                  <a:txBody>
+                    <a:bodyPr/>
+                    <a:lstStyle/>
+                    <a:p>
+                      <a:r>
+                        <a:rPr lang="en-US" dirty="0"/>
+                        <a:t>..</a:t>
+                      </a:r>
+                    </a:p>
+                  </a:txBody>
+                  <a:tcPr/>
+                </a:tc>
+                <a:tc>
+                  <a:txBody>
+                    <a:bodyPr/>
+                    <a:lstStyle/>
+                    <a:p>
+                      <a:r>
+                        <a:rPr lang="en-US" dirty="0"/>
+                        <a:t>..</a:t>
+                      </a:r>
+                    </a:p>
+                  </a:txBody>
+                  <a:tcPr/>
+                </a:tc>
+                <a:tc>
+                  <a:txBody>
+                    <a:bodyPr/>
+                    <a:lstStyle/>
+                    <a:p>
+                      <a:r>
+                        <a:rPr lang="en-US" dirty="0"/>
+                        <a:t>…</a:t>
+                      </a:r>
+                    </a:p>
+                  </a:txBody>
+                  <a:tcPr>
+                    <a:lnT w="12700" cmpd="sng">
+                      <a:noFill/>
+                    </a:lnT>
+                    <a:lnB w="38100" cmpd="sng">
+                      <a:noFill/>
+                    </a:lnB>
+                  </a:tcPr>
+                </a:tc>
+                <a:extLst>
+                  <a:ext uri="{0D108BD9-81ED-4DB2-BD59-A6C34878D82A}">
+                    <a16:rowId xmlns:a16="http://schemas.microsoft.com/office/drawing/2014/main" val="2721396209"/>
+                  </a:ext>
+                </a:extLst>
+              </a:tr>
+            </a:tbl>
+          </a:graphicData>
+        </a:graphic>
+      </p:graphicFrame>
+      <p:graphicFrame>
+        <p:nvGraphicFramePr>
+          <p:cNvPr id="5" name="Content Placeholder 3">
+            <a:extLst>
+              <a:ext uri="{FF2B5EF4-FFF2-40B4-BE49-F238E27FC236}">
+                <a16:creationId xmlns:a16="http://schemas.microsoft.com/office/drawing/2014/main" id="{8927A327-AA16-84B2-D327-50AA502EEFA9}"/>
+              </a:ext>
+            </a:extLst>
+          </p:cNvPr>
+          <p:cNvGraphicFramePr>
+            <a:graphicFrameLocks/>
+          </p:cNvGraphicFramePr>
+          <p:nvPr>
+            <p:extLst>
+              <p:ext uri="{D42A27DB-BD31-4B8C-83A1-F6EECF244321}">
+                <p14:modId xmlns:p14="http://schemas.microsoft.com/office/powerpoint/2010/main" val="2477170406"/>
+              </p:ext>
+            </p:extLst>
+          </p:nvPr>
+        </p:nvGraphicFramePr>
+        <p:xfrm>
+          <a:off x="838200" y="3911328"/>
+          <a:ext cx="6450874" cy="1915084"/>
+        </p:xfrm>
+        <a:graphic>
+          <a:graphicData uri="http://schemas.openxmlformats.org/drawingml/2006/table">
+            <a:tbl>
+              <a:tblPr firstRow="1" bandRow="1">
+                <a:tableStyleId>{5C22544A-7EE6-4342-B048-85BDC9FD1C3A}</a:tableStyleId>
+              </a:tblPr>
+              <a:tblGrid>
+                <a:gridCol w="625814">
+                  <a:extLst>
+                    <a:ext uri="{9D8B030D-6E8A-4147-A177-3AD203B41FA5}">
+                      <a16:colId xmlns:a16="http://schemas.microsoft.com/office/drawing/2014/main" val="153569580"/>
+                    </a:ext>
+                  </a:extLst>
+                </a:gridCol>
+                <a:gridCol w="2415655">
+                  <a:extLst>
+                    <a:ext uri="{9D8B030D-6E8A-4147-A177-3AD203B41FA5}">
+                      <a16:colId xmlns:a16="http://schemas.microsoft.com/office/drawing/2014/main" val="3195665159"/>
+                    </a:ext>
+                  </a:extLst>
+                </a:gridCol>
+                <a:gridCol w="2041345">
+                  <a:extLst>
+                    <a:ext uri="{9D8B030D-6E8A-4147-A177-3AD203B41FA5}">
+                      <a16:colId xmlns:a16="http://schemas.microsoft.com/office/drawing/2014/main" val="2431613028"/>
+                    </a:ext>
+                  </a:extLst>
+                </a:gridCol>
+                <a:gridCol w="1368060">
+                  <a:extLst>
+                    <a:ext uri="{9D8B030D-6E8A-4147-A177-3AD203B41FA5}">
+                      <a16:colId xmlns:a16="http://schemas.microsoft.com/office/drawing/2014/main" val="3566650025"/>
+                    </a:ext>
+                  </a:extLst>
+                </a:gridCol>
+              </a:tblGrid>
+              <a:tr h="278486">
+                <a:tc>
+                  <a:txBody>
+                    <a:bodyPr/>
+                    <a:lstStyle/>
+                    <a:p>
+                      <a:r>
+                        <a:rPr lang="en-US" dirty="0"/>
+                        <a:t>Id</a:t>
+                      </a:r>
+                    </a:p>
+                  </a:txBody>
+                  <a:tcPr/>
+                </a:tc>
+                <a:tc>
+                  <a:txBody>
+                    <a:bodyPr/>
+                    <a:lstStyle/>
+                    <a:p>
+                      <a:r>
+                        <a:rPr lang="en-US" dirty="0"/>
+                        <a:t>Title</a:t>
+                      </a:r>
+                    </a:p>
+                  </a:txBody>
+                  <a:tcPr/>
+                </a:tc>
+                <a:tc>
+                  <a:txBody>
+                    <a:bodyPr/>
+                    <a:lstStyle/>
+                    <a:p>
+                      <a:r>
+                        <a:rPr lang="en-US" dirty="0"/>
+                        <a:t>Price</a:t>
+                      </a:r>
+                    </a:p>
+                  </a:txBody>
+                  <a:tcPr/>
+                </a:tc>
+                <a:tc rowSpan="3">
+                  <a:txBody>
+                    <a:bodyPr/>
+                    <a:lstStyle/>
+                    <a:p>
+                      <a:r>
+                        <a:rPr lang="en-US" dirty="0"/>
+                        <a:t>Products</a:t>
+                      </a:r>
+                    </a:p>
+                  </a:txBody>
+                  <a:tcPr>
+                    <a:lnT w="12700" cmpd="sng">
+                      <a:noFill/>
+                    </a:lnT>
+                    <a:lnB w="38100" cmpd="sng">
+                      <a:noFill/>
+                    </a:lnB>
+                  </a:tcPr>
+                </a:tc>
+                <a:extLst>
+                  <a:ext uri="{0D108BD9-81ED-4DB2-BD59-A6C34878D82A}">
+                    <a16:rowId xmlns:a16="http://schemas.microsoft.com/office/drawing/2014/main" val="2053184475"/>
+                  </a:ext>
+                </a:extLst>
+              </a:tr>
+              <a:tr h="487350">
+                <a:tc>
+                  <a:txBody>
+                    <a:bodyPr/>
+                    <a:lstStyle/>
+                    <a:p>
+                      <a:r>
+                        <a:rPr lang="en-US" dirty="0"/>
+                        <a:t>1</a:t>
+                      </a:r>
+                    </a:p>
+                  </a:txBody>
+                  <a:tcPr/>
+                </a:tc>
+                <a:tc>
+                  <a:txBody>
+                    <a:bodyPr/>
+                    <a:lstStyle/>
+                    <a:p>
+                      <a:r>
+                        <a:rPr lang="en-US" dirty="0"/>
+                        <a:t>Book</a:t>
+                      </a:r>
+                    </a:p>
+                  </a:txBody>
+                  <a:tcPr/>
+                </a:tc>
+                <a:tc>
+                  <a:txBody>
+                    <a:bodyPr/>
+                    <a:lstStyle/>
+                    <a:p>
+                      <a:r>
+                        <a:rPr lang="en-US" dirty="0"/>
+                        <a:t>78</a:t>
+                      </a:r>
+                    </a:p>
+                  </a:txBody>
+                  <a:tcPr/>
+                </a:tc>
+                <a:tc vMerge="1">
+                  <a:txBody>
+                    <a:bodyPr/>
+                    <a:lstStyle/>
+                    <a:p>
+                      <a:endParaRPr lang="en-US" dirty="0"/>
+                    </a:p>
+                  </a:txBody>
+                  <a:tcPr>
+                    <a:lnB w="12700" cmpd="sng">
+                      <a:noFill/>
+                    </a:lnB>
+                  </a:tcPr>
+                </a:tc>
+                <a:extLst>
+                  <a:ext uri="{0D108BD9-81ED-4DB2-BD59-A6C34878D82A}">
+                    <a16:rowId xmlns:a16="http://schemas.microsoft.com/office/drawing/2014/main" val="2172164337"/>
+                  </a:ext>
+                </a:extLst>
+              </a:tr>
+              <a:tr h="696214">
+                <a:tc>
+                  <a:txBody>
+                    <a:bodyPr/>
+                    <a:lstStyle/>
+                    <a:p>
+                      <a:r>
+                        <a:rPr lang="en-US" dirty="0"/>
+                        <a:t>2</a:t>
+                      </a:r>
+                    </a:p>
+                  </a:txBody>
+                  <a:tcPr/>
+                </a:tc>
+                <a:tc>
+                  <a:txBody>
+                    <a:bodyPr/>
+                    <a:lstStyle/>
+                    <a:p>
+                      <a:r>
+                        <a:rPr lang="en-US" dirty="0"/>
+                        <a:t>Car</a:t>
+                      </a:r>
+                    </a:p>
+                  </a:txBody>
+                  <a:tcPr/>
+                </a:tc>
+                <a:tc>
+                  <a:txBody>
+                    <a:bodyPr/>
+                    <a:lstStyle/>
+                    <a:p>
+                      <a:r>
+                        <a:rPr lang="en-US" dirty="0"/>
+                        <a:t>80</a:t>
+                      </a:r>
+                    </a:p>
+                    <a:p>
+                      <a:endParaRPr lang="en-US" dirty="0"/>
+                    </a:p>
+                  </a:txBody>
+                  <a:tcPr/>
+                </a:tc>
+                <a:tc vMerge="1">
+                  <a:txBody>
+                    <a:bodyPr/>
+                    <a:lstStyle/>
+                    <a:p>
+                      <a:endParaRPr lang="en-US" dirty="0"/>
+                    </a:p>
+                  </a:txBody>
+                  <a:tcPr>
+                    <a:lnB w="12700" cmpd="sng">
+                      <a:noFill/>
+                    </a:lnB>
+                  </a:tcPr>
+                </a:tc>
+                <a:extLst>
+                  <a:ext uri="{0D108BD9-81ED-4DB2-BD59-A6C34878D82A}">
+                    <a16:rowId xmlns:a16="http://schemas.microsoft.com/office/drawing/2014/main" val="1106521803"/>
+                  </a:ext>
+                </a:extLst>
+              </a:tr>
+              <a:tr h="278486">
+                <a:tc>
+                  <a:txBody>
+                    <a:bodyPr/>
+                    <a:lstStyle/>
+                    <a:p>
+                      <a:r>
+                        <a:rPr lang="en-US" dirty="0"/>
+                        <a:t>3.</a:t>
+                      </a:r>
+                    </a:p>
+                  </a:txBody>
+                  <a:tcPr/>
+                </a:tc>
+                <a:tc>
+                  <a:txBody>
+                    <a:bodyPr/>
+                    <a:lstStyle/>
+                    <a:p>
+                      <a:r>
+                        <a:rPr lang="en-US" dirty="0"/>
+                        <a:t>..</a:t>
+                      </a:r>
+                    </a:p>
+                  </a:txBody>
+                  <a:tcPr/>
+                </a:tc>
+                <a:tc>
+                  <a:txBody>
+                    <a:bodyPr/>
+                    <a:lstStyle/>
+                    <a:p>
+                      <a:r>
+                        <a:rPr lang="en-US" dirty="0"/>
+                        <a:t>..</a:t>
+                      </a:r>
+                    </a:p>
+                  </a:txBody>
+                  <a:tcPr/>
+                </a:tc>
+                <a:tc>
+                  <a:txBody>
+                    <a:bodyPr/>
+                    <a:lstStyle/>
+                    <a:p>
+                      <a:r>
+                        <a:rPr lang="en-US" dirty="0"/>
+                        <a:t>…</a:t>
+                      </a:r>
+                    </a:p>
+                  </a:txBody>
+                  <a:tcPr>
+                    <a:lnT w="12700" cmpd="sng">
+                      <a:noFill/>
+                    </a:lnT>
+                    <a:lnB w="38100" cmpd="sng">
+                      <a:noFill/>
+                    </a:lnB>
+                  </a:tcPr>
+                </a:tc>
+                <a:extLst>
+                  <a:ext uri="{0D108BD9-81ED-4DB2-BD59-A6C34878D82A}">
+                    <a16:rowId xmlns:a16="http://schemas.microsoft.com/office/drawing/2014/main" val="2721396209"/>
+                  </a:ext>
+                </a:extLst>
+              </a:tr>
+            </a:tbl>
+          </a:graphicData>
+        </a:graphic>
+      </p:graphicFrame>
+      <p:graphicFrame>
+        <p:nvGraphicFramePr>
+          <p:cNvPr id="6" name="Content Placeholder 3">
+            <a:extLst>
+              <a:ext uri="{FF2B5EF4-FFF2-40B4-BE49-F238E27FC236}">
+                <a16:creationId xmlns:a16="http://schemas.microsoft.com/office/drawing/2014/main" id="{B79E2760-3109-C327-7AA2-7E2859904174}"/>
+              </a:ext>
+            </a:extLst>
+          </p:cNvPr>
+          <p:cNvGraphicFramePr>
+            <a:graphicFrameLocks/>
+          </p:cNvGraphicFramePr>
+          <p:nvPr>
+            <p:extLst>
+              <p:ext uri="{D42A27DB-BD31-4B8C-83A1-F6EECF244321}">
+                <p14:modId xmlns:p14="http://schemas.microsoft.com/office/powerpoint/2010/main" val="3365062080"/>
+              </p:ext>
+            </p:extLst>
+          </p:nvPr>
+        </p:nvGraphicFramePr>
+        <p:xfrm>
+          <a:off x="7511142" y="2639877"/>
+          <a:ext cx="4463144" cy="1915084"/>
+        </p:xfrm>
+        <a:graphic>
+          <a:graphicData uri="http://schemas.openxmlformats.org/drawingml/2006/table">
+            <a:tbl>
+              <a:tblPr firstRow="1" bandRow="1">
+                <a:tableStyleId>{5C22544A-7EE6-4342-B048-85BDC9FD1C3A}</a:tableStyleId>
+              </a:tblPr>
+              <a:tblGrid>
+                <a:gridCol w="432980">
+                  <a:extLst>
+                    <a:ext uri="{9D8B030D-6E8A-4147-A177-3AD203B41FA5}">
+                      <a16:colId xmlns:a16="http://schemas.microsoft.com/office/drawing/2014/main" val="153569580"/>
+                    </a:ext>
+                  </a:extLst>
+                </a:gridCol>
+                <a:gridCol w="1671311">
+                  <a:extLst>
+                    <a:ext uri="{9D8B030D-6E8A-4147-A177-3AD203B41FA5}">
+                      <a16:colId xmlns:a16="http://schemas.microsoft.com/office/drawing/2014/main" val="3195665159"/>
+                    </a:ext>
+                  </a:extLst>
+                </a:gridCol>
+                <a:gridCol w="1412338">
+                  <a:extLst>
+                    <a:ext uri="{9D8B030D-6E8A-4147-A177-3AD203B41FA5}">
+                      <a16:colId xmlns:a16="http://schemas.microsoft.com/office/drawing/2014/main" val="2431613028"/>
+                    </a:ext>
+                  </a:extLst>
+                </a:gridCol>
+                <a:gridCol w="946515">
+                  <a:extLst>
+                    <a:ext uri="{9D8B030D-6E8A-4147-A177-3AD203B41FA5}">
+                      <a16:colId xmlns:a16="http://schemas.microsoft.com/office/drawing/2014/main" val="3566650025"/>
+                    </a:ext>
+                  </a:extLst>
+                </a:gridCol>
+              </a:tblGrid>
+              <a:tr h="278486">
+                <a:tc>
+                  <a:txBody>
+                    <a:bodyPr/>
+                    <a:lstStyle/>
+                    <a:p>
+                      <a:r>
+                        <a:rPr lang="en-US" dirty="0"/>
+                        <a:t>Id</a:t>
+                      </a:r>
+                    </a:p>
+                  </a:txBody>
+                  <a:tcPr/>
+                </a:tc>
+                <a:tc>
+                  <a:txBody>
+                    <a:bodyPr/>
+                    <a:lstStyle/>
+                    <a:p>
+                      <a:r>
+                        <a:rPr lang="en-US" dirty="0" err="1"/>
+                        <a:t>User_id</a:t>
+                      </a:r>
+                      <a:endParaRPr lang="en-US" dirty="0"/>
+                    </a:p>
+                  </a:txBody>
+                  <a:tcPr/>
+                </a:tc>
+                <a:tc>
+                  <a:txBody>
+                    <a:bodyPr/>
+                    <a:lstStyle/>
+                    <a:p>
+                      <a:r>
+                        <a:rPr lang="en-US" dirty="0" err="1"/>
+                        <a:t>Product_id</a:t>
+                      </a:r>
+                      <a:endParaRPr lang="en-US" dirty="0"/>
+                    </a:p>
+                  </a:txBody>
+                  <a:tcPr/>
+                </a:tc>
+                <a:tc rowSpan="3">
+                  <a:txBody>
+                    <a:bodyPr/>
+                    <a:lstStyle/>
+                    <a:p>
+                      <a:r>
+                        <a:rPr lang="en-US" dirty="0"/>
+                        <a:t>Orders</a:t>
+                      </a:r>
+                    </a:p>
+                  </a:txBody>
+                  <a:tcPr>
+                    <a:lnT w="12700" cmpd="sng">
+                      <a:noFill/>
+                    </a:lnT>
+                    <a:lnB w="38100" cmpd="sng">
+                      <a:noFill/>
+                    </a:lnB>
+                  </a:tcPr>
+                </a:tc>
+                <a:extLst>
+                  <a:ext uri="{0D108BD9-81ED-4DB2-BD59-A6C34878D82A}">
+                    <a16:rowId xmlns:a16="http://schemas.microsoft.com/office/drawing/2014/main" val="2053184475"/>
+                  </a:ext>
+                </a:extLst>
+              </a:tr>
+              <a:tr h="487350">
+                <a:tc>
+                  <a:txBody>
+                    <a:bodyPr/>
+                    <a:lstStyle/>
+                    <a:p>
+                      <a:r>
+                        <a:rPr lang="en-US" dirty="0"/>
+                        <a:t>1</a:t>
+                      </a:r>
+                    </a:p>
+                  </a:txBody>
+                  <a:tcPr/>
+                </a:tc>
+                <a:tc>
+                  <a:txBody>
+                    <a:bodyPr/>
+                    <a:lstStyle/>
+                    <a:p>
+                      <a:r>
+                        <a:rPr lang="en-US" dirty="0"/>
+                        <a:t>2</a:t>
+                      </a:r>
+                    </a:p>
+                  </a:txBody>
+                  <a:tcPr/>
+                </a:tc>
+                <a:tc>
+                  <a:txBody>
+                    <a:bodyPr/>
+                    <a:lstStyle/>
+                    <a:p>
+                      <a:r>
+                        <a:rPr lang="en-US" dirty="0"/>
+                        <a:t>1</a:t>
+                      </a:r>
+                    </a:p>
+                  </a:txBody>
+                  <a:tcPr/>
+                </a:tc>
+                <a:tc vMerge="1">
+                  <a:txBody>
+                    <a:bodyPr/>
+                    <a:lstStyle/>
+                    <a:p>
+                      <a:endParaRPr lang="en-US" dirty="0"/>
+                    </a:p>
+                  </a:txBody>
+                  <a:tcPr>
+                    <a:lnB w="12700" cmpd="sng">
+                      <a:noFill/>
+                    </a:lnB>
+                  </a:tcPr>
+                </a:tc>
+                <a:extLst>
+                  <a:ext uri="{0D108BD9-81ED-4DB2-BD59-A6C34878D82A}">
+                    <a16:rowId xmlns:a16="http://schemas.microsoft.com/office/drawing/2014/main" val="2172164337"/>
+                  </a:ext>
+                </a:extLst>
+              </a:tr>
+              <a:tr h="696214">
+                <a:tc>
+                  <a:txBody>
+                    <a:bodyPr/>
+                    <a:lstStyle/>
+                    <a:p>
+                      <a:r>
+                        <a:rPr lang="en-US" dirty="0"/>
+                        <a:t>2</a:t>
+                      </a:r>
+                    </a:p>
+                  </a:txBody>
+                  <a:tcPr/>
+                </a:tc>
+                <a:tc>
+                  <a:txBody>
+                    <a:bodyPr/>
+                    <a:lstStyle/>
+                    <a:p>
+                      <a:r>
+                        <a:rPr lang="en-US" dirty="0"/>
+                        <a:t>1</a:t>
+                      </a:r>
+                    </a:p>
+                  </a:txBody>
+                  <a:tcPr/>
+                </a:tc>
+                <a:tc>
+                  <a:txBody>
+                    <a:bodyPr/>
+                    <a:lstStyle/>
+                    <a:p>
+                      <a:r>
+                        <a:rPr lang="en-US" dirty="0"/>
+                        <a:t>1</a:t>
+                      </a:r>
+                    </a:p>
+                    <a:p>
+                      <a:endParaRPr lang="en-US" dirty="0"/>
+                    </a:p>
+                  </a:txBody>
+                  <a:tcPr/>
+                </a:tc>
+                <a:tc vMerge="1">
+                  <a:txBody>
+                    <a:bodyPr/>
+                    <a:lstStyle/>
+                    <a:p>
+                      <a:endParaRPr lang="en-US" dirty="0"/>
+                    </a:p>
+                  </a:txBody>
+                  <a:tcPr>
+                    <a:lnB w="12700" cmpd="sng">
+                      <a:noFill/>
+                    </a:lnB>
+                  </a:tcPr>
+                </a:tc>
+                <a:extLst>
+                  <a:ext uri="{0D108BD9-81ED-4DB2-BD59-A6C34878D82A}">
+                    <a16:rowId xmlns:a16="http://schemas.microsoft.com/office/drawing/2014/main" val="1106521803"/>
+                  </a:ext>
+                </a:extLst>
+              </a:tr>
+              <a:tr h="278486">
+                <a:tc>
+                  <a:txBody>
+                    <a:bodyPr/>
+                    <a:lstStyle/>
+                    <a:p>
+                      <a:r>
+                        <a:rPr lang="en-US" dirty="0"/>
+                        <a:t>3.</a:t>
+                      </a:r>
+                    </a:p>
+                  </a:txBody>
+                  <a:tcPr/>
+                </a:tc>
+                <a:tc>
+                  <a:txBody>
+                    <a:bodyPr/>
+                    <a:lstStyle/>
+                    <a:p>
+                      <a:r>
+                        <a:rPr lang="en-US" dirty="0"/>
+                        <a:t>..</a:t>
+                      </a:r>
+                    </a:p>
+                  </a:txBody>
+                  <a:tcPr/>
+                </a:tc>
+                <a:tc>
+                  <a:txBody>
+                    <a:bodyPr/>
+                    <a:lstStyle/>
+                    <a:p>
+                      <a:r>
+                        <a:rPr lang="en-US" dirty="0"/>
+                        <a:t>..</a:t>
+                      </a:r>
+                    </a:p>
+                  </a:txBody>
+                  <a:tcPr/>
+                </a:tc>
+                <a:tc>
+                  <a:txBody>
+                    <a:bodyPr/>
+                    <a:lstStyle/>
+                    <a:p>
+                      <a:r>
+                        <a:rPr lang="en-US" dirty="0"/>
+                        <a:t>…</a:t>
+                      </a:r>
+                    </a:p>
+                  </a:txBody>
+                  <a:tcPr>
+                    <a:lnT w="12700" cmpd="sng">
+                      <a:noFill/>
+                    </a:lnT>
+                    <a:lnB w="38100" cmpd="sng">
+                      <a:noFill/>
+                    </a:lnB>
+                  </a:tcPr>
+                </a:tc>
+                <a:extLst>
+                  <a:ext uri="{0D108BD9-81ED-4DB2-BD59-A6C34878D82A}">
+                    <a16:rowId xmlns:a16="http://schemas.microsoft.com/office/drawing/2014/main" val="2721396209"/>
+                  </a:ext>
+                </a:extLst>
+              </a:tr>
+            </a:tbl>
+          </a:graphicData>
+        </a:graphic>
+      </p:graphicFrame>
+    </p:spTree>
+    <p:extLst>
+      <p:ext uri="{BB962C8B-B14F-4D97-AF65-F5344CB8AC3E}">
+        <p14:creationId xmlns:p14="http://schemas.microsoft.com/office/powerpoint/2010/main" val="545704702"/>
+      </p:ext>
+    </p:extLst>
+  </p:cSld>
+  <p:clrMapOvr>
+    <a:masterClrMapping/>
+  </p:clrMapOvr>
+</p:sld>
+</file>
+
+<file path=ppt/slides/slide61.xml><?xml version="1.0" encoding="utf-8"?>
+<p:sld xmlns:a="http://schemas.openxmlformats.org/drawingml/2006/main" xmlns:r="http://schemas.openxmlformats.org/officeDocument/2006/relationships" xmlns:p="http://schemas.openxmlformats.org/presentationml/2006/main">
+  <p:cSld>
+    <p:spTree>
+      <p:nvGrpSpPr>
+        <p:cNvPr id="1" name=""/>
+        <p:cNvGrpSpPr/>
+        <p:nvPr/>
+      </p:nvGrpSpPr>
+      <p:grpSpPr>
+        <a:xfrm>
+          <a:off x="0" y="0"/>
+          <a:ext cx="0" cy="0"/>
+          <a:chOff x="0" y="0"/>
+          <a:chExt cx="0" cy="0"/>
+        </a:xfrm>
+      </p:grpSpPr>
+      <p:sp>
+        <p:nvSpPr>
+          <p:cNvPr id="2" name="Title 1">
+            <a:extLst>
+              <a:ext uri="{FF2B5EF4-FFF2-40B4-BE49-F238E27FC236}">
+                <a16:creationId xmlns:a16="http://schemas.microsoft.com/office/drawing/2014/main" id="{98909B91-369D-D051-6843-534D37AE4299}"/>
+              </a:ext>
+            </a:extLst>
+          </p:cNvPr>
+          <p:cNvSpPr>
+            <a:spLocks noGrp="1"/>
+          </p:cNvSpPr>
+          <p:nvPr>
+            <p:ph type="title"/>
+          </p:nvPr>
+        </p:nvSpPr>
+        <p:spPr/>
+        <p:txBody>
+          <a:bodyPr/>
+          <a:lstStyle/>
+          <a:p>
+            <a:r>
+              <a:rPr lang="en-US" dirty="0"/>
+              <a:t>Core SQL Database Characteristics</a:t>
+            </a:r>
+          </a:p>
+        </p:txBody>
+      </p:sp>
+      <p:sp>
+        <p:nvSpPr>
+          <p:cNvPr id="4" name="Rectangle 3">
+            <a:extLst>
+              <a:ext uri="{FF2B5EF4-FFF2-40B4-BE49-F238E27FC236}">
+                <a16:creationId xmlns:a16="http://schemas.microsoft.com/office/drawing/2014/main" id="{F295CA3A-6C4E-EF53-5E05-709769F5FF24}"/>
+              </a:ext>
+            </a:extLst>
+          </p:cNvPr>
+          <p:cNvSpPr/>
+          <p:nvPr/>
+        </p:nvSpPr>
+        <p:spPr>
+          <a:xfrm>
+            <a:off x="1410789" y="1567543"/>
+            <a:ext cx="3644537" cy="796834"/>
+          </a:xfrm>
+          <a:prstGeom prst="rect">
+            <a:avLst/>
+          </a:prstGeom>
+        </p:spPr>
+        <p:style>
+          <a:lnRef idx="2">
+            <a:schemeClr val="accent1">
+              <a:shade val="15000"/>
+            </a:schemeClr>
+          </a:lnRef>
+          <a:fillRef idx="1">
+            <a:schemeClr val="accent1"/>
+          </a:fillRef>
+          <a:effectRef idx="0">
+            <a:schemeClr val="accent1"/>
+          </a:effectRef>
+          <a:fontRef idx="minor">
+            <a:schemeClr val="lt1"/>
+          </a:fontRef>
+        </p:style>
+        <p:txBody>
+          <a:bodyPr rtlCol="0" anchor="ctr"/>
+          <a:lstStyle/>
+          <a:p>
+            <a:pPr algn="ctr"/>
+            <a:r>
+              <a:rPr lang="en-US" dirty="0"/>
+              <a:t>Data Schema</a:t>
+            </a:r>
+          </a:p>
+        </p:txBody>
+      </p:sp>
+      <p:sp>
+        <p:nvSpPr>
+          <p:cNvPr id="5" name="Rectangle 4">
+            <a:extLst>
+              <a:ext uri="{FF2B5EF4-FFF2-40B4-BE49-F238E27FC236}">
+                <a16:creationId xmlns:a16="http://schemas.microsoft.com/office/drawing/2014/main" id="{B27C9009-FEA7-59B9-D9FB-ED98107E87B1}"/>
+              </a:ext>
+            </a:extLst>
+          </p:cNvPr>
+          <p:cNvSpPr/>
+          <p:nvPr/>
+        </p:nvSpPr>
+        <p:spPr>
+          <a:xfrm>
+            <a:off x="1410789" y="2494689"/>
+            <a:ext cx="1058091" cy="796834"/>
+          </a:xfrm>
+          <a:prstGeom prst="rect">
+            <a:avLst/>
+          </a:prstGeom>
+        </p:spPr>
+        <p:style>
+          <a:lnRef idx="2">
+            <a:schemeClr val="accent1">
+              <a:shade val="15000"/>
+            </a:schemeClr>
+          </a:lnRef>
+          <a:fillRef idx="1">
+            <a:schemeClr val="accent1"/>
+          </a:fillRef>
+          <a:effectRef idx="0">
+            <a:schemeClr val="accent1"/>
+          </a:effectRef>
+          <a:fontRef idx="minor">
+            <a:schemeClr val="lt1"/>
+          </a:fontRef>
+        </p:style>
+        <p:txBody>
+          <a:bodyPr rtlCol="0" anchor="ctr"/>
+          <a:lstStyle/>
+          <a:p>
+            <a:pPr algn="ctr"/>
+            <a:r>
+              <a:rPr lang="en-US" dirty="0"/>
+              <a:t>id</a:t>
+            </a:r>
+          </a:p>
+        </p:txBody>
+      </p:sp>
+      <p:sp>
+        <p:nvSpPr>
+          <p:cNvPr id="6" name="Rectangle 5">
+            <a:extLst>
+              <a:ext uri="{FF2B5EF4-FFF2-40B4-BE49-F238E27FC236}">
+                <a16:creationId xmlns:a16="http://schemas.microsoft.com/office/drawing/2014/main" id="{F7E869BA-20B2-2E2D-73E8-98B8D5F4F77C}"/>
+              </a:ext>
+            </a:extLst>
+          </p:cNvPr>
+          <p:cNvSpPr/>
+          <p:nvPr/>
+        </p:nvSpPr>
+        <p:spPr>
+          <a:xfrm>
+            <a:off x="2751910" y="2494689"/>
+            <a:ext cx="1058092" cy="796834"/>
+          </a:xfrm>
+          <a:prstGeom prst="rect">
+            <a:avLst/>
+          </a:prstGeom>
+        </p:spPr>
+        <p:style>
+          <a:lnRef idx="2">
+            <a:schemeClr val="accent1">
+              <a:shade val="15000"/>
+            </a:schemeClr>
+          </a:lnRef>
+          <a:fillRef idx="1">
+            <a:schemeClr val="accent1"/>
+          </a:fillRef>
+          <a:effectRef idx="0">
+            <a:schemeClr val="accent1"/>
+          </a:effectRef>
+          <a:fontRef idx="minor">
+            <a:schemeClr val="lt1"/>
+          </a:fontRef>
+        </p:style>
+        <p:txBody>
+          <a:bodyPr rtlCol="0" anchor="ctr"/>
+          <a:lstStyle/>
+          <a:p>
+            <a:pPr algn="ctr"/>
+            <a:r>
+              <a:rPr lang="en-US" dirty="0"/>
+              <a:t>name</a:t>
+            </a:r>
+          </a:p>
+        </p:txBody>
+      </p:sp>
+      <p:sp>
+        <p:nvSpPr>
+          <p:cNvPr id="7" name="Rectangle 6">
+            <a:extLst>
+              <a:ext uri="{FF2B5EF4-FFF2-40B4-BE49-F238E27FC236}">
+                <a16:creationId xmlns:a16="http://schemas.microsoft.com/office/drawing/2014/main" id="{F00476EC-3C81-FDBF-06FA-7258D8BC6C89}"/>
+              </a:ext>
+            </a:extLst>
+          </p:cNvPr>
+          <p:cNvSpPr/>
+          <p:nvPr/>
+        </p:nvSpPr>
+        <p:spPr>
+          <a:xfrm>
+            <a:off x="4058196" y="2494689"/>
+            <a:ext cx="1058092" cy="796834"/>
+          </a:xfrm>
+          <a:prstGeom prst="rect">
+            <a:avLst/>
+          </a:prstGeom>
+        </p:spPr>
+        <p:style>
+          <a:lnRef idx="2">
+            <a:schemeClr val="accent1">
+              <a:shade val="15000"/>
+            </a:schemeClr>
+          </a:lnRef>
+          <a:fillRef idx="1">
+            <a:schemeClr val="accent1"/>
+          </a:fillRef>
+          <a:effectRef idx="0">
+            <a:schemeClr val="accent1"/>
+          </a:effectRef>
+          <a:fontRef idx="minor">
+            <a:schemeClr val="lt1"/>
+          </a:fontRef>
+        </p:style>
+        <p:txBody>
+          <a:bodyPr rtlCol="0" anchor="ctr"/>
+          <a:lstStyle/>
+          <a:p>
+            <a:pPr algn="ctr"/>
+            <a:r>
+              <a:rPr lang="en-US" dirty="0"/>
+              <a:t>age</a:t>
+            </a:r>
+          </a:p>
+        </p:txBody>
+      </p:sp>
+      <p:sp>
+        <p:nvSpPr>
+          <p:cNvPr id="8" name="Left Arrow 7">
+            <a:extLst>
+              <a:ext uri="{FF2B5EF4-FFF2-40B4-BE49-F238E27FC236}">
+                <a16:creationId xmlns:a16="http://schemas.microsoft.com/office/drawing/2014/main" id="{5D6F09BF-5088-878A-CB1C-7F34A6D3C09A}"/>
+              </a:ext>
+            </a:extLst>
+          </p:cNvPr>
+          <p:cNvSpPr/>
+          <p:nvPr/>
+        </p:nvSpPr>
+        <p:spPr>
+          <a:xfrm rot="10961640">
+            <a:off x="5355028" y="1659774"/>
+            <a:ext cx="2050869" cy="757646"/>
+          </a:xfrm>
+          <a:prstGeom prst="leftArrow">
+            <a:avLst/>
+          </a:prstGeom>
+        </p:spPr>
+        <p:style>
+          <a:lnRef idx="2">
+            <a:schemeClr val="accent1">
+              <a:shade val="15000"/>
+            </a:schemeClr>
+          </a:lnRef>
+          <a:fillRef idx="1">
+            <a:schemeClr val="accent1"/>
+          </a:fillRef>
+          <a:effectRef idx="0">
+            <a:schemeClr val="accent1"/>
+          </a:effectRef>
+          <a:fontRef idx="minor">
+            <a:schemeClr val="lt1"/>
+          </a:fontRef>
+        </p:style>
+        <p:txBody>
+          <a:bodyPr rtlCol="0" anchor="ctr"/>
+          <a:lstStyle/>
+          <a:p>
+            <a:pPr algn="ctr"/>
+            <a:endParaRPr lang="en-US"/>
+          </a:p>
+        </p:txBody>
+      </p:sp>
+      <p:sp>
+        <p:nvSpPr>
+          <p:cNvPr id="9" name="Rectangle 8">
+            <a:extLst>
+              <a:ext uri="{FF2B5EF4-FFF2-40B4-BE49-F238E27FC236}">
+                <a16:creationId xmlns:a16="http://schemas.microsoft.com/office/drawing/2014/main" id="{C2B91DA8-610E-00DC-73B0-E2287BD5AD2C}"/>
+              </a:ext>
+            </a:extLst>
+          </p:cNvPr>
+          <p:cNvSpPr/>
+          <p:nvPr/>
+        </p:nvSpPr>
+        <p:spPr>
+          <a:xfrm>
+            <a:off x="7705599" y="1476894"/>
+            <a:ext cx="3644537" cy="796834"/>
+          </a:xfrm>
+          <a:prstGeom prst="rect">
+            <a:avLst/>
+          </a:prstGeom>
+        </p:spPr>
+        <p:style>
+          <a:lnRef idx="2">
+            <a:schemeClr val="accent1">
+              <a:shade val="15000"/>
+            </a:schemeClr>
+          </a:lnRef>
+          <a:fillRef idx="1">
+            <a:schemeClr val="accent1"/>
+          </a:fillRef>
+          <a:effectRef idx="0">
+            <a:schemeClr val="accent1"/>
+          </a:effectRef>
+          <a:fontRef idx="minor">
+            <a:schemeClr val="lt1"/>
+          </a:fontRef>
+        </p:style>
+        <p:txBody>
+          <a:bodyPr rtlCol="0" anchor="ctr"/>
+          <a:lstStyle/>
+          <a:p>
+            <a:pPr algn="ctr"/>
+            <a:r>
+              <a:rPr lang="en-US" dirty="0"/>
+              <a:t>All Data (in a Table) </a:t>
+            </a:r>
+          </a:p>
+          <a:p>
+            <a:pPr algn="ctr"/>
+            <a:r>
+              <a:rPr lang="en-US" dirty="0"/>
+              <a:t>has to fit!</a:t>
+            </a:r>
+          </a:p>
+        </p:txBody>
+      </p:sp>
+      <p:sp>
+        <p:nvSpPr>
+          <p:cNvPr id="10" name="Rectangle 9">
+            <a:extLst>
+              <a:ext uri="{FF2B5EF4-FFF2-40B4-BE49-F238E27FC236}">
+                <a16:creationId xmlns:a16="http://schemas.microsoft.com/office/drawing/2014/main" id="{31FC0B67-5892-8F6F-6450-92A4ED56D503}"/>
+              </a:ext>
+            </a:extLst>
+          </p:cNvPr>
+          <p:cNvSpPr/>
+          <p:nvPr/>
+        </p:nvSpPr>
+        <p:spPr>
+          <a:xfrm>
+            <a:off x="1693818" y="4095524"/>
+            <a:ext cx="3644537" cy="796834"/>
+          </a:xfrm>
+          <a:prstGeom prst="rect">
+            <a:avLst/>
+          </a:prstGeom>
+        </p:spPr>
+        <p:style>
+          <a:lnRef idx="2">
+            <a:schemeClr val="accent1">
+              <a:shade val="15000"/>
+            </a:schemeClr>
+          </a:lnRef>
+          <a:fillRef idx="1">
+            <a:schemeClr val="accent1"/>
+          </a:fillRef>
+          <a:effectRef idx="0">
+            <a:schemeClr val="accent1"/>
+          </a:effectRef>
+          <a:fontRef idx="minor">
+            <a:schemeClr val="lt1"/>
+          </a:fontRef>
+        </p:style>
+        <p:txBody>
+          <a:bodyPr rtlCol="0" anchor="ctr"/>
+          <a:lstStyle/>
+          <a:p>
+            <a:pPr algn="ctr"/>
+            <a:r>
+              <a:rPr lang="en-US" dirty="0"/>
+              <a:t>Data Relations</a:t>
+            </a:r>
+          </a:p>
+        </p:txBody>
+      </p:sp>
+      <p:sp>
+        <p:nvSpPr>
+          <p:cNvPr id="11" name="Rectangle 10">
+            <a:extLst>
+              <a:ext uri="{FF2B5EF4-FFF2-40B4-BE49-F238E27FC236}">
+                <a16:creationId xmlns:a16="http://schemas.microsoft.com/office/drawing/2014/main" id="{A045C5B0-6B91-90B3-BBAC-3335CE35D4F2}"/>
+              </a:ext>
+            </a:extLst>
+          </p:cNvPr>
+          <p:cNvSpPr/>
+          <p:nvPr/>
+        </p:nvSpPr>
+        <p:spPr>
+          <a:xfrm>
+            <a:off x="2272938" y="5022670"/>
+            <a:ext cx="2016036" cy="463730"/>
+          </a:xfrm>
+          <a:prstGeom prst="rect">
+            <a:avLst/>
+          </a:prstGeom>
+        </p:spPr>
+        <p:style>
+          <a:lnRef idx="2">
+            <a:schemeClr val="accent1">
+              <a:shade val="15000"/>
+            </a:schemeClr>
+          </a:lnRef>
+          <a:fillRef idx="1">
+            <a:schemeClr val="accent1"/>
+          </a:fillRef>
+          <a:effectRef idx="0">
+            <a:schemeClr val="accent1"/>
+          </a:effectRef>
+          <a:fontRef idx="minor">
+            <a:schemeClr val="lt1"/>
+          </a:fontRef>
+        </p:style>
+        <p:txBody>
+          <a:bodyPr rtlCol="0" anchor="ctr"/>
+          <a:lstStyle/>
+          <a:p>
+            <a:pPr algn="ctr"/>
+            <a:r>
+              <a:rPr lang="en-US" dirty="0"/>
+              <a:t>One-to-One</a:t>
+            </a:r>
+          </a:p>
+        </p:txBody>
+      </p:sp>
+      <p:sp>
+        <p:nvSpPr>
+          <p:cNvPr id="12" name="Rectangle 11">
+            <a:extLst>
+              <a:ext uri="{FF2B5EF4-FFF2-40B4-BE49-F238E27FC236}">
+                <a16:creationId xmlns:a16="http://schemas.microsoft.com/office/drawing/2014/main" id="{EC43BBDF-F886-9824-DBFF-4DD513C7BD60}"/>
+              </a:ext>
+            </a:extLst>
+          </p:cNvPr>
+          <p:cNvSpPr/>
+          <p:nvPr/>
+        </p:nvSpPr>
+        <p:spPr>
+          <a:xfrm>
+            <a:off x="2272938" y="5551398"/>
+            <a:ext cx="2016036" cy="463730"/>
+          </a:xfrm>
+          <a:prstGeom prst="rect">
+            <a:avLst/>
+          </a:prstGeom>
+        </p:spPr>
+        <p:style>
+          <a:lnRef idx="2">
+            <a:schemeClr val="accent1">
+              <a:shade val="15000"/>
+            </a:schemeClr>
+          </a:lnRef>
+          <a:fillRef idx="1">
+            <a:schemeClr val="accent1"/>
+          </a:fillRef>
+          <a:effectRef idx="0">
+            <a:schemeClr val="accent1"/>
+          </a:effectRef>
+          <a:fontRef idx="minor">
+            <a:schemeClr val="lt1"/>
+          </a:fontRef>
+        </p:style>
+        <p:txBody>
+          <a:bodyPr rtlCol="0" anchor="ctr"/>
+          <a:lstStyle/>
+          <a:p>
+            <a:pPr algn="ctr"/>
+            <a:r>
+              <a:rPr lang="en-US" dirty="0"/>
+              <a:t>One-to-Many</a:t>
+            </a:r>
+          </a:p>
+        </p:txBody>
+      </p:sp>
+      <p:sp>
+        <p:nvSpPr>
+          <p:cNvPr id="13" name="Rectangle 12">
+            <a:extLst>
+              <a:ext uri="{FF2B5EF4-FFF2-40B4-BE49-F238E27FC236}">
+                <a16:creationId xmlns:a16="http://schemas.microsoft.com/office/drawing/2014/main" id="{15B60233-0ED3-C86A-0601-B1A4AF8B3751}"/>
+              </a:ext>
+            </a:extLst>
+          </p:cNvPr>
+          <p:cNvSpPr/>
+          <p:nvPr/>
+        </p:nvSpPr>
+        <p:spPr>
+          <a:xfrm>
+            <a:off x="2272938" y="6112149"/>
+            <a:ext cx="2016036" cy="463730"/>
+          </a:xfrm>
+          <a:prstGeom prst="rect">
+            <a:avLst/>
+          </a:prstGeom>
+        </p:spPr>
+        <p:style>
+          <a:lnRef idx="2">
+            <a:schemeClr val="accent1">
+              <a:shade val="15000"/>
+            </a:schemeClr>
+          </a:lnRef>
+          <a:fillRef idx="1">
+            <a:schemeClr val="accent1"/>
+          </a:fillRef>
+          <a:effectRef idx="0">
+            <a:schemeClr val="accent1"/>
+          </a:effectRef>
+          <a:fontRef idx="minor">
+            <a:schemeClr val="lt1"/>
+          </a:fontRef>
+        </p:style>
+        <p:txBody>
+          <a:bodyPr rtlCol="0" anchor="ctr"/>
+          <a:lstStyle/>
+          <a:p>
+            <a:pPr algn="ctr"/>
+            <a:r>
+              <a:rPr lang="en-US" dirty="0"/>
+              <a:t>Many-to-Many</a:t>
+            </a:r>
+          </a:p>
+        </p:txBody>
+      </p:sp>
+      <p:sp>
+        <p:nvSpPr>
+          <p:cNvPr id="14" name="Left Arrow 13">
+            <a:extLst>
+              <a:ext uri="{FF2B5EF4-FFF2-40B4-BE49-F238E27FC236}">
+                <a16:creationId xmlns:a16="http://schemas.microsoft.com/office/drawing/2014/main" id="{95C8D04D-D399-44C6-3B55-965952D16F70}"/>
+              </a:ext>
+            </a:extLst>
+          </p:cNvPr>
+          <p:cNvSpPr/>
+          <p:nvPr/>
+        </p:nvSpPr>
+        <p:spPr>
+          <a:xfrm rot="10961640">
+            <a:off x="5638058" y="4143302"/>
+            <a:ext cx="2050869" cy="757646"/>
+          </a:xfrm>
+          <a:prstGeom prst="leftArrow">
+            <a:avLst/>
+          </a:prstGeom>
+        </p:spPr>
+        <p:style>
+          <a:lnRef idx="2">
+            <a:schemeClr val="accent1">
+              <a:shade val="15000"/>
+            </a:schemeClr>
+          </a:lnRef>
+          <a:fillRef idx="1">
+            <a:schemeClr val="accent1"/>
+          </a:fillRef>
+          <a:effectRef idx="0">
+            <a:schemeClr val="accent1"/>
+          </a:effectRef>
+          <a:fontRef idx="minor">
+            <a:schemeClr val="lt1"/>
+          </a:fontRef>
+        </p:style>
+        <p:txBody>
+          <a:bodyPr rtlCol="0" anchor="ctr"/>
+          <a:lstStyle/>
+          <a:p>
+            <a:pPr algn="ctr"/>
+            <a:endParaRPr lang="en-US"/>
+          </a:p>
+        </p:txBody>
+      </p:sp>
+      <p:sp>
+        <p:nvSpPr>
+          <p:cNvPr id="15" name="Rectangle 14">
+            <a:extLst>
+              <a:ext uri="{FF2B5EF4-FFF2-40B4-BE49-F238E27FC236}">
+                <a16:creationId xmlns:a16="http://schemas.microsoft.com/office/drawing/2014/main" id="{70CAAA04-CA23-CDB5-E8A0-DB3ACDCDE681}"/>
+              </a:ext>
+            </a:extLst>
+          </p:cNvPr>
+          <p:cNvSpPr/>
+          <p:nvPr/>
+        </p:nvSpPr>
+        <p:spPr>
+          <a:xfrm>
+            <a:off x="7988629" y="3960422"/>
+            <a:ext cx="3644537" cy="796834"/>
+          </a:xfrm>
+          <a:prstGeom prst="rect">
+            <a:avLst/>
+          </a:prstGeom>
+        </p:spPr>
+        <p:style>
+          <a:lnRef idx="2">
+            <a:schemeClr val="accent1">
+              <a:shade val="15000"/>
+            </a:schemeClr>
+          </a:lnRef>
+          <a:fillRef idx="1">
+            <a:schemeClr val="accent1"/>
+          </a:fillRef>
+          <a:effectRef idx="0">
+            <a:schemeClr val="accent1"/>
+          </a:effectRef>
+          <a:fontRef idx="minor">
+            <a:schemeClr val="lt1"/>
+          </a:fontRef>
+        </p:style>
+        <p:txBody>
+          <a:bodyPr rtlCol="0" anchor="ctr"/>
+          <a:lstStyle/>
+          <a:p>
+            <a:pPr algn="ctr"/>
+            <a:r>
+              <a:rPr lang="en-US" dirty="0"/>
+              <a:t>Tables are connected</a:t>
+            </a:r>
+          </a:p>
+        </p:txBody>
+      </p:sp>
+    </p:spTree>
+    <p:extLst>
+      <p:ext uri="{BB962C8B-B14F-4D97-AF65-F5344CB8AC3E}">
+        <p14:creationId xmlns:p14="http://schemas.microsoft.com/office/powerpoint/2010/main" val="3181568783"/>
+      </p:ext>
+    </p:extLst>
+  </p:cSld>
+  <p:clrMapOvr>
+    <a:masterClrMapping/>
+  </p:clrMapOvr>
+</p:sld>
+</file>
+
+<file path=ppt/slides/slide62.xml><?xml version="1.0" encoding="utf-8"?>
+<p:sld xmlns:a="http://schemas.openxmlformats.org/drawingml/2006/main" xmlns:r="http://schemas.openxmlformats.org/officeDocument/2006/relationships" xmlns:p="http://schemas.openxmlformats.org/presentationml/2006/main">
+  <p:cSld>
+    <p:spTree>
+      <p:nvGrpSpPr>
+        <p:cNvPr id="1" name=""/>
+        <p:cNvGrpSpPr/>
+        <p:nvPr/>
+      </p:nvGrpSpPr>
+      <p:grpSpPr>
+        <a:xfrm>
+          <a:off x="0" y="0"/>
+          <a:ext cx="0" cy="0"/>
+          <a:chOff x="0" y="0"/>
+          <a:chExt cx="0" cy="0"/>
+        </a:xfrm>
+      </p:grpSpPr>
+      <p:sp>
+        <p:nvSpPr>
+          <p:cNvPr id="2" name="Title 1">
+            <a:extLst>
+              <a:ext uri="{FF2B5EF4-FFF2-40B4-BE49-F238E27FC236}">
+                <a16:creationId xmlns:a16="http://schemas.microsoft.com/office/drawing/2014/main" id="{832459D7-DE40-CF65-EE19-F674B8C20F8C}"/>
+              </a:ext>
+            </a:extLst>
+          </p:cNvPr>
+          <p:cNvSpPr>
+            <a:spLocks noGrp="1"/>
+          </p:cNvSpPr>
+          <p:nvPr>
+            <p:ph type="title"/>
+          </p:nvPr>
+        </p:nvSpPr>
+        <p:spPr/>
+        <p:txBody>
+          <a:bodyPr/>
+          <a:lstStyle/>
+          <a:p>
+            <a:r>
+              <a:rPr lang="en-US" dirty="0"/>
+              <a:t>SQL Queries</a:t>
+            </a:r>
+          </a:p>
+        </p:txBody>
+      </p:sp>
+      <p:sp>
+        <p:nvSpPr>
+          <p:cNvPr id="3" name="Content Placeholder 2">
+            <a:extLst>
+              <a:ext uri="{FF2B5EF4-FFF2-40B4-BE49-F238E27FC236}">
+                <a16:creationId xmlns:a16="http://schemas.microsoft.com/office/drawing/2014/main" id="{624A2C74-4CDF-5F8C-329C-61A81B6822E1}"/>
+              </a:ext>
+            </a:extLst>
+          </p:cNvPr>
+          <p:cNvSpPr>
+            <a:spLocks noGrp="1"/>
+          </p:cNvSpPr>
+          <p:nvPr>
+            <p:ph idx="1"/>
+          </p:nvPr>
+        </p:nvSpPr>
+        <p:spPr/>
+        <p:txBody>
+          <a:bodyPr/>
+          <a:lstStyle/>
+          <a:p>
+            <a:pPr marL="0" indent="0">
+              <a:buNone/>
+            </a:pPr>
+            <a:r>
+              <a:rPr lang="en-US" dirty="0">
+                <a:solidFill>
+                  <a:srgbClr val="FF0000"/>
+                </a:solidFill>
+              </a:rPr>
+              <a:t>SELECT</a:t>
+            </a:r>
+            <a:r>
+              <a:rPr lang="en-US" dirty="0"/>
+              <a:t> (SQL Keywords/Syntax)</a:t>
+            </a:r>
+            <a:r>
+              <a:rPr lang="en-US" dirty="0">
+                <a:solidFill>
+                  <a:srgbClr val="FF0000"/>
+                </a:solidFill>
+              </a:rPr>
+              <a:t> *</a:t>
+            </a:r>
+            <a:r>
+              <a:rPr lang="en-US" dirty="0"/>
+              <a:t>(Parameters/Data) </a:t>
+            </a:r>
+            <a:r>
+              <a:rPr lang="en-US" dirty="0">
+                <a:solidFill>
+                  <a:srgbClr val="FF0000"/>
+                </a:solidFill>
+              </a:rPr>
+              <a:t>FROM</a:t>
+            </a:r>
+            <a:r>
+              <a:rPr lang="en-US" dirty="0"/>
+              <a:t> (SQL Keywords/Syntax) </a:t>
+            </a:r>
+            <a:r>
+              <a:rPr lang="en-US" dirty="0">
+                <a:solidFill>
+                  <a:srgbClr val="FF0000"/>
+                </a:solidFill>
+              </a:rPr>
+              <a:t>users WHERE</a:t>
+            </a:r>
+            <a:r>
+              <a:rPr lang="en-US" dirty="0"/>
+              <a:t> (SQL Keywords/Syntax) </a:t>
+            </a:r>
+            <a:r>
+              <a:rPr lang="en-US" dirty="0">
+                <a:solidFill>
+                  <a:srgbClr val="FF0000"/>
+                </a:solidFill>
+              </a:rPr>
+              <a:t>age &gt; 28</a:t>
+            </a:r>
+          </a:p>
+        </p:txBody>
+      </p:sp>
+    </p:spTree>
+    <p:extLst>
+      <p:ext uri="{BB962C8B-B14F-4D97-AF65-F5344CB8AC3E}">
+        <p14:creationId xmlns:p14="http://schemas.microsoft.com/office/powerpoint/2010/main" val="1605100907"/>
+      </p:ext>
+    </p:extLst>
+  </p:cSld>
+  <p:clrMapOvr>
+    <a:masterClrMapping/>
+  </p:clrMapOvr>
+</p:sld>
+</file>
+
+<file path=ppt/slides/slide63.xml><?xml version="1.0" encoding="utf-8"?>
+<p:sld xmlns:a="http://schemas.openxmlformats.org/drawingml/2006/main" xmlns:r="http://schemas.openxmlformats.org/officeDocument/2006/relationships" xmlns:p="http://schemas.openxmlformats.org/presentationml/2006/main">
+  <p:cSld>
+    <p:spTree>
+      <p:nvGrpSpPr>
+        <p:cNvPr id="1" name=""/>
+        <p:cNvGrpSpPr/>
+        <p:nvPr/>
+      </p:nvGrpSpPr>
+      <p:grpSpPr>
+        <a:xfrm>
+          <a:off x="0" y="0"/>
+          <a:ext cx="0" cy="0"/>
+          <a:chOff x="0" y="0"/>
+          <a:chExt cx="0" cy="0"/>
+        </a:xfrm>
+      </p:grpSpPr>
+      <p:sp>
+        <p:nvSpPr>
+          <p:cNvPr id="2" name="Title 1">
+            <a:extLst>
+              <a:ext uri="{FF2B5EF4-FFF2-40B4-BE49-F238E27FC236}">
+                <a16:creationId xmlns:a16="http://schemas.microsoft.com/office/drawing/2014/main" id="{9AE410F3-71DB-46CA-9EEE-66D0230F35B8}"/>
+              </a:ext>
+            </a:extLst>
+          </p:cNvPr>
+          <p:cNvSpPr>
+            <a:spLocks noGrp="1"/>
+          </p:cNvSpPr>
+          <p:nvPr>
+            <p:ph type="title"/>
+          </p:nvPr>
+        </p:nvSpPr>
+        <p:spPr/>
+        <p:txBody>
+          <a:bodyPr/>
+          <a:lstStyle/>
+          <a:p>
+            <a:endParaRPr lang="en-US"/>
+          </a:p>
+        </p:txBody>
+      </p:sp>
+      <p:sp>
+        <p:nvSpPr>
+          <p:cNvPr id="3" name="Content Placeholder 2">
+            <a:extLst>
+              <a:ext uri="{FF2B5EF4-FFF2-40B4-BE49-F238E27FC236}">
+                <a16:creationId xmlns:a16="http://schemas.microsoft.com/office/drawing/2014/main" id="{B7FE0DFE-F01B-777E-E2FF-A5CADC667B9A}"/>
+              </a:ext>
+            </a:extLst>
+          </p:cNvPr>
+          <p:cNvSpPr>
+            <a:spLocks noGrp="1"/>
+          </p:cNvSpPr>
+          <p:nvPr>
+            <p:ph idx="1"/>
+          </p:nvPr>
+        </p:nvSpPr>
+        <p:spPr/>
+        <p:txBody>
+          <a:bodyPr/>
+          <a:lstStyle/>
+          <a:p>
+            <a:r>
+              <a:rPr lang="en-US" dirty="0"/>
+              <a:t>Setting up MySQL</a:t>
+            </a:r>
+          </a:p>
+          <a:p>
+            <a:r>
+              <a:rPr lang="en-US" dirty="0"/>
+              <a:t>Connecting our app to the SQL Database</a:t>
+            </a:r>
+          </a:p>
+          <a:p>
+            <a:r>
+              <a:rPr lang="en-US" dirty="0"/>
+              <a:t>Basic SQL &amp; Creating a Table</a:t>
+            </a:r>
+          </a:p>
+          <a:p>
+            <a:r>
+              <a:rPr lang="en-US" dirty="0"/>
+              <a:t>Retrieving Data</a:t>
+            </a:r>
+          </a:p>
+          <a:p>
+            <a:r>
+              <a:rPr lang="en-US" dirty="0"/>
+              <a:t>Fetching Products from MySQL</a:t>
+            </a:r>
+          </a:p>
+          <a:p>
+            <a:r>
+              <a:rPr lang="en-US" dirty="0"/>
+              <a:t>Inserting data into the database</a:t>
+            </a:r>
+          </a:p>
+          <a:p>
+            <a:r>
+              <a:rPr lang="en-US" dirty="0"/>
+              <a:t>Fetching a single product with the where condition</a:t>
+            </a:r>
+          </a:p>
+        </p:txBody>
+      </p:sp>
+    </p:spTree>
+    <p:extLst>
+      <p:ext uri="{BB962C8B-B14F-4D97-AF65-F5344CB8AC3E}">
+        <p14:creationId xmlns:p14="http://schemas.microsoft.com/office/powerpoint/2010/main" val="2018295550"/>
+      </p:ext>
+    </p:extLst>
+  </p:cSld>
+  <p:clrMapOvr>
+    <a:masterClrMapping/>
+  </p:clrMapOvr>
+</p:sld>
+</file>
+
+<file path=ppt/slides/slide64.xml><?xml version="1.0" encoding="utf-8"?>
+<p:sld xmlns:a="http://schemas.openxmlformats.org/drawingml/2006/main" xmlns:r="http://schemas.openxmlformats.org/officeDocument/2006/relationships" xmlns:p="http://schemas.openxmlformats.org/presentationml/2006/main">
+  <p:cSld>
+    <p:spTree>
+      <p:nvGrpSpPr>
+        <p:cNvPr id="1" name=""/>
+        <p:cNvGrpSpPr/>
+        <p:nvPr/>
+      </p:nvGrpSpPr>
+      <p:grpSpPr>
+        <a:xfrm>
+          <a:off x="0" y="0"/>
+          <a:ext cx="0" cy="0"/>
+          <a:chOff x="0" y="0"/>
+          <a:chExt cx="0" cy="0"/>
+        </a:xfrm>
+      </p:grpSpPr>
+      <p:sp>
+        <p:nvSpPr>
+          <p:cNvPr id="2" name="Title 1">
+            <a:extLst>
+              <a:ext uri="{FF2B5EF4-FFF2-40B4-BE49-F238E27FC236}">
+                <a16:creationId xmlns:a16="http://schemas.microsoft.com/office/drawing/2014/main" id="{E0B9A76E-40AB-6ADE-2BA2-C573A9685310}"/>
+              </a:ext>
+            </a:extLst>
+          </p:cNvPr>
+          <p:cNvSpPr>
+            <a:spLocks noGrp="1"/>
+          </p:cNvSpPr>
+          <p:nvPr>
+            <p:ph type="title"/>
+          </p:nvPr>
+        </p:nvSpPr>
+        <p:spPr/>
+        <p:txBody>
+          <a:bodyPr/>
+          <a:lstStyle/>
+          <a:p>
+            <a:r>
+              <a:rPr lang="en-US" dirty="0" err="1"/>
+              <a:t>sequelize</a:t>
+            </a:r>
+            <a:endParaRPr lang="en-US" dirty="0"/>
+          </a:p>
+        </p:txBody>
+      </p:sp>
+      <p:sp>
+        <p:nvSpPr>
+          <p:cNvPr id="3" name="Content Placeholder 2">
+            <a:extLst>
+              <a:ext uri="{FF2B5EF4-FFF2-40B4-BE49-F238E27FC236}">
+                <a16:creationId xmlns:a16="http://schemas.microsoft.com/office/drawing/2014/main" id="{CD667D41-C098-1A96-C97F-F096A7052123}"/>
+              </a:ext>
+            </a:extLst>
+          </p:cNvPr>
+          <p:cNvSpPr>
+            <a:spLocks noGrp="1"/>
+          </p:cNvSpPr>
+          <p:nvPr>
+            <p:ph idx="1"/>
+          </p:nvPr>
+        </p:nvSpPr>
+        <p:spPr/>
+        <p:txBody>
+          <a:bodyPr/>
+          <a:lstStyle/>
+          <a:p>
+            <a:pPr marL="0" indent="0">
+              <a:buNone/>
+            </a:pPr>
+            <a:r>
+              <a:rPr lang="en-US" dirty="0"/>
+              <a:t>Focus on Node.js, not on SQL</a:t>
+            </a:r>
+          </a:p>
+        </p:txBody>
+      </p:sp>
+    </p:spTree>
+    <p:extLst>
+      <p:ext uri="{BB962C8B-B14F-4D97-AF65-F5344CB8AC3E}">
+        <p14:creationId xmlns:p14="http://schemas.microsoft.com/office/powerpoint/2010/main" val="1435642302"/>
+      </p:ext>
+    </p:extLst>
+  </p:cSld>
+  <p:clrMapOvr>
+    <a:masterClrMapping/>
+  </p:clrMapOvr>
+</p:sld>
+</file>
+
+<file path=ppt/slides/slide65.xml><?xml version="1.0" encoding="utf-8"?>
+<p:sld xmlns:a="http://schemas.openxmlformats.org/drawingml/2006/main" xmlns:r="http://schemas.openxmlformats.org/officeDocument/2006/relationships" xmlns:p="http://schemas.openxmlformats.org/presentationml/2006/main">
+  <p:cSld>
+    <p:spTree>
+      <p:nvGrpSpPr>
+        <p:cNvPr id="1" name=""/>
+        <p:cNvGrpSpPr/>
+        <p:nvPr/>
+      </p:nvGrpSpPr>
+      <p:grpSpPr>
+        <a:xfrm>
+          <a:off x="0" y="0"/>
+          <a:ext cx="0" cy="0"/>
+          <a:chOff x="0" y="0"/>
+          <a:chExt cx="0" cy="0"/>
+        </a:xfrm>
+      </p:grpSpPr>
+      <p:sp>
+        <p:nvSpPr>
+          <p:cNvPr id="2" name="Title 1">
+            <a:extLst>
+              <a:ext uri="{FF2B5EF4-FFF2-40B4-BE49-F238E27FC236}">
+                <a16:creationId xmlns:a16="http://schemas.microsoft.com/office/drawing/2014/main" id="{9CD5F5CA-D7C2-FF23-33F5-D9290971F789}"/>
+              </a:ext>
+            </a:extLst>
+          </p:cNvPr>
+          <p:cNvSpPr>
+            <a:spLocks noGrp="1"/>
+          </p:cNvSpPr>
+          <p:nvPr>
+            <p:ph type="title"/>
+          </p:nvPr>
+        </p:nvSpPr>
+        <p:spPr/>
+        <p:txBody>
+          <a:bodyPr/>
+          <a:lstStyle/>
+          <a:p>
+            <a:r>
+              <a:rPr lang="en-US" dirty="0"/>
+              <a:t>What is Sequelize?</a:t>
+            </a:r>
+          </a:p>
+        </p:txBody>
+      </p:sp>
+      <p:sp>
+        <p:nvSpPr>
+          <p:cNvPr id="3" name="Content Placeholder 2">
+            <a:extLst>
+              <a:ext uri="{FF2B5EF4-FFF2-40B4-BE49-F238E27FC236}">
+                <a16:creationId xmlns:a16="http://schemas.microsoft.com/office/drawing/2014/main" id="{89FB3DC7-0C4A-B05A-C2F4-AB6EF370459F}"/>
+              </a:ext>
+            </a:extLst>
+          </p:cNvPr>
+          <p:cNvSpPr>
+            <a:spLocks noGrp="1"/>
+          </p:cNvSpPr>
+          <p:nvPr>
+            <p:ph idx="1"/>
+          </p:nvPr>
+        </p:nvSpPr>
+        <p:spPr>
+          <a:xfrm>
+            <a:off x="838200" y="1825625"/>
+            <a:ext cx="10515600" cy="581399"/>
+          </a:xfrm>
+        </p:spPr>
+        <p:txBody>
+          <a:bodyPr/>
+          <a:lstStyle/>
+          <a:p>
+            <a:pPr marL="0" indent="0">
+              <a:buNone/>
+            </a:pPr>
+            <a:r>
+              <a:rPr lang="en-US" dirty="0"/>
+              <a:t>An Object-</a:t>
+            </a:r>
+            <a:r>
+              <a:rPr lang="en-US" dirty="0" err="1"/>
+              <a:t>realation</a:t>
+            </a:r>
+            <a:r>
+              <a:rPr lang="en-US" dirty="0"/>
+              <a:t> mapping Library</a:t>
+            </a:r>
+          </a:p>
+        </p:txBody>
+      </p:sp>
+      <p:grpSp>
+        <p:nvGrpSpPr>
+          <p:cNvPr id="6" name="Group 5">
+            <a:extLst>
+              <a:ext uri="{FF2B5EF4-FFF2-40B4-BE49-F238E27FC236}">
+                <a16:creationId xmlns:a16="http://schemas.microsoft.com/office/drawing/2014/main" id="{072459D0-C9D9-E7DD-4BAA-0EBE6251B09A}"/>
+              </a:ext>
+            </a:extLst>
+          </p:cNvPr>
+          <p:cNvGrpSpPr/>
+          <p:nvPr/>
+        </p:nvGrpSpPr>
+        <p:grpSpPr>
+          <a:xfrm>
+            <a:off x="699246" y="2581835"/>
+            <a:ext cx="2380129" cy="2245659"/>
+            <a:chOff x="699246" y="2581835"/>
+            <a:chExt cx="2380129" cy="2245659"/>
+          </a:xfrm>
+        </p:grpSpPr>
+        <p:sp>
+          <p:nvSpPr>
+            <p:cNvPr id="4" name="Rectangle 3">
+              <a:extLst>
+                <a:ext uri="{FF2B5EF4-FFF2-40B4-BE49-F238E27FC236}">
+                  <a16:creationId xmlns:a16="http://schemas.microsoft.com/office/drawing/2014/main" id="{10B28E1D-ED3E-16B9-4800-592835FB182B}"/>
+                </a:ext>
+              </a:extLst>
+            </p:cNvPr>
+            <p:cNvSpPr/>
+            <p:nvPr/>
+          </p:nvSpPr>
+          <p:spPr>
+            <a:xfrm>
+              <a:off x="699247" y="2581835"/>
+              <a:ext cx="1317812" cy="389965"/>
+            </a:xfrm>
+            <a:prstGeom prst="rect">
+              <a:avLst/>
+            </a:prstGeom>
+            <a:solidFill>
+              <a:schemeClr val="tx2">
+                <a:lumMod val="90000"/>
+                <a:lumOff val="10000"/>
+              </a:schemeClr>
+            </a:solidFill>
+          </p:spPr>
+          <p:style>
+            <a:lnRef idx="2">
+              <a:schemeClr val="accent1">
+                <a:shade val="15000"/>
+              </a:schemeClr>
+            </a:lnRef>
+            <a:fillRef idx="1">
+              <a:schemeClr val="accent1"/>
+            </a:fillRef>
+            <a:effectRef idx="0">
+              <a:schemeClr val="accent1"/>
+            </a:effectRef>
+            <a:fontRef idx="minor">
+              <a:schemeClr val="lt1"/>
+            </a:fontRef>
+          </p:style>
+          <p:txBody>
+            <a:bodyPr rtlCol="0" anchor="ctr"/>
+            <a:lstStyle/>
+            <a:p>
+              <a:pPr algn="ctr"/>
+              <a:r>
+                <a:rPr lang="en-US" dirty="0"/>
+                <a:t>User</a:t>
+              </a:r>
+            </a:p>
+          </p:txBody>
+        </p:sp>
+        <p:sp>
+          <p:nvSpPr>
+            <p:cNvPr id="5" name="Rectangle 4">
+              <a:extLst>
+                <a:ext uri="{FF2B5EF4-FFF2-40B4-BE49-F238E27FC236}">
+                  <a16:creationId xmlns:a16="http://schemas.microsoft.com/office/drawing/2014/main" id="{349AE58F-28A3-B377-D5C4-D94CB573B6EF}"/>
+                </a:ext>
+              </a:extLst>
+            </p:cNvPr>
+            <p:cNvSpPr/>
+            <p:nvPr/>
+          </p:nvSpPr>
+          <p:spPr>
+            <a:xfrm>
+              <a:off x="699246" y="2971800"/>
+              <a:ext cx="2380129" cy="1855694"/>
+            </a:xfrm>
+            <a:prstGeom prst="rect">
+              <a:avLst/>
+            </a:prstGeom>
+            <a:solidFill>
+              <a:schemeClr val="tx2">
+                <a:lumMod val="50000"/>
+                <a:lumOff val="50000"/>
+              </a:schemeClr>
+            </a:solidFill>
+          </p:spPr>
+          <p:style>
+            <a:lnRef idx="2">
+              <a:schemeClr val="accent1">
+                <a:shade val="15000"/>
+              </a:schemeClr>
+            </a:lnRef>
+            <a:fillRef idx="1">
+              <a:schemeClr val="accent1"/>
+            </a:fillRef>
+            <a:effectRef idx="0">
+              <a:schemeClr val="accent1"/>
+            </a:effectRef>
+            <a:fontRef idx="minor">
+              <a:schemeClr val="lt1"/>
+            </a:fontRef>
+          </p:style>
+          <p:txBody>
+            <a:bodyPr rtlCol="0" anchor="ctr"/>
+            <a:lstStyle/>
+            <a:p>
+              <a:pPr marL="285750" indent="-285750" algn="ctr">
+                <a:buFont typeface="Arial" panose="020B0604020202020204" pitchFamily="34" charset="0"/>
+                <a:buChar char="•"/>
+              </a:pPr>
+              <a:r>
+                <a:rPr lang="en-US" dirty="0"/>
+                <a:t>Name</a:t>
+              </a:r>
+            </a:p>
+            <a:p>
+              <a:pPr marL="285750" indent="-285750" algn="ctr">
+                <a:buFont typeface="Arial" panose="020B0604020202020204" pitchFamily="34" charset="0"/>
+                <a:buChar char="•"/>
+              </a:pPr>
+              <a:r>
+                <a:rPr lang="en-US" dirty="0"/>
+                <a:t>Age</a:t>
+              </a:r>
+            </a:p>
+            <a:p>
+              <a:pPr marL="285750" indent="-285750" algn="ctr">
+                <a:buFont typeface="Arial" panose="020B0604020202020204" pitchFamily="34" charset="0"/>
+                <a:buChar char="•"/>
+              </a:pPr>
+              <a:r>
+                <a:rPr lang="en-US" dirty="0"/>
+                <a:t>Email</a:t>
+              </a:r>
+            </a:p>
+            <a:p>
+              <a:pPr marL="285750" indent="-285750" algn="ctr">
+                <a:buFont typeface="Arial" panose="020B0604020202020204" pitchFamily="34" charset="0"/>
+                <a:buChar char="•"/>
+              </a:pPr>
+              <a:r>
+                <a:rPr lang="en-US" dirty="0"/>
+                <a:t>password</a:t>
+              </a:r>
+            </a:p>
+          </p:txBody>
+        </p:sp>
+      </p:grpSp>
+      <p:grpSp>
+        <p:nvGrpSpPr>
+          <p:cNvPr id="7" name="Group 6">
+            <a:extLst>
+              <a:ext uri="{FF2B5EF4-FFF2-40B4-BE49-F238E27FC236}">
+                <a16:creationId xmlns:a16="http://schemas.microsoft.com/office/drawing/2014/main" id="{7873C02C-94AB-B740-153D-AF89367D9F88}"/>
+              </a:ext>
+            </a:extLst>
+          </p:cNvPr>
+          <p:cNvGrpSpPr/>
+          <p:nvPr/>
+        </p:nvGrpSpPr>
+        <p:grpSpPr>
+          <a:xfrm>
+            <a:off x="5759823" y="2407024"/>
+            <a:ext cx="5593977" cy="2245659"/>
+            <a:chOff x="699246" y="2581835"/>
+            <a:chExt cx="2380129" cy="2245659"/>
+          </a:xfrm>
+        </p:grpSpPr>
+        <p:sp>
+          <p:nvSpPr>
+            <p:cNvPr id="8" name="Rectangle 7">
+              <a:extLst>
+                <a:ext uri="{FF2B5EF4-FFF2-40B4-BE49-F238E27FC236}">
+                  <a16:creationId xmlns:a16="http://schemas.microsoft.com/office/drawing/2014/main" id="{FBF24257-4665-2CC5-4EE3-00260DEC602D}"/>
+                </a:ext>
+              </a:extLst>
+            </p:cNvPr>
+            <p:cNvSpPr/>
+            <p:nvPr/>
+          </p:nvSpPr>
+          <p:spPr>
+            <a:xfrm>
+              <a:off x="699247" y="2581835"/>
+              <a:ext cx="1317812" cy="389965"/>
+            </a:xfrm>
+            <a:prstGeom prst="rect">
+              <a:avLst/>
+            </a:prstGeom>
+            <a:solidFill>
+              <a:schemeClr val="tx2">
+                <a:lumMod val="90000"/>
+                <a:lumOff val="10000"/>
+              </a:schemeClr>
+            </a:solidFill>
+          </p:spPr>
+          <p:style>
+            <a:lnRef idx="2">
+              <a:schemeClr val="accent1">
+                <a:shade val="15000"/>
+              </a:schemeClr>
+            </a:lnRef>
+            <a:fillRef idx="1">
+              <a:schemeClr val="accent1"/>
+            </a:fillRef>
+            <a:effectRef idx="0">
+              <a:schemeClr val="accent1"/>
+            </a:effectRef>
+            <a:fontRef idx="minor">
+              <a:schemeClr val="lt1"/>
+            </a:fontRef>
+          </p:style>
+          <p:txBody>
+            <a:bodyPr rtlCol="0" anchor="ctr"/>
+            <a:lstStyle/>
+            <a:p>
+              <a:pPr algn="ctr"/>
+              <a:r>
+                <a:rPr lang="en-US" dirty="0"/>
+                <a:t>User</a:t>
+              </a:r>
+            </a:p>
+          </p:txBody>
+        </p:sp>
+        <p:sp>
+          <p:nvSpPr>
+            <p:cNvPr id="9" name="Rectangle 8">
+              <a:extLst>
+                <a:ext uri="{FF2B5EF4-FFF2-40B4-BE49-F238E27FC236}">
+                  <a16:creationId xmlns:a16="http://schemas.microsoft.com/office/drawing/2014/main" id="{2A4E341D-B241-A852-DF70-DE0EE636E8E2}"/>
+                </a:ext>
+              </a:extLst>
+            </p:cNvPr>
+            <p:cNvSpPr/>
+            <p:nvPr/>
+          </p:nvSpPr>
+          <p:spPr>
+            <a:xfrm>
+              <a:off x="699246" y="2971800"/>
+              <a:ext cx="2380129" cy="1855694"/>
+            </a:xfrm>
+            <a:prstGeom prst="rect">
+              <a:avLst/>
+            </a:prstGeom>
+            <a:solidFill>
+              <a:schemeClr val="tx2">
+                <a:lumMod val="50000"/>
+                <a:lumOff val="50000"/>
+              </a:schemeClr>
+            </a:solidFill>
+          </p:spPr>
+          <p:style>
+            <a:lnRef idx="2">
+              <a:schemeClr val="accent1">
+                <a:shade val="15000"/>
+              </a:schemeClr>
+            </a:lnRef>
+            <a:fillRef idx="1">
+              <a:schemeClr val="accent1"/>
+            </a:fillRef>
+            <a:effectRef idx="0">
+              <a:schemeClr val="accent1"/>
+            </a:effectRef>
+            <a:fontRef idx="minor">
+              <a:schemeClr val="lt1"/>
+            </a:fontRef>
+          </p:style>
+          <p:txBody>
+            <a:bodyPr rtlCol="0" anchor="ctr"/>
+            <a:lstStyle/>
+            <a:p>
+              <a:pPr algn="ctr"/>
+              <a:endParaRPr lang="en-US" dirty="0"/>
+            </a:p>
+          </p:txBody>
+        </p:sp>
+      </p:grpSp>
+      <p:sp>
+        <p:nvSpPr>
+          <p:cNvPr id="10" name="Rectangle 9">
+            <a:extLst>
+              <a:ext uri="{FF2B5EF4-FFF2-40B4-BE49-F238E27FC236}">
+                <a16:creationId xmlns:a16="http://schemas.microsoft.com/office/drawing/2014/main" id="{6F344D96-C62B-7DF9-2FB2-69DE9177A5F3}"/>
+              </a:ext>
+            </a:extLst>
+          </p:cNvPr>
+          <p:cNvSpPr/>
+          <p:nvPr/>
+        </p:nvSpPr>
+        <p:spPr>
+          <a:xfrm>
+            <a:off x="5997388" y="2948082"/>
+            <a:ext cx="645459" cy="430306"/>
+          </a:xfrm>
+          <a:prstGeom prst="rect">
+            <a:avLst/>
+          </a:prstGeom>
+          <a:solidFill>
+            <a:schemeClr val="accent2">
+              <a:lumMod val="50000"/>
+            </a:schemeClr>
+          </a:solidFill>
+        </p:spPr>
+        <p:style>
+          <a:lnRef idx="2">
+            <a:schemeClr val="accent1">
+              <a:shade val="15000"/>
+            </a:schemeClr>
+          </a:lnRef>
+          <a:fillRef idx="1">
+            <a:schemeClr val="accent1"/>
+          </a:fillRef>
+          <a:effectRef idx="0">
+            <a:schemeClr val="accent1"/>
+          </a:effectRef>
+          <a:fontRef idx="minor">
+            <a:schemeClr val="lt1"/>
+          </a:fontRef>
+        </p:style>
+        <p:txBody>
+          <a:bodyPr rtlCol="0" anchor="ctr"/>
+          <a:lstStyle/>
+          <a:p>
+            <a:pPr algn="ctr"/>
+            <a:r>
+              <a:rPr lang="en-US" dirty="0"/>
+              <a:t>id</a:t>
+            </a:r>
+          </a:p>
+        </p:txBody>
+      </p:sp>
+      <p:sp>
+        <p:nvSpPr>
+          <p:cNvPr id="11" name="Rectangle 10">
+            <a:extLst>
+              <a:ext uri="{FF2B5EF4-FFF2-40B4-BE49-F238E27FC236}">
+                <a16:creationId xmlns:a16="http://schemas.microsoft.com/office/drawing/2014/main" id="{1BBE4DBC-B8FC-9B98-3343-5DFD6B5DD495}"/>
+              </a:ext>
+            </a:extLst>
+          </p:cNvPr>
+          <p:cNvSpPr/>
+          <p:nvPr/>
+        </p:nvSpPr>
+        <p:spPr>
+          <a:xfrm>
+            <a:off x="7221071" y="2955741"/>
+            <a:ext cx="874058" cy="430306"/>
+          </a:xfrm>
+          <a:prstGeom prst="rect">
+            <a:avLst/>
+          </a:prstGeom>
+          <a:solidFill>
+            <a:schemeClr val="accent2">
+              <a:lumMod val="50000"/>
+            </a:schemeClr>
+          </a:solidFill>
+        </p:spPr>
+        <p:style>
+          <a:lnRef idx="2">
+            <a:schemeClr val="accent1">
+              <a:shade val="15000"/>
+            </a:schemeClr>
+          </a:lnRef>
+          <a:fillRef idx="1">
+            <a:schemeClr val="accent1"/>
+          </a:fillRef>
+          <a:effectRef idx="0">
+            <a:schemeClr val="accent1"/>
+          </a:effectRef>
+          <a:fontRef idx="minor">
+            <a:schemeClr val="lt1"/>
+          </a:fontRef>
+        </p:style>
+        <p:txBody>
+          <a:bodyPr rtlCol="0" anchor="ctr"/>
+          <a:lstStyle/>
+          <a:p>
+            <a:pPr algn="ctr"/>
+            <a:r>
+              <a:rPr lang="en-US" dirty="0"/>
+              <a:t>name</a:t>
+            </a:r>
+          </a:p>
+        </p:txBody>
+      </p:sp>
+      <p:sp>
+        <p:nvSpPr>
+          <p:cNvPr id="12" name="Rectangle 11">
+            <a:extLst>
+              <a:ext uri="{FF2B5EF4-FFF2-40B4-BE49-F238E27FC236}">
+                <a16:creationId xmlns:a16="http://schemas.microsoft.com/office/drawing/2014/main" id="{361B146F-C0F6-D331-20A8-2C9029F09619}"/>
+              </a:ext>
+            </a:extLst>
+          </p:cNvPr>
+          <p:cNvSpPr/>
+          <p:nvPr/>
+        </p:nvSpPr>
+        <p:spPr>
+          <a:xfrm>
+            <a:off x="8695765" y="2998694"/>
+            <a:ext cx="645459" cy="430306"/>
+          </a:xfrm>
+          <a:prstGeom prst="rect">
+            <a:avLst/>
+          </a:prstGeom>
+          <a:solidFill>
+            <a:schemeClr val="accent2">
+              <a:lumMod val="50000"/>
+            </a:schemeClr>
+          </a:solidFill>
+        </p:spPr>
+        <p:style>
+          <a:lnRef idx="2">
+            <a:schemeClr val="accent1">
+              <a:shade val="15000"/>
+            </a:schemeClr>
+          </a:lnRef>
+          <a:fillRef idx="1">
+            <a:schemeClr val="accent1"/>
+          </a:fillRef>
+          <a:effectRef idx="0">
+            <a:schemeClr val="accent1"/>
+          </a:effectRef>
+          <a:fontRef idx="minor">
+            <a:schemeClr val="lt1"/>
+          </a:fontRef>
+        </p:style>
+        <p:txBody>
+          <a:bodyPr rtlCol="0" anchor="ctr"/>
+          <a:lstStyle/>
+          <a:p>
+            <a:pPr algn="ctr"/>
+            <a:r>
+              <a:rPr lang="en-US" dirty="0"/>
+              <a:t>age</a:t>
+            </a:r>
+          </a:p>
+        </p:txBody>
+      </p:sp>
+      <p:sp>
+        <p:nvSpPr>
+          <p:cNvPr id="13" name="Rectangle 12">
+            <a:extLst>
+              <a:ext uri="{FF2B5EF4-FFF2-40B4-BE49-F238E27FC236}">
+                <a16:creationId xmlns:a16="http://schemas.microsoft.com/office/drawing/2014/main" id="{55D4AA06-4B1B-7C1E-E532-48B7F4589141}"/>
+              </a:ext>
+            </a:extLst>
+          </p:cNvPr>
+          <p:cNvSpPr/>
+          <p:nvPr/>
+        </p:nvSpPr>
+        <p:spPr>
+          <a:xfrm>
+            <a:off x="9816354" y="2998694"/>
+            <a:ext cx="1322294" cy="430306"/>
+          </a:xfrm>
+          <a:prstGeom prst="rect">
+            <a:avLst/>
+          </a:prstGeom>
+          <a:solidFill>
+            <a:schemeClr val="accent2">
+              <a:lumMod val="50000"/>
+            </a:schemeClr>
+          </a:solidFill>
+        </p:spPr>
+        <p:style>
+          <a:lnRef idx="2">
+            <a:schemeClr val="accent1">
+              <a:shade val="15000"/>
+            </a:schemeClr>
+          </a:lnRef>
+          <a:fillRef idx="1">
+            <a:schemeClr val="accent1"/>
+          </a:fillRef>
+          <a:effectRef idx="0">
+            <a:schemeClr val="accent1"/>
+          </a:effectRef>
+          <a:fontRef idx="minor">
+            <a:schemeClr val="lt1"/>
+          </a:fontRef>
+        </p:style>
+        <p:txBody>
+          <a:bodyPr rtlCol="0" anchor="ctr"/>
+          <a:lstStyle/>
+          <a:p>
+            <a:pPr algn="ctr"/>
+            <a:r>
+              <a:rPr lang="en-US" dirty="0"/>
+              <a:t>password</a:t>
+            </a:r>
+          </a:p>
+        </p:txBody>
+      </p:sp>
+      <p:sp>
+        <p:nvSpPr>
+          <p:cNvPr id="14" name="Rectangle 13">
+            <a:extLst>
+              <a:ext uri="{FF2B5EF4-FFF2-40B4-BE49-F238E27FC236}">
+                <a16:creationId xmlns:a16="http://schemas.microsoft.com/office/drawing/2014/main" id="{9E85F262-EFF1-8B04-47F2-D0B526651DF9}"/>
+              </a:ext>
+            </a:extLst>
+          </p:cNvPr>
+          <p:cNvSpPr/>
+          <p:nvPr/>
+        </p:nvSpPr>
+        <p:spPr>
+          <a:xfrm>
+            <a:off x="5997388" y="3771529"/>
+            <a:ext cx="645459" cy="430306"/>
+          </a:xfrm>
+          <a:prstGeom prst="rect">
+            <a:avLst/>
+          </a:prstGeom>
+          <a:solidFill>
+            <a:schemeClr val="accent2">
+              <a:lumMod val="60000"/>
+              <a:lumOff val="40000"/>
+            </a:schemeClr>
+          </a:solidFill>
+        </p:spPr>
+        <p:style>
+          <a:lnRef idx="2">
+            <a:schemeClr val="accent1">
+              <a:shade val="15000"/>
+            </a:schemeClr>
+          </a:lnRef>
+          <a:fillRef idx="1">
+            <a:schemeClr val="accent1"/>
+          </a:fillRef>
+          <a:effectRef idx="0">
+            <a:schemeClr val="accent1"/>
+          </a:effectRef>
+          <a:fontRef idx="minor">
+            <a:schemeClr val="lt1"/>
+          </a:fontRef>
+        </p:style>
+        <p:txBody>
+          <a:bodyPr rtlCol="0" anchor="ctr"/>
+          <a:lstStyle/>
+          <a:p>
+            <a:pPr algn="ctr"/>
+            <a:r>
+              <a:rPr lang="en-US" dirty="0"/>
+              <a:t>1</a:t>
+            </a:r>
+          </a:p>
+        </p:txBody>
+      </p:sp>
+      <p:sp>
+        <p:nvSpPr>
+          <p:cNvPr id="15" name="Rectangle 14">
+            <a:extLst>
+              <a:ext uri="{FF2B5EF4-FFF2-40B4-BE49-F238E27FC236}">
+                <a16:creationId xmlns:a16="http://schemas.microsoft.com/office/drawing/2014/main" id="{31399DB7-6042-0170-1D03-7FA0755D81F6}"/>
+              </a:ext>
+            </a:extLst>
+          </p:cNvPr>
+          <p:cNvSpPr/>
+          <p:nvPr/>
+        </p:nvSpPr>
+        <p:spPr>
+          <a:xfrm>
+            <a:off x="7221071" y="3779188"/>
+            <a:ext cx="874058" cy="430306"/>
+          </a:xfrm>
+          <a:prstGeom prst="rect">
+            <a:avLst/>
+          </a:prstGeom>
+          <a:solidFill>
+            <a:schemeClr val="accent2">
+              <a:lumMod val="60000"/>
+              <a:lumOff val="40000"/>
+            </a:schemeClr>
+          </a:solidFill>
+        </p:spPr>
+        <p:style>
+          <a:lnRef idx="2">
+            <a:schemeClr val="accent1">
+              <a:shade val="15000"/>
+            </a:schemeClr>
+          </a:lnRef>
+          <a:fillRef idx="1">
+            <a:schemeClr val="accent1"/>
+          </a:fillRef>
+          <a:effectRef idx="0">
+            <a:schemeClr val="accent1"/>
+          </a:effectRef>
+          <a:fontRef idx="minor">
+            <a:schemeClr val="lt1"/>
+          </a:fontRef>
+        </p:style>
+        <p:txBody>
+          <a:bodyPr rtlCol="0" anchor="ctr"/>
+          <a:lstStyle/>
+          <a:p>
+            <a:pPr algn="ctr"/>
+            <a:r>
+              <a:rPr lang="en-US" dirty="0"/>
+              <a:t>ram</a:t>
+            </a:r>
+          </a:p>
+        </p:txBody>
+      </p:sp>
+      <p:sp>
+        <p:nvSpPr>
+          <p:cNvPr id="16" name="Rectangle 15">
+            <a:extLst>
+              <a:ext uri="{FF2B5EF4-FFF2-40B4-BE49-F238E27FC236}">
+                <a16:creationId xmlns:a16="http://schemas.microsoft.com/office/drawing/2014/main" id="{86554308-7A7C-6A76-E3C4-DAD41F80C45E}"/>
+              </a:ext>
+            </a:extLst>
+          </p:cNvPr>
+          <p:cNvSpPr/>
+          <p:nvPr/>
+        </p:nvSpPr>
+        <p:spPr>
+          <a:xfrm>
+            <a:off x="8695765" y="3822141"/>
+            <a:ext cx="645459" cy="430306"/>
+          </a:xfrm>
+          <a:prstGeom prst="rect">
+            <a:avLst/>
+          </a:prstGeom>
+          <a:solidFill>
+            <a:schemeClr val="accent2">
+              <a:lumMod val="60000"/>
+              <a:lumOff val="40000"/>
+            </a:schemeClr>
+          </a:solidFill>
+        </p:spPr>
+        <p:style>
+          <a:lnRef idx="2">
+            <a:schemeClr val="accent1">
+              <a:shade val="15000"/>
+            </a:schemeClr>
+          </a:lnRef>
+          <a:fillRef idx="1">
+            <a:schemeClr val="accent1"/>
+          </a:fillRef>
+          <a:effectRef idx="0">
+            <a:schemeClr val="accent1"/>
+          </a:effectRef>
+          <a:fontRef idx="minor">
+            <a:schemeClr val="lt1"/>
+          </a:fontRef>
+        </p:style>
+        <p:txBody>
+          <a:bodyPr rtlCol="0" anchor="ctr"/>
+          <a:lstStyle/>
+          <a:p>
+            <a:pPr algn="ctr"/>
+            <a:r>
+              <a:rPr lang="en-US" dirty="0"/>
+              <a:t>24</a:t>
+            </a:r>
+          </a:p>
+        </p:txBody>
+      </p:sp>
+      <p:sp>
+        <p:nvSpPr>
+          <p:cNvPr id="17" name="Rectangle 16">
+            <a:extLst>
+              <a:ext uri="{FF2B5EF4-FFF2-40B4-BE49-F238E27FC236}">
+                <a16:creationId xmlns:a16="http://schemas.microsoft.com/office/drawing/2014/main" id="{5F4B5002-30AD-45F7-C2C2-4BCB51E6F77D}"/>
+              </a:ext>
+            </a:extLst>
+          </p:cNvPr>
+          <p:cNvSpPr/>
+          <p:nvPr/>
+        </p:nvSpPr>
+        <p:spPr>
+          <a:xfrm>
+            <a:off x="9816354" y="3822141"/>
+            <a:ext cx="1322294" cy="430306"/>
+          </a:xfrm>
+          <a:prstGeom prst="rect">
+            <a:avLst/>
+          </a:prstGeom>
+          <a:solidFill>
+            <a:schemeClr val="accent2">
+              <a:lumMod val="60000"/>
+              <a:lumOff val="40000"/>
+            </a:schemeClr>
+          </a:solidFill>
+        </p:spPr>
+        <p:style>
+          <a:lnRef idx="2">
+            <a:schemeClr val="accent1">
+              <a:shade val="15000"/>
+            </a:schemeClr>
+          </a:lnRef>
+          <a:fillRef idx="1">
+            <a:schemeClr val="accent1"/>
+          </a:fillRef>
+          <a:effectRef idx="0">
+            <a:schemeClr val="accent1"/>
+          </a:effectRef>
+          <a:fontRef idx="minor">
+            <a:schemeClr val="lt1"/>
+          </a:fontRef>
+        </p:style>
+        <p:txBody>
+          <a:bodyPr rtlCol="0" anchor="ctr"/>
+          <a:lstStyle/>
+          <a:p>
+            <a:pPr algn="ctr"/>
+            <a:r>
+              <a:rPr lang="en-US" dirty="0"/>
+              <a:t>admin@12</a:t>
+            </a:r>
+          </a:p>
+        </p:txBody>
+      </p:sp>
+      <p:sp>
+        <p:nvSpPr>
+          <p:cNvPr id="18" name="Rectangle 17">
+            <a:extLst>
+              <a:ext uri="{FF2B5EF4-FFF2-40B4-BE49-F238E27FC236}">
+                <a16:creationId xmlns:a16="http://schemas.microsoft.com/office/drawing/2014/main" id="{2C0E6F6F-4579-9CF2-0AA0-95A949232DFE}"/>
+              </a:ext>
+            </a:extLst>
+          </p:cNvPr>
+          <p:cNvSpPr/>
+          <p:nvPr/>
+        </p:nvSpPr>
+        <p:spPr>
+          <a:xfrm>
+            <a:off x="3079375" y="5042647"/>
+            <a:ext cx="6736979" cy="524435"/>
+          </a:xfrm>
+          <a:prstGeom prst="rect">
+            <a:avLst/>
+          </a:prstGeom>
+        </p:spPr>
+        <p:style>
+          <a:lnRef idx="2">
+            <a:schemeClr val="accent1">
+              <a:shade val="15000"/>
+            </a:schemeClr>
+          </a:lnRef>
+          <a:fillRef idx="1">
+            <a:schemeClr val="accent1"/>
+          </a:fillRef>
+          <a:effectRef idx="0">
+            <a:schemeClr val="accent1"/>
+          </a:effectRef>
+          <a:fontRef idx="minor">
+            <a:schemeClr val="lt1"/>
+          </a:fontRef>
+        </p:style>
+        <p:txBody>
+          <a:bodyPr rtlCol="0" anchor="ctr"/>
+          <a:lstStyle/>
+          <a:p>
+            <a:pPr algn="ctr"/>
+            <a:r>
+              <a:rPr lang="en-US" dirty="0"/>
+              <a:t>INSERT INTO users VALUES (1,’ram’,24,’admin@12’)</a:t>
+            </a:r>
+          </a:p>
+        </p:txBody>
+      </p:sp>
+      <p:sp>
+        <p:nvSpPr>
+          <p:cNvPr id="19" name="Rectangle 18">
+            <a:extLst>
+              <a:ext uri="{FF2B5EF4-FFF2-40B4-BE49-F238E27FC236}">
+                <a16:creationId xmlns:a16="http://schemas.microsoft.com/office/drawing/2014/main" id="{F76A3645-1EA0-6DA1-9152-52C07C7A5552}"/>
+              </a:ext>
+            </a:extLst>
+          </p:cNvPr>
+          <p:cNvSpPr/>
+          <p:nvPr/>
+        </p:nvSpPr>
+        <p:spPr>
+          <a:xfrm>
+            <a:off x="2628898" y="5923058"/>
+            <a:ext cx="7644655" cy="524435"/>
+          </a:xfrm>
+          <a:prstGeom prst="rect">
+            <a:avLst/>
+          </a:prstGeom>
+        </p:spPr>
+        <p:style>
+          <a:lnRef idx="2">
+            <a:schemeClr val="accent1">
+              <a:shade val="15000"/>
+            </a:schemeClr>
+          </a:lnRef>
+          <a:fillRef idx="1">
+            <a:schemeClr val="accent1"/>
+          </a:fillRef>
+          <a:effectRef idx="0">
+            <a:schemeClr val="accent1"/>
+          </a:effectRef>
+          <a:fontRef idx="minor">
+            <a:schemeClr val="lt1"/>
+          </a:fontRef>
+        </p:style>
+        <p:txBody>
+          <a:bodyPr rtlCol="0" anchor="ctr"/>
+          <a:lstStyle/>
+          <a:p>
+            <a:pPr algn="ctr"/>
+            <a:r>
+              <a:rPr lang="en-US" dirty="0"/>
+              <a:t>Const user = </a:t>
+            </a:r>
+            <a:r>
+              <a:rPr lang="en-US" dirty="0" err="1"/>
+              <a:t>User.create</a:t>
+            </a:r>
+            <a:r>
+              <a:rPr lang="en-US" dirty="0"/>
+              <a:t>({name:’ram’,age:24,password:’admin@12’})</a:t>
+            </a:r>
+          </a:p>
+        </p:txBody>
+      </p:sp>
+      <p:sp>
+        <p:nvSpPr>
+          <p:cNvPr id="20" name="Multiply 19">
+            <a:extLst>
+              <a:ext uri="{FF2B5EF4-FFF2-40B4-BE49-F238E27FC236}">
+                <a16:creationId xmlns:a16="http://schemas.microsoft.com/office/drawing/2014/main" id="{2871E196-A815-4035-669F-20473B078457}"/>
+              </a:ext>
+            </a:extLst>
+          </p:cNvPr>
+          <p:cNvSpPr/>
+          <p:nvPr/>
+        </p:nvSpPr>
+        <p:spPr>
+          <a:xfrm>
+            <a:off x="4791634" y="4739346"/>
+            <a:ext cx="1936377" cy="1116105"/>
+          </a:xfrm>
+          <a:prstGeom prst="mathMultiply">
+            <a:avLst/>
+          </a:prstGeom>
+          <a:solidFill>
+            <a:srgbClr val="FF0000"/>
+          </a:solidFill>
+        </p:spPr>
+        <p:style>
+          <a:lnRef idx="2">
+            <a:schemeClr val="accent1">
+              <a:shade val="15000"/>
+            </a:schemeClr>
+          </a:lnRef>
+          <a:fillRef idx="1">
+            <a:schemeClr val="accent1"/>
+          </a:fillRef>
+          <a:effectRef idx="0">
+            <a:schemeClr val="accent1"/>
+          </a:effectRef>
+          <a:fontRef idx="minor">
+            <a:schemeClr val="lt1"/>
+          </a:fontRef>
+        </p:style>
+        <p:txBody>
+          <a:bodyPr rtlCol="0" anchor="ctr"/>
+          <a:lstStyle/>
+          <a:p>
+            <a:pPr algn="ctr"/>
+            <a:endParaRPr lang="en-US"/>
+          </a:p>
+        </p:txBody>
+      </p:sp>
+    </p:spTree>
+    <p:extLst>
+      <p:ext uri="{BB962C8B-B14F-4D97-AF65-F5344CB8AC3E}">
+        <p14:creationId xmlns:p14="http://schemas.microsoft.com/office/powerpoint/2010/main" val="1792114080"/>
       </p:ext>
     </p:extLst>
   </p:cSld>

--- a/node/Nodejs.pptx
+++ b/node/Nodejs.pptx
@@ -70,6 +70,7 @@
     <p:sldId id="319" r:id="rId64"/>
     <p:sldId id="320" r:id="rId65"/>
     <p:sldId id="321" r:id="rId66"/>
+    <p:sldId id="322" r:id="rId67"/>
   </p:sldIdLst>
   <p:sldSz cx="12192000" cy="6858000"/>
   <p:notesSz cx="6858000" cy="9144000"/>
@@ -353,7 +354,7 @@
           <a:p>
             <a:fld id="{7239F38A-DCDF-6E4C-B9CE-23AD5C77A21C}" type="datetimeFigureOut">
               <a:rPr lang="en-US" smtClean="0"/>
-              <a:t>2/27/25</a:t>
+              <a:t>3/11/25</a:t>
             </a:fld>
             <a:endParaRPr lang="en-US"/>
           </a:p>
@@ -553,7 +554,7 @@
           <a:p>
             <a:fld id="{7239F38A-DCDF-6E4C-B9CE-23AD5C77A21C}" type="datetimeFigureOut">
               <a:rPr lang="en-US" smtClean="0"/>
-              <a:t>2/27/25</a:t>
+              <a:t>3/11/25</a:t>
             </a:fld>
             <a:endParaRPr lang="en-US"/>
           </a:p>
@@ -763,7 +764,7 @@
           <a:p>
             <a:fld id="{7239F38A-DCDF-6E4C-B9CE-23AD5C77A21C}" type="datetimeFigureOut">
               <a:rPr lang="en-US" smtClean="0"/>
-              <a:t>2/27/25</a:t>
+              <a:t>3/11/25</a:t>
             </a:fld>
             <a:endParaRPr lang="en-US"/>
           </a:p>
@@ -963,7 +964,7 @@
           <a:p>
             <a:fld id="{7239F38A-DCDF-6E4C-B9CE-23AD5C77A21C}" type="datetimeFigureOut">
               <a:rPr lang="en-US" smtClean="0"/>
-              <a:t>2/27/25</a:t>
+              <a:t>3/11/25</a:t>
             </a:fld>
             <a:endParaRPr lang="en-US"/>
           </a:p>
@@ -1239,7 +1240,7 @@
           <a:p>
             <a:fld id="{7239F38A-DCDF-6E4C-B9CE-23AD5C77A21C}" type="datetimeFigureOut">
               <a:rPr lang="en-US" smtClean="0"/>
-              <a:t>2/27/25</a:t>
+              <a:t>3/11/25</a:t>
             </a:fld>
             <a:endParaRPr lang="en-US"/>
           </a:p>
@@ -1507,7 +1508,7 @@
           <a:p>
             <a:fld id="{7239F38A-DCDF-6E4C-B9CE-23AD5C77A21C}" type="datetimeFigureOut">
               <a:rPr lang="en-US" smtClean="0"/>
-              <a:t>2/27/25</a:t>
+              <a:t>3/11/25</a:t>
             </a:fld>
             <a:endParaRPr lang="en-US"/>
           </a:p>
@@ -1922,7 +1923,7 @@
           <a:p>
             <a:fld id="{7239F38A-DCDF-6E4C-B9CE-23AD5C77A21C}" type="datetimeFigureOut">
               <a:rPr lang="en-US" smtClean="0"/>
-              <a:t>2/27/25</a:t>
+              <a:t>3/11/25</a:t>
             </a:fld>
             <a:endParaRPr lang="en-US"/>
           </a:p>
@@ -2064,7 +2065,7 @@
           <a:p>
             <a:fld id="{7239F38A-DCDF-6E4C-B9CE-23AD5C77A21C}" type="datetimeFigureOut">
               <a:rPr lang="en-US" smtClean="0"/>
-              <a:t>2/27/25</a:t>
+              <a:t>3/11/25</a:t>
             </a:fld>
             <a:endParaRPr lang="en-US"/>
           </a:p>
@@ -2177,7 +2178,7 @@
           <a:p>
             <a:fld id="{7239F38A-DCDF-6E4C-B9CE-23AD5C77A21C}" type="datetimeFigureOut">
               <a:rPr lang="en-US" smtClean="0"/>
-              <a:t>2/27/25</a:t>
+              <a:t>3/11/25</a:t>
             </a:fld>
             <a:endParaRPr lang="en-US"/>
           </a:p>
@@ -2490,7 +2491,7 @@
           <a:p>
             <a:fld id="{7239F38A-DCDF-6E4C-B9CE-23AD5C77A21C}" type="datetimeFigureOut">
               <a:rPr lang="en-US" smtClean="0"/>
-              <a:t>2/27/25</a:t>
+              <a:t>3/11/25</a:t>
             </a:fld>
             <a:endParaRPr lang="en-US"/>
           </a:p>
@@ -2779,7 +2780,7 @@
           <a:p>
             <a:fld id="{7239F38A-DCDF-6E4C-B9CE-23AD5C77A21C}" type="datetimeFigureOut">
               <a:rPr lang="en-US" smtClean="0"/>
-              <a:t>2/27/25</a:t>
+              <a:t>3/11/25</a:t>
             </a:fld>
             <a:endParaRPr lang="en-US"/>
           </a:p>
@@ -3022,7 +3023,7 @@
           <a:p>
             <a:fld id="{7239F38A-DCDF-6E4C-B9CE-23AD5C77A21C}" type="datetimeFigureOut">
               <a:rPr lang="en-US" smtClean="0"/>
-              <a:t>2/27/25</a:t>
+              <a:t>3/11/25</a:t>
             </a:fld>
             <a:endParaRPr lang="en-US"/>
           </a:p>
@@ -23599,15 +23600,7 @@
             </a:pPr>
             <a:r>
               <a:rPr lang="en-US" dirty="0"/>
-              <a:t>An Object-</a:t>
-            </a:r>
-            <a:r>
-              <a:rPr lang="en-US" dirty="0" err="1"/>
-              <a:t>realation</a:t>
-            </a:r>
-            <a:r>
-              <a:rPr lang="en-US" dirty="0"/>
-              <a:t> mapping Library</a:t>
+              <a:t>An Object-relation mapping Library</a:t>
             </a:r>
           </a:p>
         </p:txBody>
@@ -24499,6 +24492,145 @@
     <p:extLst>
       <p:ext uri="{BB962C8B-B14F-4D97-AF65-F5344CB8AC3E}">
         <p14:creationId xmlns:p14="http://schemas.microsoft.com/office/powerpoint/2010/main" val="1792114080"/>
+      </p:ext>
+    </p:extLst>
+  </p:cSld>
+  <p:clrMapOvr>
+    <a:masterClrMapping/>
+  </p:clrMapOvr>
+</p:sld>
+</file>
+
+<file path=ppt/slides/slide66.xml><?xml version="1.0" encoding="utf-8"?>
+<p:sld xmlns:a="http://schemas.openxmlformats.org/drawingml/2006/main" xmlns:r="http://schemas.openxmlformats.org/officeDocument/2006/relationships" xmlns:p="http://schemas.openxmlformats.org/presentationml/2006/main">
+  <p:cSld>
+    <p:spTree>
+      <p:nvGrpSpPr>
+        <p:cNvPr id="1" name=""/>
+        <p:cNvGrpSpPr/>
+        <p:nvPr/>
+      </p:nvGrpSpPr>
+      <p:grpSpPr>
+        <a:xfrm>
+          <a:off x="0" y="0"/>
+          <a:ext cx="0" cy="0"/>
+          <a:chOff x="0" y="0"/>
+          <a:chExt cx="0" cy="0"/>
+        </a:xfrm>
+      </p:grpSpPr>
+      <p:sp>
+        <p:nvSpPr>
+          <p:cNvPr id="2" name="Title 1">
+            <a:extLst>
+              <a:ext uri="{FF2B5EF4-FFF2-40B4-BE49-F238E27FC236}">
+                <a16:creationId xmlns:a16="http://schemas.microsoft.com/office/drawing/2014/main" id="{F44754DD-F7AD-FAE2-91B5-7D37184B1CF9}"/>
+              </a:ext>
+            </a:extLst>
+          </p:cNvPr>
+          <p:cNvSpPr>
+            <a:spLocks noGrp="1"/>
+          </p:cNvSpPr>
+          <p:nvPr>
+            <p:ph type="title"/>
+          </p:nvPr>
+        </p:nvSpPr>
+        <p:spPr/>
+        <p:txBody>
+          <a:bodyPr/>
+          <a:lstStyle/>
+          <a:p>
+            <a:endParaRPr lang="en-US"/>
+          </a:p>
+        </p:txBody>
+      </p:sp>
+      <p:sp>
+        <p:nvSpPr>
+          <p:cNvPr id="3" name="Content Placeholder 2">
+            <a:extLst>
+              <a:ext uri="{FF2B5EF4-FFF2-40B4-BE49-F238E27FC236}">
+                <a16:creationId xmlns:a16="http://schemas.microsoft.com/office/drawing/2014/main" id="{4A355346-60D7-1B7A-FDC7-DFE8D11A3222}"/>
+              </a:ext>
+            </a:extLst>
+          </p:cNvPr>
+          <p:cNvSpPr>
+            <a:spLocks noGrp="1"/>
+          </p:cNvSpPr>
+          <p:nvPr>
+            <p:ph idx="1"/>
+          </p:nvPr>
+        </p:nvSpPr>
+        <p:spPr/>
+        <p:txBody>
+          <a:bodyPr>
+            <a:normAutofit fontScale="92500" lnSpcReduction="20000"/>
+          </a:bodyPr>
+          <a:lstStyle/>
+          <a:p>
+            <a:r>
+              <a:rPr lang="en-US" dirty="0"/>
+              <a:t>What is Sequelize</a:t>
+            </a:r>
+          </a:p>
+          <a:p>
+            <a:r>
+              <a:rPr lang="en-US" dirty="0"/>
+              <a:t>Connecting to the Database</a:t>
+            </a:r>
+          </a:p>
+          <a:p>
+            <a:r>
+              <a:rPr lang="en-US" dirty="0"/>
+              <a:t>Defining a Model</a:t>
+            </a:r>
+          </a:p>
+          <a:p>
+            <a:r>
+              <a:rPr lang="en-US" dirty="0"/>
+              <a:t>Syncing JS definitions to the database</a:t>
+            </a:r>
+          </a:p>
+          <a:p>
+            <a:r>
+              <a:rPr lang="en-US" dirty="0"/>
+              <a:t>Inserting data &amp; creating a Product</a:t>
+            </a:r>
+          </a:p>
+          <a:p>
+            <a:r>
+              <a:rPr lang="en-US" dirty="0"/>
+              <a:t>Retrieving data &amp; finding Products</a:t>
+            </a:r>
+          </a:p>
+          <a:p>
+            <a:r>
+              <a:rPr lang="en-US" dirty="0"/>
+              <a:t>Getting a single product with the where condition</a:t>
+            </a:r>
+          </a:p>
+          <a:p>
+            <a:r>
+              <a:rPr lang="en-US" dirty="0"/>
+              <a:t>Fetching admin products</a:t>
+            </a:r>
+          </a:p>
+          <a:p>
+            <a:r>
+              <a:rPr lang="en-US" dirty="0"/>
+              <a:t>Updating products</a:t>
+            </a:r>
+          </a:p>
+          <a:p>
+            <a:r>
+              <a:rPr lang="en-US"/>
+              <a:t>Deleting products</a:t>
+            </a:r>
+          </a:p>
+        </p:txBody>
+      </p:sp>
+    </p:spTree>
+    <p:extLst>
+      <p:ext uri="{BB962C8B-B14F-4D97-AF65-F5344CB8AC3E}">
+        <p14:creationId xmlns:p14="http://schemas.microsoft.com/office/powerpoint/2010/main" val="3930742417"/>
       </p:ext>
     </p:extLst>
   </p:cSld>

--- a/node/Nodejs.pptx
+++ b/node/Nodejs.pptx
@@ -71,6 +71,14 @@
     <p:sldId id="320" r:id="rId65"/>
     <p:sldId id="321" r:id="rId66"/>
     <p:sldId id="322" r:id="rId67"/>
+    <p:sldId id="323" r:id="rId68"/>
+    <p:sldId id="324" r:id="rId69"/>
+    <p:sldId id="325" r:id="rId70"/>
+    <p:sldId id="326" r:id="rId71"/>
+    <p:sldId id="327" r:id="rId72"/>
+    <p:sldId id="328" r:id="rId73"/>
+    <p:sldId id="329" r:id="rId74"/>
+    <p:sldId id="330" r:id="rId75"/>
   </p:sldIdLst>
   <p:sldSz cx="12192000" cy="6858000"/>
   <p:notesSz cx="6858000" cy="9144000"/>
@@ -354,7 +362,7 @@
           <a:p>
             <a:fld id="{7239F38A-DCDF-6E4C-B9CE-23AD5C77A21C}" type="datetimeFigureOut">
               <a:rPr lang="en-US" smtClean="0"/>
-              <a:t>3/11/25</a:t>
+              <a:t>3/20/25</a:t>
             </a:fld>
             <a:endParaRPr lang="en-US"/>
           </a:p>
@@ -554,7 +562,7 @@
           <a:p>
             <a:fld id="{7239F38A-DCDF-6E4C-B9CE-23AD5C77A21C}" type="datetimeFigureOut">
               <a:rPr lang="en-US" smtClean="0"/>
-              <a:t>3/11/25</a:t>
+              <a:t>3/20/25</a:t>
             </a:fld>
             <a:endParaRPr lang="en-US"/>
           </a:p>
@@ -764,7 +772,7 @@
           <a:p>
             <a:fld id="{7239F38A-DCDF-6E4C-B9CE-23AD5C77A21C}" type="datetimeFigureOut">
               <a:rPr lang="en-US" smtClean="0"/>
-              <a:t>3/11/25</a:t>
+              <a:t>3/20/25</a:t>
             </a:fld>
             <a:endParaRPr lang="en-US"/>
           </a:p>
@@ -964,7 +972,7 @@
           <a:p>
             <a:fld id="{7239F38A-DCDF-6E4C-B9CE-23AD5C77A21C}" type="datetimeFigureOut">
               <a:rPr lang="en-US" smtClean="0"/>
-              <a:t>3/11/25</a:t>
+              <a:t>3/20/25</a:t>
             </a:fld>
             <a:endParaRPr lang="en-US"/>
           </a:p>
@@ -1240,7 +1248,7 @@
           <a:p>
             <a:fld id="{7239F38A-DCDF-6E4C-B9CE-23AD5C77A21C}" type="datetimeFigureOut">
               <a:rPr lang="en-US" smtClean="0"/>
-              <a:t>3/11/25</a:t>
+              <a:t>3/20/25</a:t>
             </a:fld>
             <a:endParaRPr lang="en-US"/>
           </a:p>
@@ -1508,7 +1516,7 @@
           <a:p>
             <a:fld id="{7239F38A-DCDF-6E4C-B9CE-23AD5C77A21C}" type="datetimeFigureOut">
               <a:rPr lang="en-US" smtClean="0"/>
-              <a:t>3/11/25</a:t>
+              <a:t>3/20/25</a:t>
             </a:fld>
             <a:endParaRPr lang="en-US"/>
           </a:p>
@@ -1923,7 +1931,7 @@
           <a:p>
             <a:fld id="{7239F38A-DCDF-6E4C-B9CE-23AD5C77A21C}" type="datetimeFigureOut">
               <a:rPr lang="en-US" smtClean="0"/>
-              <a:t>3/11/25</a:t>
+              <a:t>3/20/25</a:t>
             </a:fld>
             <a:endParaRPr lang="en-US"/>
           </a:p>
@@ -2065,7 +2073,7 @@
           <a:p>
             <a:fld id="{7239F38A-DCDF-6E4C-B9CE-23AD5C77A21C}" type="datetimeFigureOut">
               <a:rPr lang="en-US" smtClean="0"/>
-              <a:t>3/11/25</a:t>
+              <a:t>3/20/25</a:t>
             </a:fld>
             <a:endParaRPr lang="en-US"/>
           </a:p>
@@ -2178,7 +2186,7 @@
           <a:p>
             <a:fld id="{7239F38A-DCDF-6E4C-B9CE-23AD5C77A21C}" type="datetimeFigureOut">
               <a:rPr lang="en-US" smtClean="0"/>
-              <a:t>3/11/25</a:t>
+              <a:t>3/20/25</a:t>
             </a:fld>
             <a:endParaRPr lang="en-US"/>
           </a:p>
@@ -2491,7 +2499,7 @@
           <a:p>
             <a:fld id="{7239F38A-DCDF-6E4C-B9CE-23AD5C77A21C}" type="datetimeFigureOut">
               <a:rPr lang="en-US" smtClean="0"/>
-              <a:t>3/11/25</a:t>
+              <a:t>3/20/25</a:t>
             </a:fld>
             <a:endParaRPr lang="en-US"/>
           </a:p>
@@ -2780,7 +2788,7 @@
           <a:p>
             <a:fld id="{7239F38A-DCDF-6E4C-B9CE-23AD5C77A21C}" type="datetimeFigureOut">
               <a:rPr lang="en-US" smtClean="0"/>
-              <a:t>3/11/25</a:t>
+              <a:t>3/20/25</a:t>
             </a:fld>
             <a:endParaRPr lang="en-US"/>
           </a:p>
@@ -3023,7 +3031,7 @@
           <a:p>
             <a:fld id="{7239F38A-DCDF-6E4C-B9CE-23AD5C77A21C}" type="datetimeFigureOut">
               <a:rPr lang="en-US" smtClean="0"/>
-              <a:t>3/11/25</a:t>
+              <a:t>3/20/25</a:t>
             </a:fld>
             <a:endParaRPr lang="en-US"/>
           </a:p>
@@ -24520,31 +24528,6 @@
       </p:grpSpPr>
       <p:sp>
         <p:nvSpPr>
-          <p:cNvPr id="2" name="Title 1">
-            <a:extLst>
-              <a:ext uri="{FF2B5EF4-FFF2-40B4-BE49-F238E27FC236}">
-                <a16:creationId xmlns:a16="http://schemas.microsoft.com/office/drawing/2014/main" id="{F44754DD-F7AD-FAE2-91B5-7D37184B1CF9}"/>
-              </a:ext>
-            </a:extLst>
-          </p:cNvPr>
-          <p:cNvSpPr>
-            <a:spLocks noGrp="1"/>
-          </p:cNvSpPr>
-          <p:nvPr>
-            <p:ph type="title"/>
-          </p:nvPr>
-        </p:nvSpPr>
-        <p:spPr/>
-        <p:txBody>
-          <a:bodyPr/>
-          <a:lstStyle/>
-          <a:p>
-            <a:endParaRPr lang="en-US"/>
-          </a:p>
-        </p:txBody>
-      </p:sp>
-      <p:sp>
-        <p:nvSpPr>
           <p:cNvPr id="3" name="Content Placeholder 2">
             <a:extLst>
               <a:ext uri="{FF2B5EF4-FFF2-40B4-BE49-F238E27FC236}">
@@ -24559,10 +24542,15 @@
             <p:ph idx="1"/>
           </p:nvPr>
         </p:nvSpPr>
-        <p:spPr/>
+        <p:spPr>
+          <a:xfrm>
+            <a:off x="838200" y="470647"/>
+            <a:ext cx="10515600" cy="5706316"/>
+          </a:xfrm>
+        </p:spPr>
         <p:txBody>
           <a:bodyPr>
-            <a:normAutofit fontScale="92500" lnSpcReduction="20000"/>
+            <a:normAutofit/>
           </a:bodyPr>
           <a:lstStyle/>
           <a:p>
@@ -24621,8 +24609,14 @@
           </a:p>
           <a:p>
             <a:r>
-              <a:rPr lang="en-US"/>
+              <a:rPr lang="en-US" dirty="0"/>
               <a:t>Deleting products</a:t>
+            </a:r>
+          </a:p>
+          <a:p>
+            <a:r>
+              <a:rPr lang="en-US" dirty="0"/>
+              <a:t>Creating a user Model</a:t>
             </a:r>
           </a:p>
         </p:txBody>
@@ -24631,6 +24625,1103 @@
     <p:extLst>
       <p:ext uri="{BB962C8B-B14F-4D97-AF65-F5344CB8AC3E}">
         <p14:creationId xmlns:p14="http://schemas.microsoft.com/office/powerpoint/2010/main" val="3930742417"/>
+      </p:ext>
+    </p:extLst>
+  </p:cSld>
+  <p:clrMapOvr>
+    <a:masterClrMapping/>
+  </p:clrMapOvr>
+</p:sld>
+</file>
+
+<file path=ppt/slides/slide67.xml><?xml version="1.0" encoding="utf-8"?>
+<p:sld xmlns:a="http://schemas.openxmlformats.org/drawingml/2006/main" xmlns:r="http://schemas.openxmlformats.org/officeDocument/2006/relationships" xmlns:p="http://schemas.openxmlformats.org/presentationml/2006/main">
+  <p:cSld>
+    <p:spTree>
+      <p:nvGrpSpPr>
+        <p:cNvPr id="1" name="">
+          <a:extLst>
+            <a:ext uri="{FF2B5EF4-FFF2-40B4-BE49-F238E27FC236}">
+              <a16:creationId xmlns:a16="http://schemas.microsoft.com/office/drawing/2014/main" id="{38725C1E-614B-3856-F7A3-B2BED9BF1BB6}"/>
+            </a:ext>
+          </a:extLst>
+        </p:cNvPr>
+        <p:cNvGrpSpPr/>
+        <p:nvPr/>
+      </p:nvGrpSpPr>
+      <p:grpSpPr>
+        <a:xfrm>
+          <a:off x="0" y="0"/>
+          <a:ext cx="0" cy="0"/>
+          <a:chOff x="0" y="0"/>
+          <a:chExt cx="0" cy="0"/>
+        </a:xfrm>
+      </p:grpSpPr>
+      <p:sp>
+        <p:nvSpPr>
+          <p:cNvPr id="4" name="Content Placeholder 3">
+            <a:extLst>
+              <a:ext uri="{FF2B5EF4-FFF2-40B4-BE49-F238E27FC236}">
+                <a16:creationId xmlns:a16="http://schemas.microsoft.com/office/drawing/2014/main" id="{D3789029-6B56-9E84-F254-DBC2114B4705}"/>
+              </a:ext>
+            </a:extLst>
+          </p:cNvPr>
+          <p:cNvSpPr>
+            <a:spLocks noGrp="1"/>
+          </p:cNvSpPr>
+          <p:nvPr>
+            <p:ph idx="1"/>
+          </p:nvPr>
+        </p:nvSpPr>
+        <p:spPr>
+          <a:xfrm>
+            <a:off x="2774576" y="400237"/>
+            <a:ext cx="5804647" cy="433481"/>
+          </a:xfrm>
+        </p:spPr>
+        <p:txBody>
+          <a:bodyPr>
+            <a:normAutofit fontScale="92500" lnSpcReduction="10000"/>
+          </a:bodyPr>
+          <a:lstStyle/>
+          <a:p>
+            <a:r>
+              <a:rPr lang="en-US" dirty="0"/>
+              <a:t>Adding one-to-many /relationship</a:t>
+            </a:r>
+          </a:p>
+        </p:txBody>
+      </p:sp>
+      <p:sp>
+        <p:nvSpPr>
+          <p:cNvPr id="5" name="Rectangle 4">
+            <a:extLst>
+              <a:ext uri="{FF2B5EF4-FFF2-40B4-BE49-F238E27FC236}">
+                <a16:creationId xmlns:a16="http://schemas.microsoft.com/office/drawing/2014/main" id="{EC46EE7F-E299-E9C6-3FB9-A004BCD57EC0}"/>
+              </a:ext>
+            </a:extLst>
+          </p:cNvPr>
+          <p:cNvSpPr/>
+          <p:nvPr/>
+        </p:nvSpPr>
+        <p:spPr>
+          <a:xfrm>
+            <a:off x="968188" y="1250576"/>
+            <a:ext cx="2259106" cy="658906"/>
+          </a:xfrm>
+          <a:prstGeom prst="rect">
+            <a:avLst/>
+          </a:prstGeom>
+        </p:spPr>
+        <p:style>
+          <a:lnRef idx="2">
+            <a:schemeClr val="accent1">
+              <a:shade val="15000"/>
+            </a:schemeClr>
+          </a:lnRef>
+          <a:fillRef idx="1">
+            <a:schemeClr val="accent1"/>
+          </a:fillRef>
+          <a:effectRef idx="0">
+            <a:schemeClr val="accent1"/>
+          </a:effectRef>
+          <a:fontRef idx="minor">
+            <a:schemeClr val="lt1"/>
+          </a:fontRef>
+        </p:style>
+        <p:txBody>
+          <a:bodyPr rtlCol="0" anchor="ctr"/>
+          <a:lstStyle/>
+          <a:p>
+            <a:pPr algn="ctr"/>
+            <a:r>
+              <a:rPr lang="en-US" dirty="0"/>
+              <a:t>Product</a:t>
+            </a:r>
+          </a:p>
+        </p:txBody>
+      </p:sp>
+      <p:sp>
+        <p:nvSpPr>
+          <p:cNvPr id="6" name="Rectangle 5">
+            <a:extLst>
+              <a:ext uri="{FF2B5EF4-FFF2-40B4-BE49-F238E27FC236}">
+                <a16:creationId xmlns:a16="http://schemas.microsoft.com/office/drawing/2014/main" id="{8C3F5842-D999-959E-35B5-277CC0E991B0}"/>
+              </a:ext>
+            </a:extLst>
+          </p:cNvPr>
+          <p:cNvSpPr/>
+          <p:nvPr/>
+        </p:nvSpPr>
+        <p:spPr>
+          <a:xfrm>
+            <a:off x="8745070" y="1244786"/>
+            <a:ext cx="2259106" cy="658906"/>
+          </a:xfrm>
+          <a:prstGeom prst="rect">
+            <a:avLst/>
+          </a:prstGeom>
+        </p:spPr>
+        <p:style>
+          <a:lnRef idx="2">
+            <a:schemeClr val="accent1">
+              <a:shade val="15000"/>
+            </a:schemeClr>
+          </a:lnRef>
+          <a:fillRef idx="1">
+            <a:schemeClr val="accent1"/>
+          </a:fillRef>
+          <a:effectRef idx="0">
+            <a:schemeClr val="accent1"/>
+          </a:effectRef>
+          <a:fontRef idx="minor">
+            <a:schemeClr val="lt1"/>
+          </a:fontRef>
+        </p:style>
+        <p:txBody>
+          <a:bodyPr rtlCol="0" anchor="ctr"/>
+          <a:lstStyle/>
+          <a:p>
+            <a:pPr algn="ctr"/>
+            <a:r>
+              <a:rPr lang="en-US" dirty="0"/>
+              <a:t>User</a:t>
+            </a:r>
+          </a:p>
+        </p:txBody>
+      </p:sp>
+      <p:sp>
+        <p:nvSpPr>
+          <p:cNvPr id="7" name="Rectangle 6">
+            <a:extLst>
+              <a:ext uri="{FF2B5EF4-FFF2-40B4-BE49-F238E27FC236}">
+                <a16:creationId xmlns:a16="http://schemas.microsoft.com/office/drawing/2014/main" id="{E626DC8C-827D-A150-EA19-9A63FA465A98}"/>
+              </a:ext>
+            </a:extLst>
+          </p:cNvPr>
+          <p:cNvSpPr/>
+          <p:nvPr/>
+        </p:nvSpPr>
+        <p:spPr>
+          <a:xfrm>
+            <a:off x="4547346" y="4065494"/>
+            <a:ext cx="2259106" cy="658906"/>
+          </a:xfrm>
+          <a:prstGeom prst="rect">
+            <a:avLst/>
+          </a:prstGeom>
+        </p:spPr>
+        <p:style>
+          <a:lnRef idx="2">
+            <a:schemeClr val="accent1">
+              <a:shade val="15000"/>
+            </a:schemeClr>
+          </a:lnRef>
+          <a:fillRef idx="1">
+            <a:schemeClr val="accent1"/>
+          </a:fillRef>
+          <a:effectRef idx="0">
+            <a:schemeClr val="accent1"/>
+          </a:effectRef>
+          <a:fontRef idx="minor">
+            <a:schemeClr val="lt1"/>
+          </a:fontRef>
+        </p:style>
+        <p:txBody>
+          <a:bodyPr rtlCol="0" anchor="ctr"/>
+          <a:lstStyle/>
+          <a:p>
+            <a:pPr algn="ctr"/>
+            <a:r>
+              <a:rPr lang="en-US" dirty="0"/>
+              <a:t>Cart</a:t>
+            </a:r>
+          </a:p>
+        </p:txBody>
+      </p:sp>
+      <p:sp>
+        <p:nvSpPr>
+          <p:cNvPr id="8" name="Rectangle 7">
+            <a:extLst>
+              <a:ext uri="{FF2B5EF4-FFF2-40B4-BE49-F238E27FC236}">
+                <a16:creationId xmlns:a16="http://schemas.microsoft.com/office/drawing/2014/main" id="{20A3637F-A869-7C33-2003-F9017A448A9E}"/>
+              </a:ext>
+            </a:extLst>
+          </p:cNvPr>
+          <p:cNvSpPr/>
+          <p:nvPr/>
+        </p:nvSpPr>
+        <p:spPr>
+          <a:xfrm>
+            <a:off x="4547346" y="5508812"/>
+            <a:ext cx="2259106" cy="658906"/>
+          </a:xfrm>
+          <a:prstGeom prst="rect">
+            <a:avLst/>
+          </a:prstGeom>
+        </p:spPr>
+        <p:style>
+          <a:lnRef idx="2">
+            <a:schemeClr val="accent1">
+              <a:shade val="15000"/>
+            </a:schemeClr>
+          </a:lnRef>
+          <a:fillRef idx="1">
+            <a:schemeClr val="accent1"/>
+          </a:fillRef>
+          <a:effectRef idx="0">
+            <a:schemeClr val="accent1"/>
+          </a:effectRef>
+          <a:fontRef idx="minor">
+            <a:schemeClr val="lt1"/>
+          </a:fontRef>
+        </p:style>
+        <p:txBody>
+          <a:bodyPr rtlCol="0" anchor="ctr"/>
+          <a:lstStyle/>
+          <a:p>
+            <a:pPr algn="ctr"/>
+            <a:r>
+              <a:rPr lang="en-US" dirty="0"/>
+              <a:t>Order</a:t>
+            </a:r>
+          </a:p>
+        </p:txBody>
+      </p:sp>
+      <p:cxnSp>
+        <p:nvCxnSpPr>
+          <p:cNvPr id="10" name="Elbow Connector 9">
+            <a:extLst>
+              <a:ext uri="{FF2B5EF4-FFF2-40B4-BE49-F238E27FC236}">
+                <a16:creationId xmlns:a16="http://schemas.microsoft.com/office/drawing/2014/main" id="{70A56B6B-0C3C-BD0C-C4EF-2BC619CB16F3}"/>
+              </a:ext>
+            </a:extLst>
+          </p:cNvPr>
+          <p:cNvCxnSpPr>
+            <a:stCxn id="6" idx="2"/>
+            <a:endCxn id="7" idx="3"/>
+          </p:cNvCxnSpPr>
+          <p:nvPr/>
+        </p:nvCxnSpPr>
+        <p:spPr>
+          <a:xfrm rot="5400000">
+            <a:off x="7094911" y="1615234"/>
+            <a:ext cx="2491255" cy="3068171"/>
+          </a:xfrm>
+          <a:prstGeom prst="bentConnector2">
+            <a:avLst/>
+          </a:prstGeom>
+          <a:ln>
+            <a:tailEnd type="triangle"/>
+          </a:ln>
+        </p:spPr>
+        <p:style>
+          <a:lnRef idx="2">
+            <a:schemeClr val="accent1"/>
+          </a:lnRef>
+          <a:fillRef idx="0">
+            <a:schemeClr val="accent1"/>
+          </a:fillRef>
+          <a:effectRef idx="1">
+            <a:schemeClr val="accent1"/>
+          </a:effectRef>
+          <a:fontRef idx="minor">
+            <a:schemeClr val="tx1"/>
+          </a:fontRef>
+        </p:style>
+      </p:cxnSp>
+      <p:cxnSp>
+        <p:nvCxnSpPr>
+          <p:cNvPr id="12" name="Elbow Connector 11">
+            <a:extLst>
+              <a:ext uri="{FF2B5EF4-FFF2-40B4-BE49-F238E27FC236}">
+                <a16:creationId xmlns:a16="http://schemas.microsoft.com/office/drawing/2014/main" id="{45F4B01C-AEB0-2C30-AE07-803D8694668D}"/>
+              </a:ext>
+            </a:extLst>
+          </p:cNvPr>
+          <p:cNvCxnSpPr>
+            <a:stCxn id="5" idx="2"/>
+            <a:endCxn id="7" idx="1"/>
+          </p:cNvCxnSpPr>
+          <p:nvPr/>
+        </p:nvCxnSpPr>
+        <p:spPr>
+          <a:xfrm rot="16200000" flipH="1">
+            <a:off x="2079811" y="1927411"/>
+            <a:ext cx="2485465" cy="2449605"/>
+          </a:xfrm>
+          <a:prstGeom prst="bentConnector2">
+            <a:avLst/>
+          </a:prstGeom>
+          <a:ln>
+            <a:tailEnd type="triangle"/>
+          </a:ln>
+        </p:spPr>
+        <p:style>
+          <a:lnRef idx="2">
+            <a:schemeClr val="accent1"/>
+          </a:lnRef>
+          <a:fillRef idx="0">
+            <a:schemeClr val="accent1"/>
+          </a:fillRef>
+          <a:effectRef idx="1">
+            <a:schemeClr val="accent1"/>
+          </a:effectRef>
+          <a:fontRef idx="minor">
+            <a:schemeClr val="tx1"/>
+          </a:fontRef>
+        </p:style>
+      </p:cxnSp>
+      <p:sp>
+        <p:nvSpPr>
+          <p:cNvPr id="13" name="TextBox 12">
+            <a:extLst>
+              <a:ext uri="{FF2B5EF4-FFF2-40B4-BE49-F238E27FC236}">
+                <a16:creationId xmlns:a16="http://schemas.microsoft.com/office/drawing/2014/main" id="{37060F28-5C93-EB14-DD8A-07D3D00A01F2}"/>
+              </a:ext>
+            </a:extLst>
+          </p:cNvPr>
+          <p:cNvSpPr txBox="1"/>
+          <p:nvPr/>
+        </p:nvSpPr>
+        <p:spPr>
+          <a:xfrm>
+            <a:off x="7816997" y="4005676"/>
+            <a:ext cx="1047082" cy="369332"/>
+          </a:xfrm>
+          <a:prstGeom prst="rect">
+            <a:avLst/>
+          </a:prstGeom>
+          <a:noFill/>
+        </p:spPr>
+        <p:txBody>
+          <a:bodyPr wrap="none" rtlCol="0">
+            <a:spAutoFit/>
+          </a:bodyPr>
+          <a:lstStyle/>
+          <a:p>
+            <a:r>
+              <a:rPr lang="en-US" dirty="0"/>
+              <a:t>Has One</a:t>
+            </a:r>
+          </a:p>
+        </p:txBody>
+      </p:sp>
+      <p:sp>
+        <p:nvSpPr>
+          <p:cNvPr id="14" name="TextBox 13">
+            <a:extLst>
+              <a:ext uri="{FF2B5EF4-FFF2-40B4-BE49-F238E27FC236}">
+                <a16:creationId xmlns:a16="http://schemas.microsoft.com/office/drawing/2014/main" id="{0A4080ED-1616-008A-40CF-C52BD2F7F9D7}"/>
+              </a:ext>
+            </a:extLst>
+          </p:cNvPr>
+          <p:cNvSpPr txBox="1"/>
+          <p:nvPr/>
+        </p:nvSpPr>
+        <p:spPr>
+          <a:xfrm>
+            <a:off x="2511488" y="4043543"/>
+            <a:ext cx="1812612" cy="369332"/>
+          </a:xfrm>
+          <a:prstGeom prst="rect">
+            <a:avLst/>
+          </a:prstGeom>
+          <a:noFill/>
+        </p:spPr>
+        <p:txBody>
+          <a:bodyPr wrap="none" rtlCol="0">
+            <a:spAutoFit/>
+          </a:bodyPr>
+          <a:lstStyle/>
+          <a:p>
+            <a:r>
+              <a:rPr lang="en-US" dirty="0"/>
+              <a:t>Belongs to Many</a:t>
+            </a:r>
+          </a:p>
+        </p:txBody>
+      </p:sp>
+      <p:cxnSp>
+        <p:nvCxnSpPr>
+          <p:cNvPr id="16" name="Elbow Connector 15">
+            <a:extLst>
+              <a:ext uri="{FF2B5EF4-FFF2-40B4-BE49-F238E27FC236}">
+                <a16:creationId xmlns:a16="http://schemas.microsoft.com/office/drawing/2014/main" id="{5373F1F6-AEA3-7897-FDEE-E25DB99D983A}"/>
+              </a:ext>
+            </a:extLst>
+          </p:cNvPr>
+          <p:cNvCxnSpPr>
+            <a:cxnSpLocks/>
+            <a:stCxn id="5" idx="2"/>
+            <a:endCxn id="8" idx="1"/>
+          </p:cNvCxnSpPr>
+          <p:nvPr/>
+        </p:nvCxnSpPr>
+        <p:spPr>
+          <a:xfrm rot="16200000" flipH="1">
+            <a:off x="1358152" y="2649070"/>
+            <a:ext cx="3928783" cy="2449605"/>
+          </a:xfrm>
+          <a:prstGeom prst="bentConnector2">
+            <a:avLst/>
+          </a:prstGeom>
+          <a:ln>
+            <a:tailEnd type="triangle"/>
+          </a:ln>
+        </p:spPr>
+        <p:style>
+          <a:lnRef idx="2">
+            <a:schemeClr val="accent1"/>
+          </a:lnRef>
+          <a:fillRef idx="0">
+            <a:schemeClr val="accent1"/>
+          </a:fillRef>
+          <a:effectRef idx="1">
+            <a:schemeClr val="accent1"/>
+          </a:effectRef>
+          <a:fontRef idx="minor">
+            <a:schemeClr val="tx1"/>
+          </a:fontRef>
+        </p:style>
+      </p:cxnSp>
+      <p:cxnSp>
+        <p:nvCxnSpPr>
+          <p:cNvPr id="19" name="Elbow Connector 18">
+            <a:extLst>
+              <a:ext uri="{FF2B5EF4-FFF2-40B4-BE49-F238E27FC236}">
+                <a16:creationId xmlns:a16="http://schemas.microsoft.com/office/drawing/2014/main" id="{C9ABE9C5-4333-F004-7901-92BC97CB9850}"/>
+              </a:ext>
+            </a:extLst>
+          </p:cNvPr>
+          <p:cNvCxnSpPr>
+            <a:stCxn id="6" idx="2"/>
+            <a:endCxn id="8" idx="3"/>
+          </p:cNvCxnSpPr>
+          <p:nvPr/>
+        </p:nvCxnSpPr>
+        <p:spPr>
+          <a:xfrm rot="5400000">
+            <a:off x="6373252" y="2336893"/>
+            <a:ext cx="3934573" cy="3068171"/>
+          </a:xfrm>
+          <a:prstGeom prst="bentConnector2">
+            <a:avLst/>
+          </a:prstGeom>
+          <a:ln>
+            <a:tailEnd type="triangle"/>
+          </a:ln>
+        </p:spPr>
+        <p:style>
+          <a:lnRef idx="2">
+            <a:schemeClr val="accent1"/>
+          </a:lnRef>
+          <a:fillRef idx="0">
+            <a:schemeClr val="accent1"/>
+          </a:fillRef>
+          <a:effectRef idx="1">
+            <a:schemeClr val="accent1"/>
+          </a:effectRef>
+          <a:fontRef idx="minor">
+            <a:schemeClr val="tx1"/>
+          </a:fontRef>
+        </p:style>
+      </p:cxnSp>
+      <p:sp>
+        <p:nvSpPr>
+          <p:cNvPr id="20" name="TextBox 19">
+            <a:extLst>
+              <a:ext uri="{FF2B5EF4-FFF2-40B4-BE49-F238E27FC236}">
+                <a16:creationId xmlns:a16="http://schemas.microsoft.com/office/drawing/2014/main" id="{D756A452-411E-523F-533A-CCB5D57A6848}"/>
+              </a:ext>
+            </a:extLst>
+          </p:cNvPr>
+          <p:cNvSpPr txBox="1"/>
+          <p:nvPr/>
+        </p:nvSpPr>
+        <p:spPr>
+          <a:xfrm>
+            <a:off x="2511488" y="5468933"/>
+            <a:ext cx="1812612" cy="369332"/>
+          </a:xfrm>
+          <a:prstGeom prst="rect">
+            <a:avLst/>
+          </a:prstGeom>
+          <a:noFill/>
+        </p:spPr>
+        <p:txBody>
+          <a:bodyPr wrap="none" rtlCol="0">
+            <a:spAutoFit/>
+          </a:bodyPr>
+          <a:lstStyle/>
+          <a:p>
+            <a:r>
+              <a:rPr lang="en-US" dirty="0"/>
+              <a:t>Belongs to Many</a:t>
+            </a:r>
+          </a:p>
+        </p:txBody>
+      </p:sp>
+      <p:sp>
+        <p:nvSpPr>
+          <p:cNvPr id="21" name="TextBox 20">
+            <a:extLst>
+              <a:ext uri="{FF2B5EF4-FFF2-40B4-BE49-F238E27FC236}">
+                <a16:creationId xmlns:a16="http://schemas.microsoft.com/office/drawing/2014/main" id="{4AF78865-C04C-7F7A-17ED-1A8F574561AD}"/>
+              </a:ext>
+            </a:extLst>
+          </p:cNvPr>
+          <p:cNvSpPr txBox="1"/>
+          <p:nvPr/>
+        </p:nvSpPr>
+        <p:spPr>
+          <a:xfrm>
+            <a:off x="7486028" y="5428548"/>
+            <a:ext cx="1129284" cy="369332"/>
+          </a:xfrm>
+          <a:prstGeom prst="rect">
+            <a:avLst/>
+          </a:prstGeom>
+          <a:noFill/>
+        </p:spPr>
+        <p:txBody>
+          <a:bodyPr wrap="none" rtlCol="0">
+            <a:spAutoFit/>
+          </a:bodyPr>
+          <a:lstStyle/>
+          <a:p>
+            <a:r>
+              <a:rPr lang="en-US" dirty="0"/>
+              <a:t>has Many</a:t>
+            </a:r>
+          </a:p>
+        </p:txBody>
+      </p:sp>
+      <p:sp>
+        <p:nvSpPr>
+          <p:cNvPr id="22" name="TextBox 21">
+            <a:extLst>
+              <a:ext uri="{FF2B5EF4-FFF2-40B4-BE49-F238E27FC236}">
+                <a16:creationId xmlns:a16="http://schemas.microsoft.com/office/drawing/2014/main" id="{DBD63E1A-A7A8-CE6F-59E5-DD3C2571E111}"/>
+              </a:ext>
+            </a:extLst>
+          </p:cNvPr>
+          <p:cNvSpPr txBox="1"/>
+          <p:nvPr/>
+        </p:nvSpPr>
+        <p:spPr>
+          <a:xfrm>
+            <a:off x="4881282" y="2097741"/>
+            <a:ext cx="1468159" cy="369332"/>
+          </a:xfrm>
+          <a:prstGeom prst="rect">
+            <a:avLst/>
+          </a:prstGeom>
+          <a:noFill/>
+        </p:spPr>
+        <p:txBody>
+          <a:bodyPr wrap="none" rtlCol="0">
+            <a:spAutoFit/>
+          </a:bodyPr>
+          <a:lstStyle/>
+          <a:p>
+            <a:r>
+              <a:rPr lang="en-US" dirty="0"/>
+              <a:t>Associations</a:t>
+            </a:r>
+          </a:p>
+        </p:txBody>
+      </p:sp>
+    </p:spTree>
+    <p:extLst>
+      <p:ext uri="{BB962C8B-B14F-4D97-AF65-F5344CB8AC3E}">
+        <p14:creationId xmlns:p14="http://schemas.microsoft.com/office/powerpoint/2010/main" val="2727894599"/>
+      </p:ext>
+    </p:extLst>
+  </p:cSld>
+  <p:clrMapOvr>
+    <a:masterClrMapping/>
+  </p:clrMapOvr>
+</p:sld>
+</file>
+
+<file path=ppt/slides/slide68.xml><?xml version="1.0" encoding="utf-8"?>
+<p:sld xmlns:a="http://schemas.openxmlformats.org/drawingml/2006/main" xmlns:r="http://schemas.openxmlformats.org/officeDocument/2006/relationships" xmlns:p="http://schemas.openxmlformats.org/presentationml/2006/main">
+  <p:cSld>
+    <p:spTree>
+      <p:nvGrpSpPr>
+        <p:cNvPr id="1" name="">
+          <a:extLst>
+            <a:ext uri="{FF2B5EF4-FFF2-40B4-BE49-F238E27FC236}">
+              <a16:creationId xmlns:a16="http://schemas.microsoft.com/office/drawing/2014/main" id="{3C103CE9-FE3E-B962-4F67-9A182456A97F}"/>
+            </a:ext>
+          </a:extLst>
+        </p:cNvPr>
+        <p:cNvGrpSpPr/>
+        <p:nvPr/>
+      </p:nvGrpSpPr>
+      <p:grpSpPr>
+        <a:xfrm>
+          <a:off x="0" y="0"/>
+          <a:ext cx="0" cy="0"/>
+          <a:chOff x="0" y="0"/>
+          <a:chExt cx="0" cy="0"/>
+        </a:xfrm>
+      </p:grpSpPr>
+      <p:sp>
+        <p:nvSpPr>
+          <p:cNvPr id="3" name="Content Placeholder 2">
+            <a:extLst>
+              <a:ext uri="{FF2B5EF4-FFF2-40B4-BE49-F238E27FC236}">
+                <a16:creationId xmlns:a16="http://schemas.microsoft.com/office/drawing/2014/main" id="{F45B9DA5-5006-20C1-B506-0FC9C331FF57}"/>
+              </a:ext>
+            </a:extLst>
+          </p:cNvPr>
+          <p:cNvSpPr>
+            <a:spLocks noGrp="1"/>
+          </p:cNvSpPr>
+          <p:nvPr>
+            <p:ph idx="1"/>
+          </p:nvPr>
+        </p:nvSpPr>
+        <p:spPr>
+          <a:xfrm>
+            <a:off x="838200" y="470647"/>
+            <a:ext cx="10515600" cy="5706316"/>
+          </a:xfrm>
+        </p:spPr>
+        <p:txBody>
+          <a:bodyPr>
+            <a:normAutofit/>
+          </a:bodyPr>
+          <a:lstStyle/>
+          <a:p>
+            <a:r>
+              <a:rPr lang="en-US" dirty="0"/>
+              <a:t>Creating &amp; Managing a Dummy User</a:t>
+            </a:r>
+          </a:p>
+          <a:p>
+            <a:r>
+              <a:rPr lang="en-US" dirty="0"/>
+              <a:t>Using magic association methods</a:t>
+            </a:r>
+          </a:p>
+          <a:p>
+            <a:r>
+              <a:rPr lang="en-US" dirty="0"/>
+              <a:t>Fetching related products</a:t>
+            </a:r>
+          </a:p>
+          <a:p>
+            <a:r>
+              <a:rPr lang="en-US" dirty="0"/>
+              <a:t>One to many &amp; many to many</a:t>
+            </a:r>
+          </a:p>
+          <a:p>
+            <a:r>
+              <a:rPr lang="en-US" dirty="0"/>
+              <a:t>creating &amp; fetching a Cart</a:t>
+            </a:r>
+          </a:p>
+          <a:p>
+            <a:r>
+              <a:rPr lang="en-US" dirty="0"/>
+              <a:t>Adding new products to the cart</a:t>
+            </a:r>
+          </a:p>
+          <a:p>
+            <a:r>
+              <a:rPr lang="en-US" dirty="0"/>
+              <a:t>Adding existing products &amp; retrieving cart items</a:t>
+            </a:r>
+          </a:p>
+          <a:p>
+            <a:r>
+              <a:rPr lang="en-US" dirty="0"/>
+              <a:t>Deleting related items &amp; deleting cart products</a:t>
+            </a:r>
+          </a:p>
+          <a:p>
+            <a:r>
+              <a:rPr lang="en-US" dirty="0"/>
+              <a:t>Adding an Order Model</a:t>
+            </a:r>
+          </a:p>
+          <a:p>
+            <a:r>
+              <a:rPr lang="en-US" dirty="0"/>
+              <a:t>Storing </a:t>
+            </a:r>
+            <a:r>
+              <a:rPr lang="en-US" dirty="0" err="1"/>
+              <a:t>cartitems</a:t>
+            </a:r>
+            <a:r>
+              <a:rPr lang="en-US" dirty="0"/>
+              <a:t> as </a:t>
+            </a:r>
+            <a:r>
+              <a:rPr lang="en-US" dirty="0" err="1"/>
+              <a:t>orderitems</a:t>
+            </a:r>
+            <a:endParaRPr lang="en-US" dirty="0"/>
+          </a:p>
+          <a:p>
+            <a:r>
+              <a:rPr lang="en-US" dirty="0"/>
+              <a:t>Resetting the Cart &amp; Fetching and </a:t>
+            </a:r>
+            <a:r>
+              <a:rPr lang="en-US"/>
+              <a:t>Outputting orders</a:t>
+            </a:r>
+            <a:endParaRPr lang="en-US" dirty="0"/>
+          </a:p>
+          <a:p>
+            <a:endParaRPr lang="en-US" dirty="0"/>
+          </a:p>
+        </p:txBody>
+      </p:sp>
+    </p:spTree>
+    <p:extLst>
+      <p:ext uri="{BB962C8B-B14F-4D97-AF65-F5344CB8AC3E}">
+        <p14:creationId xmlns:p14="http://schemas.microsoft.com/office/powerpoint/2010/main" val="875417573"/>
+      </p:ext>
+    </p:extLst>
+  </p:cSld>
+  <p:clrMapOvr>
+    <a:masterClrMapping/>
+  </p:clrMapOvr>
+</p:sld>
+</file>
+
+<file path=ppt/slides/slide69.xml><?xml version="1.0" encoding="utf-8"?>
+<p:sld xmlns:a="http://schemas.openxmlformats.org/drawingml/2006/main" xmlns:r="http://schemas.openxmlformats.org/officeDocument/2006/relationships" xmlns:p="http://schemas.openxmlformats.org/presentationml/2006/main">
+  <p:cSld>
+    <p:spTree>
+      <p:nvGrpSpPr>
+        <p:cNvPr id="1" name=""/>
+        <p:cNvGrpSpPr/>
+        <p:nvPr/>
+      </p:nvGrpSpPr>
+      <p:grpSpPr>
+        <a:xfrm>
+          <a:off x="0" y="0"/>
+          <a:ext cx="0" cy="0"/>
+          <a:chOff x="0" y="0"/>
+          <a:chExt cx="0" cy="0"/>
+        </a:xfrm>
+      </p:grpSpPr>
+      <p:sp>
+        <p:nvSpPr>
+          <p:cNvPr id="4" name="Rectangle 3">
+            <a:extLst>
+              <a:ext uri="{FF2B5EF4-FFF2-40B4-BE49-F238E27FC236}">
+                <a16:creationId xmlns:a16="http://schemas.microsoft.com/office/drawing/2014/main" id="{25167E8D-EFD6-8A8A-B189-65F5188601CA}"/>
+              </a:ext>
+            </a:extLst>
+          </p:cNvPr>
+          <p:cNvSpPr/>
+          <p:nvPr/>
+        </p:nvSpPr>
+        <p:spPr>
+          <a:xfrm>
+            <a:off x="383458" y="604684"/>
+            <a:ext cx="4576916" cy="412955"/>
+          </a:xfrm>
+          <a:prstGeom prst="rect">
+            <a:avLst/>
+          </a:prstGeom>
+          <a:solidFill>
+            <a:schemeClr val="accent2">
+              <a:lumMod val="50000"/>
+            </a:schemeClr>
+          </a:solidFill>
+        </p:spPr>
+        <p:style>
+          <a:lnRef idx="2">
+            <a:schemeClr val="accent1">
+              <a:shade val="15000"/>
+            </a:schemeClr>
+          </a:lnRef>
+          <a:fillRef idx="1">
+            <a:schemeClr val="accent1"/>
+          </a:fillRef>
+          <a:effectRef idx="0">
+            <a:schemeClr val="accent1"/>
+          </a:effectRef>
+          <a:fontRef idx="minor">
+            <a:schemeClr val="lt1"/>
+          </a:fontRef>
+        </p:style>
+        <p:txBody>
+          <a:bodyPr rtlCol="0" anchor="ctr"/>
+          <a:lstStyle/>
+          <a:p>
+            <a:pPr algn="ctr"/>
+            <a:r>
+              <a:rPr lang="en-US" dirty="0"/>
+              <a:t>SQL</a:t>
+            </a:r>
+          </a:p>
+        </p:txBody>
+      </p:sp>
+      <p:sp>
+        <p:nvSpPr>
+          <p:cNvPr id="5" name="Rectangle 4">
+            <a:extLst>
+              <a:ext uri="{FF2B5EF4-FFF2-40B4-BE49-F238E27FC236}">
+                <a16:creationId xmlns:a16="http://schemas.microsoft.com/office/drawing/2014/main" id="{F925EE5D-9ED0-F034-5BE0-3036D99B276D}"/>
+              </a:ext>
+            </a:extLst>
+          </p:cNvPr>
+          <p:cNvSpPr/>
+          <p:nvPr/>
+        </p:nvSpPr>
+        <p:spPr>
+          <a:xfrm>
+            <a:off x="383458" y="1017639"/>
+            <a:ext cx="4576916" cy="3303638"/>
+          </a:xfrm>
+          <a:prstGeom prst="rect">
+            <a:avLst/>
+          </a:prstGeom>
+          <a:solidFill>
+            <a:schemeClr val="accent2">
+              <a:lumMod val="60000"/>
+              <a:lumOff val="40000"/>
+            </a:schemeClr>
+          </a:solidFill>
+        </p:spPr>
+        <p:style>
+          <a:lnRef idx="2">
+            <a:schemeClr val="accent1">
+              <a:shade val="15000"/>
+            </a:schemeClr>
+          </a:lnRef>
+          <a:fillRef idx="1">
+            <a:schemeClr val="accent1"/>
+          </a:fillRef>
+          <a:effectRef idx="0">
+            <a:schemeClr val="accent1"/>
+          </a:effectRef>
+          <a:fontRef idx="minor">
+            <a:schemeClr val="lt1"/>
+          </a:fontRef>
+        </p:style>
+        <p:txBody>
+          <a:bodyPr rtlCol="0" anchor="ctr"/>
+          <a:lstStyle/>
+          <a:p>
+            <a:pPr marL="285750" indent="-285750" algn="just">
+              <a:buFont typeface="Arial" panose="020B0604020202020204" pitchFamily="34" charset="0"/>
+              <a:buChar char="•"/>
+            </a:pPr>
+            <a:r>
+              <a:rPr lang="en-US" sz="2000" dirty="0">
+                <a:solidFill>
+                  <a:schemeClr val="tx1"/>
+                </a:solidFill>
+              </a:rPr>
+              <a:t>SQL uses strict data schemas and relations</a:t>
+            </a:r>
+          </a:p>
+          <a:p>
+            <a:pPr marL="285750" indent="-285750" algn="just">
+              <a:buFont typeface="Arial" panose="020B0604020202020204" pitchFamily="34" charset="0"/>
+              <a:buChar char="•"/>
+            </a:pPr>
+            <a:r>
+              <a:rPr lang="en-US" sz="2000" dirty="0">
+                <a:solidFill>
+                  <a:schemeClr val="tx1"/>
+                </a:solidFill>
+              </a:rPr>
+              <a:t>You can connect your Node.js app via packages like mysql2</a:t>
+            </a:r>
+          </a:p>
+          <a:p>
+            <a:pPr marL="285750" indent="-285750" algn="just">
+              <a:buFont typeface="Arial" panose="020B0604020202020204" pitchFamily="34" charset="0"/>
+              <a:buChar char="•"/>
+            </a:pPr>
+            <a:r>
+              <a:rPr lang="en-US" sz="2000" dirty="0">
+                <a:solidFill>
+                  <a:schemeClr val="tx1"/>
+                </a:solidFill>
+              </a:rPr>
+              <a:t>Writing SQL queries is not directly related to Node.js and something you have to learn in addition to Node.js</a:t>
+            </a:r>
+          </a:p>
+        </p:txBody>
+      </p:sp>
+      <p:sp>
+        <p:nvSpPr>
+          <p:cNvPr id="6" name="Rectangle 5">
+            <a:extLst>
+              <a:ext uri="{FF2B5EF4-FFF2-40B4-BE49-F238E27FC236}">
+                <a16:creationId xmlns:a16="http://schemas.microsoft.com/office/drawing/2014/main" id="{CB4A192C-ACFC-CC4C-5943-B0E6BE17DD37}"/>
+              </a:ext>
+            </a:extLst>
+          </p:cNvPr>
+          <p:cNvSpPr/>
+          <p:nvPr/>
+        </p:nvSpPr>
+        <p:spPr>
+          <a:xfrm>
+            <a:off x="6700683" y="560440"/>
+            <a:ext cx="4576916" cy="412955"/>
+          </a:xfrm>
+          <a:prstGeom prst="rect">
+            <a:avLst/>
+          </a:prstGeom>
+          <a:solidFill>
+            <a:schemeClr val="accent2">
+              <a:lumMod val="50000"/>
+            </a:schemeClr>
+          </a:solidFill>
+        </p:spPr>
+        <p:style>
+          <a:lnRef idx="2">
+            <a:schemeClr val="accent1">
+              <a:shade val="15000"/>
+            </a:schemeClr>
+          </a:lnRef>
+          <a:fillRef idx="1">
+            <a:schemeClr val="accent1"/>
+          </a:fillRef>
+          <a:effectRef idx="0">
+            <a:schemeClr val="accent1"/>
+          </a:effectRef>
+          <a:fontRef idx="minor">
+            <a:schemeClr val="lt1"/>
+          </a:fontRef>
+        </p:style>
+        <p:txBody>
+          <a:bodyPr rtlCol="0" anchor="ctr"/>
+          <a:lstStyle/>
+          <a:p>
+            <a:pPr algn="ctr"/>
+            <a:r>
+              <a:rPr lang="en-US" dirty="0"/>
+              <a:t>Sequelize</a:t>
+            </a:r>
+          </a:p>
+        </p:txBody>
+      </p:sp>
+      <p:sp>
+        <p:nvSpPr>
+          <p:cNvPr id="7" name="Rectangle 6">
+            <a:extLst>
+              <a:ext uri="{FF2B5EF4-FFF2-40B4-BE49-F238E27FC236}">
+                <a16:creationId xmlns:a16="http://schemas.microsoft.com/office/drawing/2014/main" id="{84976463-BC21-91BE-020F-45E89CBE22AB}"/>
+              </a:ext>
+            </a:extLst>
+          </p:cNvPr>
+          <p:cNvSpPr/>
+          <p:nvPr/>
+        </p:nvSpPr>
+        <p:spPr>
+          <a:xfrm>
+            <a:off x="6700683" y="973395"/>
+            <a:ext cx="4576916" cy="3303638"/>
+          </a:xfrm>
+          <a:prstGeom prst="rect">
+            <a:avLst/>
+          </a:prstGeom>
+          <a:solidFill>
+            <a:schemeClr val="accent2">
+              <a:lumMod val="60000"/>
+              <a:lumOff val="40000"/>
+            </a:schemeClr>
+          </a:solidFill>
+        </p:spPr>
+        <p:style>
+          <a:lnRef idx="2">
+            <a:schemeClr val="accent1">
+              <a:shade val="15000"/>
+            </a:schemeClr>
+          </a:lnRef>
+          <a:fillRef idx="1">
+            <a:schemeClr val="accent1"/>
+          </a:fillRef>
+          <a:effectRef idx="0">
+            <a:schemeClr val="accent1"/>
+          </a:effectRef>
+          <a:fontRef idx="minor">
+            <a:schemeClr val="lt1"/>
+          </a:fontRef>
+        </p:style>
+        <p:txBody>
+          <a:bodyPr rtlCol="0" anchor="ctr"/>
+          <a:lstStyle/>
+          <a:p>
+            <a:pPr marL="285750" indent="-285750" algn="just">
+              <a:buFont typeface="Arial" panose="020B0604020202020204" pitchFamily="34" charset="0"/>
+              <a:buChar char="•"/>
+            </a:pPr>
+            <a:r>
+              <a:rPr lang="en-US" sz="2000" dirty="0">
+                <a:solidFill>
+                  <a:schemeClr val="tx1"/>
+                </a:solidFill>
+              </a:rPr>
+              <a:t>Instead of writing SQL queries manually, you can use packages (ORMs) like Sequelize to focus on the Node.js code and work with native JS objects</a:t>
+            </a:r>
+          </a:p>
+          <a:p>
+            <a:pPr marL="285750" indent="-285750" algn="just">
+              <a:buFont typeface="Arial" panose="020B0604020202020204" pitchFamily="34" charset="0"/>
+              <a:buChar char="•"/>
+            </a:pPr>
+            <a:r>
+              <a:rPr lang="en-US" sz="2000" dirty="0">
+                <a:solidFill>
+                  <a:schemeClr val="tx1"/>
+                </a:solidFill>
+              </a:rPr>
+              <a:t>Sequelize allows you define models and interact with the database through them</a:t>
+            </a:r>
+          </a:p>
+          <a:p>
+            <a:pPr marL="285750" indent="-285750" algn="just">
+              <a:buFont typeface="Arial" panose="020B0604020202020204" pitchFamily="34" charset="0"/>
+              <a:buChar char="•"/>
+            </a:pPr>
+            <a:r>
+              <a:rPr lang="en-US" sz="2000" dirty="0">
+                <a:solidFill>
+                  <a:schemeClr val="tx1"/>
+                </a:solidFill>
+              </a:rPr>
+              <a:t>You can also easily set up relations (“Associations”) and interact with your related </a:t>
+            </a:r>
+            <a:r>
+              <a:rPr lang="en-US" sz="2000" dirty="0" err="1">
+                <a:solidFill>
+                  <a:schemeClr val="tx1"/>
+                </a:solidFill>
+              </a:rPr>
+              <a:t>modles</a:t>
+            </a:r>
+            <a:r>
+              <a:rPr lang="en-US" sz="2000" dirty="0">
+                <a:solidFill>
+                  <a:schemeClr val="tx1"/>
+                </a:solidFill>
+              </a:rPr>
+              <a:t> through them</a:t>
+            </a:r>
+          </a:p>
+        </p:txBody>
+      </p:sp>
+    </p:spTree>
+    <p:extLst>
+      <p:ext uri="{BB962C8B-B14F-4D97-AF65-F5344CB8AC3E}">
+        <p14:creationId xmlns:p14="http://schemas.microsoft.com/office/powerpoint/2010/main" val="3570923084"/>
       </p:ext>
     </p:extLst>
   </p:cSld>
@@ -24711,6 +25802,1120 @@
     <p:extLst>
       <p:ext uri="{BB962C8B-B14F-4D97-AF65-F5344CB8AC3E}">
         <p14:creationId xmlns:p14="http://schemas.microsoft.com/office/powerpoint/2010/main" val="553888403"/>
+      </p:ext>
+    </p:extLst>
+  </p:cSld>
+  <p:clrMapOvr>
+    <a:masterClrMapping/>
+  </p:clrMapOvr>
+</p:sld>
+</file>
+
+<file path=ppt/slides/slide70.xml><?xml version="1.0" encoding="utf-8"?>
+<p:sld xmlns:a="http://schemas.openxmlformats.org/drawingml/2006/main" xmlns:r="http://schemas.openxmlformats.org/officeDocument/2006/relationships" xmlns:p="http://schemas.openxmlformats.org/presentationml/2006/main">
+  <p:cSld>
+    <p:spTree>
+      <p:nvGrpSpPr>
+        <p:cNvPr id="1" name=""/>
+        <p:cNvGrpSpPr/>
+        <p:nvPr/>
+      </p:nvGrpSpPr>
+      <p:grpSpPr>
+        <a:xfrm>
+          <a:off x="0" y="0"/>
+          <a:ext cx="0" cy="0"/>
+          <a:chOff x="0" y="0"/>
+          <a:chExt cx="0" cy="0"/>
+        </a:xfrm>
+      </p:grpSpPr>
+      <p:sp>
+        <p:nvSpPr>
+          <p:cNvPr id="2" name="Title 1">
+            <a:extLst>
+              <a:ext uri="{FF2B5EF4-FFF2-40B4-BE49-F238E27FC236}">
+                <a16:creationId xmlns:a16="http://schemas.microsoft.com/office/drawing/2014/main" id="{C23457F8-3CEC-B064-D8CB-2A8A8743A98D}"/>
+              </a:ext>
+            </a:extLst>
+          </p:cNvPr>
+          <p:cNvSpPr>
+            <a:spLocks noGrp="1"/>
+          </p:cNvSpPr>
+          <p:nvPr>
+            <p:ph type="title"/>
+          </p:nvPr>
+        </p:nvSpPr>
+        <p:spPr/>
+        <p:txBody>
+          <a:bodyPr/>
+          <a:lstStyle/>
+          <a:p>
+            <a:r>
+              <a:rPr lang="en-US" dirty="0"/>
+              <a:t>NoSQL Databases / MongoDB</a:t>
+            </a:r>
+          </a:p>
+        </p:txBody>
+      </p:sp>
+      <p:sp>
+        <p:nvSpPr>
+          <p:cNvPr id="3" name="Content Placeholder 2">
+            <a:extLst>
+              <a:ext uri="{FF2B5EF4-FFF2-40B4-BE49-F238E27FC236}">
+                <a16:creationId xmlns:a16="http://schemas.microsoft.com/office/drawing/2014/main" id="{899F00D7-8A9E-07DE-45E9-AD7235ED55EC}"/>
+              </a:ext>
+            </a:extLst>
+          </p:cNvPr>
+          <p:cNvSpPr>
+            <a:spLocks noGrp="1"/>
+          </p:cNvSpPr>
+          <p:nvPr>
+            <p:ph idx="1"/>
+          </p:nvPr>
+        </p:nvSpPr>
+        <p:spPr/>
+        <p:txBody>
+          <a:bodyPr/>
+          <a:lstStyle/>
+          <a:p>
+            <a:pPr marL="0" indent="0">
+              <a:buNone/>
+            </a:pPr>
+            <a:r>
+              <a:rPr lang="en-US" dirty="0"/>
+              <a:t>Storing Data in a different kind of database</a:t>
+            </a:r>
+          </a:p>
+        </p:txBody>
+      </p:sp>
+    </p:spTree>
+    <p:extLst>
+      <p:ext uri="{BB962C8B-B14F-4D97-AF65-F5344CB8AC3E}">
+        <p14:creationId xmlns:p14="http://schemas.microsoft.com/office/powerpoint/2010/main" val="2825159987"/>
+      </p:ext>
+    </p:extLst>
+  </p:cSld>
+  <p:clrMapOvr>
+    <a:masterClrMapping/>
+  </p:clrMapOvr>
+</p:sld>
+</file>
+
+<file path=ppt/slides/slide71.xml><?xml version="1.0" encoding="utf-8"?>
+<p:sld xmlns:a="http://schemas.openxmlformats.org/drawingml/2006/main" xmlns:r="http://schemas.openxmlformats.org/officeDocument/2006/relationships" xmlns:p="http://schemas.openxmlformats.org/presentationml/2006/main">
+  <p:cSld>
+    <p:spTree>
+      <p:nvGrpSpPr>
+        <p:cNvPr id="1" name=""/>
+        <p:cNvGrpSpPr/>
+        <p:nvPr/>
+      </p:nvGrpSpPr>
+      <p:grpSpPr>
+        <a:xfrm>
+          <a:off x="0" y="0"/>
+          <a:ext cx="0" cy="0"/>
+          <a:chOff x="0" y="0"/>
+          <a:chExt cx="0" cy="0"/>
+        </a:xfrm>
+      </p:grpSpPr>
+      <p:sp>
+        <p:nvSpPr>
+          <p:cNvPr id="2" name="Title 1">
+            <a:extLst>
+              <a:ext uri="{FF2B5EF4-FFF2-40B4-BE49-F238E27FC236}">
+                <a16:creationId xmlns:a16="http://schemas.microsoft.com/office/drawing/2014/main" id="{3C602108-8943-DFC5-64C3-AB8B8AEA81A4}"/>
+              </a:ext>
+            </a:extLst>
+          </p:cNvPr>
+          <p:cNvSpPr>
+            <a:spLocks noGrp="1"/>
+          </p:cNvSpPr>
+          <p:nvPr>
+            <p:ph type="title"/>
+          </p:nvPr>
+        </p:nvSpPr>
+        <p:spPr/>
+        <p:txBody>
+          <a:bodyPr/>
+          <a:lstStyle/>
+          <a:p>
+            <a:r>
+              <a:rPr lang="en-US" dirty="0"/>
+              <a:t>What MongoDB</a:t>
+            </a:r>
+          </a:p>
+        </p:txBody>
+      </p:sp>
+      <p:sp>
+        <p:nvSpPr>
+          <p:cNvPr id="3" name="Content Placeholder 2">
+            <a:extLst>
+              <a:ext uri="{FF2B5EF4-FFF2-40B4-BE49-F238E27FC236}">
+                <a16:creationId xmlns:a16="http://schemas.microsoft.com/office/drawing/2014/main" id="{1587892A-26C8-BBEE-30ED-153F2F5A724D}"/>
+              </a:ext>
+            </a:extLst>
+          </p:cNvPr>
+          <p:cNvSpPr>
+            <a:spLocks noGrp="1"/>
+          </p:cNvSpPr>
+          <p:nvPr>
+            <p:ph idx="1"/>
+          </p:nvPr>
+        </p:nvSpPr>
+        <p:spPr/>
+        <p:txBody>
+          <a:bodyPr/>
+          <a:lstStyle/>
+          <a:p>
+            <a:pPr marL="0" indent="0">
+              <a:buNone/>
+            </a:pPr>
+            <a:r>
+              <a:rPr lang="en-US" dirty="0"/>
+              <a:t>Because it can store lots and lots of data</a:t>
+            </a:r>
+          </a:p>
+        </p:txBody>
+      </p:sp>
+    </p:spTree>
+    <p:extLst>
+      <p:ext uri="{BB962C8B-B14F-4D97-AF65-F5344CB8AC3E}">
+        <p14:creationId xmlns:p14="http://schemas.microsoft.com/office/powerpoint/2010/main" val="399031971"/>
+      </p:ext>
+    </p:extLst>
+  </p:cSld>
+  <p:clrMapOvr>
+    <a:masterClrMapping/>
+  </p:clrMapOvr>
+</p:sld>
+</file>
+
+<file path=ppt/slides/slide72.xml><?xml version="1.0" encoding="utf-8"?>
+<p:sld xmlns:a="http://schemas.openxmlformats.org/drawingml/2006/main" xmlns:r="http://schemas.openxmlformats.org/officeDocument/2006/relationships" xmlns:p="http://schemas.openxmlformats.org/presentationml/2006/main">
+  <p:cSld>
+    <p:spTree>
+      <p:nvGrpSpPr>
+        <p:cNvPr id="1" name=""/>
+        <p:cNvGrpSpPr/>
+        <p:nvPr/>
+      </p:nvGrpSpPr>
+      <p:grpSpPr>
+        <a:xfrm>
+          <a:off x="0" y="0"/>
+          <a:ext cx="0" cy="0"/>
+          <a:chOff x="0" y="0"/>
+          <a:chExt cx="0" cy="0"/>
+        </a:xfrm>
+      </p:grpSpPr>
+      <p:sp>
+        <p:nvSpPr>
+          <p:cNvPr id="2" name="Title 1">
+            <a:extLst>
+              <a:ext uri="{FF2B5EF4-FFF2-40B4-BE49-F238E27FC236}">
+                <a16:creationId xmlns:a16="http://schemas.microsoft.com/office/drawing/2014/main" id="{1DF49C6C-E3CB-E999-91E6-90E4F5FDE70D}"/>
+              </a:ext>
+            </a:extLst>
+          </p:cNvPr>
+          <p:cNvSpPr>
+            <a:spLocks noGrp="1"/>
+          </p:cNvSpPr>
+          <p:nvPr>
+            <p:ph type="title"/>
+          </p:nvPr>
+        </p:nvSpPr>
+        <p:spPr/>
+        <p:txBody>
+          <a:bodyPr/>
+          <a:lstStyle/>
+          <a:p>
+            <a:r>
+              <a:rPr lang="en-US" dirty="0"/>
+              <a:t>How it works</a:t>
+            </a:r>
+          </a:p>
+        </p:txBody>
+      </p:sp>
+      <p:sp>
+        <p:nvSpPr>
+          <p:cNvPr id="4" name="TextBox 3">
+            <a:extLst>
+              <a:ext uri="{FF2B5EF4-FFF2-40B4-BE49-F238E27FC236}">
+                <a16:creationId xmlns:a16="http://schemas.microsoft.com/office/drawing/2014/main" id="{2BAC3947-F5E5-2A11-F31D-680E9EC17740}"/>
+              </a:ext>
+            </a:extLst>
+          </p:cNvPr>
+          <p:cNvSpPr txBox="1"/>
+          <p:nvPr/>
+        </p:nvSpPr>
+        <p:spPr>
+          <a:xfrm>
+            <a:off x="1460090" y="1690688"/>
+            <a:ext cx="1814052" cy="369332"/>
+          </a:xfrm>
+          <a:prstGeom prst="rect">
+            <a:avLst/>
+          </a:prstGeom>
+          <a:noFill/>
+        </p:spPr>
+        <p:txBody>
+          <a:bodyPr wrap="square" rtlCol="0">
+            <a:spAutoFit/>
+          </a:bodyPr>
+          <a:lstStyle/>
+          <a:p>
+            <a:r>
+              <a:rPr lang="en-US" dirty="0"/>
+              <a:t>Database</a:t>
+            </a:r>
+          </a:p>
+        </p:txBody>
+      </p:sp>
+      <p:sp>
+        <p:nvSpPr>
+          <p:cNvPr id="5" name="TextBox 4">
+            <a:extLst>
+              <a:ext uri="{FF2B5EF4-FFF2-40B4-BE49-F238E27FC236}">
+                <a16:creationId xmlns:a16="http://schemas.microsoft.com/office/drawing/2014/main" id="{0BEBFEBA-BCBA-97B8-55A3-E154006781C7}"/>
+              </a:ext>
+            </a:extLst>
+          </p:cNvPr>
+          <p:cNvSpPr txBox="1"/>
+          <p:nvPr/>
+        </p:nvSpPr>
+        <p:spPr>
+          <a:xfrm>
+            <a:off x="1460090" y="2374030"/>
+            <a:ext cx="1814052" cy="369332"/>
+          </a:xfrm>
+          <a:prstGeom prst="rect">
+            <a:avLst/>
+          </a:prstGeom>
+          <a:noFill/>
+        </p:spPr>
+        <p:txBody>
+          <a:bodyPr wrap="square" rtlCol="0">
+            <a:spAutoFit/>
+          </a:bodyPr>
+          <a:lstStyle/>
+          <a:p>
+            <a:r>
+              <a:rPr lang="en-US" dirty="0"/>
+              <a:t>Collections</a:t>
+            </a:r>
+          </a:p>
+        </p:txBody>
+      </p:sp>
+      <p:sp>
+        <p:nvSpPr>
+          <p:cNvPr id="6" name="TextBox 5">
+            <a:extLst>
+              <a:ext uri="{FF2B5EF4-FFF2-40B4-BE49-F238E27FC236}">
+                <a16:creationId xmlns:a16="http://schemas.microsoft.com/office/drawing/2014/main" id="{8C90C4F2-3314-5C61-C2AD-48B9D04F494A}"/>
+              </a:ext>
+            </a:extLst>
+          </p:cNvPr>
+          <p:cNvSpPr txBox="1"/>
+          <p:nvPr/>
+        </p:nvSpPr>
+        <p:spPr>
+          <a:xfrm>
+            <a:off x="1460090" y="3385583"/>
+            <a:ext cx="1814052" cy="369332"/>
+          </a:xfrm>
+          <a:prstGeom prst="rect">
+            <a:avLst/>
+          </a:prstGeom>
+          <a:noFill/>
+        </p:spPr>
+        <p:txBody>
+          <a:bodyPr wrap="square" rtlCol="0">
+            <a:spAutoFit/>
+          </a:bodyPr>
+          <a:lstStyle/>
+          <a:p>
+            <a:r>
+              <a:rPr lang="en-US" dirty="0"/>
+              <a:t>Documents</a:t>
+            </a:r>
+          </a:p>
+        </p:txBody>
+      </p:sp>
+      <p:sp>
+        <p:nvSpPr>
+          <p:cNvPr id="7" name="TextBox 6">
+            <a:extLst>
+              <a:ext uri="{FF2B5EF4-FFF2-40B4-BE49-F238E27FC236}">
+                <a16:creationId xmlns:a16="http://schemas.microsoft.com/office/drawing/2014/main" id="{2044B3C5-1C5A-24FE-958A-9298C162C033}"/>
+              </a:ext>
+            </a:extLst>
+          </p:cNvPr>
+          <p:cNvSpPr txBox="1"/>
+          <p:nvPr/>
+        </p:nvSpPr>
+        <p:spPr>
+          <a:xfrm>
+            <a:off x="3896032" y="1690688"/>
+            <a:ext cx="1814052" cy="369332"/>
+          </a:xfrm>
+          <a:prstGeom prst="rect">
+            <a:avLst/>
+          </a:prstGeom>
+          <a:noFill/>
+        </p:spPr>
+        <p:txBody>
+          <a:bodyPr wrap="square" rtlCol="0">
+            <a:spAutoFit/>
+          </a:bodyPr>
+          <a:lstStyle/>
+          <a:p>
+            <a:pPr algn="ctr"/>
+            <a:r>
+              <a:rPr lang="en-US" dirty="0"/>
+              <a:t>Shop</a:t>
+            </a:r>
+          </a:p>
+        </p:txBody>
+      </p:sp>
+      <p:sp>
+        <p:nvSpPr>
+          <p:cNvPr id="8" name="TextBox 7">
+            <a:extLst>
+              <a:ext uri="{FF2B5EF4-FFF2-40B4-BE49-F238E27FC236}">
+                <a16:creationId xmlns:a16="http://schemas.microsoft.com/office/drawing/2014/main" id="{113CC77B-1024-9F6E-8CDD-E7FF68D65155}"/>
+              </a:ext>
+            </a:extLst>
+          </p:cNvPr>
+          <p:cNvSpPr txBox="1"/>
+          <p:nvPr/>
+        </p:nvSpPr>
+        <p:spPr>
+          <a:xfrm>
+            <a:off x="3896032" y="2353469"/>
+            <a:ext cx="1814052" cy="369332"/>
+          </a:xfrm>
+          <a:prstGeom prst="rect">
+            <a:avLst/>
+          </a:prstGeom>
+          <a:noFill/>
+        </p:spPr>
+        <p:txBody>
+          <a:bodyPr wrap="square" rtlCol="0">
+            <a:spAutoFit/>
+          </a:bodyPr>
+          <a:lstStyle/>
+          <a:p>
+            <a:pPr algn="ctr"/>
+            <a:r>
+              <a:rPr lang="en-US" dirty="0"/>
+              <a:t>users</a:t>
+            </a:r>
+          </a:p>
+        </p:txBody>
+      </p:sp>
+      <p:sp>
+        <p:nvSpPr>
+          <p:cNvPr id="9" name="TextBox 8">
+            <a:extLst>
+              <a:ext uri="{FF2B5EF4-FFF2-40B4-BE49-F238E27FC236}">
+                <a16:creationId xmlns:a16="http://schemas.microsoft.com/office/drawing/2014/main" id="{59D79490-0A92-83F7-C02F-61AF3EFE4C6F}"/>
+              </a:ext>
+            </a:extLst>
+          </p:cNvPr>
+          <p:cNvSpPr txBox="1"/>
+          <p:nvPr/>
+        </p:nvSpPr>
+        <p:spPr>
+          <a:xfrm>
+            <a:off x="6685936" y="2353469"/>
+            <a:ext cx="1814052" cy="369332"/>
+          </a:xfrm>
+          <a:prstGeom prst="rect">
+            <a:avLst/>
+          </a:prstGeom>
+          <a:noFill/>
+        </p:spPr>
+        <p:txBody>
+          <a:bodyPr wrap="square" rtlCol="0">
+            <a:spAutoFit/>
+          </a:bodyPr>
+          <a:lstStyle/>
+          <a:p>
+            <a:pPr algn="ctr"/>
+            <a:r>
+              <a:rPr lang="en-US" dirty="0"/>
+              <a:t>orders</a:t>
+            </a:r>
+          </a:p>
+        </p:txBody>
+      </p:sp>
+      <p:sp>
+        <p:nvSpPr>
+          <p:cNvPr id="10" name="TextBox 9">
+            <a:extLst>
+              <a:ext uri="{FF2B5EF4-FFF2-40B4-BE49-F238E27FC236}">
+                <a16:creationId xmlns:a16="http://schemas.microsoft.com/office/drawing/2014/main" id="{5A2868C4-6775-DFC0-AB98-2CE0E80BACD4}"/>
+              </a:ext>
+            </a:extLst>
+          </p:cNvPr>
+          <p:cNvSpPr txBox="1"/>
+          <p:nvPr/>
+        </p:nvSpPr>
+        <p:spPr>
+          <a:xfrm>
+            <a:off x="3896031" y="3385583"/>
+            <a:ext cx="2475271" cy="369332"/>
+          </a:xfrm>
+          <a:prstGeom prst="rect">
+            <a:avLst/>
+          </a:prstGeom>
+          <a:noFill/>
+        </p:spPr>
+        <p:txBody>
+          <a:bodyPr wrap="square" rtlCol="0">
+            <a:spAutoFit/>
+          </a:bodyPr>
+          <a:lstStyle/>
+          <a:p>
+            <a:r>
+              <a:rPr lang="en-US" dirty="0"/>
+              <a:t>{name: ‘Ram’, age:24}</a:t>
+            </a:r>
+          </a:p>
+        </p:txBody>
+      </p:sp>
+      <p:sp>
+        <p:nvSpPr>
+          <p:cNvPr id="11" name="TextBox 10">
+            <a:extLst>
+              <a:ext uri="{FF2B5EF4-FFF2-40B4-BE49-F238E27FC236}">
+                <a16:creationId xmlns:a16="http://schemas.microsoft.com/office/drawing/2014/main" id="{5D242348-CAE7-54D5-23ED-BCAFF885EEAC}"/>
+              </a:ext>
+            </a:extLst>
+          </p:cNvPr>
+          <p:cNvSpPr txBox="1"/>
+          <p:nvPr/>
+        </p:nvSpPr>
+        <p:spPr>
+          <a:xfrm>
+            <a:off x="3896031" y="3754915"/>
+            <a:ext cx="2475271" cy="369332"/>
+          </a:xfrm>
+          <a:prstGeom prst="rect">
+            <a:avLst/>
+          </a:prstGeom>
+          <a:noFill/>
+        </p:spPr>
+        <p:txBody>
+          <a:bodyPr wrap="square" rtlCol="0">
+            <a:spAutoFit/>
+          </a:bodyPr>
+          <a:lstStyle/>
+          <a:p>
+            <a:r>
+              <a:rPr lang="en-US" dirty="0"/>
+              <a:t>{name: ‘Ram’, age:24}</a:t>
+            </a:r>
+          </a:p>
+        </p:txBody>
+      </p:sp>
+      <p:sp>
+        <p:nvSpPr>
+          <p:cNvPr id="12" name="TextBox 11">
+            <a:extLst>
+              <a:ext uri="{FF2B5EF4-FFF2-40B4-BE49-F238E27FC236}">
+                <a16:creationId xmlns:a16="http://schemas.microsoft.com/office/drawing/2014/main" id="{076871D7-ED10-3E39-3FD2-76F0DE364409}"/>
+              </a:ext>
+            </a:extLst>
+          </p:cNvPr>
+          <p:cNvSpPr txBox="1"/>
+          <p:nvPr/>
+        </p:nvSpPr>
+        <p:spPr>
+          <a:xfrm>
+            <a:off x="6685936" y="3385583"/>
+            <a:ext cx="2475271" cy="369332"/>
+          </a:xfrm>
+          <a:prstGeom prst="rect">
+            <a:avLst/>
+          </a:prstGeom>
+          <a:noFill/>
+        </p:spPr>
+        <p:txBody>
+          <a:bodyPr wrap="square" rtlCol="0">
+            <a:spAutoFit/>
+          </a:bodyPr>
+          <a:lstStyle/>
+          <a:p>
+            <a:r>
+              <a:rPr lang="en-US" dirty="0"/>
+              <a:t>{…}</a:t>
+            </a:r>
+          </a:p>
+        </p:txBody>
+      </p:sp>
+      <p:sp>
+        <p:nvSpPr>
+          <p:cNvPr id="13" name="TextBox 12">
+            <a:extLst>
+              <a:ext uri="{FF2B5EF4-FFF2-40B4-BE49-F238E27FC236}">
+                <a16:creationId xmlns:a16="http://schemas.microsoft.com/office/drawing/2014/main" id="{04BD7526-692F-D23E-3903-52BB0ED8F058}"/>
+              </a:ext>
+            </a:extLst>
+          </p:cNvPr>
+          <p:cNvSpPr txBox="1"/>
+          <p:nvPr/>
+        </p:nvSpPr>
+        <p:spPr>
+          <a:xfrm>
+            <a:off x="6685935" y="3754915"/>
+            <a:ext cx="2475271" cy="369332"/>
+          </a:xfrm>
+          <a:prstGeom prst="rect">
+            <a:avLst/>
+          </a:prstGeom>
+          <a:noFill/>
+        </p:spPr>
+        <p:txBody>
+          <a:bodyPr wrap="square" rtlCol="0">
+            <a:spAutoFit/>
+          </a:bodyPr>
+          <a:lstStyle/>
+          <a:p>
+            <a:r>
+              <a:rPr lang="en-US" dirty="0"/>
+              <a:t>{…}</a:t>
+            </a:r>
+          </a:p>
+        </p:txBody>
+      </p:sp>
+      <p:cxnSp>
+        <p:nvCxnSpPr>
+          <p:cNvPr id="15" name="Elbow Connector 14">
+            <a:extLst>
+              <a:ext uri="{FF2B5EF4-FFF2-40B4-BE49-F238E27FC236}">
+                <a16:creationId xmlns:a16="http://schemas.microsoft.com/office/drawing/2014/main" id="{DB6DBAF0-C19B-9306-3FE5-BE101F6F6DB8}"/>
+              </a:ext>
+            </a:extLst>
+          </p:cNvPr>
+          <p:cNvCxnSpPr>
+            <a:stCxn id="7" idx="2"/>
+            <a:endCxn id="8" idx="0"/>
+          </p:cNvCxnSpPr>
+          <p:nvPr/>
+        </p:nvCxnSpPr>
+        <p:spPr>
+          <a:xfrm rot="5400000">
+            <a:off x="4656334" y="2206744"/>
+            <a:ext cx="293449" cy="12700"/>
+          </a:xfrm>
+          <a:prstGeom prst="bentConnector3">
+            <a:avLst/>
+          </a:prstGeom>
+        </p:spPr>
+        <p:style>
+          <a:lnRef idx="2">
+            <a:schemeClr val="accent1"/>
+          </a:lnRef>
+          <a:fillRef idx="0">
+            <a:schemeClr val="accent1"/>
+          </a:fillRef>
+          <a:effectRef idx="1">
+            <a:schemeClr val="accent1"/>
+          </a:effectRef>
+          <a:fontRef idx="minor">
+            <a:schemeClr val="tx1"/>
+          </a:fontRef>
+        </p:style>
+      </p:cxnSp>
+      <p:cxnSp>
+        <p:nvCxnSpPr>
+          <p:cNvPr id="19" name="Elbow Connector 18">
+            <a:extLst>
+              <a:ext uri="{FF2B5EF4-FFF2-40B4-BE49-F238E27FC236}">
+                <a16:creationId xmlns:a16="http://schemas.microsoft.com/office/drawing/2014/main" id="{2CE9C004-4ED0-AB50-0888-BBB4309851DB}"/>
+              </a:ext>
+            </a:extLst>
+          </p:cNvPr>
+          <p:cNvCxnSpPr>
+            <a:stCxn id="7" idx="3"/>
+            <a:endCxn id="9" idx="0"/>
+          </p:cNvCxnSpPr>
+          <p:nvPr/>
+        </p:nvCxnSpPr>
+        <p:spPr>
+          <a:xfrm>
+            <a:off x="5710084" y="1875354"/>
+            <a:ext cx="1882878" cy="478115"/>
+          </a:xfrm>
+          <a:prstGeom prst="bentConnector2">
+            <a:avLst/>
+          </a:prstGeom>
+        </p:spPr>
+        <p:style>
+          <a:lnRef idx="2">
+            <a:schemeClr val="accent1"/>
+          </a:lnRef>
+          <a:fillRef idx="0">
+            <a:schemeClr val="accent1"/>
+          </a:fillRef>
+          <a:effectRef idx="1">
+            <a:schemeClr val="accent1"/>
+          </a:effectRef>
+          <a:fontRef idx="minor">
+            <a:schemeClr val="tx1"/>
+          </a:fontRef>
+        </p:style>
+      </p:cxnSp>
+      <p:cxnSp>
+        <p:nvCxnSpPr>
+          <p:cNvPr id="21" name="Straight Connector 20">
+            <a:extLst>
+              <a:ext uri="{FF2B5EF4-FFF2-40B4-BE49-F238E27FC236}">
+                <a16:creationId xmlns:a16="http://schemas.microsoft.com/office/drawing/2014/main" id="{EF62C7C0-01D7-0CD4-063E-627DFBFA4923}"/>
+              </a:ext>
+            </a:extLst>
+          </p:cNvPr>
+          <p:cNvCxnSpPr>
+            <a:stCxn id="8" idx="2"/>
+            <a:endCxn id="10" idx="1"/>
+          </p:cNvCxnSpPr>
+          <p:nvPr/>
+        </p:nvCxnSpPr>
+        <p:spPr>
+          <a:xfrm flipH="1">
+            <a:off x="3896031" y="2722801"/>
+            <a:ext cx="907027" cy="847448"/>
+          </a:xfrm>
+          <a:prstGeom prst="line">
+            <a:avLst/>
+          </a:prstGeom>
+        </p:spPr>
+        <p:style>
+          <a:lnRef idx="2">
+            <a:schemeClr val="accent1"/>
+          </a:lnRef>
+          <a:fillRef idx="0">
+            <a:schemeClr val="accent1"/>
+          </a:fillRef>
+          <a:effectRef idx="1">
+            <a:schemeClr val="accent1"/>
+          </a:effectRef>
+          <a:fontRef idx="minor">
+            <a:schemeClr val="tx1"/>
+          </a:fontRef>
+        </p:style>
+      </p:cxnSp>
+      <p:cxnSp>
+        <p:nvCxnSpPr>
+          <p:cNvPr id="22" name="Straight Connector 21">
+            <a:extLst>
+              <a:ext uri="{FF2B5EF4-FFF2-40B4-BE49-F238E27FC236}">
+                <a16:creationId xmlns:a16="http://schemas.microsoft.com/office/drawing/2014/main" id="{48A1F965-8B58-D157-DECE-D8A81B741771}"/>
+              </a:ext>
+            </a:extLst>
+          </p:cNvPr>
+          <p:cNvCxnSpPr/>
+          <p:nvPr/>
+        </p:nvCxnSpPr>
+        <p:spPr>
+          <a:xfrm flipH="1">
+            <a:off x="6823585" y="2668409"/>
+            <a:ext cx="907027" cy="847448"/>
+          </a:xfrm>
+          <a:prstGeom prst="line">
+            <a:avLst/>
+          </a:prstGeom>
+        </p:spPr>
+        <p:style>
+          <a:lnRef idx="2">
+            <a:schemeClr val="accent1"/>
+          </a:lnRef>
+          <a:fillRef idx="0">
+            <a:schemeClr val="accent1"/>
+          </a:fillRef>
+          <a:effectRef idx="1">
+            <a:schemeClr val="accent1"/>
+          </a:effectRef>
+          <a:fontRef idx="minor">
+            <a:schemeClr val="tx1"/>
+          </a:fontRef>
+        </p:style>
+      </p:cxnSp>
+    </p:spTree>
+    <p:extLst>
+      <p:ext uri="{BB962C8B-B14F-4D97-AF65-F5344CB8AC3E}">
+        <p14:creationId xmlns:p14="http://schemas.microsoft.com/office/powerpoint/2010/main" val="3159224102"/>
+      </p:ext>
+    </p:extLst>
+  </p:cSld>
+  <p:clrMapOvr>
+    <a:masterClrMapping/>
+  </p:clrMapOvr>
+</p:sld>
+</file>
+
+<file path=ppt/slides/slide73.xml><?xml version="1.0" encoding="utf-8"?>
+<p:sld xmlns:a="http://schemas.openxmlformats.org/drawingml/2006/main" xmlns:r="http://schemas.openxmlformats.org/officeDocument/2006/relationships" xmlns:p="http://schemas.openxmlformats.org/presentationml/2006/main">
+  <p:cSld>
+    <p:spTree>
+      <p:nvGrpSpPr>
+        <p:cNvPr id="1" name="">
+          <a:extLst>
+            <a:ext uri="{FF2B5EF4-FFF2-40B4-BE49-F238E27FC236}">
+              <a16:creationId xmlns:a16="http://schemas.microsoft.com/office/drawing/2014/main" id="{53D45C52-4D0D-B1AD-CAA4-4E60CBF500FD}"/>
+            </a:ext>
+          </a:extLst>
+        </p:cNvPr>
+        <p:cNvGrpSpPr/>
+        <p:nvPr/>
+      </p:nvGrpSpPr>
+      <p:grpSpPr>
+        <a:xfrm>
+          <a:off x="0" y="0"/>
+          <a:ext cx="0" cy="0"/>
+          <a:chOff x="0" y="0"/>
+          <a:chExt cx="0" cy="0"/>
+        </a:xfrm>
+      </p:grpSpPr>
+      <p:sp>
+        <p:nvSpPr>
+          <p:cNvPr id="14" name="Title 13">
+            <a:extLst>
+              <a:ext uri="{FF2B5EF4-FFF2-40B4-BE49-F238E27FC236}">
+                <a16:creationId xmlns:a16="http://schemas.microsoft.com/office/drawing/2014/main" id="{662F294C-5D38-414A-0E17-B8E48B7FC8BE}"/>
+              </a:ext>
+            </a:extLst>
+          </p:cNvPr>
+          <p:cNvSpPr>
+            <a:spLocks noGrp="1"/>
+          </p:cNvSpPr>
+          <p:nvPr>
+            <p:ph type="title"/>
+          </p:nvPr>
+        </p:nvSpPr>
+        <p:spPr/>
+        <p:txBody>
+          <a:bodyPr/>
+          <a:lstStyle/>
+          <a:p>
+            <a:r>
+              <a:rPr lang="en-US" dirty="0"/>
+              <a:t>JSON(BSON) Data Format</a:t>
+            </a:r>
+          </a:p>
+        </p:txBody>
+      </p:sp>
+      <p:sp>
+        <p:nvSpPr>
+          <p:cNvPr id="16" name="TextBox 15">
+            <a:extLst>
+              <a:ext uri="{FF2B5EF4-FFF2-40B4-BE49-F238E27FC236}">
+                <a16:creationId xmlns:a16="http://schemas.microsoft.com/office/drawing/2014/main" id="{E4891CB2-817B-56DE-734E-3E2488810BC8}"/>
+              </a:ext>
+            </a:extLst>
+          </p:cNvPr>
+          <p:cNvSpPr txBox="1"/>
+          <p:nvPr/>
+        </p:nvSpPr>
+        <p:spPr>
+          <a:xfrm>
+            <a:off x="2462980" y="2094271"/>
+            <a:ext cx="7742903" cy="4524315"/>
+          </a:xfrm>
+          <a:prstGeom prst="rect">
+            <a:avLst/>
+          </a:prstGeom>
+          <a:noFill/>
+        </p:spPr>
+        <p:txBody>
+          <a:bodyPr wrap="square" rtlCol="0">
+            <a:spAutoFit/>
+          </a:bodyPr>
+          <a:lstStyle/>
+          <a:p>
+            <a:r>
+              <a:rPr lang="en-US" sz="2400" dirty="0"/>
+              <a:t>{</a:t>
+            </a:r>
+          </a:p>
+          <a:p>
+            <a:r>
+              <a:rPr lang="en-US" sz="2400" dirty="0"/>
+              <a:t>	”</a:t>
+            </a:r>
+            <a:r>
+              <a:rPr lang="en-US" sz="2400" dirty="0" err="1"/>
+              <a:t>name”:”Ram</a:t>
+            </a:r>
+            <a:r>
+              <a:rPr lang="en-US" sz="2400" dirty="0"/>
+              <a:t>”,</a:t>
+            </a:r>
+          </a:p>
+          <a:p>
+            <a:r>
+              <a:rPr lang="en-US" sz="2400" dirty="0"/>
+              <a:t>	“age”:24,</a:t>
+            </a:r>
+          </a:p>
+          <a:p>
+            <a:r>
+              <a:rPr lang="en-US" sz="2400" dirty="0"/>
+              <a:t>	“address”:{</a:t>
+            </a:r>
+          </a:p>
+          <a:p>
+            <a:r>
+              <a:rPr lang="en-US" sz="2400" dirty="0"/>
+              <a:t>			“city”: “Jaipur”</a:t>
+            </a:r>
+          </a:p>
+          <a:p>
+            <a:r>
+              <a:rPr lang="en-US" sz="2400" dirty="0"/>
+              <a:t>			}</a:t>
+            </a:r>
+          </a:p>
+          <a:p>
+            <a:r>
+              <a:rPr lang="en-US" sz="2400" dirty="0"/>
+              <a:t>	“hobbies”: [</a:t>
+            </a:r>
+          </a:p>
+          <a:p>
+            <a:r>
+              <a:rPr lang="en-US" sz="2400" dirty="0"/>
+              <a:t>			{“</a:t>
+            </a:r>
+            <a:r>
+              <a:rPr lang="en-US" sz="2400" dirty="0" err="1"/>
+              <a:t>name”:”Cooking</a:t>
+            </a:r>
+            <a:r>
+              <a:rPr lang="en-US" sz="2400" dirty="0"/>
+              <a:t>”}</a:t>
+            </a:r>
+          </a:p>
+          <a:p>
+            <a:r>
+              <a:rPr lang="en-US" sz="2400" dirty="0"/>
+              <a:t>			{“</a:t>
+            </a:r>
+            <a:r>
+              <a:rPr lang="en-US" sz="2400" dirty="0" err="1"/>
+              <a:t>name”:”Coding</a:t>
+            </a:r>
+            <a:r>
+              <a:rPr lang="en-US" sz="2400" dirty="0"/>
+              <a:t>”}</a:t>
+            </a:r>
+          </a:p>
+          <a:p>
+            <a:r>
+              <a:rPr lang="en-US" sz="2400" dirty="0"/>
+              <a:t>			]</a:t>
+            </a:r>
+          </a:p>
+          <a:p>
+            <a:endParaRPr lang="en-US" sz="2400" dirty="0"/>
+          </a:p>
+          <a:p>
+            <a:r>
+              <a:rPr lang="en-US" sz="2400" dirty="0"/>
+              <a:t>}</a:t>
+            </a:r>
+          </a:p>
+        </p:txBody>
+      </p:sp>
+    </p:spTree>
+    <p:extLst>
+      <p:ext uri="{BB962C8B-B14F-4D97-AF65-F5344CB8AC3E}">
+        <p14:creationId xmlns:p14="http://schemas.microsoft.com/office/powerpoint/2010/main" val="2925249579"/>
+      </p:ext>
+    </p:extLst>
+  </p:cSld>
+  <p:clrMapOvr>
+    <a:masterClrMapping/>
+  </p:clrMapOvr>
+</p:sld>
+</file>
+
+<file path=ppt/slides/slide74.xml><?xml version="1.0" encoding="utf-8"?>
+<p:sld xmlns:a="http://schemas.openxmlformats.org/drawingml/2006/main" xmlns:r="http://schemas.openxmlformats.org/officeDocument/2006/relationships" xmlns:p="http://schemas.openxmlformats.org/presentationml/2006/main">
+  <p:cSld>
+    <p:spTree>
+      <p:nvGrpSpPr>
+        <p:cNvPr id="1" name="">
+          <a:extLst>
+            <a:ext uri="{FF2B5EF4-FFF2-40B4-BE49-F238E27FC236}">
+              <a16:creationId xmlns:a16="http://schemas.microsoft.com/office/drawing/2014/main" id="{5E89CE78-C4A7-A5B7-4432-D765C506A288}"/>
+            </a:ext>
+          </a:extLst>
+        </p:cNvPr>
+        <p:cNvGrpSpPr/>
+        <p:nvPr/>
+      </p:nvGrpSpPr>
+      <p:grpSpPr>
+        <a:xfrm>
+          <a:off x="0" y="0"/>
+          <a:ext cx="0" cy="0"/>
+          <a:chOff x="0" y="0"/>
+          <a:chExt cx="0" cy="0"/>
+        </a:xfrm>
+      </p:grpSpPr>
+      <p:sp>
+        <p:nvSpPr>
+          <p:cNvPr id="14" name="Title 13">
+            <a:extLst>
+              <a:ext uri="{FF2B5EF4-FFF2-40B4-BE49-F238E27FC236}">
+                <a16:creationId xmlns:a16="http://schemas.microsoft.com/office/drawing/2014/main" id="{87D271FB-490B-A35C-0645-4CA474B6772F}"/>
+              </a:ext>
+            </a:extLst>
+          </p:cNvPr>
+          <p:cNvSpPr>
+            <a:spLocks noGrp="1"/>
+          </p:cNvSpPr>
+          <p:nvPr>
+            <p:ph type="title"/>
+          </p:nvPr>
+        </p:nvSpPr>
+        <p:spPr/>
+        <p:txBody>
+          <a:bodyPr/>
+          <a:lstStyle/>
+          <a:p>
+            <a:r>
+              <a:rPr lang="en-US" dirty="0"/>
+              <a:t>JSON(BSON) Data Format</a:t>
+            </a:r>
+          </a:p>
+        </p:txBody>
+      </p:sp>
+      <p:sp>
+        <p:nvSpPr>
+          <p:cNvPr id="16" name="TextBox 15">
+            <a:extLst>
+              <a:ext uri="{FF2B5EF4-FFF2-40B4-BE49-F238E27FC236}">
+                <a16:creationId xmlns:a16="http://schemas.microsoft.com/office/drawing/2014/main" id="{A9F32ECF-805D-CC58-90E2-68900C0A650A}"/>
+              </a:ext>
+            </a:extLst>
+          </p:cNvPr>
+          <p:cNvSpPr txBox="1"/>
+          <p:nvPr/>
+        </p:nvSpPr>
+        <p:spPr>
+          <a:xfrm>
+            <a:off x="2462980" y="2094271"/>
+            <a:ext cx="7742903" cy="4524315"/>
+          </a:xfrm>
+          <a:prstGeom prst="rect">
+            <a:avLst/>
+          </a:prstGeom>
+          <a:noFill/>
+        </p:spPr>
+        <p:txBody>
+          <a:bodyPr wrap="square" rtlCol="0">
+            <a:spAutoFit/>
+          </a:bodyPr>
+          <a:lstStyle/>
+          <a:p>
+            <a:r>
+              <a:rPr lang="en-US" sz="2400" dirty="0"/>
+              <a:t>{</a:t>
+            </a:r>
+          </a:p>
+          <a:p>
+            <a:r>
+              <a:rPr lang="en-US" sz="2400" dirty="0"/>
+              <a:t>	”</a:t>
+            </a:r>
+            <a:r>
+              <a:rPr lang="en-US" sz="2400" dirty="0" err="1"/>
+              <a:t>name”:”Ram</a:t>
+            </a:r>
+            <a:r>
+              <a:rPr lang="en-US" sz="2400" dirty="0"/>
+              <a:t>”,</a:t>
+            </a:r>
+          </a:p>
+          <a:p>
+            <a:r>
+              <a:rPr lang="en-US" sz="2400" dirty="0"/>
+              <a:t>	“age”:24,</a:t>
+            </a:r>
+          </a:p>
+          <a:p>
+            <a:r>
+              <a:rPr lang="en-US" sz="2400" dirty="0"/>
+              <a:t>	“address”:{</a:t>
+            </a:r>
+          </a:p>
+          <a:p>
+            <a:r>
+              <a:rPr lang="en-US" sz="2400" dirty="0"/>
+              <a:t>			“city”: “Jaipur”</a:t>
+            </a:r>
+          </a:p>
+          <a:p>
+            <a:r>
+              <a:rPr lang="en-US" sz="2400" dirty="0"/>
+              <a:t>			}</a:t>
+            </a:r>
+          </a:p>
+          <a:p>
+            <a:r>
+              <a:rPr lang="en-US" sz="2400" dirty="0"/>
+              <a:t>	“hobbies”: [</a:t>
+            </a:r>
+          </a:p>
+          <a:p>
+            <a:r>
+              <a:rPr lang="en-US" sz="2400" dirty="0"/>
+              <a:t>			{“</a:t>
+            </a:r>
+            <a:r>
+              <a:rPr lang="en-US" sz="2400" dirty="0" err="1"/>
+              <a:t>name”:”Cooking</a:t>
+            </a:r>
+            <a:r>
+              <a:rPr lang="en-US" sz="2400" dirty="0"/>
+              <a:t>”}</a:t>
+            </a:r>
+          </a:p>
+          <a:p>
+            <a:r>
+              <a:rPr lang="en-US" sz="2400" dirty="0"/>
+              <a:t>			{“</a:t>
+            </a:r>
+            <a:r>
+              <a:rPr lang="en-US" sz="2400" dirty="0" err="1"/>
+              <a:t>name”:”Coding</a:t>
+            </a:r>
+            <a:r>
+              <a:rPr lang="en-US" sz="2400" dirty="0"/>
+              <a:t>”}</a:t>
+            </a:r>
+          </a:p>
+          <a:p>
+            <a:r>
+              <a:rPr lang="en-US" sz="2400" dirty="0"/>
+              <a:t>			]</a:t>
+            </a:r>
+          </a:p>
+          <a:p>
+            <a:endParaRPr lang="en-US" sz="2400" dirty="0"/>
+          </a:p>
+          <a:p>
+            <a:r>
+              <a:rPr lang="en-US" sz="2400" dirty="0"/>
+              <a:t>}</a:t>
+            </a:r>
+          </a:p>
+        </p:txBody>
+      </p:sp>
+    </p:spTree>
+    <p:extLst>
+      <p:ext uri="{BB962C8B-B14F-4D97-AF65-F5344CB8AC3E}">
+        <p14:creationId xmlns:p14="http://schemas.microsoft.com/office/powerpoint/2010/main" val="4142918573"/>
       </p:ext>
     </p:extLst>
   </p:cSld>

--- a/node/Nodejs.pptx
+++ b/node/Nodejs.pptx
@@ -79,6 +79,7 @@
     <p:sldId id="328" r:id="rId73"/>
     <p:sldId id="329" r:id="rId74"/>
     <p:sldId id="330" r:id="rId75"/>
+    <p:sldId id="331" r:id="rId76"/>
   </p:sldIdLst>
   <p:sldSz cx="12192000" cy="6858000"/>
   <p:notesSz cx="6858000" cy="9144000"/>
@@ -362,7 +363,7 @@
           <a:p>
             <a:fld id="{7239F38A-DCDF-6E4C-B9CE-23AD5C77A21C}" type="datetimeFigureOut">
               <a:rPr lang="en-US" smtClean="0"/>
-              <a:t>3/20/25</a:t>
+              <a:t>3/21/25</a:t>
             </a:fld>
             <a:endParaRPr lang="en-US"/>
           </a:p>
@@ -562,7 +563,7 @@
           <a:p>
             <a:fld id="{7239F38A-DCDF-6E4C-B9CE-23AD5C77A21C}" type="datetimeFigureOut">
               <a:rPr lang="en-US" smtClean="0"/>
-              <a:t>3/20/25</a:t>
+              <a:t>3/21/25</a:t>
             </a:fld>
             <a:endParaRPr lang="en-US"/>
           </a:p>
@@ -772,7 +773,7 @@
           <a:p>
             <a:fld id="{7239F38A-DCDF-6E4C-B9CE-23AD5C77A21C}" type="datetimeFigureOut">
               <a:rPr lang="en-US" smtClean="0"/>
-              <a:t>3/20/25</a:t>
+              <a:t>3/21/25</a:t>
             </a:fld>
             <a:endParaRPr lang="en-US"/>
           </a:p>
@@ -972,7 +973,7 @@
           <a:p>
             <a:fld id="{7239F38A-DCDF-6E4C-B9CE-23AD5C77A21C}" type="datetimeFigureOut">
               <a:rPr lang="en-US" smtClean="0"/>
-              <a:t>3/20/25</a:t>
+              <a:t>3/21/25</a:t>
             </a:fld>
             <a:endParaRPr lang="en-US"/>
           </a:p>
@@ -1248,7 +1249,7 @@
           <a:p>
             <a:fld id="{7239F38A-DCDF-6E4C-B9CE-23AD5C77A21C}" type="datetimeFigureOut">
               <a:rPr lang="en-US" smtClean="0"/>
-              <a:t>3/20/25</a:t>
+              <a:t>3/21/25</a:t>
             </a:fld>
             <a:endParaRPr lang="en-US"/>
           </a:p>
@@ -1516,7 +1517,7 @@
           <a:p>
             <a:fld id="{7239F38A-DCDF-6E4C-B9CE-23AD5C77A21C}" type="datetimeFigureOut">
               <a:rPr lang="en-US" smtClean="0"/>
-              <a:t>3/20/25</a:t>
+              <a:t>3/21/25</a:t>
             </a:fld>
             <a:endParaRPr lang="en-US"/>
           </a:p>
@@ -1931,7 +1932,7 @@
           <a:p>
             <a:fld id="{7239F38A-DCDF-6E4C-B9CE-23AD5C77A21C}" type="datetimeFigureOut">
               <a:rPr lang="en-US" smtClean="0"/>
-              <a:t>3/20/25</a:t>
+              <a:t>3/21/25</a:t>
             </a:fld>
             <a:endParaRPr lang="en-US"/>
           </a:p>
@@ -2073,7 +2074,7 @@
           <a:p>
             <a:fld id="{7239F38A-DCDF-6E4C-B9CE-23AD5C77A21C}" type="datetimeFigureOut">
               <a:rPr lang="en-US" smtClean="0"/>
-              <a:t>3/20/25</a:t>
+              <a:t>3/21/25</a:t>
             </a:fld>
             <a:endParaRPr lang="en-US"/>
           </a:p>
@@ -2186,7 +2187,7 @@
           <a:p>
             <a:fld id="{7239F38A-DCDF-6E4C-B9CE-23AD5C77A21C}" type="datetimeFigureOut">
               <a:rPr lang="en-US" smtClean="0"/>
-              <a:t>3/20/25</a:t>
+              <a:t>3/21/25</a:t>
             </a:fld>
             <a:endParaRPr lang="en-US"/>
           </a:p>
@@ -2499,7 +2500,7 @@
           <a:p>
             <a:fld id="{7239F38A-DCDF-6E4C-B9CE-23AD5C77A21C}" type="datetimeFigureOut">
               <a:rPr lang="en-US" smtClean="0"/>
-              <a:t>3/20/25</a:t>
+              <a:t>3/21/25</a:t>
             </a:fld>
             <a:endParaRPr lang="en-US"/>
           </a:p>
@@ -2788,7 +2789,7 @@
           <a:p>
             <a:fld id="{7239F38A-DCDF-6E4C-B9CE-23AD5C77A21C}" type="datetimeFigureOut">
               <a:rPr lang="en-US" smtClean="0"/>
-              <a:t>3/20/25</a:t>
+              <a:t>3/21/25</a:t>
             </a:fld>
             <a:endParaRPr lang="en-US"/>
           </a:p>
@@ -3031,7 +3032,7 @@
           <a:p>
             <a:fld id="{7239F38A-DCDF-6E4C-B9CE-23AD5C77A21C}" type="datetimeFigureOut">
               <a:rPr lang="en-US" smtClean="0"/>
-              <a:t>3/20/25</a:t>
+              <a:t>3/21/25</a:t>
             </a:fld>
             <a:endParaRPr lang="en-US"/>
           </a:p>
@@ -26925,6 +26926,441 @@
 </p:sld>
 </file>
 
+<file path=ppt/slides/slide75.xml><?xml version="1.0" encoding="utf-8"?>
+<p:sld xmlns:a="http://schemas.openxmlformats.org/drawingml/2006/main" xmlns:r="http://schemas.openxmlformats.org/officeDocument/2006/relationships" xmlns:p="http://schemas.openxmlformats.org/presentationml/2006/main">
+  <p:cSld>
+    <p:spTree>
+      <p:nvGrpSpPr>
+        <p:cNvPr id="1" name="">
+          <a:extLst>
+            <a:ext uri="{FF2B5EF4-FFF2-40B4-BE49-F238E27FC236}">
+              <a16:creationId xmlns:a16="http://schemas.microsoft.com/office/drawing/2014/main" id="{B9C0A74C-4F30-A9C5-6D3A-36C3D7FB26F2}"/>
+            </a:ext>
+          </a:extLst>
+        </p:cNvPr>
+        <p:cNvGrpSpPr/>
+        <p:nvPr/>
+      </p:nvGrpSpPr>
+      <p:grpSpPr>
+        <a:xfrm>
+          <a:off x="0" y="0"/>
+          <a:ext cx="0" cy="0"/>
+          <a:chOff x="0" y="0"/>
+          <a:chExt cx="0" cy="0"/>
+        </a:xfrm>
+      </p:grpSpPr>
+      <p:sp>
+        <p:nvSpPr>
+          <p:cNvPr id="14" name="Title 13">
+            <a:extLst>
+              <a:ext uri="{FF2B5EF4-FFF2-40B4-BE49-F238E27FC236}">
+                <a16:creationId xmlns:a16="http://schemas.microsoft.com/office/drawing/2014/main" id="{7FF2D967-3FD9-9714-48EB-AC6EC078E5E6}"/>
+              </a:ext>
+            </a:extLst>
+          </p:cNvPr>
+          <p:cNvSpPr>
+            <a:spLocks noGrp="1"/>
+          </p:cNvSpPr>
+          <p:nvPr>
+            <p:ph type="title"/>
+          </p:nvPr>
+        </p:nvSpPr>
+        <p:spPr/>
+        <p:txBody>
+          <a:bodyPr/>
+          <a:lstStyle/>
+          <a:p>
+            <a:r>
+              <a:rPr lang="en-US" dirty="0"/>
+              <a:t>What is Mongoose?</a:t>
+            </a:r>
+            <a:br>
+              <a:rPr lang="en-US" dirty="0"/>
+            </a:br>
+            <a:r>
+              <a:rPr lang="en-US" dirty="0"/>
+              <a:t>A Object-Document Mapping Library</a:t>
+            </a:r>
+          </a:p>
+        </p:txBody>
+      </p:sp>
+      <p:sp>
+        <p:nvSpPr>
+          <p:cNvPr id="2" name="TextBox 1">
+            <a:extLst>
+              <a:ext uri="{FF2B5EF4-FFF2-40B4-BE49-F238E27FC236}">
+                <a16:creationId xmlns:a16="http://schemas.microsoft.com/office/drawing/2014/main" id="{C03C7A4E-7027-0E4D-4C16-27ED2D6FA943}"/>
+              </a:ext>
+            </a:extLst>
+          </p:cNvPr>
+          <p:cNvSpPr txBox="1"/>
+          <p:nvPr/>
+        </p:nvSpPr>
+        <p:spPr>
+          <a:xfrm>
+            <a:off x="1297858" y="2168013"/>
+            <a:ext cx="1442831" cy="1477328"/>
+          </a:xfrm>
+          <a:prstGeom prst="rect">
+            <a:avLst/>
+          </a:prstGeom>
+          <a:noFill/>
+        </p:spPr>
+        <p:txBody>
+          <a:bodyPr wrap="none" rtlCol="0">
+            <a:spAutoFit/>
+          </a:bodyPr>
+          <a:lstStyle/>
+          <a:p>
+            <a:r>
+              <a:rPr lang="en-US" dirty="0"/>
+              <a:t>User</a:t>
+            </a:r>
+          </a:p>
+          <a:p>
+            <a:pPr marL="285750" indent="-285750">
+              <a:buFont typeface="Arial" panose="020B0604020202020204" pitchFamily="34" charset="0"/>
+              <a:buChar char="•"/>
+            </a:pPr>
+            <a:r>
+              <a:rPr lang="en-US" dirty="0"/>
+              <a:t>Name</a:t>
+            </a:r>
+          </a:p>
+          <a:p>
+            <a:pPr marL="285750" indent="-285750">
+              <a:buFont typeface="Arial" panose="020B0604020202020204" pitchFamily="34" charset="0"/>
+              <a:buChar char="•"/>
+            </a:pPr>
+            <a:r>
+              <a:rPr lang="en-US" dirty="0"/>
+              <a:t>Age</a:t>
+            </a:r>
+          </a:p>
+          <a:p>
+            <a:pPr marL="285750" indent="-285750">
+              <a:buFont typeface="Arial" panose="020B0604020202020204" pitchFamily="34" charset="0"/>
+              <a:buChar char="•"/>
+            </a:pPr>
+            <a:r>
+              <a:rPr lang="en-US" dirty="0"/>
+              <a:t>Email</a:t>
+            </a:r>
+          </a:p>
+          <a:p>
+            <a:pPr marL="285750" indent="-285750">
+              <a:buFont typeface="Arial" panose="020B0604020202020204" pitchFamily="34" charset="0"/>
+              <a:buChar char="•"/>
+            </a:pPr>
+            <a:r>
+              <a:rPr lang="en-US" dirty="0"/>
+              <a:t>password</a:t>
+            </a:r>
+          </a:p>
+        </p:txBody>
+      </p:sp>
+      <p:sp>
+        <p:nvSpPr>
+          <p:cNvPr id="3" name="TextBox 2">
+            <a:extLst>
+              <a:ext uri="{FF2B5EF4-FFF2-40B4-BE49-F238E27FC236}">
+                <a16:creationId xmlns:a16="http://schemas.microsoft.com/office/drawing/2014/main" id="{8673BB56-9284-E377-AD7C-B9D512C0F5AE}"/>
+              </a:ext>
+            </a:extLst>
+          </p:cNvPr>
+          <p:cNvSpPr txBox="1"/>
+          <p:nvPr/>
+        </p:nvSpPr>
+        <p:spPr>
+          <a:xfrm>
+            <a:off x="7674078" y="2168013"/>
+            <a:ext cx="2831031" cy="1754326"/>
+          </a:xfrm>
+          <a:prstGeom prst="rect">
+            <a:avLst/>
+          </a:prstGeom>
+          <a:noFill/>
+        </p:spPr>
+        <p:txBody>
+          <a:bodyPr wrap="none" rtlCol="0">
+            <a:spAutoFit/>
+          </a:bodyPr>
+          <a:lstStyle/>
+          <a:p>
+            <a:r>
+              <a:rPr lang="en-US" dirty="0"/>
+              <a:t>User</a:t>
+            </a:r>
+          </a:p>
+          <a:p>
+            <a:r>
+              <a:rPr lang="en-US" dirty="0"/>
+              <a:t>Id - 1</a:t>
+            </a:r>
+          </a:p>
+          <a:p>
+            <a:pPr marL="285750" indent="-285750">
+              <a:buFont typeface="Arial" panose="020B0604020202020204" pitchFamily="34" charset="0"/>
+              <a:buChar char="•"/>
+            </a:pPr>
+            <a:r>
+              <a:rPr lang="en-US" dirty="0"/>
+              <a:t>Name ‘ram’</a:t>
+            </a:r>
+          </a:p>
+          <a:p>
+            <a:pPr marL="285750" indent="-285750">
+              <a:buFont typeface="Arial" panose="020B0604020202020204" pitchFamily="34" charset="0"/>
+              <a:buChar char="•"/>
+            </a:pPr>
+            <a:r>
+              <a:rPr lang="en-US" dirty="0"/>
+              <a:t>Age 24</a:t>
+            </a:r>
+          </a:p>
+          <a:p>
+            <a:pPr marL="285750" indent="-285750">
+              <a:buFont typeface="Arial" panose="020B0604020202020204" pitchFamily="34" charset="0"/>
+              <a:buChar char="•"/>
+            </a:pPr>
+            <a:r>
+              <a:rPr lang="en-US" dirty="0"/>
+              <a:t>Email ‘</a:t>
+            </a:r>
+            <a:r>
+              <a:rPr lang="en-US" dirty="0" err="1"/>
+              <a:t>ram@gmail.com</a:t>
+            </a:r>
+            <a:r>
+              <a:rPr lang="en-US" dirty="0"/>
+              <a:t>’</a:t>
+            </a:r>
+          </a:p>
+          <a:p>
+            <a:pPr marL="285750" indent="-285750">
+              <a:buFont typeface="Arial" panose="020B0604020202020204" pitchFamily="34" charset="0"/>
+              <a:buChar char="•"/>
+            </a:pPr>
+            <a:r>
+              <a:rPr lang="en-US" dirty="0"/>
+              <a:t>Password ‘</a:t>
+            </a:r>
+            <a:r>
+              <a:rPr lang="en-US" dirty="0" err="1"/>
+              <a:t>klsjdkl</a:t>
+            </a:r>
+            <a:r>
+              <a:rPr lang="en-US" dirty="0"/>
+              <a:t>’</a:t>
+            </a:r>
+          </a:p>
+        </p:txBody>
+      </p:sp>
+      <p:sp>
+        <p:nvSpPr>
+          <p:cNvPr id="4" name="TextBox 3">
+            <a:extLst>
+              <a:ext uri="{FF2B5EF4-FFF2-40B4-BE49-F238E27FC236}">
+                <a16:creationId xmlns:a16="http://schemas.microsoft.com/office/drawing/2014/main" id="{955AB89A-A9D7-B7F0-CC19-63F6E7392C79}"/>
+              </a:ext>
+            </a:extLst>
+          </p:cNvPr>
+          <p:cNvSpPr txBox="1"/>
+          <p:nvPr/>
+        </p:nvSpPr>
+        <p:spPr>
+          <a:xfrm>
+            <a:off x="1622323" y="4793226"/>
+            <a:ext cx="9708683" cy="369332"/>
+          </a:xfrm>
+          <a:prstGeom prst="rect">
+            <a:avLst/>
+          </a:prstGeom>
+          <a:noFill/>
+        </p:spPr>
+        <p:txBody>
+          <a:bodyPr wrap="none" rtlCol="0">
+            <a:spAutoFit/>
+          </a:bodyPr>
+          <a:lstStyle/>
+          <a:p>
+            <a:r>
+              <a:rPr lang="en-US" dirty="0" err="1"/>
+              <a:t>Db.collection</a:t>
+            </a:r>
+            <a:r>
+              <a:rPr lang="en-US" dirty="0"/>
+              <a:t>(‘users).</a:t>
+            </a:r>
+            <a:r>
+              <a:rPr lang="en-US" dirty="0" err="1"/>
+              <a:t>insertone</a:t>
+            </a:r>
+            <a:r>
+              <a:rPr lang="en-US" dirty="0"/>
+              <a:t>({name: ‘</a:t>
+            </a:r>
+            <a:r>
+              <a:rPr lang="en-US" dirty="0" err="1"/>
+              <a:t>ram’,age</a:t>
+            </a:r>
+            <a:r>
+              <a:rPr lang="en-US" dirty="0"/>
+              <a:t>: 24, email:</a:t>
+            </a:r>
+            <a:r>
+              <a:rPr lang="en-US" dirty="0">
+                <a:hlinkClick r:id="rId2"/>
+              </a:rPr>
+              <a:t>ram@gmail.com</a:t>
+            </a:r>
+            <a:r>
+              <a:rPr lang="en-US" dirty="0"/>
+              <a:t>,password:’</a:t>
+            </a:r>
+            <a:r>
+              <a:rPr lang="en-US" dirty="0" err="1"/>
+              <a:t>klsjdkl</a:t>
+            </a:r>
+            <a:r>
+              <a:rPr lang="en-US" dirty="0"/>
+              <a:t>’})</a:t>
+            </a:r>
+          </a:p>
+        </p:txBody>
+      </p:sp>
+      <p:sp>
+        <p:nvSpPr>
+          <p:cNvPr id="5" name="Multiply 4">
+            <a:extLst>
+              <a:ext uri="{FF2B5EF4-FFF2-40B4-BE49-F238E27FC236}">
+                <a16:creationId xmlns:a16="http://schemas.microsoft.com/office/drawing/2014/main" id="{05C6C05E-80D4-79EF-6217-549F1CB6D810}"/>
+              </a:ext>
+            </a:extLst>
+          </p:cNvPr>
+          <p:cNvSpPr/>
+          <p:nvPr/>
+        </p:nvSpPr>
+        <p:spPr>
+          <a:xfrm>
+            <a:off x="5294671" y="4498258"/>
+            <a:ext cx="1327355" cy="1047136"/>
+          </a:xfrm>
+          <a:prstGeom prst="mathMultiply">
+            <a:avLst/>
+          </a:prstGeom>
+          <a:solidFill>
+            <a:srgbClr val="FF0000"/>
+          </a:solidFill>
+        </p:spPr>
+        <p:style>
+          <a:lnRef idx="2">
+            <a:schemeClr val="accent1">
+              <a:shade val="15000"/>
+            </a:schemeClr>
+          </a:lnRef>
+          <a:fillRef idx="1">
+            <a:schemeClr val="accent1"/>
+          </a:fillRef>
+          <a:effectRef idx="0">
+            <a:schemeClr val="accent1"/>
+          </a:effectRef>
+          <a:fontRef idx="minor">
+            <a:schemeClr val="lt1"/>
+          </a:fontRef>
+        </p:style>
+        <p:txBody>
+          <a:bodyPr rtlCol="0" anchor="ctr"/>
+          <a:lstStyle/>
+          <a:p>
+            <a:pPr algn="ctr"/>
+            <a:endParaRPr lang="en-US"/>
+          </a:p>
+        </p:txBody>
+      </p:sp>
+      <p:sp>
+        <p:nvSpPr>
+          <p:cNvPr id="6" name="TextBox 5">
+            <a:extLst>
+              <a:ext uri="{FF2B5EF4-FFF2-40B4-BE49-F238E27FC236}">
+                <a16:creationId xmlns:a16="http://schemas.microsoft.com/office/drawing/2014/main" id="{E4F0DC9C-B956-0C5D-B26B-F5A56FE0C33E}"/>
+              </a:ext>
+            </a:extLst>
+          </p:cNvPr>
+          <p:cNvSpPr txBox="1"/>
+          <p:nvPr/>
+        </p:nvSpPr>
+        <p:spPr>
+          <a:xfrm>
+            <a:off x="838200" y="6033445"/>
+            <a:ext cx="9126794" cy="369332"/>
+          </a:xfrm>
+          <a:prstGeom prst="rect">
+            <a:avLst/>
+          </a:prstGeom>
+          <a:noFill/>
+        </p:spPr>
+        <p:txBody>
+          <a:bodyPr wrap="none" rtlCol="0">
+            <a:spAutoFit/>
+          </a:bodyPr>
+          <a:lstStyle/>
+          <a:p>
+            <a:r>
+              <a:rPr lang="en-US" dirty="0"/>
+              <a:t>Const user = </a:t>
+            </a:r>
+            <a:r>
+              <a:rPr lang="en-US" dirty="0" err="1"/>
+              <a:t>User.create</a:t>
+            </a:r>
+            <a:r>
+              <a:rPr lang="en-US" dirty="0"/>
+              <a:t> ({name: ‘</a:t>
+            </a:r>
+            <a:r>
+              <a:rPr lang="en-US" dirty="0" err="1"/>
+              <a:t>ram’,age</a:t>
+            </a:r>
+            <a:r>
+              <a:rPr lang="en-US" dirty="0"/>
+              <a:t>: 24, email:</a:t>
+            </a:r>
+            <a:r>
+              <a:rPr lang="en-US" dirty="0">
+                <a:hlinkClick r:id="rId2"/>
+              </a:rPr>
+              <a:t>ram@gmail.com</a:t>
+            </a:r>
+            <a:r>
+              <a:rPr lang="en-US" dirty="0"/>
+              <a:t>,password:’</a:t>
+            </a:r>
+            <a:r>
+              <a:rPr lang="en-US" dirty="0" err="1"/>
+              <a:t>klsjdkl</a:t>
+            </a:r>
+            <a:r>
+              <a:rPr lang="en-US"/>
+              <a:t>’})</a:t>
+            </a:r>
+            <a:endParaRPr lang="en-US" dirty="0"/>
+          </a:p>
+        </p:txBody>
+      </p:sp>
+    </p:spTree>
+    <p:extLst>
+      <p:ext uri="{BB962C8B-B14F-4D97-AF65-F5344CB8AC3E}">
+        <p14:creationId xmlns:p14="http://schemas.microsoft.com/office/powerpoint/2010/main" val="892794942"/>
+      </p:ext>
+    </p:extLst>
+  </p:cSld>
+  <p:clrMapOvr>
+    <a:masterClrMapping/>
+  </p:clrMapOvr>
+</p:sld>
+</file>
+
 <file path=ppt/slides/slide8.xml><?xml version="1.0" encoding="utf-8"?>
 <p:sld xmlns:a="http://schemas.openxmlformats.org/drawingml/2006/main" xmlns:r="http://schemas.openxmlformats.org/officeDocument/2006/relationships" xmlns:p="http://schemas.openxmlformats.org/presentationml/2006/main">
   <p:cSld>

--- a/node/Nodejs.pptx
+++ b/node/Nodejs.pptx
@@ -80,6 +80,7 @@
     <p:sldId id="329" r:id="rId74"/>
     <p:sldId id="330" r:id="rId75"/>
     <p:sldId id="331" r:id="rId76"/>
+    <p:sldId id="332" r:id="rId77"/>
   </p:sldIdLst>
   <p:sldSz cx="12192000" cy="6858000"/>
   <p:notesSz cx="6858000" cy="9144000"/>
@@ -363,7 +364,7 @@
           <a:p>
             <a:fld id="{7239F38A-DCDF-6E4C-B9CE-23AD5C77A21C}" type="datetimeFigureOut">
               <a:rPr lang="en-US" smtClean="0"/>
-              <a:t>3/21/25</a:t>
+              <a:t>4/1/25</a:t>
             </a:fld>
             <a:endParaRPr lang="en-US"/>
           </a:p>
@@ -563,7 +564,7 @@
           <a:p>
             <a:fld id="{7239F38A-DCDF-6E4C-B9CE-23AD5C77A21C}" type="datetimeFigureOut">
               <a:rPr lang="en-US" smtClean="0"/>
-              <a:t>3/21/25</a:t>
+              <a:t>4/1/25</a:t>
             </a:fld>
             <a:endParaRPr lang="en-US"/>
           </a:p>
@@ -773,7 +774,7 @@
           <a:p>
             <a:fld id="{7239F38A-DCDF-6E4C-B9CE-23AD5C77A21C}" type="datetimeFigureOut">
               <a:rPr lang="en-US" smtClean="0"/>
-              <a:t>3/21/25</a:t>
+              <a:t>4/1/25</a:t>
             </a:fld>
             <a:endParaRPr lang="en-US"/>
           </a:p>
@@ -973,7 +974,7 @@
           <a:p>
             <a:fld id="{7239F38A-DCDF-6E4C-B9CE-23AD5C77A21C}" type="datetimeFigureOut">
               <a:rPr lang="en-US" smtClean="0"/>
-              <a:t>3/21/25</a:t>
+              <a:t>4/1/25</a:t>
             </a:fld>
             <a:endParaRPr lang="en-US"/>
           </a:p>
@@ -1249,7 +1250,7 @@
           <a:p>
             <a:fld id="{7239F38A-DCDF-6E4C-B9CE-23AD5C77A21C}" type="datetimeFigureOut">
               <a:rPr lang="en-US" smtClean="0"/>
-              <a:t>3/21/25</a:t>
+              <a:t>4/1/25</a:t>
             </a:fld>
             <a:endParaRPr lang="en-US"/>
           </a:p>
@@ -1517,7 +1518,7 @@
           <a:p>
             <a:fld id="{7239F38A-DCDF-6E4C-B9CE-23AD5C77A21C}" type="datetimeFigureOut">
               <a:rPr lang="en-US" smtClean="0"/>
-              <a:t>3/21/25</a:t>
+              <a:t>4/1/25</a:t>
             </a:fld>
             <a:endParaRPr lang="en-US"/>
           </a:p>
@@ -1932,7 +1933,7 @@
           <a:p>
             <a:fld id="{7239F38A-DCDF-6E4C-B9CE-23AD5C77A21C}" type="datetimeFigureOut">
               <a:rPr lang="en-US" smtClean="0"/>
-              <a:t>3/21/25</a:t>
+              <a:t>4/1/25</a:t>
             </a:fld>
             <a:endParaRPr lang="en-US"/>
           </a:p>
@@ -2074,7 +2075,7 @@
           <a:p>
             <a:fld id="{7239F38A-DCDF-6E4C-B9CE-23AD5C77A21C}" type="datetimeFigureOut">
               <a:rPr lang="en-US" smtClean="0"/>
-              <a:t>3/21/25</a:t>
+              <a:t>4/1/25</a:t>
             </a:fld>
             <a:endParaRPr lang="en-US"/>
           </a:p>
@@ -2187,7 +2188,7 @@
           <a:p>
             <a:fld id="{7239F38A-DCDF-6E4C-B9CE-23AD5C77A21C}" type="datetimeFigureOut">
               <a:rPr lang="en-US" smtClean="0"/>
-              <a:t>3/21/25</a:t>
+              <a:t>4/1/25</a:t>
             </a:fld>
             <a:endParaRPr lang="en-US"/>
           </a:p>
@@ -2500,7 +2501,7 @@
           <a:p>
             <a:fld id="{7239F38A-DCDF-6E4C-B9CE-23AD5C77A21C}" type="datetimeFigureOut">
               <a:rPr lang="en-US" smtClean="0"/>
-              <a:t>3/21/25</a:t>
+              <a:t>4/1/25</a:t>
             </a:fld>
             <a:endParaRPr lang="en-US"/>
           </a:p>
@@ -2789,7 +2790,7 @@
           <a:p>
             <a:fld id="{7239F38A-DCDF-6E4C-B9CE-23AD5C77A21C}" type="datetimeFigureOut">
               <a:rPr lang="en-US" smtClean="0"/>
-              <a:t>3/21/25</a:t>
+              <a:t>4/1/25</a:t>
             </a:fld>
             <a:endParaRPr lang="en-US"/>
           </a:p>
@@ -3032,7 +3033,7 @@
           <a:p>
             <a:fld id="{7239F38A-DCDF-6E4C-B9CE-23AD5C77A21C}" type="datetimeFigureOut">
               <a:rPr lang="en-US" smtClean="0"/>
-              <a:t>3/21/25</a:t>
+              <a:t>4/1/25</a:t>
             </a:fld>
             <a:endParaRPr lang="en-US"/>
           </a:p>
@@ -27361,6 +27362,138 @@
 </p:sld>
 </file>
 
+<file path=ppt/slides/slide76.xml><?xml version="1.0" encoding="utf-8"?>
+<p:sld xmlns:a="http://schemas.openxmlformats.org/drawingml/2006/main" xmlns:r="http://schemas.openxmlformats.org/officeDocument/2006/relationships" xmlns:p="http://schemas.openxmlformats.org/presentationml/2006/main">
+  <p:cSld>
+    <p:spTree>
+      <p:nvGrpSpPr>
+        <p:cNvPr id="1" name="">
+          <a:extLst>
+            <a:ext uri="{FF2B5EF4-FFF2-40B4-BE49-F238E27FC236}">
+              <a16:creationId xmlns:a16="http://schemas.microsoft.com/office/drawing/2014/main" id="{D0634A49-4933-A3BD-4770-0639107A7776}"/>
+            </a:ext>
+          </a:extLst>
+        </p:cNvPr>
+        <p:cNvGrpSpPr/>
+        <p:nvPr/>
+      </p:nvGrpSpPr>
+      <p:grpSpPr>
+        <a:xfrm>
+          <a:off x="0" y="0"/>
+          <a:ext cx="0" cy="0"/>
+          <a:chOff x="0" y="0"/>
+          <a:chExt cx="0" cy="0"/>
+        </a:xfrm>
+      </p:grpSpPr>
+      <p:sp>
+        <p:nvSpPr>
+          <p:cNvPr id="3" name="Content Placeholder 2">
+            <a:extLst>
+              <a:ext uri="{FF2B5EF4-FFF2-40B4-BE49-F238E27FC236}">
+                <a16:creationId xmlns:a16="http://schemas.microsoft.com/office/drawing/2014/main" id="{A2B48003-1D85-0459-F5EE-1783A208931B}"/>
+              </a:ext>
+            </a:extLst>
+          </p:cNvPr>
+          <p:cNvSpPr>
+            <a:spLocks noGrp="1"/>
+          </p:cNvSpPr>
+          <p:nvPr>
+            <p:ph idx="1"/>
+          </p:nvPr>
+        </p:nvSpPr>
+        <p:spPr>
+          <a:xfrm>
+            <a:off x="838200" y="470647"/>
+            <a:ext cx="10515600" cy="5706316"/>
+          </a:xfrm>
+        </p:spPr>
+        <p:txBody>
+          <a:bodyPr>
+            <a:normAutofit/>
+          </a:bodyPr>
+          <a:lstStyle/>
+          <a:p>
+            <a:r>
+              <a:rPr lang="en-US" dirty="0"/>
+              <a:t>Connecting to the </a:t>
+            </a:r>
+            <a:r>
+              <a:rPr lang="en-US" dirty="0" err="1"/>
+              <a:t>mongodb</a:t>
+            </a:r>
+            <a:r>
+              <a:rPr lang="en-US" dirty="0"/>
+              <a:t> server with mongoose</a:t>
+            </a:r>
+          </a:p>
+          <a:p>
+            <a:r>
+              <a:rPr lang="en-US" dirty="0"/>
+              <a:t>Creating the product schema</a:t>
+            </a:r>
+          </a:p>
+          <a:p>
+            <a:r>
+              <a:rPr lang="en-US" dirty="0"/>
+              <a:t>Saving data through mongoose</a:t>
+            </a:r>
+          </a:p>
+          <a:p>
+            <a:r>
+              <a:rPr lang="en-US" dirty="0"/>
+              <a:t>Fetching all products</a:t>
+            </a:r>
+          </a:p>
+          <a:p>
+            <a:r>
+              <a:rPr lang="en-US" dirty="0"/>
+              <a:t>Fetching a single product</a:t>
+            </a:r>
+          </a:p>
+          <a:p>
+            <a:r>
+              <a:rPr lang="en-US" dirty="0"/>
+              <a:t>Updating Product</a:t>
+            </a:r>
+          </a:p>
+          <a:p>
+            <a:r>
+              <a:rPr lang="en-US" dirty="0"/>
+              <a:t>Deleting products</a:t>
+            </a:r>
+          </a:p>
+          <a:p>
+            <a:r>
+              <a:rPr lang="en-US" dirty="0"/>
+              <a:t>Adding and using a user model</a:t>
+            </a:r>
+          </a:p>
+          <a:p>
+            <a:r>
+              <a:rPr lang="en-US" dirty="0"/>
+              <a:t>Using relations </a:t>
+            </a:r>
+            <a:r>
+              <a:rPr lang="en-US"/>
+              <a:t>in mongoose</a:t>
+            </a:r>
+            <a:endParaRPr lang="en-US" dirty="0"/>
+          </a:p>
+        </p:txBody>
+      </p:sp>
+    </p:spTree>
+    <p:extLst>
+      <p:ext uri="{BB962C8B-B14F-4D97-AF65-F5344CB8AC3E}">
+        <p14:creationId xmlns:p14="http://schemas.microsoft.com/office/powerpoint/2010/main" val="4185219733"/>
+      </p:ext>
+    </p:extLst>
+  </p:cSld>
+  <p:clrMapOvr>
+    <a:masterClrMapping/>
+  </p:clrMapOvr>
+</p:sld>
+</file>
+
 <file path=ppt/slides/slide8.xml><?xml version="1.0" encoding="utf-8"?>
 <p:sld xmlns:a="http://schemas.openxmlformats.org/drawingml/2006/main" xmlns:r="http://schemas.openxmlformats.org/officeDocument/2006/relationships" xmlns:p="http://schemas.openxmlformats.org/presentationml/2006/main">
   <p:cSld>

--- a/node/Nodejs.pptx
+++ b/node/Nodejs.pptx
@@ -364,7 +364,7 @@
           <a:p>
             <a:fld id="{7239F38A-DCDF-6E4C-B9CE-23AD5C77A21C}" type="datetimeFigureOut">
               <a:rPr lang="en-US" smtClean="0"/>
-              <a:t>4/1/25</a:t>
+              <a:t>4/2/25</a:t>
             </a:fld>
             <a:endParaRPr lang="en-US"/>
           </a:p>
@@ -564,7 +564,7 @@
           <a:p>
             <a:fld id="{7239F38A-DCDF-6E4C-B9CE-23AD5C77A21C}" type="datetimeFigureOut">
               <a:rPr lang="en-US" smtClean="0"/>
-              <a:t>4/1/25</a:t>
+              <a:t>4/2/25</a:t>
             </a:fld>
             <a:endParaRPr lang="en-US"/>
           </a:p>
@@ -774,7 +774,7 @@
           <a:p>
             <a:fld id="{7239F38A-DCDF-6E4C-B9CE-23AD5C77A21C}" type="datetimeFigureOut">
               <a:rPr lang="en-US" smtClean="0"/>
-              <a:t>4/1/25</a:t>
+              <a:t>4/2/25</a:t>
             </a:fld>
             <a:endParaRPr lang="en-US"/>
           </a:p>
@@ -974,7 +974,7 @@
           <a:p>
             <a:fld id="{7239F38A-DCDF-6E4C-B9CE-23AD5C77A21C}" type="datetimeFigureOut">
               <a:rPr lang="en-US" smtClean="0"/>
-              <a:t>4/1/25</a:t>
+              <a:t>4/2/25</a:t>
             </a:fld>
             <a:endParaRPr lang="en-US"/>
           </a:p>
@@ -1250,7 +1250,7 @@
           <a:p>
             <a:fld id="{7239F38A-DCDF-6E4C-B9CE-23AD5C77A21C}" type="datetimeFigureOut">
               <a:rPr lang="en-US" smtClean="0"/>
-              <a:t>4/1/25</a:t>
+              <a:t>4/2/25</a:t>
             </a:fld>
             <a:endParaRPr lang="en-US"/>
           </a:p>
@@ -1518,7 +1518,7 @@
           <a:p>
             <a:fld id="{7239F38A-DCDF-6E4C-B9CE-23AD5C77A21C}" type="datetimeFigureOut">
               <a:rPr lang="en-US" smtClean="0"/>
-              <a:t>4/1/25</a:t>
+              <a:t>4/2/25</a:t>
             </a:fld>
             <a:endParaRPr lang="en-US"/>
           </a:p>
@@ -1933,7 +1933,7 @@
           <a:p>
             <a:fld id="{7239F38A-DCDF-6E4C-B9CE-23AD5C77A21C}" type="datetimeFigureOut">
               <a:rPr lang="en-US" smtClean="0"/>
-              <a:t>4/1/25</a:t>
+              <a:t>4/2/25</a:t>
             </a:fld>
             <a:endParaRPr lang="en-US"/>
           </a:p>
@@ -2075,7 +2075,7 @@
           <a:p>
             <a:fld id="{7239F38A-DCDF-6E4C-B9CE-23AD5C77A21C}" type="datetimeFigureOut">
               <a:rPr lang="en-US" smtClean="0"/>
-              <a:t>4/1/25</a:t>
+              <a:t>4/2/25</a:t>
             </a:fld>
             <a:endParaRPr lang="en-US"/>
           </a:p>
@@ -2188,7 +2188,7 @@
           <a:p>
             <a:fld id="{7239F38A-DCDF-6E4C-B9CE-23AD5C77A21C}" type="datetimeFigureOut">
               <a:rPr lang="en-US" smtClean="0"/>
-              <a:t>4/1/25</a:t>
+              <a:t>4/2/25</a:t>
             </a:fld>
             <a:endParaRPr lang="en-US"/>
           </a:p>
@@ -2501,7 +2501,7 @@
           <a:p>
             <a:fld id="{7239F38A-DCDF-6E4C-B9CE-23AD5C77A21C}" type="datetimeFigureOut">
               <a:rPr lang="en-US" smtClean="0"/>
-              <a:t>4/1/25</a:t>
+              <a:t>4/2/25</a:t>
             </a:fld>
             <a:endParaRPr lang="en-US"/>
           </a:p>
@@ -2790,7 +2790,7 @@
           <a:p>
             <a:fld id="{7239F38A-DCDF-6E4C-B9CE-23AD5C77A21C}" type="datetimeFigureOut">
               <a:rPr lang="en-US" smtClean="0"/>
-              <a:t>4/1/25</a:t>
+              <a:t>4/2/25</a:t>
             </a:fld>
             <a:endParaRPr lang="en-US"/>
           </a:p>
@@ -3033,7 +3033,7 @@
           <a:p>
             <a:fld id="{7239F38A-DCDF-6E4C-B9CE-23AD5C77A21C}" type="datetimeFigureOut">
               <a:rPr lang="en-US" smtClean="0"/>
-              <a:t>4/1/25</a:t>
+              <a:t>4/2/25</a:t>
             </a:fld>
             <a:endParaRPr lang="en-US"/>
           </a:p>
@@ -27409,7 +27409,7 @@
         </p:spPr>
         <p:txBody>
           <a:bodyPr>
-            <a:normAutofit/>
+            <a:normAutofit lnSpcReduction="10000"/>
           </a:bodyPr>
           <a:lstStyle/>
           <a:p>
@@ -27471,11 +27471,29 @@
           <a:p>
             <a:r>
               <a:rPr lang="en-US" dirty="0"/>
-              <a:t>Using relations </a:t>
+              <a:t>Using relations in mongoose</a:t>
+            </a:r>
+          </a:p>
+          <a:p>
+            <a:r>
+              <a:rPr lang="en-US" dirty="0"/>
+              <a:t>Add shopping Cart</a:t>
+            </a:r>
+          </a:p>
+          <a:p>
+            <a:r>
+              <a:rPr lang="en-US" dirty="0"/>
+              <a:t>Loading the Cart</a:t>
+            </a:r>
+          </a:p>
+          <a:p>
+            <a:r>
+              <a:rPr lang="en-US" dirty="0"/>
+              <a:t>Deleting </a:t>
             </a:r>
             <a:r>
               <a:rPr lang="en-US"/>
-              <a:t>in mongoose</a:t>
+              <a:t>Cart items</a:t>
             </a:r>
             <a:endParaRPr lang="en-US" dirty="0"/>
           </a:p>

--- a/node/Nodejs.pptx
+++ b/node/Nodejs.pptx
@@ -364,7 +364,7 @@
           <a:p>
             <a:fld id="{7239F38A-DCDF-6E4C-B9CE-23AD5C77A21C}" type="datetimeFigureOut">
               <a:rPr lang="en-US" smtClean="0"/>
-              <a:t>4/2/25</a:t>
+              <a:t>4/3/25</a:t>
             </a:fld>
             <a:endParaRPr lang="en-US"/>
           </a:p>
@@ -564,7 +564,7 @@
           <a:p>
             <a:fld id="{7239F38A-DCDF-6E4C-B9CE-23AD5C77A21C}" type="datetimeFigureOut">
               <a:rPr lang="en-US" smtClean="0"/>
-              <a:t>4/2/25</a:t>
+              <a:t>4/3/25</a:t>
             </a:fld>
             <a:endParaRPr lang="en-US"/>
           </a:p>
@@ -774,7 +774,7 @@
           <a:p>
             <a:fld id="{7239F38A-DCDF-6E4C-B9CE-23AD5C77A21C}" type="datetimeFigureOut">
               <a:rPr lang="en-US" smtClean="0"/>
-              <a:t>4/2/25</a:t>
+              <a:t>4/3/25</a:t>
             </a:fld>
             <a:endParaRPr lang="en-US"/>
           </a:p>
@@ -974,7 +974,7 @@
           <a:p>
             <a:fld id="{7239F38A-DCDF-6E4C-B9CE-23AD5C77A21C}" type="datetimeFigureOut">
               <a:rPr lang="en-US" smtClean="0"/>
-              <a:t>4/2/25</a:t>
+              <a:t>4/3/25</a:t>
             </a:fld>
             <a:endParaRPr lang="en-US"/>
           </a:p>
@@ -1250,7 +1250,7 @@
           <a:p>
             <a:fld id="{7239F38A-DCDF-6E4C-B9CE-23AD5C77A21C}" type="datetimeFigureOut">
               <a:rPr lang="en-US" smtClean="0"/>
-              <a:t>4/2/25</a:t>
+              <a:t>4/3/25</a:t>
             </a:fld>
             <a:endParaRPr lang="en-US"/>
           </a:p>
@@ -1518,7 +1518,7 @@
           <a:p>
             <a:fld id="{7239F38A-DCDF-6E4C-B9CE-23AD5C77A21C}" type="datetimeFigureOut">
               <a:rPr lang="en-US" smtClean="0"/>
-              <a:t>4/2/25</a:t>
+              <a:t>4/3/25</a:t>
             </a:fld>
             <a:endParaRPr lang="en-US"/>
           </a:p>
@@ -1933,7 +1933,7 @@
           <a:p>
             <a:fld id="{7239F38A-DCDF-6E4C-B9CE-23AD5C77A21C}" type="datetimeFigureOut">
               <a:rPr lang="en-US" smtClean="0"/>
-              <a:t>4/2/25</a:t>
+              <a:t>4/3/25</a:t>
             </a:fld>
             <a:endParaRPr lang="en-US"/>
           </a:p>
@@ -2075,7 +2075,7 @@
           <a:p>
             <a:fld id="{7239F38A-DCDF-6E4C-B9CE-23AD5C77A21C}" type="datetimeFigureOut">
               <a:rPr lang="en-US" smtClean="0"/>
-              <a:t>4/2/25</a:t>
+              <a:t>4/3/25</a:t>
             </a:fld>
             <a:endParaRPr lang="en-US"/>
           </a:p>
@@ -2188,7 +2188,7 @@
           <a:p>
             <a:fld id="{7239F38A-DCDF-6E4C-B9CE-23AD5C77A21C}" type="datetimeFigureOut">
               <a:rPr lang="en-US" smtClean="0"/>
-              <a:t>4/2/25</a:t>
+              <a:t>4/3/25</a:t>
             </a:fld>
             <a:endParaRPr lang="en-US"/>
           </a:p>
@@ -2501,7 +2501,7 @@
           <a:p>
             <a:fld id="{7239F38A-DCDF-6E4C-B9CE-23AD5C77A21C}" type="datetimeFigureOut">
               <a:rPr lang="en-US" smtClean="0"/>
-              <a:t>4/2/25</a:t>
+              <a:t>4/3/25</a:t>
             </a:fld>
             <a:endParaRPr lang="en-US"/>
           </a:p>
@@ -2790,7 +2790,7 @@
           <a:p>
             <a:fld id="{7239F38A-DCDF-6E4C-B9CE-23AD5C77A21C}" type="datetimeFigureOut">
               <a:rPr lang="en-US" smtClean="0"/>
-              <a:t>4/2/25</a:t>
+              <a:t>4/3/25</a:t>
             </a:fld>
             <a:endParaRPr lang="en-US"/>
           </a:p>
@@ -3033,7 +3033,7 @@
           <a:p>
             <a:fld id="{7239F38A-DCDF-6E4C-B9CE-23AD5C77A21C}" type="datetimeFigureOut">
               <a:rPr lang="en-US" smtClean="0"/>
-              <a:t>4/2/25</a:t>
+              <a:t>4/3/25</a:t>
             </a:fld>
             <a:endParaRPr lang="en-US"/>
           </a:p>
@@ -27409,7 +27409,7 @@
         </p:spPr>
         <p:txBody>
           <a:bodyPr>
-            <a:normAutofit lnSpcReduction="10000"/>
+            <a:normAutofit fontScale="70000" lnSpcReduction="20000"/>
           </a:bodyPr>
           <a:lstStyle/>
           <a:p>
@@ -27489,13 +27489,32 @@
           <a:p>
             <a:r>
               <a:rPr lang="en-US" dirty="0"/>
-              <a:t>Deleting </a:t>
-            </a:r>
-            <a:r>
-              <a:rPr lang="en-US"/>
-              <a:t>Cart items</a:t>
-            </a:r>
-            <a:endParaRPr lang="en-US" dirty="0"/>
+              <a:t>Deleting Cart items</a:t>
+            </a:r>
+          </a:p>
+          <a:p>
+            <a:r>
+              <a:rPr lang="en-US" dirty="0"/>
+              <a:t>Creating &amp; getting orders</a:t>
+            </a:r>
+          </a:p>
+          <a:p>
+            <a:r>
+              <a:rPr lang="en-US" dirty="0"/>
+              <a:t>Storing all order related data</a:t>
+            </a:r>
+          </a:p>
+          <a:p>
+            <a:r>
+              <a:rPr lang="en-US" dirty="0"/>
+              <a:t>Clearing cart after storing an Order</a:t>
+            </a:r>
+          </a:p>
+          <a:p>
+            <a:r>
+              <a:rPr lang="en-US" dirty="0"/>
+              <a:t>Getting &amp; displaying the Order</a:t>
+            </a:r>
           </a:p>
         </p:txBody>
       </p:sp>

--- a/node/Nodejs.pptx
+++ b/node/Nodejs.pptx
@@ -81,6 +81,8 @@
     <p:sldId id="330" r:id="rId75"/>
     <p:sldId id="331" r:id="rId76"/>
     <p:sldId id="332" r:id="rId77"/>
+    <p:sldId id="333" r:id="rId78"/>
+    <p:sldId id="334" r:id="rId79"/>
   </p:sldIdLst>
   <p:sldSz cx="12192000" cy="6858000"/>
   <p:notesSz cx="6858000" cy="9144000"/>
@@ -364,7 +366,7 @@
           <a:p>
             <a:fld id="{7239F38A-DCDF-6E4C-B9CE-23AD5C77A21C}" type="datetimeFigureOut">
               <a:rPr lang="en-US" smtClean="0"/>
-              <a:t>4/3/25</a:t>
+              <a:t>4/7/25</a:t>
             </a:fld>
             <a:endParaRPr lang="en-US"/>
           </a:p>
@@ -564,7 +566,7 @@
           <a:p>
             <a:fld id="{7239F38A-DCDF-6E4C-B9CE-23AD5C77A21C}" type="datetimeFigureOut">
               <a:rPr lang="en-US" smtClean="0"/>
-              <a:t>4/3/25</a:t>
+              <a:t>4/7/25</a:t>
             </a:fld>
             <a:endParaRPr lang="en-US"/>
           </a:p>
@@ -774,7 +776,7 @@
           <a:p>
             <a:fld id="{7239F38A-DCDF-6E4C-B9CE-23AD5C77A21C}" type="datetimeFigureOut">
               <a:rPr lang="en-US" smtClean="0"/>
-              <a:t>4/3/25</a:t>
+              <a:t>4/7/25</a:t>
             </a:fld>
             <a:endParaRPr lang="en-US"/>
           </a:p>
@@ -974,7 +976,7 @@
           <a:p>
             <a:fld id="{7239F38A-DCDF-6E4C-B9CE-23AD5C77A21C}" type="datetimeFigureOut">
               <a:rPr lang="en-US" smtClean="0"/>
-              <a:t>4/3/25</a:t>
+              <a:t>4/7/25</a:t>
             </a:fld>
             <a:endParaRPr lang="en-US"/>
           </a:p>
@@ -1250,7 +1252,7 @@
           <a:p>
             <a:fld id="{7239F38A-DCDF-6E4C-B9CE-23AD5C77A21C}" type="datetimeFigureOut">
               <a:rPr lang="en-US" smtClean="0"/>
-              <a:t>4/3/25</a:t>
+              <a:t>4/7/25</a:t>
             </a:fld>
             <a:endParaRPr lang="en-US"/>
           </a:p>
@@ -1518,7 +1520,7 @@
           <a:p>
             <a:fld id="{7239F38A-DCDF-6E4C-B9CE-23AD5C77A21C}" type="datetimeFigureOut">
               <a:rPr lang="en-US" smtClean="0"/>
-              <a:t>4/3/25</a:t>
+              <a:t>4/7/25</a:t>
             </a:fld>
             <a:endParaRPr lang="en-US"/>
           </a:p>
@@ -1933,7 +1935,7 @@
           <a:p>
             <a:fld id="{7239F38A-DCDF-6E4C-B9CE-23AD5C77A21C}" type="datetimeFigureOut">
               <a:rPr lang="en-US" smtClean="0"/>
-              <a:t>4/3/25</a:t>
+              <a:t>4/7/25</a:t>
             </a:fld>
             <a:endParaRPr lang="en-US"/>
           </a:p>
@@ -2075,7 +2077,7 @@
           <a:p>
             <a:fld id="{7239F38A-DCDF-6E4C-B9CE-23AD5C77A21C}" type="datetimeFigureOut">
               <a:rPr lang="en-US" smtClean="0"/>
-              <a:t>4/3/25</a:t>
+              <a:t>4/7/25</a:t>
             </a:fld>
             <a:endParaRPr lang="en-US"/>
           </a:p>
@@ -2188,7 +2190,7 @@
           <a:p>
             <a:fld id="{7239F38A-DCDF-6E4C-B9CE-23AD5C77A21C}" type="datetimeFigureOut">
               <a:rPr lang="en-US" smtClean="0"/>
-              <a:t>4/3/25</a:t>
+              <a:t>4/7/25</a:t>
             </a:fld>
             <a:endParaRPr lang="en-US"/>
           </a:p>
@@ -2501,7 +2503,7 @@
           <a:p>
             <a:fld id="{7239F38A-DCDF-6E4C-B9CE-23AD5C77A21C}" type="datetimeFigureOut">
               <a:rPr lang="en-US" smtClean="0"/>
-              <a:t>4/3/25</a:t>
+              <a:t>4/7/25</a:t>
             </a:fld>
             <a:endParaRPr lang="en-US"/>
           </a:p>
@@ -2790,7 +2792,7 @@
           <a:p>
             <a:fld id="{7239F38A-DCDF-6E4C-B9CE-23AD5C77A21C}" type="datetimeFigureOut">
               <a:rPr lang="en-US" smtClean="0"/>
-              <a:t>4/3/25</a:t>
+              <a:t>4/7/25</a:t>
             </a:fld>
             <a:endParaRPr lang="en-US"/>
           </a:p>
@@ -3033,7 +3035,7 @@
           <a:p>
             <a:fld id="{7239F38A-DCDF-6E4C-B9CE-23AD5C77A21C}" type="datetimeFigureOut">
               <a:rPr lang="en-US" smtClean="0"/>
-              <a:t>4/3/25</a:t>
+              <a:t>4/7/25</a:t>
             </a:fld>
             <a:endParaRPr lang="en-US"/>
           </a:p>
@@ -27531,6 +27533,150 @@
 </p:sld>
 </file>
 
+<file path=ppt/slides/slide77.xml><?xml version="1.0" encoding="utf-8"?>
+<p:sld xmlns:a="http://schemas.openxmlformats.org/drawingml/2006/main" xmlns:r="http://schemas.openxmlformats.org/officeDocument/2006/relationships" xmlns:p="http://schemas.openxmlformats.org/presentationml/2006/main">
+  <p:cSld>
+    <p:spTree>
+      <p:nvGrpSpPr>
+        <p:cNvPr id="1" name=""/>
+        <p:cNvGrpSpPr/>
+        <p:nvPr/>
+      </p:nvGrpSpPr>
+      <p:grpSpPr>
+        <a:xfrm>
+          <a:off x="0" y="0"/>
+          <a:ext cx="0" cy="0"/>
+          <a:chOff x="0" y="0"/>
+          <a:chExt cx="0" cy="0"/>
+        </a:xfrm>
+      </p:grpSpPr>
+      <p:sp>
+        <p:nvSpPr>
+          <p:cNvPr id="2" name="Title 1">
+            <a:extLst>
+              <a:ext uri="{FF2B5EF4-FFF2-40B4-BE49-F238E27FC236}">
+                <a16:creationId xmlns:a16="http://schemas.microsoft.com/office/drawing/2014/main" id="{BCB63D21-A56A-7E09-ED11-B01B28C9F741}"/>
+              </a:ext>
+            </a:extLst>
+          </p:cNvPr>
+          <p:cNvSpPr>
+            <a:spLocks noGrp="1"/>
+          </p:cNvSpPr>
+          <p:nvPr>
+            <p:ph type="title"/>
+          </p:nvPr>
+        </p:nvSpPr>
+        <p:spPr>
+          <a:xfrm>
+            <a:off x="838200" y="2766218"/>
+            <a:ext cx="10515600" cy="1325563"/>
+          </a:xfrm>
+        </p:spPr>
+        <p:txBody>
+          <a:bodyPr/>
+          <a:lstStyle/>
+          <a:p>
+            <a:pPr algn="ctr"/>
+            <a:r>
+              <a:rPr lang="en-US" dirty="0"/>
+              <a:t>Sessions &amp; Cookies</a:t>
+            </a:r>
+          </a:p>
+        </p:txBody>
+      </p:sp>
+    </p:spTree>
+    <p:extLst>
+      <p:ext uri="{BB962C8B-B14F-4D97-AF65-F5344CB8AC3E}">
+        <p14:creationId xmlns:p14="http://schemas.microsoft.com/office/powerpoint/2010/main" val="320175667"/>
+      </p:ext>
+    </p:extLst>
+  </p:cSld>
+  <p:clrMapOvr>
+    <a:masterClrMapping/>
+  </p:clrMapOvr>
+</p:sld>
+</file>
+
+<file path=ppt/slides/slide78.xml><?xml version="1.0" encoding="utf-8"?>
+<p:sld xmlns:a="http://schemas.openxmlformats.org/drawingml/2006/main" xmlns:r="http://schemas.openxmlformats.org/officeDocument/2006/relationships" xmlns:p="http://schemas.openxmlformats.org/presentationml/2006/main">
+  <p:cSld>
+    <p:spTree>
+      <p:nvGrpSpPr>
+        <p:cNvPr id="1" name=""/>
+        <p:cNvGrpSpPr/>
+        <p:nvPr/>
+      </p:nvGrpSpPr>
+      <p:grpSpPr>
+        <a:xfrm>
+          <a:off x="0" y="0"/>
+          <a:ext cx="0" cy="0"/>
+          <a:chOff x="0" y="0"/>
+          <a:chExt cx="0" cy="0"/>
+        </a:xfrm>
+      </p:grpSpPr>
+      <p:sp>
+        <p:nvSpPr>
+          <p:cNvPr id="3" name="Content Placeholder 2">
+            <a:extLst>
+              <a:ext uri="{FF2B5EF4-FFF2-40B4-BE49-F238E27FC236}">
+                <a16:creationId xmlns:a16="http://schemas.microsoft.com/office/drawing/2014/main" id="{53DBA469-BBDF-CD81-5C12-7F9294138678}"/>
+              </a:ext>
+            </a:extLst>
+          </p:cNvPr>
+          <p:cNvSpPr>
+            <a:spLocks noGrp="1"/>
+          </p:cNvSpPr>
+          <p:nvPr>
+            <p:ph idx="1"/>
+          </p:nvPr>
+        </p:nvSpPr>
+        <p:spPr>
+          <a:xfrm>
+            <a:off x="838200" y="322729"/>
+            <a:ext cx="10515600" cy="5854234"/>
+          </a:xfrm>
+        </p:spPr>
+        <p:txBody>
+          <a:bodyPr/>
+          <a:lstStyle/>
+          <a:p>
+            <a:r>
+              <a:rPr lang="en-US" dirty="0"/>
+              <a:t>Creating the Login form</a:t>
+            </a:r>
+          </a:p>
+          <a:p>
+            <a:r>
+              <a:rPr lang="en-US" dirty="0"/>
+              <a:t>Request driven login solution</a:t>
+            </a:r>
+          </a:p>
+          <a:p>
+            <a:r>
+              <a:rPr lang="en-US" dirty="0"/>
+              <a:t>Setting </a:t>
+            </a:r>
+            <a:r>
+              <a:rPr lang="en-US"/>
+              <a:t>a Cookie</a:t>
+            </a:r>
+            <a:endParaRPr lang="en-US" dirty="0"/>
+          </a:p>
+        </p:txBody>
+      </p:sp>
+    </p:spTree>
+    <p:extLst>
+      <p:ext uri="{BB962C8B-B14F-4D97-AF65-F5344CB8AC3E}">
+        <p14:creationId xmlns:p14="http://schemas.microsoft.com/office/powerpoint/2010/main" val="2681940390"/>
+      </p:ext>
+    </p:extLst>
+  </p:cSld>
+  <p:clrMapOvr>
+    <a:masterClrMapping/>
+  </p:clrMapOvr>
+</p:sld>
+</file>
+
 <file path=ppt/slides/slide8.xml><?xml version="1.0" encoding="utf-8"?>
 <p:sld xmlns:a="http://schemas.openxmlformats.org/drawingml/2006/main" xmlns:r="http://schemas.openxmlformats.org/officeDocument/2006/relationships" xmlns:p="http://schemas.openxmlformats.org/presentationml/2006/main">
   <p:cSld>

--- a/node/Nodejs.pptx
+++ b/node/Nodejs.pptx
@@ -83,6 +83,9 @@
     <p:sldId id="332" r:id="rId77"/>
     <p:sldId id="333" r:id="rId78"/>
     <p:sldId id="334" r:id="rId79"/>
+    <p:sldId id="335" r:id="rId80"/>
+    <p:sldId id="336" r:id="rId81"/>
+    <p:sldId id="337" r:id="rId82"/>
   </p:sldIdLst>
   <p:sldSz cx="12192000" cy="6858000"/>
   <p:notesSz cx="6858000" cy="9144000"/>
@@ -366,7 +369,7 @@
           <a:p>
             <a:fld id="{7239F38A-DCDF-6E4C-B9CE-23AD5C77A21C}" type="datetimeFigureOut">
               <a:rPr lang="en-US" smtClean="0"/>
-              <a:t>4/7/25</a:t>
+              <a:t>4/8/25</a:t>
             </a:fld>
             <a:endParaRPr lang="en-US"/>
           </a:p>
@@ -566,7 +569,7 @@
           <a:p>
             <a:fld id="{7239F38A-DCDF-6E4C-B9CE-23AD5C77A21C}" type="datetimeFigureOut">
               <a:rPr lang="en-US" smtClean="0"/>
-              <a:t>4/7/25</a:t>
+              <a:t>4/8/25</a:t>
             </a:fld>
             <a:endParaRPr lang="en-US"/>
           </a:p>
@@ -776,7 +779,7 @@
           <a:p>
             <a:fld id="{7239F38A-DCDF-6E4C-B9CE-23AD5C77A21C}" type="datetimeFigureOut">
               <a:rPr lang="en-US" smtClean="0"/>
-              <a:t>4/7/25</a:t>
+              <a:t>4/8/25</a:t>
             </a:fld>
             <a:endParaRPr lang="en-US"/>
           </a:p>
@@ -976,7 +979,7 @@
           <a:p>
             <a:fld id="{7239F38A-DCDF-6E4C-B9CE-23AD5C77A21C}" type="datetimeFigureOut">
               <a:rPr lang="en-US" smtClean="0"/>
-              <a:t>4/7/25</a:t>
+              <a:t>4/8/25</a:t>
             </a:fld>
             <a:endParaRPr lang="en-US"/>
           </a:p>
@@ -1252,7 +1255,7 @@
           <a:p>
             <a:fld id="{7239F38A-DCDF-6E4C-B9CE-23AD5C77A21C}" type="datetimeFigureOut">
               <a:rPr lang="en-US" smtClean="0"/>
-              <a:t>4/7/25</a:t>
+              <a:t>4/8/25</a:t>
             </a:fld>
             <a:endParaRPr lang="en-US"/>
           </a:p>
@@ -1520,7 +1523,7 @@
           <a:p>
             <a:fld id="{7239F38A-DCDF-6E4C-B9CE-23AD5C77A21C}" type="datetimeFigureOut">
               <a:rPr lang="en-US" smtClean="0"/>
-              <a:t>4/7/25</a:t>
+              <a:t>4/8/25</a:t>
             </a:fld>
             <a:endParaRPr lang="en-US"/>
           </a:p>
@@ -1935,7 +1938,7 @@
           <a:p>
             <a:fld id="{7239F38A-DCDF-6E4C-B9CE-23AD5C77A21C}" type="datetimeFigureOut">
               <a:rPr lang="en-US" smtClean="0"/>
-              <a:t>4/7/25</a:t>
+              <a:t>4/8/25</a:t>
             </a:fld>
             <a:endParaRPr lang="en-US"/>
           </a:p>
@@ -2077,7 +2080,7 @@
           <a:p>
             <a:fld id="{7239F38A-DCDF-6E4C-B9CE-23AD5C77A21C}" type="datetimeFigureOut">
               <a:rPr lang="en-US" smtClean="0"/>
-              <a:t>4/7/25</a:t>
+              <a:t>4/8/25</a:t>
             </a:fld>
             <a:endParaRPr lang="en-US"/>
           </a:p>
@@ -2190,7 +2193,7 @@
           <a:p>
             <a:fld id="{7239F38A-DCDF-6E4C-B9CE-23AD5C77A21C}" type="datetimeFigureOut">
               <a:rPr lang="en-US" smtClean="0"/>
-              <a:t>4/7/25</a:t>
+              <a:t>4/8/25</a:t>
             </a:fld>
             <a:endParaRPr lang="en-US"/>
           </a:p>
@@ -2503,7 +2506,7 @@
           <a:p>
             <a:fld id="{7239F38A-DCDF-6E4C-B9CE-23AD5C77A21C}" type="datetimeFigureOut">
               <a:rPr lang="en-US" smtClean="0"/>
-              <a:t>4/7/25</a:t>
+              <a:t>4/8/25</a:t>
             </a:fld>
             <a:endParaRPr lang="en-US"/>
           </a:p>
@@ -2792,7 +2795,7 @@
           <a:p>
             <a:fld id="{7239F38A-DCDF-6E4C-B9CE-23AD5C77A21C}" type="datetimeFigureOut">
               <a:rPr lang="en-US" smtClean="0"/>
-              <a:t>4/7/25</a:t>
+              <a:t>4/8/25</a:t>
             </a:fld>
             <a:endParaRPr lang="en-US"/>
           </a:p>
@@ -3035,7 +3038,7 @@
           <a:p>
             <a:fld id="{7239F38A-DCDF-6E4C-B9CE-23AD5C77A21C}" type="datetimeFigureOut">
               <a:rPr lang="en-US" smtClean="0"/>
-              <a:t>4/7/25</a:t>
+              <a:t>4/8/25</a:t>
             </a:fld>
             <a:endParaRPr lang="en-US"/>
           </a:p>
@@ -27654,13 +27657,20 @@
           <a:p>
             <a:r>
               <a:rPr lang="en-US" dirty="0"/>
-              <a:t>Setting </a:t>
-            </a:r>
-            <a:r>
-              <a:rPr lang="en-US"/>
-              <a:t>a Cookie</a:t>
-            </a:r>
-            <a:endParaRPr lang="en-US" dirty="0"/>
+              <a:t>Setting a Cookie</a:t>
+            </a:r>
+          </a:p>
+          <a:p>
+            <a:r>
+              <a:rPr lang="en-US" dirty="0"/>
+              <a:t>Manipulating cookies</a:t>
+            </a:r>
+          </a:p>
+          <a:p>
+            <a:r>
+              <a:rPr lang="en-US" dirty="0"/>
+              <a:t>Configuring cookies</a:t>
+            </a:r>
           </a:p>
         </p:txBody>
       </p:sp>
@@ -27668,6 +27678,703 @@
     <p:extLst>
       <p:ext uri="{BB962C8B-B14F-4D97-AF65-F5344CB8AC3E}">
         <p14:creationId xmlns:p14="http://schemas.microsoft.com/office/powerpoint/2010/main" val="2681940390"/>
+      </p:ext>
+    </p:extLst>
+  </p:cSld>
+  <p:clrMapOvr>
+    <a:masterClrMapping/>
+  </p:clrMapOvr>
+</p:sld>
+</file>
+
+<file path=ppt/slides/slide79.xml><?xml version="1.0" encoding="utf-8"?>
+<p:sld xmlns:a="http://schemas.openxmlformats.org/drawingml/2006/main" xmlns:r="http://schemas.openxmlformats.org/officeDocument/2006/relationships" xmlns:p="http://schemas.openxmlformats.org/presentationml/2006/main">
+  <p:cSld>
+    <p:spTree>
+      <p:nvGrpSpPr>
+        <p:cNvPr id="1" name=""/>
+        <p:cNvGrpSpPr/>
+        <p:nvPr/>
+      </p:nvGrpSpPr>
+      <p:grpSpPr>
+        <a:xfrm>
+          <a:off x="0" y="0"/>
+          <a:ext cx="0" cy="0"/>
+          <a:chOff x="0" y="0"/>
+          <a:chExt cx="0" cy="0"/>
+        </a:xfrm>
+      </p:grpSpPr>
+      <p:sp>
+        <p:nvSpPr>
+          <p:cNvPr id="2" name="Title 1">
+            <a:extLst>
+              <a:ext uri="{FF2B5EF4-FFF2-40B4-BE49-F238E27FC236}">
+                <a16:creationId xmlns:a16="http://schemas.microsoft.com/office/drawing/2014/main" id="{4E15B019-DC17-E279-F777-07E5F9D131E3}"/>
+              </a:ext>
+            </a:extLst>
+          </p:cNvPr>
+          <p:cNvSpPr>
+            <a:spLocks noGrp="1"/>
+          </p:cNvSpPr>
+          <p:nvPr>
+            <p:ph type="title"/>
+          </p:nvPr>
+        </p:nvSpPr>
+        <p:spPr/>
+        <p:txBody>
+          <a:bodyPr/>
+          <a:lstStyle/>
+          <a:p>
+            <a:r>
+              <a:rPr lang="en-US" dirty="0"/>
+              <a:t>What a Session?</a:t>
+            </a:r>
+          </a:p>
+        </p:txBody>
+      </p:sp>
+      <p:sp>
+        <p:nvSpPr>
+          <p:cNvPr id="4" name="Rectangle 3">
+            <a:extLst>
+              <a:ext uri="{FF2B5EF4-FFF2-40B4-BE49-F238E27FC236}">
+                <a16:creationId xmlns:a16="http://schemas.microsoft.com/office/drawing/2014/main" id="{8E7323C1-FEDB-2127-CF38-AA646BAF91A1}"/>
+              </a:ext>
+            </a:extLst>
+          </p:cNvPr>
+          <p:cNvSpPr/>
+          <p:nvPr/>
+        </p:nvSpPr>
+        <p:spPr>
+          <a:xfrm>
+            <a:off x="3778623" y="1452282"/>
+            <a:ext cx="4058943" cy="914400"/>
+          </a:xfrm>
+          <a:prstGeom prst="rect">
+            <a:avLst/>
+          </a:prstGeom>
+        </p:spPr>
+        <p:style>
+          <a:lnRef idx="2">
+            <a:schemeClr val="accent1">
+              <a:shade val="15000"/>
+            </a:schemeClr>
+          </a:lnRef>
+          <a:fillRef idx="1">
+            <a:schemeClr val="accent1"/>
+          </a:fillRef>
+          <a:effectRef idx="0">
+            <a:schemeClr val="accent1"/>
+          </a:effectRef>
+          <a:fontRef idx="minor">
+            <a:schemeClr val="lt1"/>
+          </a:fontRef>
+        </p:style>
+        <p:txBody>
+          <a:bodyPr rtlCol="0" anchor="ctr"/>
+          <a:lstStyle/>
+          <a:p>
+            <a:pPr algn="ctr"/>
+            <a:r>
+              <a:rPr lang="en-US" dirty="0"/>
+              <a:t>User</a:t>
+            </a:r>
+          </a:p>
+        </p:txBody>
+      </p:sp>
+      <p:sp>
+        <p:nvSpPr>
+          <p:cNvPr id="5" name="Rectangle 4">
+            <a:extLst>
+              <a:ext uri="{FF2B5EF4-FFF2-40B4-BE49-F238E27FC236}">
+                <a16:creationId xmlns:a16="http://schemas.microsoft.com/office/drawing/2014/main" id="{F9C6866E-AAAD-2EFC-ACCF-76757EF075A6}"/>
+              </a:ext>
+            </a:extLst>
+          </p:cNvPr>
+          <p:cNvSpPr/>
+          <p:nvPr/>
+        </p:nvSpPr>
+        <p:spPr>
+          <a:xfrm>
+            <a:off x="3778622" y="2777845"/>
+            <a:ext cx="4058943" cy="914400"/>
+          </a:xfrm>
+          <a:prstGeom prst="rect">
+            <a:avLst/>
+          </a:prstGeom>
+        </p:spPr>
+        <p:style>
+          <a:lnRef idx="2">
+            <a:schemeClr val="accent1">
+              <a:shade val="15000"/>
+            </a:schemeClr>
+          </a:lnRef>
+          <a:fillRef idx="1">
+            <a:schemeClr val="accent1"/>
+          </a:fillRef>
+          <a:effectRef idx="0">
+            <a:schemeClr val="accent1"/>
+          </a:effectRef>
+          <a:fontRef idx="minor">
+            <a:schemeClr val="lt1"/>
+          </a:fontRef>
+        </p:style>
+        <p:txBody>
+          <a:bodyPr rtlCol="0" anchor="ctr"/>
+          <a:lstStyle/>
+          <a:p>
+            <a:pPr algn="ctr"/>
+            <a:r>
+              <a:rPr lang="en-US" dirty="0"/>
+              <a:t>Frontend (Views)</a:t>
+            </a:r>
+          </a:p>
+        </p:txBody>
+      </p:sp>
+      <p:sp>
+        <p:nvSpPr>
+          <p:cNvPr id="6" name="Rectangle 5">
+            <a:extLst>
+              <a:ext uri="{FF2B5EF4-FFF2-40B4-BE49-F238E27FC236}">
+                <a16:creationId xmlns:a16="http://schemas.microsoft.com/office/drawing/2014/main" id="{34191FA1-3FE8-9024-8A54-7B30BD78756B}"/>
+              </a:ext>
+            </a:extLst>
+          </p:cNvPr>
+          <p:cNvSpPr/>
+          <p:nvPr/>
+        </p:nvSpPr>
+        <p:spPr>
+          <a:xfrm>
+            <a:off x="3778622" y="4948518"/>
+            <a:ext cx="4058943" cy="914400"/>
+          </a:xfrm>
+          <a:prstGeom prst="rect">
+            <a:avLst/>
+          </a:prstGeom>
+        </p:spPr>
+        <p:style>
+          <a:lnRef idx="2">
+            <a:schemeClr val="accent1">
+              <a:shade val="15000"/>
+            </a:schemeClr>
+          </a:lnRef>
+          <a:fillRef idx="1">
+            <a:schemeClr val="accent1"/>
+          </a:fillRef>
+          <a:effectRef idx="0">
+            <a:schemeClr val="accent1"/>
+          </a:effectRef>
+          <a:fontRef idx="minor">
+            <a:schemeClr val="lt1"/>
+          </a:fontRef>
+        </p:style>
+        <p:txBody>
+          <a:bodyPr rtlCol="0" anchor="ctr"/>
+          <a:lstStyle/>
+          <a:p>
+            <a:pPr algn="ctr"/>
+            <a:r>
+              <a:rPr lang="en-US" dirty="0"/>
+              <a:t>Server (Node App)</a:t>
+            </a:r>
+          </a:p>
+        </p:txBody>
+      </p:sp>
+      <p:sp>
+        <p:nvSpPr>
+          <p:cNvPr id="7" name="Rectangle 6">
+            <a:extLst>
+              <a:ext uri="{FF2B5EF4-FFF2-40B4-BE49-F238E27FC236}">
+                <a16:creationId xmlns:a16="http://schemas.microsoft.com/office/drawing/2014/main" id="{C2CB0C5E-3FA2-15B0-ACEC-AA7763302034}"/>
+              </a:ext>
+            </a:extLst>
+          </p:cNvPr>
+          <p:cNvSpPr/>
+          <p:nvPr/>
+        </p:nvSpPr>
+        <p:spPr>
+          <a:xfrm>
+            <a:off x="3778621" y="6230657"/>
+            <a:ext cx="4058943" cy="524436"/>
+          </a:xfrm>
+          <a:prstGeom prst="rect">
+            <a:avLst/>
+          </a:prstGeom>
+        </p:spPr>
+        <p:style>
+          <a:lnRef idx="2">
+            <a:schemeClr val="accent1">
+              <a:shade val="15000"/>
+            </a:schemeClr>
+          </a:lnRef>
+          <a:fillRef idx="1">
+            <a:schemeClr val="accent1"/>
+          </a:fillRef>
+          <a:effectRef idx="0">
+            <a:schemeClr val="accent1"/>
+          </a:effectRef>
+          <a:fontRef idx="minor">
+            <a:schemeClr val="lt1"/>
+          </a:fontRef>
+        </p:style>
+        <p:txBody>
+          <a:bodyPr rtlCol="0" anchor="ctr"/>
+          <a:lstStyle/>
+          <a:p>
+            <a:pPr algn="ctr"/>
+            <a:r>
+              <a:rPr lang="en-US" dirty="0"/>
+              <a:t>Database</a:t>
+            </a:r>
+          </a:p>
+        </p:txBody>
+      </p:sp>
+      <p:cxnSp>
+        <p:nvCxnSpPr>
+          <p:cNvPr id="9" name="Straight Arrow Connector 8">
+            <a:extLst>
+              <a:ext uri="{FF2B5EF4-FFF2-40B4-BE49-F238E27FC236}">
+                <a16:creationId xmlns:a16="http://schemas.microsoft.com/office/drawing/2014/main" id="{0EAED073-0F77-781D-E3C5-53D52153E47D}"/>
+              </a:ext>
+            </a:extLst>
+          </p:cNvPr>
+          <p:cNvCxnSpPr>
+            <a:stCxn id="4" idx="2"/>
+            <a:endCxn id="5" idx="0"/>
+          </p:cNvCxnSpPr>
+          <p:nvPr/>
+        </p:nvCxnSpPr>
+        <p:spPr>
+          <a:xfrm flipH="1">
+            <a:off x="5808094" y="2366682"/>
+            <a:ext cx="1" cy="411163"/>
+          </a:xfrm>
+          <a:prstGeom prst="straightConnector1">
+            <a:avLst/>
+          </a:prstGeom>
+          <a:ln>
+            <a:tailEnd type="triangle"/>
+          </a:ln>
+        </p:spPr>
+        <p:style>
+          <a:lnRef idx="2">
+            <a:schemeClr val="accent1"/>
+          </a:lnRef>
+          <a:fillRef idx="0">
+            <a:schemeClr val="accent1"/>
+          </a:fillRef>
+          <a:effectRef idx="1">
+            <a:schemeClr val="accent1"/>
+          </a:effectRef>
+          <a:fontRef idx="minor">
+            <a:schemeClr val="tx1"/>
+          </a:fontRef>
+        </p:style>
+      </p:cxnSp>
+      <p:cxnSp>
+        <p:nvCxnSpPr>
+          <p:cNvPr id="11" name="Straight Arrow Connector 10">
+            <a:extLst>
+              <a:ext uri="{FF2B5EF4-FFF2-40B4-BE49-F238E27FC236}">
+                <a16:creationId xmlns:a16="http://schemas.microsoft.com/office/drawing/2014/main" id="{38C072DC-8D58-1C27-708F-B44E8649E887}"/>
+              </a:ext>
+            </a:extLst>
+          </p:cNvPr>
+          <p:cNvCxnSpPr>
+            <a:stCxn id="5" idx="2"/>
+            <a:endCxn id="6" idx="0"/>
+          </p:cNvCxnSpPr>
+          <p:nvPr/>
+        </p:nvCxnSpPr>
+        <p:spPr>
+          <a:xfrm>
+            <a:off x="5808094" y="3692245"/>
+            <a:ext cx="0" cy="1256273"/>
+          </a:xfrm>
+          <a:prstGeom prst="straightConnector1">
+            <a:avLst/>
+          </a:prstGeom>
+          <a:ln>
+            <a:tailEnd type="triangle"/>
+          </a:ln>
+        </p:spPr>
+        <p:style>
+          <a:lnRef idx="2">
+            <a:schemeClr val="accent1"/>
+          </a:lnRef>
+          <a:fillRef idx="0">
+            <a:schemeClr val="accent1"/>
+          </a:fillRef>
+          <a:effectRef idx="1">
+            <a:schemeClr val="accent1"/>
+          </a:effectRef>
+          <a:fontRef idx="minor">
+            <a:schemeClr val="tx1"/>
+          </a:fontRef>
+        </p:style>
+      </p:cxnSp>
+      <p:cxnSp>
+        <p:nvCxnSpPr>
+          <p:cNvPr id="13" name="Straight Arrow Connector 12">
+            <a:extLst>
+              <a:ext uri="{FF2B5EF4-FFF2-40B4-BE49-F238E27FC236}">
+                <a16:creationId xmlns:a16="http://schemas.microsoft.com/office/drawing/2014/main" id="{3BFBC177-4E47-C13A-FCB0-746F0CD7758C}"/>
+              </a:ext>
+            </a:extLst>
+          </p:cNvPr>
+          <p:cNvCxnSpPr>
+            <a:stCxn id="6" idx="2"/>
+            <a:endCxn id="7" idx="0"/>
+          </p:cNvCxnSpPr>
+          <p:nvPr/>
+        </p:nvCxnSpPr>
+        <p:spPr>
+          <a:xfrm flipH="1">
+            <a:off x="5808093" y="5862918"/>
+            <a:ext cx="1" cy="367739"/>
+          </a:xfrm>
+          <a:prstGeom prst="straightConnector1">
+            <a:avLst/>
+          </a:prstGeom>
+          <a:ln>
+            <a:tailEnd type="triangle"/>
+          </a:ln>
+        </p:spPr>
+        <p:style>
+          <a:lnRef idx="2">
+            <a:schemeClr val="accent1"/>
+          </a:lnRef>
+          <a:fillRef idx="0">
+            <a:schemeClr val="accent1"/>
+          </a:fillRef>
+          <a:effectRef idx="1">
+            <a:schemeClr val="accent1"/>
+          </a:effectRef>
+          <a:fontRef idx="minor">
+            <a:schemeClr val="tx1"/>
+          </a:fontRef>
+        </p:style>
+      </p:cxnSp>
+      <p:sp>
+        <p:nvSpPr>
+          <p:cNvPr id="14" name="TextBox 13">
+            <a:extLst>
+              <a:ext uri="{FF2B5EF4-FFF2-40B4-BE49-F238E27FC236}">
+                <a16:creationId xmlns:a16="http://schemas.microsoft.com/office/drawing/2014/main" id="{77FA96EF-3639-752C-0BBC-2AE29CE50E60}"/>
+              </a:ext>
+            </a:extLst>
+          </p:cNvPr>
+          <p:cNvSpPr txBox="1"/>
+          <p:nvPr/>
+        </p:nvSpPr>
+        <p:spPr>
+          <a:xfrm>
+            <a:off x="4545103" y="4059984"/>
+            <a:ext cx="1012072" cy="369332"/>
+          </a:xfrm>
+          <a:prstGeom prst="rect">
+            <a:avLst/>
+          </a:prstGeom>
+          <a:noFill/>
+        </p:spPr>
+        <p:txBody>
+          <a:bodyPr wrap="none" rtlCol="0">
+            <a:spAutoFit/>
+          </a:bodyPr>
+          <a:lstStyle/>
+          <a:p>
+            <a:r>
+              <a:rPr lang="en-US" dirty="0"/>
+              <a:t>Request</a:t>
+            </a:r>
+          </a:p>
+        </p:txBody>
+      </p:sp>
+      <p:sp>
+        <p:nvSpPr>
+          <p:cNvPr id="15" name="Rectangle 14">
+            <a:extLst>
+              <a:ext uri="{FF2B5EF4-FFF2-40B4-BE49-F238E27FC236}">
+                <a16:creationId xmlns:a16="http://schemas.microsoft.com/office/drawing/2014/main" id="{94A89D1A-5C50-8E52-1AFC-EAC1383C048C}"/>
+              </a:ext>
+            </a:extLst>
+          </p:cNvPr>
+          <p:cNvSpPr/>
+          <p:nvPr/>
+        </p:nvSpPr>
+        <p:spPr>
+          <a:xfrm>
+            <a:off x="8942293" y="2891118"/>
+            <a:ext cx="2663549" cy="801127"/>
+          </a:xfrm>
+          <a:prstGeom prst="rect">
+            <a:avLst/>
+          </a:prstGeom>
+          <a:solidFill>
+            <a:schemeClr val="accent2"/>
+          </a:solidFill>
+        </p:spPr>
+        <p:style>
+          <a:lnRef idx="2">
+            <a:schemeClr val="accent1">
+              <a:shade val="15000"/>
+            </a:schemeClr>
+          </a:lnRef>
+          <a:fillRef idx="1">
+            <a:schemeClr val="accent1"/>
+          </a:fillRef>
+          <a:effectRef idx="0">
+            <a:schemeClr val="accent1"/>
+          </a:effectRef>
+          <a:fontRef idx="minor">
+            <a:schemeClr val="lt1"/>
+          </a:fontRef>
+        </p:style>
+        <p:txBody>
+          <a:bodyPr rtlCol="0" anchor="ctr"/>
+          <a:lstStyle/>
+          <a:p>
+            <a:pPr algn="ctr"/>
+            <a:r>
+              <a:rPr lang="en-US" dirty="0">
+                <a:ln w="0"/>
+                <a:solidFill>
+                  <a:schemeClr val="tx1"/>
+                </a:solidFill>
+                <a:effectLst>
+                  <a:outerShdw blurRad="38100" dist="19050" dir="2700000" algn="tl" rotWithShape="0">
+                    <a:schemeClr val="dk1">
+                      <a:alpha val="40000"/>
+                    </a:schemeClr>
+                  </a:outerShdw>
+                </a:effectLst>
+              </a:rPr>
+              <a:t>Cookie</a:t>
+            </a:r>
+          </a:p>
+        </p:txBody>
+      </p:sp>
+      <p:sp>
+        <p:nvSpPr>
+          <p:cNvPr id="16" name="Rectangle 15">
+            <a:extLst>
+              <a:ext uri="{FF2B5EF4-FFF2-40B4-BE49-F238E27FC236}">
+                <a16:creationId xmlns:a16="http://schemas.microsoft.com/office/drawing/2014/main" id="{350D2D53-C949-FE4E-7096-2D12D5F97A9F}"/>
+              </a:ext>
+            </a:extLst>
+          </p:cNvPr>
+          <p:cNvSpPr/>
+          <p:nvPr/>
+        </p:nvSpPr>
+        <p:spPr>
+          <a:xfrm>
+            <a:off x="8942292" y="5061791"/>
+            <a:ext cx="2663549" cy="801127"/>
+          </a:xfrm>
+          <a:prstGeom prst="rect">
+            <a:avLst/>
+          </a:prstGeom>
+          <a:solidFill>
+            <a:schemeClr val="accent2"/>
+          </a:solidFill>
+        </p:spPr>
+        <p:style>
+          <a:lnRef idx="2">
+            <a:schemeClr val="accent1">
+              <a:shade val="15000"/>
+            </a:schemeClr>
+          </a:lnRef>
+          <a:fillRef idx="1">
+            <a:schemeClr val="accent1"/>
+          </a:fillRef>
+          <a:effectRef idx="0">
+            <a:schemeClr val="accent1"/>
+          </a:effectRef>
+          <a:fontRef idx="minor">
+            <a:schemeClr val="lt1"/>
+          </a:fontRef>
+        </p:style>
+        <p:txBody>
+          <a:bodyPr rtlCol="0" anchor="ctr"/>
+          <a:lstStyle/>
+          <a:p>
+            <a:pPr algn="ctr"/>
+            <a:r>
+              <a:rPr lang="en-US" dirty="0">
+                <a:ln w="0"/>
+                <a:solidFill>
+                  <a:schemeClr val="tx1"/>
+                </a:solidFill>
+                <a:effectLst>
+                  <a:outerShdw blurRad="38100" dist="19050" dir="2700000" algn="tl" rotWithShape="0">
+                    <a:schemeClr val="dk1">
+                      <a:alpha val="40000"/>
+                    </a:schemeClr>
+                  </a:outerShdw>
+                </a:effectLst>
+              </a:rPr>
+              <a:t>Session</a:t>
+            </a:r>
+          </a:p>
+        </p:txBody>
+      </p:sp>
+      <p:cxnSp>
+        <p:nvCxnSpPr>
+          <p:cNvPr id="18" name="Straight Arrow Connector 17">
+            <a:extLst>
+              <a:ext uri="{FF2B5EF4-FFF2-40B4-BE49-F238E27FC236}">
+                <a16:creationId xmlns:a16="http://schemas.microsoft.com/office/drawing/2014/main" id="{EA5B256C-B805-C521-0D35-18D264E04059}"/>
+              </a:ext>
+            </a:extLst>
+          </p:cNvPr>
+          <p:cNvCxnSpPr>
+            <a:stCxn id="5" idx="3"/>
+            <a:endCxn id="15" idx="1"/>
+          </p:cNvCxnSpPr>
+          <p:nvPr/>
+        </p:nvCxnSpPr>
+        <p:spPr>
+          <a:xfrm>
+            <a:off x="7837565" y="3235045"/>
+            <a:ext cx="1104728" cy="56637"/>
+          </a:xfrm>
+          <a:prstGeom prst="straightConnector1">
+            <a:avLst/>
+          </a:prstGeom>
+          <a:ln>
+            <a:tailEnd type="triangle"/>
+          </a:ln>
+        </p:spPr>
+        <p:style>
+          <a:lnRef idx="2">
+            <a:schemeClr val="accent1"/>
+          </a:lnRef>
+          <a:fillRef idx="0">
+            <a:schemeClr val="accent1"/>
+          </a:fillRef>
+          <a:effectRef idx="1">
+            <a:schemeClr val="accent1"/>
+          </a:effectRef>
+          <a:fontRef idx="minor">
+            <a:schemeClr val="tx1"/>
+          </a:fontRef>
+        </p:style>
+      </p:cxnSp>
+      <p:cxnSp>
+        <p:nvCxnSpPr>
+          <p:cNvPr id="20" name="Straight Arrow Connector 19">
+            <a:extLst>
+              <a:ext uri="{FF2B5EF4-FFF2-40B4-BE49-F238E27FC236}">
+                <a16:creationId xmlns:a16="http://schemas.microsoft.com/office/drawing/2014/main" id="{A2517FC0-F8A8-0C8A-BC78-9F7D8288F182}"/>
+              </a:ext>
+            </a:extLst>
+          </p:cNvPr>
+          <p:cNvCxnSpPr>
+            <a:stCxn id="6" idx="3"/>
+            <a:endCxn id="16" idx="1"/>
+          </p:cNvCxnSpPr>
+          <p:nvPr/>
+        </p:nvCxnSpPr>
+        <p:spPr>
+          <a:xfrm>
+            <a:off x="7837565" y="5405718"/>
+            <a:ext cx="1104727" cy="56637"/>
+          </a:xfrm>
+          <a:prstGeom prst="straightConnector1">
+            <a:avLst/>
+          </a:prstGeom>
+          <a:ln>
+            <a:tailEnd type="triangle"/>
+          </a:ln>
+        </p:spPr>
+        <p:style>
+          <a:lnRef idx="2">
+            <a:schemeClr val="accent1"/>
+          </a:lnRef>
+          <a:fillRef idx="0">
+            <a:schemeClr val="accent1"/>
+          </a:fillRef>
+          <a:effectRef idx="1">
+            <a:schemeClr val="accent1"/>
+          </a:effectRef>
+          <a:fontRef idx="minor">
+            <a:schemeClr val="tx1"/>
+          </a:fontRef>
+        </p:style>
+      </p:cxnSp>
+      <p:sp>
+        <p:nvSpPr>
+          <p:cNvPr id="21" name="TextBox 20">
+            <a:extLst>
+              <a:ext uri="{FF2B5EF4-FFF2-40B4-BE49-F238E27FC236}">
+                <a16:creationId xmlns:a16="http://schemas.microsoft.com/office/drawing/2014/main" id="{B1E1A372-A96F-ABC3-9702-9E0DEF4074F4}"/>
+              </a:ext>
+            </a:extLst>
+          </p:cNvPr>
+          <p:cNvSpPr txBox="1"/>
+          <p:nvPr/>
+        </p:nvSpPr>
+        <p:spPr>
+          <a:xfrm>
+            <a:off x="8942292" y="3831002"/>
+            <a:ext cx="2241521" cy="923330"/>
+          </a:xfrm>
+          <a:prstGeom prst="rect">
+            <a:avLst/>
+          </a:prstGeom>
+          <a:noFill/>
+        </p:spPr>
+        <p:txBody>
+          <a:bodyPr wrap="square" rtlCol="0">
+            <a:spAutoFit/>
+          </a:bodyPr>
+          <a:lstStyle/>
+          <a:p>
+            <a:r>
+              <a:rPr lang="en-US" dirty="0"/>
+              <a:t>Associated with user/client via cookie</a:t>
+            </a:r>
+          </a:p>
+        </p:txBody>
+      </p:sp>
+      <p:sp>
+        <p:nvSpPr>
+          <p:cNvPr id="22" name="TextBox 21">
+            <a:extLst>
+              <a:ext uri="{FF2B5EF4-FFF2-40B4-BE49-F238E27FC236}">
+                <a16:creationId xmlns:a16="http://schemas.microsoft.com/office/drawing/2014/main" id="{094987E8-932C-1ED3-D6E1-4732B0BC20A3}"/>
+              </a:ext>
+            </a:extLst>
+          </p:cNvPr>
+          <p:cNvSpPr txBox="1"/>
+          <p:nvPr/>
+        </p:nvSpPr>
+        <p:spPr>
+          <a:xfrm>
+            <a:off x="9112279" y="5898712"/>
+            <a:ext cx="2241521" cy="369332"/>
+          </a:xfrm>
+          <a:prstGeom prst="rect">
+            <a:avLst/>
+          </a:prstGeom>
+          <a:noFill/>
+        </p:spPr>
+        <p:txBody>
+          <a:bodyPr wrap="square" rtlCol="0">
+            <a:spAutoFit/>
+          </a:bodyPr>
+          <a:lstStyle/>
+          <a:p>
+            <a:r>
+              <a:rPr lang="en-US" dirty="0"/>
+              <a:t>Session Storage</a:t>
+            </a:r>
+          </a:p>
+        </p:txBody>
+      </p:sp>
+    </p:spTree>
+    <p:extLst>
+      <p:ext uri="{BB962C8B-B14F-4D97-AF65-F5344CB8AC3E}">
+        <p14:creationId xmlns:p14="http://schemas.microsoft.com/office/powerpoint/2010/main" val="167898073"/>
       </p:ext>
     </p:extLst>
   </p:cSld>
@@ -28425,6 +29132,286 @@
     <p:extLst>
       <p:ext uri="{BB962C8B-B14F-4D97-AF65-F5344CB8AC3E}">
         <p14:creationId xmlns:p14="http://schemas.microsoft.com/office/powerpoint/2010/main" val="115697764"/>
+      </p:ext>
+    </p:extLst>
+  </p:cSld>
+  <p:clrMapOvr>
+    <a:masterClrMapping/>
+  </p:clrMapOvr>
+</p:sld>
+</file>
+
+<file path=ppt/slides/slide80.xml><?xml version="1.0" encoding="utf-8"?>
+<p:sld xmlns:a="http://schemas.openxmlformats.org/drawingml/2006/main" xmlns:r="http://schemas.openxmlformats.org/officeDocument/2006/relationships" xmlns:p="http://schemas.openxmlformats.org/presentationml/2006/main">
+  <p:cSld>
+    <p:spTree>
+      <p:nvGrpSpPr>
+        <p:cNvPr id="1" name="">
+          <a:extLst>
+            <a:ext uri="{FF2B5EF4-FFF2-40B4-BE49-F238E27FC236}">
+              <a16:creationId xmlns:a16="http://schemas.microsoft.com/office/drawing/2014/main" id="{0CAC5AE7-75DC-1D35-202B-41E1A4572A8E}"/>
+            </a:ext>
+          </a:extLst>
+        </p:cNvPr>
+        <p:cNvGrpSpPr/>
+        <p:nvPr/>
+      </p:nvGrpSpPr>
+      <p:grpSpPr>
+        <a:xfrm>
+          <a:off x="0" y="0"/>
+          <a:ext cx="0" cy="0"/>
+          <a:chOff x="0" y="0"/>
+          <a:chExt cx="0" cy="0"/>
+        </a:xfrm>
+      </p:grpSpPr>
+      <p:sp>
+        <p:nvSpPr>
+          <p:cNvPr id="3" name="Content Placeholder 2">
+            <a:extLst>
+              <a:ext uri="{FF2B5EF4-FFF2-40B4-BE49-F238E27FC236}">
+                <a16:creationId xmlns:a16="http://schemas.microsoft.com/office/drawing/2014/main" id="{517018D5-5171-31D3-C5F9-F350632E32C6}"/>
+              </a:ext>
+            </a:extLst>
+          </p:cNvPr>
+          <p:cNvSpPr>
+            <a:spLocks noGrp="1"/>
+          </p:cNvSpPr>
+          <p:nvPr>
+            <p:ph idx="1"/>
+          </p:nvPr>
+        </p:nvSpPr>
+        <p:spPr>
+          <a:xfrm>
+            <a:off x="838200" y="322729"/>
+            <a:ext cx="10515600" cy="5854234"/>
+          </a:xfrm>
+        </p:spPr>
+        <p:txBody>
+          <a:bodyPr/>
+          <a:lstStyle/>
+          <a:p>
+            <a:r>
+              <a:rPr lang="en-US" dirty="0"/>
+              <a:t>Creating the Login form</a:t>
+            </a:r>
+          </a:p>
+          <a:p>
+            <a:r>
+              <a:rPr lang="en-US" dirty="0"/>
+              <a:t>Request driven login solution</a:t>
+            </a:r>
+          </a:p>
+          <a:p>
+            <a:r>
+              <a:rPr lang="en-US" dirty="0"/>
+              <a:t>Setting a Cookie</a:t>
+            </a:r>
+          </a:p>
+          <a:p>
+            <a:r>
+              <a:rPr lang="en-US" dirty="0"/>
+              <a:t>Manipulating cookies</a:t>
+            </a:r>
+          </a:p>
+          <a:p>
+            <a:r>
+              <a:rPr lang="en-US" dirty="0"/>
+              <a:t>Configuring cookies</a:t>
+            </a:r>
+          </a:p>
+          <a:p>
+            <a:r>
+              <a:rPr lang="en-US" dirty="0"/>
+              <a:t>Initializing the session middleware</a:t>
+            </a:r>
+          </a:p>
+          <a:p>
+            <a:r>
+              <a:rPr lang="en-US" dirty="0"/>
+              <a:t>Using the session middleware</a:t>
+            </a:r>
+          </a:p>
+          <a:p>
+            <a:r>
+              <a:rPr lang="en-US" dirty="0"/>
+              <a:t>Using MongoDB to store sessions</a:t>
+            </a:r>
+          </a:p>
+          <a:p>
+            <a:r>
+              <a:rPr lang="en-US" dirty="0"/>
+              <a:t>Deleting a Cookie</a:t>
+            </a:r>
+          </a:p>
+          <a:p>
+            <a:endParaRPr lang="en-US" dirty="0"/>
+          </a:p>
+        </p:txBody>
+      </p:sp>
+    </p:spTree>
+    <p:extLst>
+      <p:ext uri="{BB962C8B-B14F-4D97-AF65-F5344CB8AC3E}">
+        <p14:creationId xmlns:p14="http://schemas.microsoft.com/office/powerpoint/2010/main" val="2684744492"/>
+      </p:ext>
+    </p:extLst>
+  </p:cSld>
+  <p:clrMapOvr>
+    <a:masterClrMapping/>
+  </p:clrMapOvr>
+</p:sld>
+</file>
+
+<file path=ppt/slides/slide81.xml><?xml version="1.0" encoding="utf-8"?>
+<p:sld xmlns:a="http://schemas.openxmlformats.org/drawingml/2006/main" xmlns:r="http://schemas.openxmlformats.org/officeDocument/2006/relationships" xmlns:p="http://schemas.openxmlformats.org/presentationml/2006/main">
+  <p:cSld>
+    <p:spTree>
+      <p:nvGrpSpPr>
+        <p:cNvPr id="1" name=""/>
+        <p:cNvGrpSpPr/>
+        <p:nvPr/>
+      </p:nvGrpSpPr>
+      <p:grpSpPr>
+        <a:xfrm>
+          <a:off x="0" y="0"/>
+          <a:ext cx="0" cy="0"/>
+          <a:chOff x="0" y="0"/>
+          <a:chExt cx="0" cy="0"/>
+        </a:xfrm>
+      </p:grpSpPr>
+      <p:sp>
+        <p:nvSpPr>
+          <p:cNvPr id="2" name="Title 1">
+            <a:extLst>
+              <a:ext uri="{FF2B5EF4-FFF2-40B4-BE49-F238E27FC236}">
+                <a16:creationId xmlns:a16="http://schemas.microsoft.com/office/drawing/2014/main" id="{0A3B1C71-9791-B49F-2E10-4C7AA5B4D907}"/>
+              </a:ext>
+            </a:extLst>
+          </p:cNvPr>
+          <p:cNvSpPr>
+            <a:spLocks noGrp="1"/>
+          </p:cNvSpPr>
+          <p:nvPr>
+            <p:ph type="title"/>
+          </p:nvPr>
+        </p:nvSpPr>
+        <p:spPr/>
+        <p:txBody>
+          <a:bodyPr/>
+          <a:lstStyle/>
+          <a:p>
+            <a:r>
+              <a:rPr lang="en-US" dirty="0"/>
+              <a:t>Module Summary</a:t>
+            </a:r>
+          </a:p>
+        </p:txBody>
+      </p:sp>
+      <p:sp>
+        <p:nvSpPr>
+          <p:cNvPr id="3" name="Content Placeholder 2">
+            <a:extLst>
+              <a:ext uri="{FF2B5EF4-FFF2-40B4-BE49-F238E27FC236}">
+                <a16:creationId xmlns:a16="http://schemas.microsoft.com/office/drawing/2014/main" id="{83526657-3E3F-5D05-E990-324110A1F485}"/>
+              </a:ext>
+            </a:extLst>
+          </p:cNvPr>
+          <p:cNvSpPr>
+            <a:spLocks noGrp="1"/>
+          </p:cNvSpPr>
+          <p:nvPr>
+            <p:ph idx="1"/>
+          </p:nvPr>
+        </p:nvSpPr>
+        <p:spPr/>
+        <p:txBody>
+          <a:bodyPr>
+            <a:normAutofit fontScale="70000" lnSpcReduction="20000"/>
+          </a:bodyPr>
+          <a:lstStyle/>
+          <a:p>
+            <a:pPr marL="0" indent="0">
+              <a:buNone/>
+            </a:pPr>
+            <a:r>
+              <a:rPr lang="en-US" dirty="0"/>
+              <a:t>Cookies</a:t>
+            </a:r>
+          </a:p>
+          <a:p>
+            <a:r>
+              <a:rPr lang="en-US" dirty="0"/>
+              <a:t>Great for storing data on the client (browser)</a:t>
+            </a:r>
+          </a:p>
+          <a:p>
+            <a:r>
+              <a:rPr lang="en-US" dirty="0"/>
+              <a:t>DO NOT store sensitive data here! It can be viewed + manipulated</a:t>
+            </a:r>
+          </a:p>
+          <a:p>
+            <a:r>
+              <a:rPr lang="en-US" dirty="0"/>
+              <a:t>Cookies can be configured to expire when the browser is closed or when a certain age/expiry date is reached</a:t>
+            </a:r>
+          </a:p>
+          <a:p>
+            <a:r>
+              <a:rPr lang="en-US" dirty="0"/>
+              <a:t>Works well together with Sessions</a:t>
+            </a:r>
+          </a:p>
+          <a:p>
+            <a:pPr marL="0" indent="0">
+              <a:buNone/>
+            </a:pPr>
+            <a:r>
+              <a:rPr lang="en-US" dirty="0"/>
+              <a:t>Sessions</a:t>
+            </a:r>
+          </a:p>
+          <a:p>
+            <a:r>
+              <a:rPr lang="en-US" dirty="0"/>
+              <a:t>Stored on the server, NOT on the client</a:t>
+            </a:r>
+          </a:p>
+          <a:p>
+            <a:r>
+              <a:rPr lang="en-US" dirty="0"/>
+              <a:t>Great for storing sensitive data that should survive across requests</a:t>
+            </a:r>
+          </a:p>
+          <a:p>
+            <a:r>
+              <a:rPr lang="en-US" dirty="0"/>
+              <a:t>You can store ANYTHING in sessions</a:t>
+            </a:r>
+          </a:p>
+          <a:p>
+            <a:r>
+              <a:rPr lang="en-US" dirty="0"/>
+              <a:t>Often used for storing user data/authentication status</a:t>
+            </a:r>
+          </a:p>
+          <a:p>
+            <a:r>
+              <a:rPr lang="en-US" dirty="0"/>
+              <a:t>Identified via Cookie (don’t mistake this with the term ‘Session Cookie’)</a:t>
+            </a:r>
+          </a:p>
+          <a:p>
+            <a:r>
+              <a:rPr lang="en-US" dirty="0"/>
+              <a:t>You can use different storages for saving your sessions on the server</a:t>
+            </a:r>
+          </a:p>
+        </p:txBody>
+      </p:sp>
+    </p:spTree>
+    <p:extLst>
+      <p:ext uri="{BB962C8B-B14F-4D97-AF65-F5344CB8AC3E}">
+        <p14:creationId xmlns:p14="http://schemas.microsoft.com/office/powerpoint/2010/main" val="750339018"/>
       </p:ext>
     </p:extLst>
   </p:cSld>
